--- a/Tutorials/images/build_microej_mono_sandbox_firmware_numbered.pptx
+++ b/Tutorials/images/build_microej_mono_sandbox_firmware_numbered.pptx
@@ -14,7 +14,7 @@
     <p:handoutMasterId r:id="rId7"/>
   </p:handoutMasterIdLst>
   <p:sldIdLst>
-    <p:sldId id="305" r:id="rId5"/>
+    <p:sldId id="306" r:id="rId5"/>
   </p:sldIdLst>
   <p:sldSz cx="12192000" cy="6858000"/>
   <p:notesSz cx="6858000" cy="9144000"/>
@@ -138,11 +138,7 @@
 <file path=ppt/commentAuthors.xml><?xml version="1.0" encoding="utf-8"?>
 <p:cmAuthorLst xmlns:a="http://schemas.openxmlformats.org/drawingml/2006/main" xmlns:r="http://schemas.openxmlformats.org/officeDocument/2006/relationships" xmlns:p="http://schemas.openxmlformats.org/presentationml/2006/main">
   <p:cmAuthor id="1" name="Jérôme Leroux" initials="JL" lastIdx="10" clrIdx="0">
-    <p:extLst>
-      <p:ext uri="{19B8F6BF-5375-455C-9EA6-DF929625EA0E}">
-        <p15:presenceInfo xmlns:p15="http://schemas.microsoft.com/office/powerpoint/2012/main" userId="be9668c8704a2840" providerId="Windows Live"/>
-      </p:ext>
-    </p:extLst>
+    <p:extLst/>
   </p:cmAuthor>
   <p:cmAuthor id="2" name="Rémy Louedec" initials="" lastIdx="0" clrIdx="1"/>
 </p:cmAuthorLst>
@@ -240,7 +236,7 @@
               <a:rPr lang="fr-FR" smtClean="0">
                 <a:latin typeface="Calibri Regular" charset="0"/>
               </a:rPr>
-              <a:t>28/09/2020</a:t>
+              <a:t>29/09/2020</a:t>
             </a:fld>
             <a:endParaRPr lang="en-US" dirty="0">
               <a:latin typeface="Calibri Regular" charset="0"/>
@@ -428,7 +424,7 @@
           <a:p>
             <a:fld id="{D125E8DA-58CB-F841-A404-E11EC1E2C988}" type="datetime1">
               <a:rPr lang="fr-FR" smtClean="0"/>
-              <a:t>28/09/2020</a:t>
+              <a:t>29/09/2020</a:t>
             </a:fld>
             <a:endParaRPr lang="en-US" dirty="0"/>
           </a:p>
@@ -28056,7 +28052,7 @@
           <p:cNvPr id="14" name="Slide Number Placeholder 5">
             <a:extLst>
               <a:ext uri="{FF2B5EF4-FFF2-40B4-BE49-F238E27FC236}">
-                <a16:creationId xmlns:a16="http://schemas.microsoft.com/office/drawing/2014/main" id="{D6A5EA0A-9DA9-564F-8F7D-CF263DB84C39}"/>
+                <a16:creationId xmlns:a16="http://schemas.microsoft.com/office/drawing/2014/main" xmlns="" id="{D6A5EA0A-9DA9-564F-8F7D-CF263DB84C39}"/>
               </a:ext>
             </a:extLst>
           </p:cNvPr>
@@ -28224,7 +28220,7 @@
           <p:cNvPr id="21" name="Straight Connector 20">
             <a:extLst>
               <a:ext uri="{FF2B5EF4-FFF2-40B4-BE49-F238E27FC236}">
-                <a16:creationId xmlns:a16="http://schemas.microsoft.com/office/drawing/2014/main" id="{F4443C96-B82D-F449-A71B-02134B6BB207}"/>
+                <a16:creationId xmlns:a16="http://schemas.microsoft.com/office/drawing/2014/main" xmlns="" id="{F4443C96-B82D-F449-A71B-02134B6BB207}"/>
               </a:ext>
             </a:extLst>
           </p:cNvPr>
@@ -28890,7 +28886,7 @@
           <p:cNvPr id="14" name="Slide Number Placeholder 5">
             <a:extLst>
               <a:ext uri="{FF2B5EF4-FFF2-40B4-BE49-F238E27FC236}">
-                <a16:creationId xmlns:a16="http://schemas.microsoft.com/office/drawing/2014/main" id="{D6A5EA0A-9DA9-564F-8F7D-CF263DB84C39}"/>
+                <a16:creationId xmlns:a16="http://schemas.microsoft.com/office/drawing/2014/main" xmlns="" id="{D6A5EA0A-9DA9-564F-8F7D-CF263DB84C39}"/>
               </a:ext>
             </a:extLst>
           </p:cNvPr>
@@ -29058,7 +29054,7 @@
           <p:cNvPr id="21" name="Straight Connector 20">
             <a:extLst>
               <a:ext uri="{FF2B5EF4-FFF2-40B4-BE49-F238E27FC236}">
-                <a16:creationId xmlns:a16="http://schemas.microsoft.com/office/drawing/2014/main" id="{F4443C96-B82D-F449-A71B-02134B6BB207}"/>
+                <a16:creationId xmlns:a16="http://schemas.microsoft.com/office/drawing/2014/main" xmlns="" id="{F4443C96-B82D-F449-A71B-02134B6BB207}"/>
               </a:ext>
             </a:extLst>
           </p:cNvPr>
@@ -29144,7 +29140,7 @@
           <p:cNvPr id="6" name="Slide Number Placeholder 5">
             <a:extLst>
               <a:ext uri="{FF2B5EF4-FFF2-40B4-BE49-F238E27FC236}">
-                <a16:creationId xmlns:a16="http://schemas.microsoft.com/office/drawing/2014/main" id="{D6A5EA0A-9DA9-564F-8F7D-CF263DB84C39}"/>
+                <a16:creationId xmlns:a16="http://schemas.microsoft.com/office/drawing/2014/main" xmlns="" id="{D6A5EA0A-9DA9-564F-8F7D-CF263DB84C39}"/>
               </a:ext>
             </a:extLst>
           </p:cNvPr>
@@ -29312,7 +29308,7 @@
           <p:cNvPr id="8" name="Straight Connector 7">
             <a:extLst>
               <a:ext uri="{FF2B5EF4-FFF2-40B4-BE49-F238E27FC236}">
-                <a16:creationId xmlns:a16="http://schemas.microsoft.com/office/drawing/2014/main" id="{F4443C96-B82D-F449-A71B-02134B6BB207}"/>
+                <a16:creationId xmlns:a16="http://schemas.microsoft.com/office/drawing/2014/main" xmlns="" id="{F4443C96-B82D-F449-A71B-02134B6BB207}"/>
               </a:ext>
             </a:extLst>
           </p:cNvPr>
@@ -30146,7 +30142,7 @@
           <p:cNvPr id="14" name="Slide Number Placeholder 5">
             <a:extLst>
               <a:ext uri="{FF2B5EF4-FFF2-40B4-BE49-F238E27FC236}">
-                <a16:creationId xmlns:a16="http://schemas.microsoft.com/office/drawing/2014/main" id="{D6A5EA0A-9DA9-564F-8F7D-CF263DB84C39}"/>
+                <a16:creationId xmlns:a16="http://schemas.microsoft.com/office/drawing/2014/main" xmlns="" id="{D6A5EA0A-9DA9-564F-8F7D-CF263DB84C39}"/>
               </a:ext>
             </a:extLst>
           </p:cNvPr>
@@ -30314,7 +30310,7 @@
           <p:cNvPr id="21" name="Straight Connector 20">
             <a:extLst>
               <a:ext uri="{FF2B5EF4-FFF2-40B4-BE49-F238E27FC236}">
-                <a16:creationId xmlns:a16="http://schemas.microsoft.com/office/drawing/2014/main" id="{F4443C96-B82D-F449-A71B-02134B6BB207}"/>
+                <a16:creationId xmlns:a16="http://schemas.microsoft.com/office/drawing/2014/main" xmlns="" id="{F4443C96-B82D-F449-A71B-02134B6BB207}"/>
               </a:ext>
             </a:extLst>
           </p:cNvPr>
@@ -30400,7 +30396,7 @@
           <p:cNvPr id="6" name="Slide Number Placeholder 5">
             <a:extLst>
               <a:ext uri="{FF2B5EF4-FFF2-40B4-BE49-F238E27FC236}">
-                <a16:creationId xmlns:a16="http://schemas.microsoft.com/office/drawing/2014/main" id="{D6A5EA0A-9DA9-564F-8F7D-CF263DB84C39}"/>
+                <a16:creationId xmlns:a16="http://schemas.microsoft.com/office/drawing/2014/main" xmlns="" id="{D6A5EA0A-9DA9-564F-8F7D-CF263DB84C39}"/>
               </a:ext>
             </a:extLst>
           </p:cNvPr>
@@ -30568,7 +30564,7 @@
           <p:cNvPr id="8" name="Straight Connector 7">
             <a:extLst>
               <a:ext uri="{FF2B5EF4-FFF2-40B4-BE49-F238E27FC236}">
-                <a16:creationId xmlns:a16="http://schemas.microsoft.com/office/drawing/2014/main" id="{F4443C96-B82D-F449-A71B-02134B6BB207}"/>
+                <a16:creationId xmlns:a16="http://schemas.microsoft.com/office/drawing/2014/main" xmlns="" id="{F4443C96-B82D-F449-A71B-02134B6BB207}"/>
               </a:ext>
             </a:extLst>
           </p:cNvPr>
@@ -31402,7 +31398,7 @@
           <p:cNvPr id="14" name="Slide Number Placeholder 5">
             <a:extLst>
               <a:ext uri="{FF2B5EF4-FFF2-40B4-BE49-F238E27FC236}">
-                <a16:creationId xmlns:a16="http://schemas.microsoft.com/office/drawing/2014/main" id="{D6A5EA0A-9DA9-564F-8F7D-CF263DB84C39}"/>
+                <a16:creationId xmlns:a16="http://schemas.microsoft.com/office/drawing/2014/main" xmlns="" id="{D6A5EA0A-9DA9-564F-8F7D-CF263DB84C39}"/>
               </a:ext>
             </a:extLst>
           </p:cNvPr>
@@ -31570,7 +31566,7 @@
           <p:cNvPr id="21" name="Straight Connector 20">
             <a:extLst>
               <a:ext uri="{FF2B5EF4-FFF2-40B4-BE49-F238E27FC236}">
-                <a16:creationId xmlns:a16="http://schemas.microsoft.com/office/drawing/2014/main" id="{F4443C96-B82D-F449-A71B-02134B6BB207}"/>
+                <a16:creationId xmlns:a16="http://schemas.microsoft.com/office/drawing/2014/main" xmlns="" id="{F4443C96-B82D-F449-A71B-02134B6BB207}"/>
               </a:ext>
             </a:extLst>
           </p:cNvPr>
@@ -31656,7 +31652,7 @@
           <p:cNvPr id="6" name="Slide Number Placeholder 5">
             <a:extLst>
               <a:ext uri="{FF2B5EF4-FFF2-40B4-BE49-F238E27FC236}">
-                <a16:creationId xmlns:a16="http://schemas.microsoft.com/office/drawing/2014/main" id="{D6A5EA0A-9DA9-564F-8F7D-CF263DB84C39}"/>
+                <a16:creationId xmlns:a16="http://schemas.microsoft.com/office/drawing/2014/main" xmlns="" id="{D6A5EA0A-9DA9-564F-8F7D-CF263DB84C39}"/>
               </a:ext>
             </a:extLst>
           </p:cNvPr>
@@ -31824,7 +31820,7 @@
           <p:cNvPr id="8" name="Straight Connector 7">
             <a:extLst>
               <a:ext uri="{FF2B5EF4-FFF2-40B4-BE49-F238E27FC236}">
-                <a16:creationId xmlns:a16="http://schemas.microsoft.com/office/drawing/2014/main" id="{F4443C96-B82D-F449-A71B-02134B6BB207}"/>
+                <a16:creationId xmlns:a16="http://schemas.microsoft.com/office/drawing/2014/main" xmlns="" id="{F4443C96-B82D-F449-A71B-02134B6BB207}"/>
               </a:ext>
             </a:extLst>
           </p:cNvPr>
@@ -32650,68 +32646,291 @@
       </p:grpSpPr>
       <p:sp>
         <p:nvSpPr>
-          <p:cNvPr id="2" name="Text Placeholder 1"/>
-          <p:cNvSpPr>
-            <a:spLocks noGrp="1"/>
-          </p:cNvSpPr>
-          <p:nvPr>
-            <p:ph type="body" idx="1"/>
-          </p:nvPr>
+          <p:cNvPr id="93" name="Rounded Rectangle 92"/>
+          <p:cNvSpPr/>
+          <p:nvPr/>
         </p:nvSpPr>
-        <p:spPr/>
+        <p:spPr>
+          <a:xfrm>
+            <a:off x="3949564" y="3709966"/>
+            <a:ext cx="7828202" cy="2533474"/>
+          </a:xfrm>
+          <a:prstGeom prst="roundRect">
+            <a:avLst>
+              <a:gd name="adj" fmla="val 4115"/>
+            </a:avLst>
+          </a:prstGeom>
+          <a:solidFill>
+            <a:schemeClr val="bg1"/>
+          </a:solidFill>
+          <a:ln w="12700">
+            <a:solidFill>
+              <a:schemeClr val="bg2"/>
+            </a:solidFill>
+          </a:ln>
+        </p:spPr>
+        <p:style>
+          <a:lnRef idx="2">
+            <a:schemeClr val="accent1">
+              <a:shade val="50000"/>
+            </a:schemeClr>
+          </a:lnRef>
+          <a:fillRef idx="1">
+            <a:schemeClr val="accent1"/>
+          </a:fillRef>
+          <a:effectRef idx="0">
+            <a:schemeClr val="accent1"/>
+          </a:effectRef>
+          <a:fontRef idx="minor">
+            <a:schemeClr val="lt1"/>
+          </a:fontRef>
+        </p:style>
         <p:txBody>
-          <a:bodyPr/>
+          <a:bodyPr rtlCol="0" anchor="ctr"/>
           <a:lstStyle/>
           <a:p>
-            <a:r>
-              <a:rPr lang="en-US" sz="2400" dirty="0"/>
-              <a:t>Firmware Build Flow</a:t>
-            </a:r>
-            <a:endParaRPr lang="en-GB" sz="2400" dirty="0"/>
+            <a:pPr algn="ctr"/>
+            <a:endParaRPr lang="en-US" dirty="0"/>
           </a:p>
         </p:txBody>
       </p:sp>
       <p:sp>
         <p:nvSpPr>
-          <p:cNvPr id="4" name="Title 3"/>
-          <p:cNvSpPr>
-            <a:spLocks noGrp="1"/>
-          </p:cNvSpPr>
-          <p:nvPr>
-            <p:ph type="title"/>
-          </p:nvPr>
+          <p:cNvPr id="83" name="Rounded Rectangle 82"/>
+          <p:cNvSpPr/>
+          <p:nvPr/>
         </p:nvSpPr>
-        <p:spPr/>
+        <p:spPr>
+          <a:xfrm>
+            <a:off x="8653907" y="1107381"/>
+            <a:ext cx="3123859" cy="2506968"/>
+          </a:xfrm>
+          <a:prstGeom prst="roundRect">
+            <a:avLst>
+              <a:gd name="adj" fmla="val 4115"/>
+            </a:avLst>
+          </a:prstGeom>
+          <a:solidFill>
+            <a:schemeClr val="bg1"/>
+          </a:solidFill>
+          <a:ln w="12700">
+            <a:solidFill>
+              <a:schemeClr val="bg2"/>
+            </a:solidFill>
+          </a:ln>
+        </p:spPr>
+        <p:style>
+          <a:lnRef idx="2">
+            <a:schemeClr val="accent1">
+              <a:shade val="50000"/>
+            </a:schemeClr>
+          </a:lnRef>
+          <a:fillRef idx="1">
+            <a:schemeClr val="accent1"/>
+          </a:fillRef>
+          <a:effectRef idx="0">
+            <a:schemeClr val="accent1"/>
+          </a:effectRef>
+          <a:fontRef idx="minor">
+            <a:schemeClr val="lt1"/>
+          </a:fontRef>
+        </p:style>
         <p:txBody>
-          <a:bodyPr/>
+          <a:bodyPr rtlCol="0" anchor="ctr"/>
           <a:lstStyle/>
           <a:p>
-            <a:r>
-              <a:rPr lang="en-US" dirty="0"/>
-              <a:t>Source BSP</a:t>
-            </a:r>
-            <a:endParaRPr lang="en-GB" dirty="0"/>
+            <a:pPr algn="ctr"/>
+            <a:endParaRPr lang="en-US" dirty="0"/>
           </a:p>
         </p:txBody>
       </p:sp>
       <p:sp>
         <p:nvSpPr>
-          <p:cNvPr id="5" name="Rectangle 4"/>
+          <p:cNvPr id="82" name="Rounded Rectangle 81"/>
           <p:cNvSpPr/>
           <p:nvPr/>
         </p:nvSpPr>
         <p:spPr>
           <a:xfrm>
-            <a:off x="1732299" y="3429000"/>
-            <a:ext cx="4075670" cy="430407"/>
+            <a:off x="3949564" y="1107381"/>
+            <a:ext cx="4554415" cy="2506968"/>
+          </a:xfrm>
+          <a:prstGeom prst="roundRect">
+            <a:avLst>
+              <a:gd name="adj" fmla="val 4115"/>
+            </a:avLst>
+          </a:prstGeom>
+          <a:solidFill>
+            <a:schemeClr val="bg1"/>
+          </a:solidFill>
+          <a:ln w="12700">
+            <a:solidFill>
+              <a:schemeClr val="bg2"/>
+            </a:solidFill>
+          </a:ln>
+        </p:spPr>
+        <p:style>
+          <a:lnRef idx="2">
+            <a:schemeClr val="accent1">
+              <a:shade val="50000"/>
+            </a:schemeClr>
+          </a:lnRef>
+          <a:fillRef idx="1">
+            <a:schemeClr val="accent1"/>
+          </a:fillRef>
+          <a:effectRef idx="0">
+            <a:schemeClr val="accent1"/>
+          </a:effectRef>
+          <a:fontRef idx="minor">
+            <a:schemeClr val="lt1"/>
+          </a:fontRef>
+        </p:style>
+        <p:txBody>
+          <a:bodyPr rtlCol="0" anchor="ctr"/>
+          <a:lstStyle/>
+          <a:p>
+            <a:pPr algn="ctr"/>
+            <a:endParaRPr lang="en-US" dirty="0"/>
+          </a:p>
+        </p:txBody>
+      </p:sp>
+      <p:sp>
+        <p:nvSpPr>
+          <p:cNvPr id="15" name="ZoneTexte 175"/>
+          <p:cNvSpPr txBox="1"/>
+          <p:nvPr/>
+        </p:nvSpPr>
+        <p:spPr>
+          <a:xfrm>
+            <a:off x="4747673" y="2852622"/>
+            <a:ext cx="582211" cy="246221"/>
           </a:xfrm>
           <a:prstGeom prst="rect">
             <a:avLst/>
           </a:prstGeom>
+          <a:noFill/>
+        </p:spPr>
+        <p:txBody>
+          <a:bodyPr wrap="none" rtlCol="0">
+            <a:spAutoFit/>
+          </a:bodyPr>
+          <a:lstStyle/>
+          <a:p>
+            <a:pPr>
+              <a:defRPr/>
+            </a:pPr>
+            <a:r>
+              <a:rPr lang="en-US" sz="1000" dirty="0">
+                <a:solidFill>
+                  <a:srgbClr val="97A7AF"/>
+                </a:solidFill>
+              </a:rPr>
+              <a:t>(.a, .</a:t>
+            </a:r>
+            <a:r>
+              <a:rPr lang="en-US" sz="1000" dirty="0" smtClean="0">
+                <a:solidFill>
+                  <a:srgbClr val="97A7AF"/>
+                </a:solidFill>
+              </a:rPr>
+              <a:t>jar)</a:t>
+            </a:r>
+            <a:endParaRPr lang="en-US" sz="1000" dirty="0">
+              <a:solidFill>
+                <a:srgbClr val="97A7AF"/>
+              </a:solidFill>
+            </a:endParaRPr>
+          </a:p>
+        </p:txBody>
+      </p:sp>
+      <p:cxnSp>
+        <p:nvCxnSpPr>
+          <p:cNvPr id="55" name="Connecteur droit avec flèche 148"/>
+          <p:cNvCxnSpPr/>
+          <p:nvPr/>
+        </p:nvCxnSpPr>
+        <p:spPr>
+          <a:xfrm>
+            <a:off x="6219262" y="2743112"/>
+            <a:ext cx="0" cy="341721"/>
+          </a:xfrm>
+          <a:prstGeom prst="straightConnector1">
+            <a:avLst/>
+          </a:prstGeom>
+          <a:ln>
+            <a:solidFill>
+              <a:schemeClr val="tx2"/>
+            </a:solidFill>
+            <a:tailEnd type="triangle"/>
+          </a:ln>
+        </p:spPr>
+        <p:style>
+          <a:lnRef idx="1">
+            <a:schemeClr val="accent1"/>
+          </a:lnRef>
+          <a:fillRef idx="0">
+            <a:schemeClr val="accent1"/>
+          </a:fillRef>
+          <a:effectRef idx="0">
+            <a:schemeClr val="accent1"/>
+          </a:effectRef>
+          <a:fontRef idx="minor">
+            <a:schemeClr val="tx1"/>
+          </a:fontRef>
+        </p:style>
+      </p:cxnSp>
+      <p:sp>
+        <p:nvSpPr>
+          <p:cNvPr id="21" name="ZoneTexte 173"/>
+          <p:cNvSpPr txBox="1"/>
+          <p:nvPr/>
+        </p:nvSpPr>
+        <p:spPr>
+          <a:xfrm>
+            <a:off x="6219262" y="2013691"/>
+            <a:ext cx="1382040" cy="246221"/>
+          </a:xfrm>
+          <a:prstGeom prst="rect">
+            <a:avLst/>
+          </a:prstGeom>
+          <a:noFill/>
+        </p:spPr>
+        <p:txBody>
+          <a:bodyPr wrap="square" rtlCol="0">
+            <a:spAutoFit/>
+          </a:bodyPr>
+          <a:lstStyle/>
+          <a:p>
+            <a:pPr>
+              <a:defRPr/>
+            </a:pPr>
+            <a:r>
+              <a:rPr lang="en-US" sz="1000" dirty="0">
+                <a:solidFill>
+                  <a:srgbClr val="97A7AF"/>
+                </a:solidFill>
+              </a:rPr>
+              <a:t>(.java, .list, resources)</a:t>
+            </a:r>
+          </a:p>
+        </p:txBody>
+      </p:sp>
+      <p:sp>
+        <p:nvSpPr>
+          <p:cNvPr id="38" name="Rounded Rectangle 37"/>
+          <p:cNvSpPr/>
+          <p:nvPr/>
+        </p:nvSpPr>
+        <p:spPr>
+          <a:xfrm>
+            <a:off x="5538285" y="2292935"/>
+            <a:ext cx="1361954" cy="385889"/>
+          </a:xfrm>
+          <a:prstGeom prst="roundRect">
+            <a:avLst/>
+          </a:prstGeom>
           <a:solidFill>
-            <a:schemeClr val="tx1">
-              <a:lumMod val="75000"/>
-            </a:schemeClr>
+            <a:schemeClr val="tx1"/>
           </a:solidFill>
           <a:ln>
             <a:noFill/>
@@ -32740,121 +32959,29 @@
           <a:p>
             <a:pPr algn="ctr"/>
             <a:r>
-              <a:rPr lang="en-US" sz="1000" b="1" dirty="0">
+              <a:rPr lang="en-US" sz="1000" dirty="0">
                 <a:solidFill>
                   <a:srgbClr val="FFFFFF"/>
                 </a:solidFill>
-                <a:cs typeface="Arial" panose="020B0604020202020204" pitchFamily="34" charset="0"/>
+                <a:latin typeface="Source Sans Pro Light" charset="0"/>
+                <a:ea typeface="Source Sans Pro Light" charset="0"/>
+                <a:cs typeface="Source Sans Pro Light" charset="0"/>
               </a:rPr>
-              <a:t>MicroEJ SDK (App Builder)</a:t>
+              <a:t>Java Compiler</a:t>
             </a:r>
           </a:p>
         </p:txBody>
       </p:sp>
       <p:sp>
         <p:nvSpPr>
-          <p:cNvPr id="88" name="Bande diagonale 192"/>
-          <p:cNvSpPr/>
-          <p:nvPr/>
-        </p:nvSpPr>
-        <p:spPr>
-          <a:xfrm>
-            <a:off x="1452471" y="1881060"/>
-            <a:ext cx="279828" cy="269618"/>
-          </a:xfrm>
-          <a:prstGeom prst="diagStripe">
-            <a:avLst>
-              <a:gd name="adj" fmla="val 41991"/>
-            </a:avLst>
-          </a:prstGeom>
-          <a:solidFill>
-            <a:schemeClr val="accent5">
-              <a:lumMod val="75000"/>
-            </a:schemeClr>
-          </a:solidFill>
-          <a:ln>
-            <a:noFill/>
-          </a:ln>
-        </p:spPr>
-        <p:style>
-          <a:lnRef idx="2">
-            <a:schemeClr val="accent1">
-              <a:shade val="50000"/>
-            </a:schemeClr>
-          </a:lnRef>
-          <a:fillRef idx="1">
-            <a:schemeClr val="accent1"/>
-          </a:fillRef>
-          <a:effectRef idx="0">
-            <a:schemeClr val="accent1"/>
-          </a:effectRef>
-          <a:fontRef idx="minor">
-            <a:schemeClr val="lt1"/>
-          </a:fontRef>
-        </p:style>
-        <p:txBody>
-          <a:bodyPr rtlCol="0" anchor="ctr"/>
-          <a:lstStyle/>
-          <a:p>
-            <a:pPr algn="ctr">
-              <a:defRPr/>
-            </a:pPr>
-            <a:endParaRPr lang="en-US" dirty="0">
-              <a:solidFill>
-                <a:srgbClr val="FFFFFF"/>
-              </a:solidFill>
-            </a:endParaRPr>
-          </a:p>
-        </p:txBody>
-      </p:sp>
-      <p:cxnSp>
-        <p:nvCxnSpPr>
-          <p:cNvPr id="8" name="Connecteur droit avec flèche 149"/>
-          <p:cNvCxnSpPr>
-            <a:stCxn id="7" idx="2"/>
-          </p:cNvCxnSpPr>
-          <p:nvPr/>
-        </p:nvCxnSpPr>
-        <p:spPr>
-          <a:xfrm flipH="1">
-            <a:off x="2088798" y="2489951"/>
-            <a:ext cx="0" cy="927521"/>
-          </a:xfrm>
-          <a:prstGeom prst="straightConnector1">
-            <a:avLst/>
-          </a:prstGeom>
-          <a:ln>
-            <a:solidFill>
-              <a:schemeClr val="tx2"/>
-            </a:solidFill>
-            <a:tailEnd type="triangle"/>
-          </a:ln>
-        </p:spPr>
-        <p:style>
-          <a:lnRef idx="1">
-            <a:schemeClr val="accent1"/>
-          </a:lnRef>
-          <a:fillRef idx="0">
-            <a:schemeClr val="accent1"/>
-          </a:fillRef>
-          <a:effectRef idx="0">
-            <a:schemeClr val="accent1"/>
-          </a:effectRef>
-          <a:fontRef idx="minor">
-            <a:schemeClr val="tx1"/>
-          </a:fontRef>
-        </p:style>
-      </p:cxnSp>
-      <p:sp>
-        <p:nvSpPr>
-          <p:cNvPr id="9" name="ZoneTexte 175"/>
+          <p:cNvPr id="40" name="ZoneTexte 152"/>
           <p:cNvSpPr txBox="1"/>
           <p:nvPr/>
         </p:nvSpPr>
         <p:spPr>
           <a:xfrm>
-            <a:off x="2243082" y="3171251"/>
-            <a:ext cx="582211" cy="246221"/>
+            <a:off x="6232038" y="2860685"/>
+            <a:ext cx="428322" cy="246221"/>
           </a:xfrm>
           <a:prstGeom prst="rect">
             <a:avLst/>
@@ -32876,27 +33003,71 @@
                   <a:srgbClr val="97A7AF"/>
                 </a:solidFill>
               </a:rPr>
-              <a:t>(.a, .jar)</a:t>
+              <a:t>(.jar)</a:t>
             </a:r>
           </a:p>
         </p:txBody>
       </p:sp>
       <p:sp>
         <p:nvSpPr>
-          <p:cNvPr id="7" name="Rectangle 6"/>
+          <p:cNvPr id="41" name="ZoneTexte 152"/>
+          <p:cNvSpPr txBox="1"/>
+          <p:nvPr/>
+        </p:nvSpPr>
+        <p:spPr>
+          <a:xfrm>
+            <a:off x="7722466" y="2852622"/>
+            <a:ext cx="428322" cy="246221"/>
+          </a:xfrm>
+          <a:prstGeom prst="rect">
+            <a:avLst/>
+          </a:prstGeom>
+          <a:noFill/>
+        </p:spPr>
+        <p:txBody>
+          <a:bodyPr wrap="none" rtlCol="0">
+            <a:spAutoFit/>
+          </a:bodyPr>
+          <a:lstStyle/>
+          <a:p>
+            <a:pPr>
+              <a:defRPr/>
+            </a:pPr>
+            <a:r>
+              <a:rPr lang="en-US" sz="1000" dirty="0" smtClean="0">
+                <a:solidFill>
+                  <a:srgbClr val="97A7AF"/>
+                </a:solidFill>
+              </a:rPr>
+              <a:t>(.</a:t>
+            </a:r>
+            <a:r>
+              <a:rPr lang="en-US" sz="1000" dirty="0">
+                <a:solidFill>
+                  <a:srgbClr val="97A7AF"/>
+                </a:solidFill>
+              </a:rPr>
+              <a:t>jar)</a:t>
+            </a:r>
+          </a:p>
+        </p:txBody>
+      </p:sp>
+      <p:sp>
+        <p:nvSpPr>
+          <p:cNvPr id="42" name="Rounded Rectangle 41"/>
           <p:cNvSpPr/>
           <p:nvPr/>
         </p:nvSpPr>
         <p:spPr>
           <a:xfrm>
-            <a:off x="1448427" y="1877951"/>
-            <a:ext cx="1332000" cy="612000"/>
-          </a:xfrm>
-          <a:prstGeom prst="rect">
+            <a:off x="4083114" y="3112802"/>
+            <a:ext cx="4309445" cy="385889"/>
+          </a:xfrm>
+          <a:prstGeom prst="roundRect">
             <a:avLst/>
           </a:prstGeom>
           <a:solidFill>
-            <a:schemeClr val="accent1"/>
+            <a:schemeClr val="tx1"/>
           </a:solidFill>
           <a:ln>
             <a:noFill/>
@@ -32923,217 +33094,50 @@
           <a:bodyPr rtlCol="0" anchor="ctr"/>
           <a:lstStyle/>
           <a:p>
-            <a:pPr algn="ctr">
-              <a:defRPr/>
-            </a:pPr>
-            <a:r>
-              <a:rPr lang="en-US" sz="1000" b="1" dirty="0">
+            <a:pPr algn="ctr"/>
+            <a:r>
+              <a:rPr lang="en-US" sz="1000" dirty="0" err="1">
                 <a:solidFill>
                   <a:srgbClr val="FFFFFF"/>
                 </a:solidFill>
-                <a:cs typeface="Arial" panose="020B0604020202020204" pitchFamily="34" charset="0"/>
+                <a:latin typeface="Source Sans Pro Light" charset="0"/>
+                <a:ea typeface="Source Sans Pro Light" charset="0"/>
+                <a:cs typeface="Source Sans Pro Light" charset="0"/>
               </a:rPr>
-              <a:t>MicroEJ Platform</a:t>
-            </a:r>
-            <a:endParaRPr lang="en-US" sz="1000" dirty="0">
-              <a:solidFill>
-                <a:srgbClr val="FFFFFF"/>
-              </a:solidFill>
-              <a:cs typeface="Arial" panose="020B0604020202020204" pitchFamily="34" charset="0"/>
-            </a:endParaRPr>
+              <a:t>MicroEJ</a:t>
+            </a:r>
+            <a:r>
+              <a:rPr lang="en-US" sz="1000" dirty="0">
+                <a:solidFill>
+                  <a:srgbClr val="FFFFFF"/>
+                </a:solidFill>
+                <a:latin typeface="Source Sans Pro Light" charset="0"/>
+                <a:ea typeface="Source Sans Pro Light" charset="0"/>
+                <a:cs typeface="Source Sans Pro Light" charset="0"/>
+              </a:rPr>
+              <a:t> SDK (App Builder)</a:t>
+            </a:r>
           </a:p>
         </p:txBody>
       </p:sp>
       <p:sp>
         <p:nvSpPr>
-          <p:cNvPr id="10" name="Bande diagonale 37"/>
+          <p:cNvPr id="6" name="Rounded Rectangle 5"/>
           <p:cNvSpPr/>
           <p:nvPr/>
         </p:nvSpPr>
         <p:spPr>
           <a:xfrm>
-            <a:off x="1452471" y="1877951"/>
-            <a:ext cx="279828" cy="279828"/>
-          </a:xfrm>
-          <a:prstGeom prst="diagStripe">
+            <a:off x="5943078" y="4652490"/>
+            <a:ext cx="4034872" cy="1450285"/>
+          </a:xfrm>
+          <a:prstGeom prst="roundRect">
             <a:avLst>
-              <a:gd name="adj" fmla="val 41991"/>
+              <a:gd name="adj" fmla="val 6304"/>
             </a:avLst>
           </a:prstGeom>
           <a:solidFill>
-            <a:schemeClr val="accent1">
-              <a:lumMod val="75000"/>
-            </a:schemeClr>
-          </a:solidFill>
-          <a:ln>
-            <a:noFill/>
-          </a:ln>
-        </p:spPr>
-        <p:style>
-          <a:lnRef idx="2">
-            <a:schemeClr val="accent1">
-              <a:shade val="50000"/>
-            </a:schemeClr>
-          </a:lnRef>
-          <a:fillRef idx="1">
-            <a:schemeClr val="accent1"/>
-          </a:fillRef>
-          <a:effectRef idx="0">
-            <a:schemeClr val="accent1"/>
-          </a:effectRef>
-          <a:fontRef idx="minor">
-            <a:schemeClr val="lt1"/>
-          </a:fontRef>
-        </p:style>
-        <p:txBody>
-          <a:bodyPr rtlCol="0" anchor="ctr"/>
-          <a:lstStyle/>
-          <a:p>
-            <a:pPr algn="ctr">
-              <a:defRPr/>
-            </a:pPr>
-            <a:endParaRPr lang="en-US" dirty="0">
-              <a:solidFill>
-                <a:srgbClr val="FFFFFF"/>
-              </a:solidFill>
-            </a:endParaRPr>
-          </a:p>
-        </p:txBody>
-      </p:sp>
-      <p:sp>
-        <p:nvSpPr>
-          <p:cNvPr id="11" name="ZoneTexte 178"/>
-          <p:cNvSpPr txBox="1"/>
-          <p:nvPr/>
-        </p:nvSpPr>
-        <p:spPr>
-          <a:xfrm rot="18945775">
-            <a:off x="1394297" y="1854372"/>
-            <a:ext cx="333746" cy="230832"/>
-          </a:xfrm>
-          <a:prstGeom prst="rect">
-            <a:avLst/>
-          </a:prstGeom>
-          <a:noFill/>
-        </p:spPr>
-        <p:txBody>
-          <a:bodyPr wrap="none" rtlCol="0">
-            <a:spAutoFit/>
-          </a:bodyPr>
-          <a:lstStyle/>
-          <a:p>
-            <a:pPr>
-              <a:defRPr/>
-            </a:pPr>
-            <a:r>
-              <a:rPr lang="en-US" sz="900" dirty="0">
-                <a:solidFill>
-                  <a:srgbClr val="FFFFFF"/>
-                </a:solidFill>
-              </a:rPr>
-              <a:t>bin</a:t>
-            </a:r>
-            <a:endParaRPr lang="en-US" sz="1000" dirty="0">
-              <a:solidFill>
-                <a:srgbClr val="FFFFFF"/>
-              </a:solidFill>
-            </a:endParaRPr>
-          </a:p>
-        </p:txBody>
-      </p:sp>
-      <p:cxnSp>
-        <p:nvCxnSpPr>
-          <p:cNvPr id="13" name="Connecteur droit avec flèche 151"/>
-          <p:cNvCxnSpPr>
-            <a:stCxn id="19" idx="2"/>
-            <a:endCxn id="15" idx="0"/>
-          </p:cNvCxnSpPr>
-          <p:nvPr/>
-        </p:nvCxnSpPr>
-        <p:spPr>
-          <a:xfrm>
-            <a:off x="3764715" y="2489951"/>
-            <a:ext cx="0" cy="272944"/>
-          </a:xfrm>
-          <a:prstGeom prst="straightConnector1">
-            <a:avLst/>
-          </a:prstGeom>
-          <a:ln>
-            <a:solidFill>
-              <a:schemeClr val="tx2"/>
-            </a:solidFill>
-            <a:tailEnd type="triangle"/>
-          </a:ln>
-        </p:spPr>
-        <p:style>
-          <a:lnRef idx="1">
-            <a:schemeClr val="accent1"/>
-          </a:lnRef>
-          <a:fillRef idx="0">
-            <a:schemeClr val="accent1"/>
-          </a:fillRef>
-          <a:effectRef idx="0">
-            <a:schemeClr val="accent1"/>
-          </a:effectRef>
-          <a:fontRef idx="minor">
-            <a:schemeClr val="tx1"/>
-          </a:fontRef>
-        </p:style>
-      </p:cxnSp>
-      <p:sp>
-        <p:nvSpPr>
-          <p:cNvPr id="14" name="ZoneTexte 152"/>
-          <p:cNvSpPr txBox="1"/>
-          <p:nvPr/>
-        </p:nvSpPr>
-        <p:spPr>
-          <a:xfrm>
-            <a:off x="3748976" y="3171251"/>
-            <a:ext cx="428322" cy="246221"/>
-          </a:xfrm>
-          <a:prstGeom prst="rect">
-            <a:avLst/>
-          </a:prstGeom>
-          <a:noFill/>
-        </p:spPr>
-        <p:txBody>
-          <a:bodyPr wrap="none" rtlCol="0">
-            <a:spAutoFit/>
-          </a:bodyPr>
-          <a:lstStyle/>
-          <a:p>
-            <a:pPr>
-              <a:defRPr/>
-            </a:pPr>
-            <a:r>
-              <a:rPr lang="en-US" sz="1000" dirty="0">
-                <a:solidFill>
-                  <a:srgbClr val="97A7AF"/>
-                </a:solidFill>
-              </a:rPr>
-              <a:t>(.jar)</a:t>
-            </a:r>
-          </a:p>
-        </p:txBody>
-      </p:sp>
-      <p:sp>
-        <p:nvSpPr>
-          <p:cNvPr id="15" name="Rectangle 14"/>
-          <p:cNvSpPr/>
-          <p:nvPr/>
-        </p:nvSpPr>
-        <p:spPr>
-          <a:xfrm>
-            <a:off x="3098715" y="2762895"/>
-            <a:ext cx="1332000" cy="355970"/>
-          </a:xfrm>
-          <a:prstGeom prst="rect">
-            <a:avLst/>
-          </a:prstGeom>
-          <a:solidFill>
-            <a:schemeClr val="tx1">
-              <a:lumMod val="75000"/>
-            </a:schemeClr>
+            <a:schemeClr val="accent1"/>
           </a:solidFill>
           <a:ln>
             <a:noFill/>
@@ -33160,29 +33164,536 @@
           <a:bodyPr rtlCol="0" anchor="ctr"/>
           <a:lstStyle/>
           <a:p>
-            <a:pPr algn="ctr"/>
-            <a:r>
-              <a:rPr lang="en-US" sz="1000" b="1" dirty="0">
+            <a:pPr algn="ctr">
+              <a:defRPr/>
+            </a:pPr>
+            <a:r>
+              <a:rPr lang="en-US" sz="1000" dirty="0" smtClean="0">
                 <a:solidFill>
                   <a:srgbClr val="FFFFFF"/>
                 </a:solidFill>
-                <a:cs typeface="Arial" panose="020B0604020202020204" pitchFamily="34" charset="0"/>
+                <a:latin typeface="Source Sans Pro Light" charset="0"/>
+                <a:ea typeface="Source Sans Pro Light" charset="0"/>
+                <a:cs typeface="Source Sans Pro Light" charset="0"/>
               </a:rPr>
-              <a:t>Java Compiler</a:t>
-            </a:r>
+              <a:t/>
+            </a:r>
+            <a:br>
+              <a:rPr lang="en-US" sz="1000" dirty="0" smtClean="0">
+                <a:solidFill>
+                  <a:srgbClr val="FFFFFF"/>
+                </a:solidFill>
+                <a:latin typeface="Source Sans Pro Light" charset="0"/>
+                <a:ea typeface="Source Sans Pro Light" charset="0"/>
+                <a:cs typeface="Source Sans Pro Light" charset="0"/>
+              </a:rPr>
+            </a:br>
+            <a:r>
+              <a:rPr lang="en-US" sz="1000" dirty="0" smtClean="0">
+                <a:solidFill>
+                  <a:srgbClr val="FFFFFF"/>
+                </a:solidFill>
+                <a:latin typeface="Source Sans Pro Light" charset="0"/>
+                <a:ea typeface="Source Sans Pro Light" charset="0"/>
+                <a:cs typeface="Source Sans Pro Light" charset="0"/>
+              </a:rPr>
+              <a:t/>
+            </a:r>
+            <a:br>
+              <a:rPr lang="en-US" sz="1000" dirty="0" smtClean="0">
+                <a:solidFill>
+                  <a:srgbClr val="FFFFFF"/>
+                </a:solidFill>
+                <a:latin typeface="Source Sans Pro Light" charset="0"/>
+                <a:ea typeface="Source Sans Pro Light" charset="0"/>
+                <a:cs typeface="Source Sans Pro Light" charset="0"/>
+              </a:rPr>
+            </a:br>
+            <a:r>
+              <a:rPr lang="en-US" sz="1000" dirty="0" smtClean="0">
+                <a:solidFill>
+                  <a:srgbClr val="FFFFFF"/>
+                </a:solidFill>
+                <a:latin typeface="Source Sans Pro Light" charset="0"/>
+                <a:ea typeface="Source Sans Pro Light" charset="0"/>
+                <a:cs typeface="Source Sans Pro Light" charset="0"/>
+              </a:rPr>
+              <a:t/>
+            </a:r>
+            <a:br>
+              <a:rPr lang="en-US" sz="1000" dirty="0" smtClean="0">
+                <a:solidFill>
+                  <a:srgbClr val="FFFFFF"/>
+                </a:solidFill>
+                <a:latin typeface="Source Sans Pro Light" charset="0"/>
+                <a:ea typeface="Source Sans Pro Light" charset="0"/>
+                <a:cs typeface="Source Sans Pro Light" charset="0"/>
+              </a:rPr>
+            </a:br>
+            <a:r>
+              <a:rPr lang="en-US" sz="1000" dirty="0" smtClean="0">
+                <a:solidFill>
+                  <a:srgbClr val="FFFFFF"/>
+                </a:solidFill>
+                <a:latin typeface="Source Sans Pro Light" charset="0"/>
+                <a:ea typeface="Source Sans Pro Light" charset="0"/>
+                <a:cs typeface="Source Sans Pro Light" charset="0"/>
+              </a:rPr>
+              <a:t/>
+            </a:r>
+            <a:br>
+              <a:rPr lang="en-US" sz="1000" dirty="0" smtClean="0">
+                <a:solidFill>
+                  <a:srgbClr val="FFFFFF"/>
+                </a:solidFill>
+                <a:latin typeface="Source Sans Pro Light" charset="0"/>
+                <a:ea typeface="Source Sans Pro Light" charset="0"/>
+                <a:cs typeface="Source Sans Pro Light" charset="0"/>
+              </a:rPr>
+            </a:br>
+            <a:endParaRPr lang="en-US" sz="1000" dirty="0" smtClean="0">
+              <a:solidFill>
+                <a:srgbClr val="FFFFFF"/>
+              </a:solidFill>
+              <a:latin typeface="Source Sans Pro Light" charset="0"/>
+              <a:ea typeface="Source Sans Pro Light" charset="0"/>
+              <a:cs typeface="Source Sans Pro Light" charset="0"/>
+            </a:endParaRPr>
+          </a:p>
+          <a:p>
+            <a:pPr algn="ctr">
+              <a:defRPr/>
+            </a:pPr>
+            <a:endParaRPr lang="en-US" sz="1000" dirty="0" smtClean="0">
+              <a:solidFill>
+                <a:srgbClr val="FFFFFF"/>
+              </a:solidFill>
+              <a:latin typeface="Source Sans Pro Light" charset="0"/>
+              <a:ea typeface="Source Sans Pro Light" charset="0"/>
+              <a:cs typeface="Source Sans Pro Light" charset="0"/>
+            </a:endParaRPr>
           </a:p>
         </p:txBody>
       </p:sp>
       <p:sp>
         <p:nvSpPr>
-          <p:cNvPr id="16" name="ZoneTexte 173"/>
+          <p:cNvPr id="7" name="Rounded Rectangle 6"/>
+          <p:cNvSpPr/>
+          <p:nvPr/>
+        </p:nvSpPr>
+        <p:spPr>
+          <a:xfrm>
+            <a:off x="8695009" y="4966412"/>
+            <a:ext cx="1057233" cy="962893"/>
+          </a:xfrm>
+          <a:prstGeom prst="roundRect">
+            <a:avLst>
+              <a:gd name="adj" fmla="val 7525"/>
+            </a:avLst>
+          </a:prstGeom>
+          <a:solidFill>
+            <a:srgbClr val="FFA300"/>
+          </a:solidFill>
+          <a:ln w="6350">
+            <a:solidFill>
+              <a:schemeClr val="bg1"/>
+            </a:solidFill>
+          </a:ln>
+          <a:effectLst/>
+        </p:spPr>
+        <p:style>
+          <a:lnRef idx="2">
+            <a:schemeClr val="dk1">
+              <a:shade val="50000"/>
+            </a:schemeClr>
+          </a:lnRef>
+          <a:fillRef idx="1">
+            <a:schemeClr val="dk1"/>
+          </a:fillRef>
+          <a:effectRef idx="0">
+            <a:schemeClr val="dk1"/>
+          </a:effectRef>
+          <a:fontRef idx="minor">
+            <a:schemeClr val="lt1"/>
+          </a:fontRef>
+        </p:style>
+        <p:txBody>
+          <a:bodyPr rtlCol="0" anchor="ctr"/>
+          <a:lstStyle/>
+          <a:p>
+            <a:pPr algn="ctr"/>
+            <a:r>
+              <a:rPr lang="en-US" sz="1000" dirty="0">
+                <a:solidFill>
+                  <a:schemeClr val="bg1"/>
+                </a:solidFill>
+                <a:latin typeface="Source Sans Pro Light" charset="0"/>
+                <a:ea typeface="Source Sans Pro Light" charset="0"/>
+                <a:cs typeface="Source Sans Pro Light" charset="0"/>
+              </a:rPr>
+              <a:t>BSP code</a:t>
+            </a:r>
+            <a:br>
+              <a:rPr lang="en-US" sz="1000" dirty="0">
+                <a:solidFill>
+                  <a:schemeClr val="bg1"/>
+                </a:solidFill>
+                <a:latin typeface="Source Sans Pro Light" charset="0"/>
+                <a:ea typeface="Source Sans Pro Light" charset="0"/>
+                <a:cs typeface="Source Sans Pro Light" charset="0"/>
+              </a:rPr>
+            </a:br>
+            <a:r>
+              <a:rPr lang="en-US" sz="1000" dirty="0">
+                <a:solidFill>
+                  <a:schemeClr val="bg1"/>
+                </a:solidFill>
+                <a:latin typeface="Source Sans Pro Light" charset="0"/>
+                <a:ea typeface="Source Sans Pro Light" charset="0"/>
+                <a:cs typeface="Source Sans Pro Light" charset="0"/>
+              </a:rPr>
+              <a:t>C code</a:t>
+            </a:r>
+          </a:p>
+        </p:txBody>
+      </p:sp>
+      <p:sp>
+        <p:nvSpPr>
+          <p:cNvPr id="9" name="Rounded Rectangle 8"/>
+          <p:cNvSpPr/>
+          <p:nvPr/>
+        </p:nvSpPr>
+        <p:spPr>
+          <a:xfrm>
+            <a:off x="7416375" y="4966412"/>
+            <a:ext cx="1057233" cy="962893"/>
+          </a:xfrm>
+          <a:prstGeom prst="roundRect">
+            <a:avLst>
+              <a:gd name="adj" fmla="val 7525"/>
+            </a:avLst>
+          </a:prstGeom>
+          <a:solidFill>
+            <a:schemeClr val="accent4"/>
+          </a:solidFill>
+          <a:ln w="9525">
+            <a:solidFill>
+              <a:schemeClr val="bg1"/>
+            </a:solidFill>
+          </a:ln>
+          <a:effectLst/>
+        </p:spPr>
+        <p:style>
+          <a:lnRef idx="2">
+            <a:schemeClr val="dk1">
+              <a:shade val="50000"/>
+            </a:schemeClr>
+          </a:lnRef>
+          <a:fillRef idx="1">
+            <a:schemeClr val="dk1"/>
+          </a:fillRef>
+          <a:effectRef idx="0">
+            <a:schemeClr val="dk1"/>
+          </a:effectRef>
+          <a:fontRef idx="minor">
+            <a:schemeClr val="lt1"/>
+          </a:fontRef>
+        </p:style>
+        <p:txBody>
+          <a:bodyPr rtlCol="0" anchor="ctr"/>
+          <a:lstStyle/>
+          <a:p>
+            <a:pPr algn="ctr">
+              <a:defRPr/>
+            </a:pPr>
+            <a:r>
+              <a:rPr lang="en-US" sz="1000" dirty="0">
+                <a:solidFill>
+                  <a:srgbClr val="FFFFFF"/>
+                </a:solidFill>
+                <a:latin typeface="Source Sans Pro Light" charset="0"/>
+                <a:ea typeface="Source Sans Pro Light" charset="0"/>
+                <a:cs typeface="Source Sans Pro Light" charset="0"/>
+              </a:rPr>
+              <a:t>Java Application</a:t>
+            </a:r>
+          </a:p>
+        </p:txBody>
+      </p:sp>
+      <p:sp>
+        <p:nvSpPr>
+          <p:cNvPr id="11" name="Rounded Rectangle 10"/>
+          <p:cNvSpPr/>
+          <p:nvPr/>
+        </p:nvSpPr>
+        <p:spPr>
+          <a:xfrm>
+            <a:off x="6138725" y="4966412"/>
+            <a:ext cx="1057233" cy="962893"/>
+          </a:xfrm>
+          <a:prstGeom prst="roundRect">
+            <a:avLst>
+              <a:gd name="adj" fmla="val 7525"/>
+            </a:avLst>
+          </a:prstGeom>
+          <a:solidFill>
+            <a:schemeClr val="bg1"/>
+          </a:solidFill>
+          <a:ln>
+            <a:noFill/>
+          </a:ln>
+          <a:effectLst/>
+        </p:spPr>
+        <p:style>
+          <a:lnRef idx="2">
+            <a:schemeClr val="dk1">
+              <a:shade val="50000"/>
+            </a:schemeClr>
+          </a:lnRef>
+          <a:fillRef idx="1">
+            <a:schemeClr val="dk1"/>
+          </a:fillRef>
+          <a:effectRef idx="0">
+            <a:schemeClr val="dk1"/>
+          </a:effectRef>
+          <a:fontRef idx="minor">
+            <a:schemeClr val="lt1"/>
+          </a:fontRef>
+        </p:style>
+        <p:txBody>
+          <a:bodyPr rtlCol="0" anchor="ctr"/>
+          <a:lstStyle/>
+          <a:p>
+            <a:pPr algn="ctr">
+              <a:defRPr/>
+            </a:pPr>
+            <a:endParaRPr lang="en-US" sz="1000" dirty="0">
+              <a:solidFill>
+                <a:srgbClr val="FFFFFF"/>
+              </a:solidFill>
+              <a:latin typeface="Source Sans Pro Light" charset="0"/>
+              <a:ea typeface="Source Sans Pro Light" charset="0"/>
+              <a:cs typeface="Source Sans Pro Light" charset="0"/>
+            </a:endParaRPr>
+          </a:p>
+        </p:txBody>
+      </p:sp>
+      <p:grpSp>
+        <p:nvGrpSpPr>
+          <p:cNvPr id="23" name="Group 22"/>
+          <p:cNvGrpSpPr/>
+          <p:nvPr/>
+        </p:nvGrpSpPr>
+        <p:grpSpPr>
+          <a:xfrm>
+            <a:off x="5878498" y="4634001"/>
+            <a:ext cx="344751" cy="303135"/>
+            <a:chOff x="3528000" y="4663584"/>
+            <a:chExt cx="344751" cy="303135"/>
+          </a:xfrm>
+        </p:grpSpPr>
+        <p:sp>
+          <p:nvSpPr>
+            <p:cNvPr id="53" name="Bande diagonale 197"/>
+            <p:cNvSpPr/>
+            <p:nvPr/>
+          </p:nvSpPr>
+          <p:spPr>
+            <a:xfrm>
+              <a:off x="3592923" y="4686891"/>
+              <a:ext cx="279828" cy="279828"/>
+            </a:xfrm>
+            <a:prstGeom prst="diagStripe">
+              <a:avLst>
+                <a:gd name="adj" fmla="val 41991"/>
+              </a:avLst>
+            </a:prstGeom>
+            <a:solidFill>
+              <a:schemeClr val="accent1">
+                <a:lumMod val="75000"/>
+              </a:schemeClr>
+            </a:solidFill>
+            <a:ln>
+              <a:noFill/>
+            </a:ln>
+          </p:spPr>
+          <p:style>
+            <a:lnRef idx="2">
+              <a:schemeClr val="accent1">
+                <a:shade val="50000"/>
+              </a:schemeClr>
+            </a:lnRef>
+            <a:fillRef idx="1">
+              <a:schemeClr val="accent1"/>
+            </a:fillRef>
+            <a:effectRef idx="0">
+              <a:schemeClr val="accent1"/>
+            </a:effectRef>
+            <a:fontRef idx="minor">
+              <a:schemeClr val="lt1"/>
+            </a:fontRef>
+          </p:style>
+          <p:txBody>
+            <a:bodyPr rtlCol="0" anchor="ctr"/>
+            <a:lstStyle/>
+            <a:p>
+              <a:pPr algn="ctr">
+                <a:defRPr/>
+              </a:pPr>
+              <a:endParaRPr lang="en-US" dirty="0">
+                <a:solidFill>
+                  <a:srgbClr val="FFFFFF"/>
+                </a:solidFill>
+                <a:latin typeface="Source Sans Pro Light" charset="0"/>
+                <a:ea typeface="Source Sans Pro Light" charset="0"/>
+                <a:cs typeface="Source Sans Pro Light" charset="0"/>
+              </a:endParaRPr>
+            </a:p>
+          </p:txBody>
+        </p:sp>
+        <p:sp>
+          <p:nvSpPr>
+            <p:cNvPr id="54" name="ZoneTexte 198"/>
+            <p:cNvSpPr txBox="1"/>
+            <p:nvPr/>
+          </p:nvSpPr>
+          <p:spPr>
+            <a:xfrm rot="18945775">
+              <a:off x="3528000" y="4663584"/>
+              <a:ext cx="333746" cy="230832"/>
+            </a:xfrm>
+            <a:prstGeom prst="rect">
+              <a:avLst/>
+            </a:prstGeom>
+            <a:noFill/>
+          </p:spPr>
+          <p:txBody>
+            <a:bodyPr wrap="none" rtlCol="0">
+              <a:spAutoFit/>
+            </a:bodyPr>
+            <a:lstStyle/>
+            <a:p>
+              <a:pPr>
+                <a:defRPr/>
+              </a:pPr>
+              <a:r>
+                <a:rPr lang="en-US" sz="900" dirty="0">
+                  <a:solidFill>
+                    <a:srgbClr val="FFFFFF"/>
+                  </a:solidFill>
+                  <a:latin typeface="Source Sans Pro Light" charset="0"/>
+                  <a:ea typeface="Source Sans Pro Light" charset="0"/>
+                  <a:cs typeface="Source Sans Pro Light" charset="0"/>
+                </a:rPr>
+                <a:t>bin</a:t>
+              </a:r>
+            </a:p>
+          </p:txBody>
+        </p:sp>
+      </p:grpSp>
+      <p:sp>
+        <p:nvSpPr>
+          <p:cNvPr id="24" name="Rectangle 23"/>
+          <p:cNvSpPr/>
+          <p:nvPr/>
+        </p:nvSpPr>
+        <p:spPr>
+          <a:xfrm>
+            <a:off x="6223249" y="4965604"/>
+            <a:ext cx="871306" cy="219744"/>
+          </a:xfrm>
+          <a:prstGeom prst="rect">
+            <a:avLst/>
+          </a:prstGeom>
+          <a:noFill/>
+          <a:ln>
+            <a:noFill/>
+          </a:ln>
+          <a:effectLst/>
+        </p:spPr>
+        <p:style>
+          <a:lnRef idx="2">
+            <a:schemeClr val="dk1">
+              <a:shade val="50000"/>
+            </a:schemeClr>
+          </a:lnRef>
+          <a:fillRef idx="1">
+            <a:schemeClr val="dk1"/>
+          </a:fillRef>
+          <a:effectRef idx="0">
+            <a:schemeClr val="dk1"/>
+          </a:effectRef>
+          <a:fontRef idx="minor">
+            <a:schemeClr val="lt1"/>
+          </a:fontRef>
+        </p:style>
+        <p:txBody>
+          <a:bodyPr rtlCol="0" anchor="t"/>
+          <a:lstStyle/>
+          <a:p>
+            <a:pPr algn="ctr">
+              <a:defRPr/>
+            </a:pPr>
+            <a:r>
+              <a:rPr lang="en-US" sz="1000" b="1" dirty="0">
+                <a:solidFill>
+                  <a:schemeClr val="tx1"/>
+                </a:solidFill>
+                <a:latin typeface="Source Sans Pro" charset="0"/>
+                <a:ea typeface="Source Sans Pro" charset="0"/>
+                <a:cs typeface="Source Sans Pro" charset="0"/>
+              </a:rPr>
+              <a:t>MEJ32 Core</a:t>
+            </a:r>
+          </a:p>
+        </p:txBody>
+      </p:sp>
+      <p:cxnSp>
+        <p:nvCxnSpPr>
+          <p:cNvPr id="25" name="Connecteur droit avec flèche 148"/>
+          <p:cNvCxnSpPr/>
+          <p:nvPr/>
+        </p:nvCxnSpPr>
+        <p:spPr>
+          <a:xfrm>
+            <a:off x="6218927" y="3499275"/>
+            <a:ext cx="669" cy="429819"/>
+          </a:xfrm>
+          <a:prstGeom prst="straightConnector1">
+            <a:avLst/>
+          </a:prstGeom>
+          <a:ln>
+            <a:solidFill>
+              <a:schemeClr val="tx2"/>
+            </a:solidFill>
+            <a:tailEnd type="triangle"/>
+          </a:ln>
+        </p:spPr>
+        <p:style>
+          <a:lnRef idx="1">
+            <a:schemeClr val="accent1"/>
+          </a:lnRef>
+          <a:fillRef idx="0">
+            <a:schemeClr val="accent1"/>
+          </a:fillRef>
+          <a:effectRef idx="0">
+            <a:schemeClr val="accent1"/>
+          </a:effectRef>
+          <a:fontRef idx="minor">
+            <a:schemeClr val="tx1"/>
+          </a:fontRef>
+        </p:style>
+      </p:cxnSp>
+      <p:sp>
+        <p:nvSpPr>
+          <p:cNvPr id="27" name="ZoneTexte 173"/>
           <p:cNvSpPr txBox="1"/>
           <p:nvPr/>
         </p:nvSpPr>
         <p:spPr>
           <a:xfrm>
-            <a:off x="3728698" y="2530468"/>
-            <a:ext cx="1478975" cy="246221"/>
+            <a:off x="9468296" y="2054823"/>
+            <a:ext cx="683825" cy="246221"/>
           </a:xfrm>
           <a:prstGeom prst="rect">
             <a:avLst/>
@@ -33204,41 +33715,943 @@
                   <a:srgbClr val="97A7AF"/>
                 </a:solidFill>
               </a:rPr>
-              <a:t>(.java, .list, resources)</a:t>
+              <a:t>(.h, .c)</a:t>
+            </a:r>
+          </a:p>
+        </p:txBody>
+      </p:sp>
+      <p:pic>
+        <p:nvPicPr>
+          <p:cNvPr id="28" name="Picture 27"/>
+          <p:cNvPicPr>
+            <a:picLocks noChangeAspect="1"/>
+          </p:cNvPicPr>
+          <p:nvPr/>
+        </p:nvPicPr>
+        <p:blipFill>
+          <a:blip r:embed="rId2">
+            <a:extLst>
+              <a:ext uri="{28A0092B-C50C-407E-A947-70E740481C1C}">
+                <a14:useLocalDpi xmlns:a14="http://schemas.microsoft.com/office/drawing/2010/main" val="0"/>
+              </a:ext>
+            </a:extLst>
+          </a:blip>
+          <a:stretch>
+            <a:fillRect/>
+          </a:stretch>
+        </p:blipFill>
+        <p:spPr>
+          <a:xfrm>
+            <a:off x="6315483" y="5193074"/>
+            <a:ext cx="654522" cy="658884"/>
+          </a:xfrm>
+          <a:prstGeom prst="rect">
+            <a:avLst/>
+          </a:prstGeom>
+        </p:spPr>
+      </p:pic>
+      <p:sp>
+        <p:nvSpPr>
+          <p:cNvPr id="43" name="Rectangle 42"/>
+          <p:cNvSpPr/>
+          <p:nvPr/>
+        </p:nvSpPr>
+        <p:spPr>
+          <a:xfrm>
+            <a:off x="5943078" y="4674111"/>
+            <a:ext cx="4034871" cy="246221"/>
+          </a:xfrm>
+          <a:prstGeom prst="rect">
+            <a:avLst/>
+          </a:prstGeom>
+        </p:spPr>
+        <p:txBody>
+          <a:bodyPr wrap="square">
+            <a:spAutoFit/>
+          </a:bodyPr>
+          <a:lstStyle/>
+          <a:p>
+            <a:pPr algn="ctr">
+              <a:defRPr/>
+            </a:pPr>
+            <a:r>
+              <a:rPr lang="en-US" sz="1000" b="1" dirty="0">
+                <a:solidFill>
+                  <a:srgbClr val="FFFFFF"/>
+                </a:solidFill>
+                <a:cs typeface="Arial" panose="020B0604020202020204" pitchFamily="34" charset="0"/>
+              </a:rPr>
+              <a:t>Firmware</a:t>
+            </a:r>
+          </a:p>
+        </p:txBody>
+      </p:sp>
+      <p:sp>
+        <p:nvSpPr>
+          <p:cNvPr id="79" name="Rounded Rectangle 78"/>
+          <p:cNvSpPr/>
+          <p:nvPr/>
+        </p:nvSpPr>
+        <p:spPr>
+          <a:xfrm>
+            <a:off x="8813891" y="2292935"/>
+            <a:ext cx="1339795" cy="385889"/>
+          </a:xfrm>
+          <a:prstGeom prst="roundRect">
+            <a:avLst/>
+          </a:prstGeom>
+          <a:solidFill>
+            <a:schemeClr val="tx1"/>
+          </a:solidFill>
+          <a:ln>
+            <a:noFill/>
+          </a:ln>
+          <a:effectLst/>
+        </p:spPr>
+        <p:style>
+          <a:lnRef idx="2">
+            <a:schemeClr val="dk1">
+              <a:shade val="50000"/>
+            </a:schemeClr>
+          </a:lnRef>
+          <a:fillRef idx="1">
+            <a:schemeClr val="dk1"/>
+          </a:fillRef>
+          <a:effectRef idx="0">
+            <a:schemeClr val="dk1"/>
+          </a:effectRef>
+          <a:fontRef idx="minor">
+            <a:schemeClr val="lt1"/>
+          </a:fontRef>
+        </p:style>
+        <p:txBody>
+          <a:bodyPr rtlCol="0" anchor="ctr"/>
+          <a:lstStyle/>
+          <a:p>
+            <a:pPr algn="ctr"/>
+            <a:r>
+              <a:rPr lang="en-US" sz="1000" dirty="0">
+                <a:solidFill>
+                  <a:srgbClr val="FFFFFF"/>
+                </a:solidFill>
+                <a:latin typeface="Source Sans Pro Light" charset="0"/>
+                <a:ea typeface="Source Sans Pro Light" charset="0"/>
+                <a:cs typeface="Source Sans Pro Light" charset="0"/>
+              </a:rPr>
+              <a:t>C Compiler</a:t>
+            </a:r>
+          </a:p>
+        </p:txBody>
+      </p:sp>
+      <p:sp>
+        <p:nvSpPr>
+          <p:cNvPr id="57" name="ZoneTexte 167"/>
+          <p:cNvSpPr txBox="1"/>
+          <p:nvPr/>
+        </p:nvSpPr>
+        <p:spPr>
+          <a:xfrm>
+            <a:off x="6218927" y="3686284"/>
+            <a:ext cx="1904689" cy="246221"/>
+          </a:xfrm>
+          <a:prstGeom prst="rect">
+            <a:avLst/>
+          </a:prstGeom>
+          <a:noFill/>
+        </p:spPr>
+        <p:txBody>
+          <a:bodyPr wrap="none" rtlCol="0">
+            <a:spAutoFit/>
+          </a:bodyPr>
+          <a:lstStyle/>
+          <a:p>
+            <a:pPr>
+              <a:defRPr/>
+            </a:pPr>
+            <a:r>
+              <a:rPr lang="en-US" sz="1000">
+                <a:solidFill>
+                  <a:srgbClr val="97A7AF"/>
+                </a:solidFill>
+              </a:rPr>
+              <a:t>(</a:t>
+            </a:r>
+            <a:r>
+              <a:rPr lang="en-US" sz="1000" dirty="0" err="1">
+                <a:solidFill>
+                  <a:srgbClr val="97A7AF"/>
+                </a:solidFill>
+              </a:rPr>
+              <a:t>microejruntime.a</a:t>
+            </a:r>
+            <a:r>
+              <a:rPr lang="en-US" sz="1000" dirty="0">
+                <a:solidFill>
+                  <a:srgbClr val="97A7AF"/>
+                </a:solidFill>
+              </a:rPr>
+              <a:t>, </a:t>
+            </a:r>
+            <a:r>
+              <a:rPr lang="en-US" sz="1000" dirty="0" err="1">
+                <a:solidFill>
+                  <a:srgbClr val="97A7AF"/>
+                </a:solidFill>
+              </a:rPr>
+              <a:t>microejapp.o</a:t>
+            </a:r>
+            <a:r>
+              <a:rPr lang="en-US" sz="1000" dirty="0">
+                <a:solidFill>
+                  <a:srgbClr val="97A7AF"/>
+                </a:solidFill>
+              </a:rPr>
+              <a:t>)</a:t>
+            </a:r>
+          </a:p>
+        </p:txBody>
+      </p:sp>
+      <p:cxnSp>
+        <p:nvCxnSpPr>
+          <p:cNvPr id="58" name="Connecteur droit avec flèche 9"/>
+          <p:cNvCxnSpPr/>
+          <p:nvPr/>
+        </p:nvCxnSpPr>
+        <p:spPr>
+          <a:xfrm flipH="1">
+            <a:off x="9445466" y="2704412"/>
+            <a:ext cx="0" cy="1199096"/>
+          </a:xfrm>
+          <a:prstGeom prst="straightConnector1">
+            <a:avLst/>
+          </a:prstGeom>
+          <a:ln>
+            <a:solidFill>
+              <a:schemeClr val="tx2"/>
+            </a:solidFill>
+            <a:tailEnd type="triangle"/>
+          </a:ln>
+        </p:spPr>
+        <p:style>
+          <a:lnRef idx="1">
+            <a:schemeClr val="accent1"/>
+          </a:lnRef>
+          <a:fillRef idx="0">
+            <a:schemeClr val="accent1"/>
+          </a:fillRef>
+          <a:effectRef idx="0">
+            <a:schemeClr val="accent1"/>
+          </a:effectRef>
+          <a:fontRef idx="minor">
+            <a:schemeClr val="tx1"/>
+          </a:fontRef>
+        </p:style>
+      </p:cxnSp>
+      <p:sp>
+        <p:nvSpPr>
+          <p:cNvPr id="60" name="ZoneTexte 12"/>
+          <p:cNvSpPr txBox="1"/>
+          <p:nvPr/>
+        </p:nvSpPr>
+        <p:spPr>
+          <a:xfrm>
+            <a:off x="9445466" y="3686284"/>
+            <a:ext cx="360996" cy="246221"/>
+          </a:xfrm>
+          <a:prstGeom prst="rect">
+            <a:avLst/>
+          </a:prstGeom>
+          <a:noFill/>
+        </p:spPr>
+        <p:txBody>
+          <a:bodyPr wrap="none" rtlCol="0">
+            <a:spAutoFit/>
+          </a:bodyPr>
+          <a:lstStyle/>
+          <a:p>
+            <a:pPr>
+              <a:defRPr/>
+            </a:pPr>
+            <a:r>
+              <a:rPr lang="en-US" sz="1000" dirty="0">
+                <a:solidFill>
+                  <a:srgbClr val="97A7AF"/>
+                </a:solidFill>
+              </a:rPr>
+              <a:t>(.o)</a:t>
+            </a:r>
+          </a:p>
+        </p:txBody>
+      </p:sp>
+      <p:cxnSp>
+        <p:nvCxnSpPr>
+          <p:cNvPr id="14" name="Connecteur droit avec flèche 149"/>
+          <p:cNvCxnSpPr/>
+          <p:nvPr/>
+        </p:nvCxnSpPr>
+        <p:spPr>
+          <a:xfrm>
+            <a:off x="4762772" y="1899021"/>
+            <a:ext cx="1" cy="1169847"/>
+          </a:xfrm>
+          <a:prstGeom prst="straightConnector1">
+            <a:avLst/>
+          </a:prstGeom>
+          <a:ln>
+            <a:solidFill>
+              <a:schemeClr val="tx2"/>
+            </a:solidFill>
+            <a:tailEnd type="triangle"/>
+          </a:ln>
+        </p:spPr>
+        <p:style>
+          <a:lnRef idx="1">
+            <a:schemeClr val="accent1"/>
+          </a:lnRef>
+          <a:fillRef idx="0">
+            <a:schemeClr val="accent1"/>
+          </a:fillRef>
+          <a:effectRef idx="0">
+            <a:schemeClr val="accent1"/>
+          </a:effectRef>
+          <a:fontRef idx="minor">
+            <a:schemeClr val="tx1"/>
+          </a:fontRef>
+        </p:style>
+      </p:cxnSp>
+      <p:cxnSp>
+        <p:nvCxnSpPr>
+          <p:cNvPr id="56" name="Connecteur droit avec flèche 148"/>
+          <p:cNvCxnSpPr/>
+          <p:nvPr/>
+        </p:nvCxnSpPr>
+        <p:spPr>
+          <a:xfrm>
+            <a:off x="7727097" y="1899021"/>
+            <a:ext cx="0" cy="1178216"/>
+          </a:xfrm>
+          <a:prstGeom prst="straightConnector1">
+            <a:avLst/>
+          </a:prstGeom>
+          <a:ln>
+            <a:solidFill>
+              <a:schemeClr val="tx2"/>
+            </a:solidFill>
+            <a:tailEnd type="triangle"/>
+          </a:ln>
+        </p:spPr>
+        <p:style>
+          <a:lnRef idx="1">
+            <a:schemeClr val="accent1"/>
+          </a:lnRef>
+          <a:fillRef idx="0">
+            <a:schemeClr val="accent1"/>
+          </a:fillRef>
+          <a:effectRef idx="0">
+            <a:schemeClr val="accent1"/>
+          </a:effectRef>
+          <a:fontRef idx="minor">
+            <a:schemeClr val="tx1"/>
+          </a:fontRef>
+        </p:style>
+      </p:cxnSp>
+      <p:cxnSp>
+        <p:nvCxnSpPr>
+          <p:cNvPr id="19" name="Connecteur droit avec flèche 149"/>
+          <p:cNvCxnSpPr/>
+          <p:nvPr/>
+        </p:nvCxnSpPr>
+        <p:spPr>
+          <a:xfrm>
+            <a:off x="6218927" y="1899021"/>
+            <a:ext cx="335" cy="360891"/>
+          </a:xfrm>
+          <a:prstGeom prst="straightConnector1">
+            <a:avLst/>
+          </a:prstGeom>
+          <a:ln>
+            <a:solidFill>
+              <a:schemeClr val="tx2"/>
+            </a:solidFill>
+            <a:tailEnd type="triangle"/>
+          </a:ln>
+        </p:spPr>
+        <p:style>
+          <a:lnRef idx="1">
+            <a:schemeClr val="accent1"/>
+          </a:lnRef>
+          <a:fillRef idx="0">
+            <a:schemeClr val="accent1"/>
+          </a:fillRef>
+          <a:effectRef idx="0">
+            <a:schemeClr val="accent1"/>
+          </a:effectRef>
+          <a:fontRef idx="minor">
+            <a:schemeClr val="tx1"/>
+          </a:fontRef>
+        </p:style>
+      </p:cxnSp>
+      <p:cxnSp>
+        <p:nvCxnSpPr>
+          <p:cNvPr id="26" name="Connecteur droit avec flèche 149"/>
+          <p:cNvCxnSpPr/>
+          <p:nvPr/>
+        </p:nvCxnSpPr>
+        <p:spPr>
+          <a:xfrm>
+            <a:off x="9468296" y="1899021"/>
+            <a:ext cx="0" cy="360891"/>
+          </a:xfrm>
+          <a:prstGeom prst="straightConnector1">
+            <a:avLst/>
+          </a:prstGeom>
+          <a:ln>
+            <a:solidFill>
+              <a:schemeClr val="tx2"/>
+            </a:solidFill>
+            <a:tailEnd type="triangle"/>
+          </a:ln>
+        </p:spPr>
+        <p:style>
+          <a:lnRef idx="1">
+            <a:schemeClr val="accent1"/>
+          </a:lnRef>
+          <a:fillRef idx="0">
+            <a:schemeClr val="accent1"/>
+          </a:fillRef>
+          <a:effectRef idx="0">
+            <a:schemeClr val="accent1"/>
+          </a:effectRef>
+          <a:fontRef idx="minor">
+            <a:schemeClr val="tx1"/>
+          </a:fontRef>
+        </p:style>
+      </p:cxnSp>
+      <p:cxnSp>
+        <p:nvCxnSpPr>
+          <p:cNvPr id="61" name="Connecteur droit avec flèche 9"/>
+          <p:cNvCxnSpPr/>
+          <p:nvPr/>
+        </p:nvCxnSpPr>
+        <p:spPr>
+          <a:xfrm>
+            <a:off x="10939963" y="1899021"/>
+            <a:ext cx="0" cy="2004487"/>
+          </a:xfrm>
+          <a:prstGeom prst="straightConnector1">
+            <a:avLst/>
+          </a:prstGeom>
+          <a:ln>
+            <a:solidFill>
+              <a:schemeClr val="tx2"/>
+            </a:solidFill>
+            <a:tailEnd type="triangle"/>
+          </a:ln>
+        </p:spPr>
+        <p:style>
+          <a:lnRef idx="1">
+            <a:schemeClr val="accent1"/>
+          </a:lnRef>
+          <a:fillRef idx="0">
+            <a:schemeClr val="accent1"/>
+          </a:fillRef>
+          <a:effectRef idx="0">
+            <a:schemeClr val="accent1"/>
+          </a:effectRef>
+          <a:fontRef idx="minor">
+            <a:schemeClr val="tx1"/>
+          </a:fontRef>
+        </p:style>
+      </p:cxnSp>
+      <p:sp>
+        <p:nvSpPr>
+          <p:cNvPr id="62" name="ZoneTexte 167"/>
+          <p:cNvSpPr txBox="1"/>
+          <p:nvPr/>
+        </p:nvSpPr>
+        <p:spPr>
+          <a:xfrm>
+            <a:off x="10939963" y="3686283"/>
+            <a:ext cx="354584" cy="246221"/>
+          </a:xfrm>
+          <a:prstGeom prst="rect">
+            <a:avLst/>
+          </a:prstGeom>
+          <a:noFill/>
+        </p:spPr>
+        <p:txBody>
+          <a:bodyPr wrap="none" rtlCol="0">
+            <a:spAutoFit/>
+          </a:bodyPr>
+          <a:lstStyle/>
+          <a:p>
+            <a:pPr>
+              <a:defRPr/>
+            </a:pPr>
+            <a:r>
+              <a:rPr lang="en-US" sz="1000" dirty="0">
+                <a:solidFill>
+                  <a:srgbClr val="97A7AF"/>
+                </a:solidFill>
+              </a:rPr>
+              <a:t>(.a)</a:t>
+            </a:r>
+          </a:p>
+        </p:txBody>
+      </p:sp>
+      <p:cxnSp>
+        <p:nvCxnSpPr>
+          <p:cNvPr id="91" name="Connecteur droit avec flèche 149">
+            <a:extLst>
+              <a:ext uri="{FF2B5EF4-FFF2-40B4-BE49-F238E27FC236}">
+                <a16:creationId xmlns:a16="http://schemas.microsoft.com/office/drawing/2014/main" xmlns="" id="{ED76A057-C789-4B13-AF66-FCF64679A599}"/>
+              </a:ext>
+            </a:extLst>
+          </p:cNvPr>
+          <p:cNvCxnSpPr>
+            <a:cxnSpLocks/>
+          </p:cNvCxnSpPr>
+          <p:nvPr/>
+        </p:nvCxnSpPr>
+        <p:spPr>
+          <a:xfrm>
+            <a:off x="7932892" y="4299223"/>
+            <a:ext cx="1" cy="336102"/>
+          </a:xfrm>
+          <a:prstGeom prst="straightConnector1">
+            <a:avLst/>
+          </a:prstGeom>
+          <a:ln>
+            <a:solidFill>
+              <a:schemeClr val="tx2"/>
+            </a:solidFill>
+            <a:tailEnd type="triangle"/>
+          </a:ln>
+        </p:spPr>
+        <p:style>
+          <a:lnRef idx="1">
+            <a:schemeClr val="accent1"/>
+          </a:lnRef>
+          <a:fillRef idx="0">
+            <a:schemeClr val="accent1"/>
+          </a:fillRef>
+          <a:effectRef idx="0">
+            <a:schemeClr val="accent1"/>
+          </a:effectRef>
+          <a:fontRef idx="minor">
+            <a:schemeClr val="tx1"/>
+          </a:fontRef>
+        </p:style>
+      </p:cxnSp>
+      <p:sp>
+        <p:nvSpPr>
+          <p:cNvPr id="92" name="ZoneTexte 167"/>
+          <p:cNvSpPr txBox="1"/>
+          <p:nvPr/>
+        </p:nvSpPr>
+        <p:spPr>
+          <a:xfrm>
+            <a:off x="7960984" y="4386499"/>
+            <a:ext cx="904415" cy="246221"/>
+          </a:xfrm>
+          <a:prstGeom prst="rect">
+            <a:avLst/>
+          </a:prstGeom>
+          <a:noFill/>
+        </p:spPr>
+        <p:txBody>
+          <a:bodyPr wrap="none" rtlCol="0">
+            <a:spAutoFit/>
+          </a:bodyPr>
+          <a:lstStyle/>
+          <a:p>
+            <a:pPr>
+              <a:defRPr/>
+            </a:pPr>
+            <a:r>
+              <a:rPr lang="en-US" sz="1000" dirty="0">
+                <a:solidFill>
+                  <a:srgbClr val="97A7AF"/>
+                </a:solidFill>
+              </a:rPr>
+              <a:t>(.out, .hex, …)</a:t>
             </a:r>
           </a:p>
         </p:txBody>
       </p:sp>
       <p:grpSp>
         <p:nvGrpSpPr>
-          <p:cNvPr id="75" name="Group 74"/>
+          <p:cNvPr id="4" name="Group 3"/>
           <p:cNvGrpSpPr/>
           <p:nvPr/>
         </p:nvGrpSpPr>
         <p:grpSpPr>
           <a:xfrm>
-            <a:off x="3098715" y="1877951"/>
-            <a:ext cx="1332000" cy="612000"/>
-            <a:chOff x="4195284" y="1552347"/>
-            <a:chExt cx="1332000" cy="612000"/>
+            <a:off x="3654489" y="2052804"/>
+            <a:ext cx="560114" cy="495700"/>
+            <a:chOff x="2149187" y="2406717"/>
+            <a:chExt cx="560114" cy="495700"/>
+          </a:xfrm>
+        </p:grpSpPr>
+        <p:pic>
+          <p:nvPicPr>
+            <p:cNvPr id="95" name="Picture 94"/>
+            <p:cNvPicPr>
+              <a:picLocks noChangeAspect="1"/>
+            </p:cNvPicPr>
+            <p:nvPr/>
+          </p:nvPicPr>
+          <p:blipFill>
+            <a:blip r:embed="rId3">
+              <a:extLst>
+                <a:ext uri="{28A0092B-C50C-407E-A947-70E740481C1C}">
+                  <a14:useLocalDpi xmlns:a14="http://schemas.microsoft.com/office/drawing/2010/main" val="0"/>
+                </a:ext>
+              </a:extLst>
+            </a:blip>
+            <a:stretch>
+              <a:fillRect/>
+            </a:stretch>
+          </p:blipFill>
+          <p:spPr>
+            <a:xfrm>
+              <a:off x="2149187" y="2406717"/>
+              <a:ext cx="560114" cy="495700"/>
+            </a:xfrm>
+            <a:prstGeom prst="rect">
+              <a:avLst/>
+            </a:prstGeom>
+          </p:spPr>
+        </p:pic>
+        <p:sp>
+          <p:nvSpPr>
+            <p:cNvPr id="3" name="TextBox 2"/>
+            <p:cNvSpPr txBox="1"/>
+            <p:nvPr/>
+          </p:nvSpPr>
+          <p:spPr>
+            <a:xfrm>
+              <a:off x="2235158" y="2457795"/>
+              <a:ext cx="388172" cy="369332"/>
+            </a:xfrm>
+            <a:prstGeom prst="rect">
+              <a:avLst/>
+            </a:prstGeom>
+            <a:noFill/>
+          </p:spPr>
+          <p:txBody>
+            <a:bodyPr vert="horz" wrap="square" lIns="0" tIns="0" rIns="0" bIns="0" numCol="1" spcCol="288000" rtlCol="0" anchor="t" anchorCtr="0">
+              <a:spAutoFit/>
+            </a:bodyPr>
+            <a:lstStyle/>
+            <a:p>
+              <a:pPr algn="ctr">
+                <a:spcBef>
+                  <a:spcPts val="0"/>
+                </a:spcBef>
+                <a:spcAft>
+                  <a:spcPts val="600"/>
+                </a:spcAft>
+              </a:pPr>
+              <a:r>
+                <a:rPr lang="en-US" sz="2400" spc="0" dirty="0" smtClean="0">
+                  <a:ln>
+                    <a:noFill/>
+                  </a:ln>
+                  <a:solidFill>
+                    <a:schemeClr val="tx2"/>
+                  </a:solidFill>
+                  <a:latin typeface="Source Sans Pro Light" charset="0"/>
+                  <a:ea typeface="Source Sans Pro Light" charset="0"/>
+                  <a:cs typeface="Source Sans Pro Light" charset="0"/>
+                </a:rPr>
+                <a:t>1</a:t>
+              </a:r>
+            </a:p>
+          </p:txBody>
+        </p:sp>
+      </p:grpSp>
+      <p:grpSp>
+        <p:nvGrpSpPr>
+          <p:cNvPr id="97" name="Group 96"/>
+          <p:cNvGrpSpPr/>
+          <p:nvPr/>
+        </p:nvGrpSpPr>
+        <p:grpSpPr>
+          <a:xfrm>
+            <a:off x="11497709" y="2052804"/>
+            <a:ext cx="560114" cy="495700"/>
+            <a:chOff x="2149187" y="2406717"/>
+            <a:chExt cx="560114" cy="495700"/>
+          </a:xfrm>
+        </p:grpSpPr>
+        <p:pic>
+          <p:nvPicPr>
+            <p:cNvPr id="98" name="Picture 97"/>
+            <p:cNvPicPr>
+              <a:picLocks noChangeAspect="1"/>
+            </p:cNvPicPr>
+            <p:nvPr/>
+          </p:nvPicPr>
+          <p:blipFill>
+            <a:blip r:embed="rId3">
+              <a:extLst>
+                <a:ext uri="{28A0092B-C50C-407E-A947-70E740481C1C}">
+                  <a14:useLocalDpi xmlns:a14="http://schemas.microsoft.com/office/drawing/2010/main" val="0"/>
+                </a:ext>
+              </a:extLst>
+            </a:blip>
+            <a:stretch>
+              <a:fillRect/>
+            </a:stretch>
+          </p:blipFill>
+          <p:spPr>
+            <a:xfrm>
+              <a:off x="2149187" y="2406717"/>
+              <a:ext cx="560114" cy="495700"/>
+            </a:xfrm>
+            <a:prstGeom prst="rect">
+              <a:avLst/>
+            </a:prstGeom>
+          </p:spPr>
+        </p:pic>
+        <p:sp>
+          <p:nvSpPr>
+            <p:cNvPr id="99" name="TextBox 98"/>
+            <p:cNvSpPr txBox="1"/>
+            <p:nvPr/>
+          </p:nvSpPr>
+          <p:spPr>
+            <a:xfrm>
+              <a:off x="2235158" y="2457795"/>
+              <a:ext cx="388172" cy="369332"/>
+            </a:xfrm>
+            <a:prstGeom prst="rect">
+              <a:avLst/>
+            </a:prstGeom>
+            <a:noFill/>
+          </p:spPr>
+          <p:txBody>
+            <a:bodyPr vert="horz" wrap="square" lIns="0" tIns="0" rIns="0" bIns="0" numCol="1" spcCol="288000" rtlCol="0" anchor="t" anchorCtr="0">
+              <a:spAutoFit/>
+            </a:bodyPr>
+            <a:lstStyle/>
+            <a:p>
+              <a:pPr algn="ctr">
+                <a:spcBef>
+                  <a:spcPts val="0"/>
+                </a:spcBef>
+                <a:spcAft>
+                  <a:spcPts val="600"/>
+                </a:spcAft>
+              </a:pPr>
+              <a:r>
+                <a:rPr lang="en-US" sz="2400" spc="0" dirty="0" smtClean="0">
+                  <a:ln>
+                    <a:noFill/>
+                  </a:ln>
+                  <a:solidFill>
+                    <a:schemeClr val="tx2"/>
+                  </a:solidFill>
+                  <a:latin typeface="Source Sans Pro Light" charset="0"/>
+                  <a:ea typeface="Source Sans Pro Light" charset="0"/>
+                  <a:cs typeface="Source Sans Pro Light" charset="0"/>
+                </a:rPr>
+                <a:t>2</a:t>
+              </a:r>
+            </a:p>
+          </p:txBody>
+        </p:sp>
+      </p:grpSp>
+      <p:grpSp>
+        <p:nvGrpSpPr>
+          <p:cNvPr id="100" name="Group 99"/>
+          <p:cNvGrpSpPr/>
+          <p:nvPr/>
+        </p:nvGrpSpPr>
+        <p:grpSpPr>
+          <a:xfrm>
+            <a:off x="3647728" y="4747999"/>
+            <a:ext cx="560114" cy="495700"/>
+            <a:chOff x="2149187" y="2406717"/>
+            <a:chExt cx="560114" cy="495700"/>
+          </a:xfrm>
+        </p:grpSpPr>
+        <p:pic>
+          <p:nvPicPr>
+            <p:cNvPr id="101" name="Picture 100"/>
+            <p:cNvPicPr>
+              <a:picLocks noChangeAspect="1"/>
+            </p:cNvPicPr>
+            <p:nvPr/>
+          </p:nvPicPr>
+          <p:blipFill>
+            <a:blip r:embed="rId3">
+              <a:extLst>
+                <a:ext uri="{28A0092B-C50C-407E-A947-70E740481C1C}">
+                  <a14:useLocalDpi xmlns:a14="http://schemas.microsoft.com/office/drawing/2010/main" val="0"/>
+                </a:ext>
+              </a:extLst>
+            </a:blip>
+            <a:stretch>
+              <a:fillRect/>
+            </a:stretch>
+          </p:blipFill>
+          <p:spPr>
+            <a:xfrm>
+              <a:off x="2149187" y="2406717"/>
+              <a:ext cx="560114" cy="495700"/>
+            </a:xfrm>
+            <a:prstGeom prst="rect">
+              <a:avLst/>
+            </a:prstGeom>
+          </p:spPr>
+        </p:pic>
+        <p:sp>
+          <p:nvSpPr>
+            <p:cNvPr id="102" name="TextBox 101"/>
+            <p:cNvSpPr txBox="1"/>
+            <p:nvPr/>
+          </p:nvSpPr>
+          <p:spPr>
+            <a:xfrm>
+              <a:off x="2235158" y="2457795"/>
+              <a:ext cx="388172" cy="369332"/>
+            </a:xfrm>
+            <a:prstGeom prst="rect">
+              <a:avLst/>
+            </a:prstGeom>
+            <a:noFill/>
+          </p:spPr>
+          <p:txBody>
+            <a:bodyPr vert="horz" wrap="square" lIns="0" tIns="0" rIns="0" bIns="0" numCol="1" spcCol="288000" rtlCol="0" anchor="t" anchorCtr="0">
+              <a:spAutoFit/>
+            </a:bodyPr>
+            <a:lstStyle/>
+            <a:p>
+              <a:pPr algn="ctr">
+                <a:spcBef>
+                  <a:spcPts val="0"/>
+                </a:spcBef>
+                <a:spcAft>
+                  <a:spcPts val="600"/>
+                </a:spcAft>
+              </a:pPr>
+              <a:r>
+                <a:rPr lang="en-US" sz="2400" spc="0" dirty="0" smtClean="0">
+                  <a:ln>
+                    <a:noFill/>
+                  </a:ln>
+                  <a:solidFill>
+                    <a:schemeClr val="tx2"/>
+                  </a:solidFill>
+                  <a:latin typeface="Source Sans Pro Light" charset="0"/>
+                  <a:ea typeface="Source Sans Pro Light" charset="0"/>
+                  <a:cs typeface="Source Sans Pro Light" charset="0"/>
+                </a:rPr>
+                <a:t>3</a:t>
+              </a:r>
+            </a:p>
+          </p:txBody>
+        </p:sp>
+      </p:grpSp>
+      <p:sp>
+        <p:nvSpPr>
+          <p:cNvPr id="103" name="Rounded Rectangle 102"/>
+          <p:cNvSpPr/>
+          <p:nvPr/>
+        </p:nvSpPr>
+        <p:spPr>
+          <a:xfrm>
+            <a:off x="5538285" y="3927386"/>
+            <a:ext cx="6107070" cy="385889"/>
+          </a:xfrm>
+          <a:prstGeom prst="roundRect">
+            <a:avLst/>
+          </a:prstGeom>
+          <a:solidFill>
+            <a:schemeClr val="tx1"/>
+          </a:solidFill>
+          <a:ln>
+            <a:noFill/>
+          </a:ln>
+          <a:effectLst/>
+        </p:spPr>
+        <p:style>
+          <a:lnRef idx="2">
+            <a:schemeClr val="dk1">
+              <a:shade val="50000"/>
+            </a:schemeClr>
+          </a:lnRef>
+          <a:fillRef idx="1">
+            <a:schemeClr val="dk1"/>
+          </a:fillRef>
+          <a:effectRef idx="0">
+            <a:schemeClr val="dk1"/>
+          </a:effectRef>
+          <a:fontRef idx="minor">
+            <a:schemeClr val="lt1"/>
+          </a:fontRef>
+        </p:style>
+        <p:txBody>
+          <a:bodyPr rtlCol="0" anchor="ctr"/>
+          <a:lstStyle/>
+          <a:p>
+            <a:pPr algn="ctr"/>
+            <a:r>
+              <a:rPr lang="en-US" sz="1000">
+                <a:solidFill>
+                  <a:srgbClr val="FFFFFF"/>
+                </a:solidFill>
+                <a:latin typeface="Source Sans Pro Light" charset="0"/>
+                <a:ea typeface="Source Sans Pro Light" charset="0"/>
+                <a:cs typeface="Source Sans Pro Light" charset="0"/>
+              </a:rPr>
+              <a:t>ELF Linker</a:t>
+            </a:r>
+            <a:endParaRPr lang="en-US" sz="1000" dirty="0">
+              <a:solidFill>
+                <a:srgbClr val="FFFFFF"/>
+              </a:solidFill>
+              <a:latin typeface="Source Sans Pro Light" charset="0"/>
+              <a:ea typeface="Source Sans Pro Light" charset="0"/>
+              <a:cs typeface="Source Sans Pro Light" charset="0"/>
+            </a:endParaRPr>
+          </a:p>
+        </p:txBody>
+      </p:sp>
+      <p:grpSp>
+        <p:nvGrpSpPr>
+          <p:cNvPr id="104" name="Group 103"/>
+          <p:cNvGrpSpPr/>
+          <p:nvPr/>
+        </p:nvGrpSpPr>
+        <p:grpSpPr>
+          <a:xfrm>
+            <a:off x="8782907" y="1216513"/>
+            <a:ext cx="2862448" cy="657123"/>
+            <a:chOff x="7031111" y="1438578"/>
+            <a:chExt cx="4224827" cy="657123"/>
           </a:xfrm>
         </p:grpSpPr>
         <p:sp>
           <p:nvSpPr>
-            <p:cNvPr id="19" name="Rectangle 18"/>
+            <p:cNvPr id="105" name="Rounded Rectangle 104"/>
             <p:cNvSpPr/>
             <p:nvPr/>
           </p:nvSpPr>
           <p:spPr>
             <a:xfrm>
-              <a:off x="4195284" y="1552347"/>
-              <a:ext cx="1332000" cy="612000"/>
+              <a:off x="7031111" y="1438578"/>
+              <a:ext cx="2023200" cy="657123"/>
             </a:xfrm>
-            <a:prstGeom prst="rect">
-              <a:avLst/>
+            <a:prstGeom prst="roundRect">
+              <a:avLst>
+                <a:gd name="adj" fmla="val 11196"/>
+              </a:avLst>
             </a:prstGeom>
             <a:solidFill>
-              <a:schemeClr val="accent4"/>
+              <a:srgbClr val="FFA300"/>
             </a:solidFill>
             <a:ln>
               <a:noFill/>
@@ -33265,37 +34678,647 @@
             <a:bodyPr rtlCol="0" anchor="ctr"/>
             <a:lstStyle/>
             <a:p>
+              <a:pPr algn="ctr"/>
+              <a:r>
+                <a:rPr lang="en-US" sz="1000" dirty="0">
+                  <a:solidFill>
+                    <a:schemeClr val="bg1"/>
+                  </a:solidFill>
+                  <a:latin typeface="Source Sans Pro Light" charset="0"/>
+                  <a:ea typeface="Source Sans Pro Light" charset="0"/>
+                  <a:cs typeface="Source Sans Pro Light" charset="0"/>
+                </a:rPr>
+                <a:t>C Code</a:t>
+              </a:r>
+              <a:br>
+                <a:rPr lang="en-US" sz="1000" dirty="0">
+                  <a:solidFill>
+                    <a:schemeClr val="bg1"/>
+                  </a:solidFill>
+                  <a:latin typeface="Source Sans Pro Light" charset="0"/>
+                  <a:ea typeface="Source Sans Pro Light" charset="0"/>
+                  <a:cs typeface="Source Sans Pro Light" charset="0"/>
+                </a:rPr>
+              </a:br>
+              <a:r>
+                <a:rPr lang="en-US" sz="1000" dirty="0">
+                  <a:solidFill>
+                    <a:schemeClr val="bg1"/>
+                  </a:solidFill>
+                  <a:latin typeface="Source Sans Pro Light" charset="0"/>
+                  <a:ea typeface="Source Sans Pro Light" charset="0"/>
+                  <a:cs typeface="Source Sans Pro Light" charset="0"/>
+                </a:rPr>
+                <a:t> BSP code</a:t>
+              </a:r>
+            </a:p>
+            <a:p>
+              <a:pPr algn="ctr"/>
+              <a:r>
+                <a:rPr lang="en-US" sz="1000" dirty="0">
+                  <a:solidFill>
+                    <a:schemeClr val="bg1"/>
+                  </a:solidFill>
+                  <a:latin typeface="Source Sans Pro Light" charset="0"/>
+                  <a:ea typeface="Source Sans Pro Light" charset="0"/>
+                  <a:cs typeface="Source Sans Pro Light" charset="0"/>
+                </a:rPr>
+                <a:t>Adaptation Layer</a:t>
+              </a:r>
+            </a:p>
+            <a:p>
+              <a:pPr algn="ctr"/>
+              <a:r>
+                <a:rPr lang="en-US" sz="1000" dirty="0">
+                  <a:solidFill>
+                    <a:schemeClr val="bg1"/>
+                  </a:solidFill>
+                  <a:latin typeface="Source Sans Pro Light" charset="0"/>
+                  <a:ea typeface="Source Sans Pro Light" charset="0"/>
+                  <a:cs typeface="Source Sans Pro Light" charset="0"/>
+                </a:rPr>
+                <a:t>+ </a:t>
+              </a:r>
+              <a:r>
+                <a:rPr lang="en-US" sz="1000" dirty="0" err="1">
+                  <a:solidFill>
+                    <a:schemeClr val="bg1"/>
+                  </a:solidFill>
+                  <a:latin typeface="Source Sans Pro Light" charset="0"/>
+                  <a:ea typeface="Source Sans Pro Light" charset="0"/>
+                  <a:cs typeface="Source Sans Pro Light" charset="0"/>
+                </a:rPr>
+                <a:t>MicroEJ</a:t>
+              </a:r>
+              <a:r>
+                <a:rPr lang="en-US" sz="1000" dirty="0">
+                  <a:solidFill>
+                    <a:schemeClr val="bg1"/>
+                  </a:solidFill>
+                  <a:latin typeface="Source Sans Pro Light" charset="0"/>
+                  <a:ea typeface="Source Sans Pro Light" charset="0"/>
+                  <a:cs typeface="Source Sans Pro Light" charset="0"/>
+                </a:rPr>
+                <a:t> Startup</a:t>
+              </a:r>
+            </a:p>
+          </p:txBody>
+        </p:sp>
+        <p:sp>
+          <p:nvSpPr>
+            <p:cNvPr id="106" name="Rounded Rectangle 105"/>
+            <p:cNvSpPr/>
+            <p:nvPr/>
+          </p:nvSpPr>
+          <p:spPr>
+            <a:xfrm>
+              <a:off x="9232738" y="1438578"/>
+              <a:ext cx="2023200" cy="657123"/>
+            </a:xfrm>
+            <a:prstGeom prst="roundRect">
+              <a:avLst>
+                <a:gd name="adj" fmla="val 11196"/>
+              </a:avLst>
+            </a:prstGeom>
+            <a:solidFill>
+              <a:srgbClr val="FFA300"/>
+            </a:solidFill>
+            <a:ln>
+              <a:noFill/>
+            </a:ln>
+            <a:effectLst/>
+          </p:spPr>
+          <p:style>
+            <a:lnRef idx="2">
+              <a:schemeClr val="dk1">
+                <a:shade val="50000"/>
+              </a:schemeClr>
+            </a:lnRef>
+            <a:fillRef idx="1">
+              <a:schemeClr val="dk1"/>
+            </a:fillRef>
+            <a:effectRef idx="0">
+              <a:schemeClr val="dk1"/>
+            </a:effectRef>
+            <a:fontRef idx="minor">
+              <a:schemeClr val="lt1"/>
+            </a:fontRef>
+          </p:style>
+          <p:txBody>
+            <a:bodyPr rtlCol="0" anchor="ctr"/>
+            <a:lstStyle/>
+            <a:p>
+              <a:pPr algn="ctr"/>
+              <a:r>
+                <a:rPr lang="en-US" sz="1000" dirty="0">
+                  <a:solidFill>
+                    <a:schemeClr val="bg1"/>
+                  </a:solidFill>
+                  <a:latin typeface="Source Sans Pro Light" charset="0"/>
+                  <a:ea typeface="Source Sans Pro Light" charset="0"/>
+                  <a:cs typeface="Source Sans Pro Light" charset="0"/>
+                </a:rPr>
+                <a:t>C Libraries</a:t>
+              </a:r>
+            </a:p>
+            <a:p>
+              <a:pPr algn="ctr"/>
+              <a:r>
+                <a:rPr lang="en-US" sz="1000" dirty="0">
+                  <a:solidFill>
+                    <a:schemeClr val="bg1"/>
+                  </a:solidFill>
+                  <a:latin typeface="Source Sans Pro Light" charset="0"/>
+                  <a:ea typeface="Source Sans Pro Light" charset="0"/>
+                  <a:cs typeface="Source Sans Pro Light" charset="0"/>
+                </a:rPr>
+                <a:t>Legacy C Libraries</a:t>
+              </a:r>
+            </a:p>
+          </p:txBody>
+        </p:sp>
+      </p:grpSp>
+      <p:sp>
+        <p:nvSpPr>
+          <p:cNvPr id="107" name="Rounded Rectangle 106"/>
+          <p:cNvSpPr/>
+          <p:nvPr/>
+        </p:nvSpPr>
+        <p:spPr>
+          <a:xfrm>
+            <a:off x="5538285" y="1216513"/>
+            <a:ext cx="1361954" cy="657123"/>
+          </a:xfrm>
+          <a:prstGeom prst="roundRect">
+            <a:avLst>
+              <a:gd name="adj" fmla="val 11196"/>
+            </a:avLst>
+          </a:prstGeom>
+          <a:solidFill>
+            <a:schemeClr val="accent4"/>
+          </a:solidFill>
+          <a:ln>
+            <a:noFill/>
+          </a:ln>
+          <a:effectLst/>
+        </p:spPr>
+        <p:style>
+          <a:lnRef idx="2">
+            <a:schemeClr val="dk1">
+              <a:shade val="50000"/>
+            </a:schemeClr>
+          </a:lnRef>
+          <a:fillRef idx="1">
+            <a:schemeClr val="dk1"/>
+          </a:fillRef>
+          <a:effectRef idx="0">
+            <a:schemeClr val="dk1"/>
+          </a:effectRef>
+          <a:fontRef idx="minor">
+            <a:schemeClr val="lt1"/>
+          </a:fontRef>
+        </p:style>
+        <p:txBody>
+          <a:bodyPr rtlCol="0" anchor="ctr"/>
+          <a:lstStyle/>
+          <a:p>
+            <a:pPr algn="ctr">
+              <a:defRPr/>
+            </a:pPr>
+            <a:r>
+              <a:rPr lang="en-US" sz="1000" dirty="0">
+                <a:solidFill>
+                  <a:srgbClr val="FFFFFF"/>
+                </a:solidFill>
+                <a:latin typeface="Source Sans Pro Light" charset="0"/>
+                <a:ea typeface="Source Sans Pro Light" charset="0"/>
+                <a:cs typeface="Source Sans Pro Light" charset="0"/>
+              </a:rPr>
+              <a:t>Java Application</a:t>
+            </a:r>
+          </a:p>
+        </p:txBody>
+      </p:sp>
+      <p:sp>
+        <p:nvSpPr>
+          <p:cNvPr id="108" name="Rounded Rectangle 107"/>
+          <p:cNvSpPr/>
+          <p:nvPr/>
+        </p:nvSpPr>
+        <p:spPr>
+          <a:xfrm>
+            <a:off x="7030605" y="1216513"/>
+            <a:ext cx="1361954" cy="657123"/>
+          </a:xfrm>
+          <a:prstGeom prst="roundRect">
+            <a:avLst>
+              <a:gd name="adj" fmla="val 11196"/>
+            </a:avLst>
+          </a:prstGeom>
+          <a:solidFill>
+            <a:schemeClr val="accent4"/>
+          </a:solidFill>
+          <a:ln>
+            <a:noFill/>
+          </a:ln>
+          <a:effectLst/>
+        </p:spPr>
+        <p:style>
+          <a:lnRef idx="2">
+            <a:schemeClr val="dk1">
+              <a:shade val="50000"/>
+            </a:schemeClr>
+          </a:lnRef>
+          <a:fillRef idx="1">
+            <a:schemeClr val="dk1"/>
+          </a:fillRef>
+          <a:effectRef idx="0">
+            <a:schemeClr val="dk1"/>
+          </a:effectRef>
+          <a:fontRef idx="minor">
+            <a:schemeClr val="lt1"/>
+          </a:fontRef>
+        </p:style>
+        <p:txBody>
+          <a:bodyPr rtlCol="0" anchor="ctr"/>
+          <a:lstStyle/>
+          <a:p>
+            <a:pPr algn="ctr"/>
+            <a:r>
+              <a:rPr lang="en-US" sz="1000" dirty="0">
+                <a:solidFill>
+                  <a:srgbClr val="FFFFFF"/>
+                </a:solidFill>
+                <a:latin typeface="Source Sans Pro Light" charset="0"/>
+                <a:ea typeface="Source Sans Pro Light" charset="0"/>
+                <a:cs typeface="Source Sans Pro Light" charset="0"/>
+              </a:rPr>
+              <a:t>Java Libraries</a:t>
+            </a:r>
+          </a:p>
+          <a:p>
+            <a:pPr algn="ctr"/>
+            <a:r>
+              <a:rPr lang="en-US" sz="1000" dirty="0">
+                <a:solidFill>
+                  <a:srgbClr val="FFFFFF"/>
+                </a:solidFill>
+                <a:latin typeface="Source Sans Pro Light" charset="0"/>
+                <a:ea typeface="Source Sans Pro Light" charset="0"/>
+                <a:cs typeface="Source Sans Pro Light" charset="0"/>
+              </a:rPr>
+              <a:t>Add-on Libraries</a:t>
+            </a:r>
+          </a:p>
+        </p:txBody>
+      </p:sp>
+      <p:sp>
+        <p:nvSpPr>
+          <p:cNvPr id="109" name="Rounded Rectangle 108"/>
+          <p:cNvSpPr/>
+          <p:nvPr/>
+        </p:nvSpPr>
+        <p:spPr>
+          <a:xfrm>
+            <a:off x="4063074" y="1216513"/>
+            <a:ext cx="1361954" cy="657123"/>
+          </a:xfrm>
+          <a:prstGeom prst="roundRect">
+            <a:avLst>
+              <a:gd name="adj" fmla="val 11196"/>
+            </a:avLst>
+          </a:prstGeom>
+          <a:solidFill>
+            <a:schemeClr val="accent1"/>
+          </a:solidFill>
+          <a:ln>
+            <a:noFill/>
+          </a:ln>
+          <a:effectLst/>
+        </p:spPr>
+        <p:style>
+          <a:lnRef idx="2">
+            <a:schemeClr val="dk1">
+              <a:shade val="50000"/>
+            </a:schemeClr>
+          </a:lnRef>
+          <a:fillRef idx="1">
+            <a:schemeClr val="dk1"/>
+          </a:fillRef>
+          <a:effectRef idx="0">
+            <a:schemeClr val="dk1"/>
+          </a:effectRef>
+          <a:fontRef idx="minor">
+            <a:schemeClr val="lt1"/>
+          </a:fontRef>
+        </p:style>
+        <p:txBody>
+          <a:bodyPr rtlCol="0" anchor="ctr"/>
+          <a:lstStyle/>
+          <a:p>
+            <a:pPr algn="ctr">
+              <a:defRPr/>
+            </a:pPr>
+            <a:r>
+              <a:rPr lang="en-US" sz="1000" dirty="0" err="1">
+                <a:solidFill>
+                  <a:srgbClr val="FFFFFF"/>
+                </a:solidFill>
+                <a:latin typeface="Source Sans Pro Light" charset="0"/>
+                <a:ea typeface="Source Sans Pro Light" charset="0"/>
+                <a:cs typeface="Source Sans Pro Light" charset="0"/>
+              </a:rPr>
+              <a:t>MicroEJ</a:t>
+            </a:r>
+            <a:r>
+              <a:rPr lang="en-US" sz="1000" dirty="0">
+                <a:solidFill>
+                  <a:srgbClr val="FFFFFF"/>
+                </a:solidFill>
+                <a:latin typeface="Source Sans Pro Light" charset="0"/>
+                <a:ea typeface="Source Sans Pro Light" charset="0"/>
+                <a:cs typeface="Source Sans Pro Light" charset="0"/>
+              </a:rPr>
+              <a:t> Platform</a:t>
+            </a:r>
+          </a:p>
+        </p:txBody>
+      </p:sp>
+      <p:grpSp>
+        <p:nvGrpSpPr>
+          <p:cNvPr id="110" name="Group 109"/>
+          <p:cNvGrpSpPr/>
+          <p:nvPr/>
+        </p:nvGrpSpPr>
+        <p:grpSpPr>
+          <a:xfrm>
+            <a:off x="8711541" y="1192755"/>
+            <a:ext cx="355428" cy="303315"/>
+            <a:chOff x="8422630" y="1909144"/>
+            <a:chExt cx="355428" cy="303315"/>
+          </a:xfrm>
+        </p:grpSpPr>
+        <p:sp>
+          <p:nvSpPr>
+            <p:cNvPr id="111" name="Bande diagonale 191">
+              <a:extLst>
+                <a:ext uri="{FF2B5EF4-FFF2-40B4-BE49-F238E27FC236}">
+                  <a16:creationId xmlns:a16="http://schemas.microsoft.com/office/drawing/2014/main" xmlns="" id="{DAA7A729-6342-4FAC-9943-95D96FF2DD80}"/>
+                </a:ext>
+              </a:extLst>
+            </p:cNvPr>
+            <p:cNvSpPr/>
+            <p:nvPr/>
+          </p:nvSpPr>
+          <p:spPr>
+            <a:xfrm>
+              <a:off x="8498230" y="1932631"/>
+              <a:ext cx="279828" cy="279828"/>
+            </a:xfrm>
+            <a:prstGeom prst="diagStripe">
+              <a:avLst>
+                <a:gd name="adj" fmla="val 41991"/>
+              </a:avLst>
+            </a:prstGeom>
+            <a:solidFill>
+              <a:schemeClr val="accent6">
+                <a:lumMod val="75000"/>
+              </a:schemeClr>
+            </a:solidFill>
+            <a:ln>
+              <a:noFill/>
+            </a:ln>
+          </p:spPr>
+          <p:style>
+            <a:lnRef idx="2">
+              <a:schemeClr val="accent1">
+                <a:shade val="50000"/>
+              </a:schemeClr>
+            </a:lnRef>
+            <a:fillRef idx="1">
+              <a:schemeClr val="accent1"/>
+            </a:fillRef>
+            <a:effectRef idx="0">
+              <a:schemeClr val="accent1"/>
+            </a:effectRef>
+            <a:fontRef idx="minor">
+              <a:schemeClr val="lt1"/>
+            </a:fontRef>
+          </p:style>
+          <p:txBody>
+            <a:bodyPr rtlCol="0" anchor="ctr"/>
+            <a:lstStyle/>
+            <a:p>
               <a:pPr algn="ctr">
                 <a:defRPr/>
               </a:pPr>
-              <a:r>
-                <a:rPr lang="en-US" sz="1000" b="1" dirty="0">
-                  <a:solidFill>
-                    <a:srgbClr val="FFFFFF"/>
-                  </a:solidFill>
-                  <a:cs typeface="Arial" panose="020B0604020202020204" pitchFamily="34" charset="0"/>
-                </a:rPr>
-                <a:t>Java Application</a:t>
-              </a:r>
-              <a:endParaRPr lang="en-US" sz="1000" dirty="0">
+              <a:endParaRPr lang="en-US" dirty="0">
                 <a:solidFill>
                   <a:srgbClr val="FFFFFF"/>
                 </a:solidFill>
-                <a:cs typeface="Arial" panose="020B0604020202020204" pitchFamily="34" charset="0"/>
               </a:endParaRPr>
             </a:p>
           </p:txBody>
         </p:sp>
         <p:sp>
           <p:nvSpPr>
-            <p:cNvPr id="20" name="Bande diagonale 192"/>
+            <p:cNvPr id="112" name="ZoneTexte 180">
+              <a:extLst>
+                <a:ext uri="{FF2B5EF4-FFF2-40B4-BE49-F238E27FC236}">
+                  <a16:creationId xmlns:a16="http://schemas.microsoft.com/office/drawing/2014/main" xmlns="" id="{5BB884F8-E56F-40DE-BF31-76BF3D0D1275}"/>
+                </a:ext>
+              </a:extLst>
+            </p:cNvPr>
+            <p:cNvSpPr txBox="1"/>
+            <p:nvPr/>
+          </p:nvSpPr>
+          <p:spPr>
+            <a:xfrm rot="18945775">
+              <a:off x="8422630" y="1909144"/>
+              <a:ext cx="317716" cy="230832"/>
+            </a:xfrm>
+            <a:prstGeom prst="rect">
+              <a:avLst/>
+            </a:prstGeom>
+            <a:noFill/>
+          </p:spPr>
+          <p:txBody>
+            <a:bodyPr wrap="none" rtlCol="0">
+              <a:spAutoFit/>
+            </a:bodyPr>
+            <a:lstStyle/>
+            <a:p>
+              <a:pPr>
+                <a:defRPr/>
+              </a:pPr>
+              <a:r>
+                <a:rPr lang="en-US" sz="900" dirty="0" err="1">
+                  <a:solidFill>
+                    <a:schemeClr val="bg1"/>
+                  </a:solidFill>
+                  <a:latin typeface="Source Sans Pro Light" charset="0"/>
+                  <a:ea typeface="Source Sans Pro Light" charset="0"/>
+                  <a:cs typeface="Source Sans Pro Light" charset="0"/>
+                </a:rPr>
+                <a:t>src</a:t>
+              </a:r>
+              <a:endParaRPr lang="en-US" sz="900" dirty="0">
+                <a:solidFill>
+                  <a:schemeClr val="bg1"/>
+                </a:solidFill>
+                <a:latin typeface="Source Sans Pro Light" charset="0"/>
+                <a:ea typeface="Source Sans Pro Light" charset="0"/>
+                <a:cs typeface="Source Sans Pro Light" charset="0"/>
+              </a:endParaRPr>
+            </a:p>
+          </p:txBody>
+        </p:sp>
+      </p:grpSp>
+      <p:grpSp>
+        <p:nvGrpSpPr>
+          <p:cNvPr id="113" name="Group 112"/>
+          <p:cNvGrpSpPr/>
+          <p:nvPr/>
+        </p:nvGrpSpPr>
+        <p:grpSpPr>
+          <a:xfrm>
+            <a:off x="4009146" y="1197422"/>
+            <a:ext cx="338002" cy="303407"/>
+            <a:chOff x="1830135" y="1909144"/>
+            <a:chExt cx="338002" cy="303407"/>
+          </a:xfrm>
+        </p:grpSpPr>
+        <p:sp>
+          <p:nvSpPr>
+            <p:cNvPr id="114" name="Bande diagonale 37"/>
             <p:cNvSpPr/>
             <p:nvPr/>
           </p:nvSpPr>
           <p:spPr>
             <a:xfrm>
-              <a:off x="4195284" y="1555456"/>
-              <a:ext cx="279828" cy="269618"/>
+              <a:off x="1888309" y="1932723"/>
+              <a:ext cx="279828" cy="279828"/>
+            </a:xfrm>
+            <a:prstGeom prst="diagStripe">
+              <a:avLst>
+                <a:gd name="adj" fmla="val 41991"/>
+              </a:avLst>
+            </a:prstGeom>
+            <a:solidFill>
+              <a:schemeClr val="accent1">
+                <a:lumMod val="75000"/>
+              </a:schemeClr>
+            </a:solidFill>
+            <a:ln>
+              <a:noFill/>
+            </a:ln>
+          </p:spPr>
+          <p:style>
+            <a:lnRef idx="2">
+              <a:schemeClr val="accent1">
+                <a:shade val="50000"/>
+              </a:schemeClr>
+            </a:lnRef>
+            <a:fillRef idx="1">
+              <a:schemeClr val="accent1"/>
+            </a:fillRef>
+            <a:effectRef idx="0">
+              <a:schemeClr val="accent1"/>
+            </a:effectRef>
+            <a:fontRef idx="minor">
+              <a:schemeClr val="lt1"/>
+            </a:fontRef>
+          </p:style>
+          <p:txBody>
+            <a:bodyPr rtlCol="0" anchor="ctr"/>
+            <a:lstStyle/>
+            <a:p>
+              <a:pPr algn="ctr">
+                <a:defRPr/>
+              </a:pPr>
+              <a:endParaRPr lang="en-US" dirty="0">
+                <a:solidFill>
+                  <a:srgbClr val="FFFFFF"/>
+                </a:solidFill>
+                <a:latin typeface="Source Sans Pro Light" charset="0"/>
+                <a:ea typeface="Source Sans Pro Light" charset="0"/>
+                <a:cs typeface="Source Sans Pro Light" charset="0"/>
+              </a:endParaRPr>
+            </a:p>
+          </p:txBody>
+        </p:sp>
+        <p:sp>
+          <p:nvSpPr>
+            <p:cNvPr id="115" name="ZoneTexte 178"/>
+            <p:cNvSpPr txBox="1"/>
+            <p:nvPr/>
+          </p:nvSpPr>
+          <p:spPr>
+            <a:xfrm rot="18945775">
+              <a:off x="1830135" y="1909144"/>
+              <a:ext cx="333746" cy="230832"/>
+            </a:xfrm>
+            <a:prstGeom prst="rect">
+              <a:avLst/>
+            </a:prstGeom>
+            <a:noFill/>
+          </p:spPr>
+          <p:txBody>
+            <a:bodyPr wrap="none" rtlCol="0">
+              <a:spAutoFit/>
+            </a:bodyPr>
+            <a:lstStyle/>
+            <a:p>
+              <a:pPr>
+                <a:defRPr/>
+              </a:pPr>
+              <a:r>
+                <a:rPr lang="en-US" sz="900" dirty="0">
+                  <a:solidFill>
+                    <a:srgbClr val="FFFFFF"/>
+                  </a:solidFill>
+                  <a:latin typeface="Source Sans Pro Light" charset="0"/>
+                  <a:ea typeface="Source Sans Pro Light" charset="0"/>
+                  <a:cs typeface="Source Sans Pro Light" charset="0"/>
+                </a:rPr>
+                <a:t>bin</a:t>
+              </a:r>
+              <a:endParaRPr lang="en-US" sz="1000" dirty="0">
+                <a:solidFill>
+                  <a:srgbClr val="FFFFFF"/>
+                </a:solidFill>
+                <a:latin typeface="Source Sans Pro Light" charset="0"/>
+                <a:ea typeface="Source Sans Pro Light" charset="0"/>
+                <a:cs typeface="Source Sans Pro Light" charset="0"/>
+              </a:endParaRPr>
+            </a:p>
+          </p:txBody>
+        </p:sp>
+      </p:grpSp>
+      <p:grpSp>
+        <p:nvGrpSpPr>
+          <p:cNvPr id="116" name="Group 115"/>
+          <p:cNvGrpSpPr/>
+          <p:nvPr/>
+        </p:nvGrpSpPr>
+        <p:grpSpPr>
+          <a:xfrm>
+            <a:off x="5467185" y="1190711"/>
+            <a:ext cx="352207" cy="308440"/>
+            <a:chOff x="4014325" y="1909144"/>
+            <a:chExt cx="352207" cy="308440"/>
+          </a:xfrm>
+        </p:grpSpPr>
+        <p:sp>
+          <p:nvSpPr>
+            <p:cNvPr id="117" name="Bande diagonale 192"/>
+            <p:cNvSpPr/>
+            <p:nvPr/>
+          </p:nvSpPr>
+          <p:spPr>
+            <a:xfrm>
+              <a:off x="4086704" y="1937756"/>
+              <a:ext cx="279828" cy="279828"/>
             </a:xfrm>
             <a:prstGeom prst="diagStripe">
               <a:avLst>
@@ -33338,867 +35361,84 @@
                 <a:solidFill>
                   <a:srgbClr val="FFFFFF"/>
                 </a:solidFill>
+                <a:latin typeface="Source Sans Pro Light" charset="0"/>
+                <a:ea typeface="Source Sans Pro Light" charset="0"/>
+                <a:cs typeface="Source Sans Pro Light" charset="0"/>
+              </a:endParaRPr>
+            </a:p>
+          </p:txBody>
+        </p:sp>
+        <p:sp>
+          <p:nvSpPr>
+            <p:cNvPr id="118" name="ZoneTexte 182"/>
+            <p:cNvSpPr txBox="1"/>
+            <p:nvPr/>
+          </p:nvSpPr>
+          <p:spPr>
+            <a:xfrm rot="18945775">
+              <a:off x="4014325" y="1909144"/>
+              <a:ext cx="317716" cy="230832"/>
+            </a:xfrm>
+            <a:prstGeom prst="rect">
+              <a:avLst/>
+            </a:prstGeom>
+            <a:noFill/>
+          </p:spPr>
+          <p:txBody>
+            <a:bodyPr wrap="none" rtlCol="0">
+              <a:spAutoFit/>
+            </a:bodyPr>
+            <a:lstStyle/>
+            <a:p>
+              <a:pPr>
+                <a:defRPr/>
+              </a:pPr>
+              <a:r>
+                <a:rPr lang="en-US" sz="900" dirty="0" err="1">
+                  <a:solidFill>
+                    <a:srgbClr val="FFFFFF"/>
+                  </a:solidFill>
+                  <a:latin typeface="Source Sans Pro Light" charset="0"/>
+                  <a:ea typeface="Source Sans Pro Light" charset="0"/>
+                  <a:cs typeface="Source Sans Pro Light" charset="0"/>
+                </a:rPr>
+                <a:t>src</a:t>
+              </a:r>
+              <a:endParaRPr lang="en-US" sz="900" dirty="0">
+                <a:solidFill>
+                  <a:srgbClr val="FFFFFF"/>
+                </a:solidFill>
+                <a:latin typeface="Source Sans Pro Light" charset="0"/>
+                <a:ea typeface="Source Sans Pro Light" charset="0"/>
+                <a:cs typeface="Source Sans Pro Light" charset="0"/>
               </a:endParaRPr>
             </a:p>
           </p:txBody>
         </p:sp>
       </p:grpSp>
-      <p:sp>
-        <p:nvSpPr>
-          <p:cNvPr id="21" name="ZoneTexte 182"/>
-          <p:cNvSpPr txBox="1"/>
-          <p:nvPr/>
-        </p:nvSpPr>
-        <p:spPr>
-          <a:xfrm rot="18945775">
-            <a:off x="3028290" y="1855956"/>
-            <a:ext cx="317716" cy="222410"/>
-          </a:xfrm>
-          <a:prstGeom prst="rect">
-            <a:avLst/>
-          </a:prstGeom>
-          <a:noFill/>
-        </p:spPr>
-        <p:txBody>
-          <a:bodyPr wrap="none" rtlCol="0">
-            <a:spAutoFit/>
-          </a:bodyPr>
-          <a:lstStyle/>
-          <a:p>
-            <a:pPr>
-              <a:defRPr/>
-            </a:pPr>
-            <a:r>
-              <a:rPr lang="en-US" sz="900" dirty="0" err="1">
-                <a:solidFill>
-                  <a:srgbClr val="FFFFFF"/>
-                </a:solidFill>
-              </a:rPr>
-              <a:t>src</a:t>
-            </a:r>
-            <a:endParaRPr lang="en-US" sz="900" dirty="0">
-              <a:solidFill>
-                <a:srgbClr val="FFFFFF"/>
-              </a:solidFill>
-            </a:endParaRPr>
-          </a:p>
-        </p:txBody>
-      </p:sp>
-      <p:cxnSp>
-        <p:nvCxnSpPr>
-          <p:cNvPr id="18" name="Connecteur droit avec flèche 149">
-            <a:extLst>
-              <a:ext uri="{FF2B5EF4-FFF2-40B4-BE49-F238E27FC236}">
-                <a16:creationId xmlns:a16="http://schemas.microsoft.com/office/drawing/2014/main" id="{B0E374E3-ADDB-45FD-805E-522DEF8779F6}"/>
-              </a:ext>
-            </a:extLst>
-          </p:cNvPr>
-          <p:cNvCxnSpPr>
-            <a:cxnSpLocks/>
-            <a:stCxn id="15" idx="2"/>
-            <a:endCxn id="5" idx="0"/>
-          </p:cNvCxnSpPr>
-          <p:nvPr/>
-        </p:nvCxnSpPr>
-        <p:spPr>
-          <a:xfrm>
-            <a:off x="3764715" y="3118865"/>
-            <a:ext cx="5419" cy="310135"/>
-          </a:xfrm>
-          <a:prstGeom prst="straightConnector1">
-            <a:avLst/>
-          </a:prstGeom>
-          <a:ln>
-            <a:solidFill>
-              <a:schemeClr val="tx2"/>
-            </a:solidFill>
-            <a:tailEnd type="triangle"/>
-          </a:ln>
-        </p:spPr>
-        <p:style>
-          <a:lnRef idx="1">
-            <a:schemeClr val="accent1"/>
-          </a:lnRef>
-          <a:fillRef idx="0">
-            <a:schemeClr val="accent1"/>
-          </a:fillRef>
-          <a:effectRef idx="0">
-            <a:schemeClr val="accent1"/>
-          </a:effectRef>
-          <a:fontRef idx="minor">
-            <a:schemeClr val="tx1"/>
-          </a:fontRef>
-        </p:style>
-      </p:cxnSp>
-      <p:sp>
-        <p:nvSpPr>
-          <p:cNvPr id="23" name="ZoneTexte 167"/>
-          <p:cNvSpPr txBox="1"/>
-          <p:nvPr/>
-        </p:nvSpPr>
-        <p:spPr>
-          <a:xfrm>
-            <a:off x="5460070" y="3171251"/>
-            <a:ext cx="823159" cy="246221"/>
-          </a:xfrm>
-          <a:prstGeom prst="rect">
-            <a:avLst/>
-          </a:prstGeom>
-          <a:noFill/>
-        </p:spPr>
-        <p:txBody>
-          <a:bodyPr wrap="square" rtlCol="0">
-            <a:spAutoFit/>
-          </a:bodyPr>
-          <a:lstStyle/>
-          <a:p>
-            <a:pPr>
-              <a:defRPr/>
-            </a:pPr>
-            <a:r>
-              <a:rPr lang="en-US" sz="1000" dirty="0">
-                <a:solidFill>
-                  <a:srgbClr val="97A7AF"/>
-                </a:solidFill>
-              </a:rPr>
-              <a:t>(.jar)</a:t>
-            </a:r>
-          </a:p>
-        </p:txBody>
-      </p:sp>
-      <p:cxnSp>
-        <p:nvCxnSpPr>
-          <p:cNvPr id="24" name="Connecteur droit avec flèche 149"/>
-          <p:cNvCxnSpPr>
-            <a:stCxn id="25" idx="2"/>
-          </p:cNvCxnSpPr>
-          <p:nvPr/>
-        </p:nvCxnSpPr>
-        <p:spPr>
-          <a:xfrm>
-            <a:off x="5473889" y="2489951"/>
-            <a:ext cx="0" cy="912649"/>
-          </a:xfrm>
-          <a:prstGeom prst="straightConnector1">
-            <a:avLst/>
-          </a:prstGeom>
-          <a:ln>
-            <a:solidFill>
-              <a:schemeClr val="tx2"/>
-            </a:solidFill>
-            <a:tailEnd type="triangle"/>
-          </a:ln>
-        </p:spPr>
-        <p:style>
-          <a:lnRef idx="1">
-            <a:schemeClr val="accent1"/>
-          </a:lnRef>
-          <a:fillRef idx="0">
-            <a:schemeClr val="accent1"/>
-          </a:fillRef>
-          <a:effectRef idx="0">
-            <a:schemeClr val="accent1"/>
-          </a:effectRef>
-          <a:fontRef idx="minor">
-            <a:schemeClr val="tx1"/>
-          </a:fontRef>
-        </p:style>
-      </p:cxnSp>
       <p:grpSp>
         <p:nvGrpSpPr>
-          <p:cNvPr id="74" name="Group 73"/>
+          <p:cNvPr id="119" name="Group 118"/>
           <p:cNvGrpSpPr/>
           <p:nvPr/>
         </p:nvGrpSpPr>
         <p:grpSpPr>
           <a:xfrm>
-            <a:off x="4749003" y="1855905"/>
-            <a:ext cx="1390886" cy="634046"/>
-            <a:chOff x="5742000" y="1530301"/>
-            <a:chExt cx="1390886" cy="634046"/>
+            <a:off x="6965228" y="1201929"/>
+            <a:ext cx="347595" cy="297222"/>
+            <a:chOff x="6905452" y="1423994"/>
+            <a:chExt cx="347595" cy="297222"/>
           </a:xfrm>
         </p:grpSpPr>
         <p:sp>
           <p:nvSpPr>
-            <p:cNvPr id="25" name="Rectangle 24"/>
+            <p:cNvPr id="120" name="Bande diagonale 192"/>
             <p:cNvSpPr/>
             <p:nvPr/>
           </p:nvSpPr>
           <p:spPr>
             <a:xfrm>
-              <a:off x="5800886" y="1552347"/>
-              <a:ext cx="1332000" cy="612000"/>
-            </a:xfrm>
-            <a:prstGeom prst="rect">
-              <a:avLst/>
-            </a:prstGeom>
-            <a:solidFill>
-              <a:schemeClr val="accent4"/>
-            </a:solidFill>
-            <a:ln>
-              <a:noFill/>
-            </a:ln>
-            <a:effectLst/>
-          </p:spPr>
-          <p:style>
-            <a:lnRef idx="2">
-              <a:schemeClr val="dk1">
-                <a:shade val="50000"/>
-              </a:schemeClr>
-            </a:lnRef>
-            <a:fillRef idx="1">
-              <a:schemeClr val="dk1"/>
-            </a:fillRef>
-            <a:effectRef idx="0">
-              <a:schemeClr val="dk1"/>
-            </a:effectRef>
-            <a:fontRef idx="minor">
-              <a:schemeClr val="lt1"/>
-            </a:fontRef>
-          </p:style>
-          <p:txBody>
-            <a:bodyPr rtlCol="0" anchor="ctr"/>
-            <a:lstStyle/>
-            <a:p>
-              <a:pPr algn="ctr">
-                <a:defRPr/>
-              </a:pPr>
-              <a:r>
-                <a:rPr lang="en-US" sz="1000" b="1" dirty="0">
-                  <a:solidFill>
-                    <a:srgbClr val="FFFFFF"/>
-                  </a:solidFill>
-                  <a:cs typeface="Arial" panose="020B0604020202020204" pitchFamily="34" charset="0"/>
-                </a:rPr>
-                <a:t>Java Libraries</a:t>
-              </a:r>
-            </a:p>
-            <a:p>
-              <a:pPr algn="ctr">
-                <a:defRPr/>
-              </a:pPr>
-              <a:r>
-                <a:rPr lang="en-US" sz="1000" dirty="0">
-                  <a:solidFill>
-                    <a:srgbClr val="FFFFFF"/>
-                  </a:solidFill>
-                  <a:cs typeface="Arial" panose="020B0604020202020204" pitchFamily="34" charset="0"/>
-                </a:rPr>
-                <a:t>Add-on Libraries</a:t>
-              </a:r>
-            </a:p>
-          </p:txBody>
-        </p:sp>
-        <p:grpSp>
-          <p:nvGrpSpPr>
-            <p:cNvPr id="26" name="Group 25"/>
-            <p:cNvGrpSpPr/>
-            <p:nvPr/>
-          </p:nvGrpSpPr>
-          <p:grpSpPr>
-            <a:xfrm>
-              <a:off x="5742000" y="1530301"/>
-              <a:ext cx="338002" cy="303407"/>
-              <a:chOff x="2177971" y="734063"/>
-              <a:chExt cx="338002" cy="303407"/>
-            </a:xfrm>
-          </p:grpSpPr>
-          <p:sp>
-            <p:nvSpPr>
-              <p:cNvPr id="27" name="Bande diagonale 37"/>
-              <p:cNvSpPr/>
-              <p:nvPr/>
-            </p:nvSpPr>
-            <p:spPr>
-              <a:xfrm>
-                <a:off x="2236145" y="757642"/>
-                <a:ext cx="279828" cy="279828"/>
-              </a:xfrm>
-              <a:prstGeom prst="diagStripe">
-                <a:avLst>
-                  <a:gd name="adj" fmla="val 41991"/>
-                </a:avLst>
-              </a:prstGeom>
-              <a:solidFill>
-                <a:schemeClr val="accent5">
-                  <a:lumMod val="75000"/>
-                </a:schemeClr>
-              </a:solidFill>
-              <a:ln>
-                <a:noFill/>
-              </a:ln>
-            </p:spPr>
-            <p:style>
-              <a:lnRef idx="2">
-                <a:schemeClr val="accent1">
-                  <a:shade val="50000"/>
-                </a:schemeClr>
-              </a:lnRef>
-              <a:fillRef idx="1">
-                <a:schemeClr val="accent1"/>
-              </a:fillRef>
-              <a:effectRef idx="0">
-                <a:schemeClr val="accent1"/>
-              </a:effectRef>
-              <a:fontRef idx="minor">
-                <a:schemeClr val="lt1"/>
-              </a:fontRef>
-            </p:style>
-            <p:txBody>
-              <a:bodyPr rtlCol="0" anchor="ctr"/>
-              <a:lstStyle/>
-              <a:p>
-                <a:pPr algn="ctr">
-                  <a:defRPr/>
-                </a:pPr>
-                <a:endParaRPr lang="en-US" dirty="0">
-                  <a:solidFill>
-                    <a:srgbClr val="FFFFFF"/>
-                  </a:solidFill>
-                </a:endParaRPr>
-              </a:p>
-            </p:txBody>
-          </p:sp>
-          <p:sp>
-            <p:nvSpPr>
-              <p:cNvPr id="28" name="ZoneTexte 178"/>
-              <p:cNvSpPr txBox="1"/>
-              <p:nvPr/>
-            </p:nvSpPr>
-            <p:spPr>
-              <a:xfrm rot="18945775">
-                <a:off x="2177971" y="734063"/>
-                <a:ext cx="333746" cy="230832"/>
-              </a:xfrm>
-              <a:prstGeom prst="rect">
-                <a:avLst/>
-              </a:prstGeom>
-              <a:noFill/>
-            </p:spPr>
-            <p:txBody>
-              <a:bodyPr wrap="none" rtlCol="0">
-                <a:spAutoFit/>
-              </a:bodyPr>
-              <a:lstStyle/>
-              <a:p>
-                <a:pPr>
-                  <a:defRPr/>
-                </a:pPr>
-                <a:r>
-                  <a:rPr lang="en-US" sz="900" dirty="0">
-                    <a:solidFill>
-                      <a:srgbClr val="FFFFFF"/>
-                    </a:solidFill>
-                  </a:rPr>
-                  <a:t>bin</a:t>
-                </a:r>
-                <a:endParaRPr lang="en-US" sz="1000" dirty="0">
-                  <a:solidFill>
-                    <a:srgbClr val="FFFFFF"/>
-                  </a:solidFill>
-                </a:endParaRPr>
-              </a:p>
-            </p:txBody>
-          </p:sp>
-        </p:grpSp>
-      </p:grpSp>
-      <p:sp>
-        <p:nvSpPr>
-          <p:cNvPr id="29" name="Rectangle 28"/>
-          <p:cNvSpPr/>
-          <p:nvPr/>
-        </p:nvSpPr>
-        <p:spPr>
-          <a:xfrm>
-            <a:off x="3625499" y="4322467"/>
-            <a:ext cx="5593020" cy="351474"/>
-          </a:xfrm>
-          <a:prstGeom prst="rect">
-            <a:avLst/>
-          </a:prstGeom>
-          <a:solidFill>
-            <a:schemeClr val="tx1">
-              <a:lumMod val="75000"/>
-            </a:schemeClr>
-          </a:solidFill>
-          <a:ln>
-            <a:noFill/>
-          </a:ln>
-          <a:effectLst/>
-        </p:spPr>
-        <p:style>
-          <a:lnRef idx="2">
-            <a:schemeClr val="dk1">
-              <a:shade val="50000"/>
-            </a:schemeClr>
-          </a:lnRef>
-          <a:fillRef idx="1">
-            <a:schemeClr val="dk1"/>
-          </a:fillRef>
-          <a:effectRef idx="0">
-            <a:schemeClr val="dk1"/>
-          </a:effectRef>
-          <a:fontRef idx="minor">
-            <a:schemeClr val="lt1"/>
-          </a:fontRef>
-        </p:style>
-        <p:txBody>
-          <a:bodyPr rtlCol="0" anchor="ctr"/>
-          <a:lstStyle/>
-          <a:p>
-            <a:pPr algn="ctr"/>
-            <a:r>
-              <a:rPr lang="en-US" sz="1000" b="1" dirty="0">
-                <a:solidFill>
-                  <a:srgbClr val="FFFFFF"/>
-                </a:solidFill>
-                <a:cs typeface="Arial" panose="020B0604020202020204" pitchFamily="34" charset="0"/>
-              </a:rPr>
-              <a:t>ELF Linker</a:t>
-            </a:r>
-          </a:p>
-        </p:txBody>
-      </p:sp>
-      <p:sp>
-        <p:nvSpPr>
-          <p:cNvPr id="30" name="ZoneTexte 167"/>
-          <p:cNvSpPr txBox="1"/>
-          <p:nvPr/>
-        </p:nvSpPr>
-        <p:spPr>
-          <a:xfrm>
-            <a:off x="3795915" y="4101167"/>
-            <a:ext cx="1904689" cy="246221"/>
-          </a:xfrm>
-          <a:prstGeom prst="rect">
-            <a:avLst/>
-          </a:prstGeom>
-          <a:noFill/>
-        </p:spPr>
-        <p:txBody>
-          <a:bodyPr wrap="none" rtlCol="0">
-            <a:spAutoFit/>
-          </a:bodyPr>
-          <a:lstStyle/>
-          <a:p>
-            <a:pPr>
-              <a:defRPr/>
-            </a:pPr>
-            <a:r>
-              <a:rPr lang="en-US" sz="1000">
-                <a:solidFill>
-                  <a:srgbClr val="97A7AF"/>
-                </a:solidFill>
-              </a:rPr>
-              <a:t>(microejruntime.</a:t>
-            </a:r>
-            <a:r>
-              <a:rPr lang="en-US" sz="1000" dirty="0">
-                <a:solidFill>
-                  <a:srgbClr val="97A7AF"/>
-                </a:solidFill>
-              </a:rPr>
-              <a:t>a</a:t>
-            </a:r>
-            <a:r>
-              <a:rPr lang="en-US" sz="1000">
-                <a:solidFill>
-                  <a:srgbClr val="97A7AF"/>
-                </a:solidFill>
-              </a:rPr>
-              <a:t>, microejapp.</a:t>
-            </a:r>
-            <a:r>
-              <a:rPr lang="en-US" sz="1000" dirty="0">
-                <a:solidFill>
-                  <a:srgbClr val="97A7AF"/>
-                </a:solidFill>
-              </a:rPr>
-              <a:t>o)</a:t>
-            </a:r>
-          </a:p>
-        </p:txBody>
-      </p:sp>
-      <p:cxnSp>
-        <p:nvCxnSpPr>
-          <p:cNvPr id="31" name="Connecteur droit avec flèche 149">
-            <a:extLst>
-              <a:ext uri="{FF2B5EF4-FFF2-40B4-BE49-F238E27FC236}">
-                <a16:creationId xmlns:a16="http://schemas.microsoft.com/office/drawing/2014/main" id="{ED76A057-C789-4B13-AF66-FCF64679A599}"/>
-              </a:ext>
-            </a:extLst>
-          </p:cNvPr>
-          <p:cNvCxnSpPr>
-            <a:cxnSpLocks/>
-            <a:stCxn id="29" idx="2"/>
-            <a:endCxn id="111" idx="0"/>
-          </p:cNvCxnSpPr>
-          <p:nvPr/>
-        </p:nvCxnSpPr>
-        <p:spPr>
-          <a:xfrm flipH="1">
-            <a:off x="6421754" y="4673941"/>
-            <a:ext cx="255" cy="485780"/>
-          </a:xfrm>
-          <a:prstGeom prst="straightConnector1">
-            <a:avLst/>
-          </a:prstGeom>
-          <a:ln>
-            <a:solidFill>
-              <a:schemeClr val="tx2"/>
-            </a:solidFill>
-            <a:tailEnd type="triangle"/>
-          </a:ln>
-        </p:spPr>
-        <p:style>
-          <a:lnRef idx="1">
-            <a:schemeClr val="accent1"/>
-          </a:lnRef>
-          <a:fillRef idx="0">
-            <a:schemeClr val="accent1"/>
-          </a:fillRef>
-          <a:effectRef idx="0">
-            <a:schemeClr val="accent1"/>
-          </a:effectRef>
-          <a:fontRef idx="minor">
-            <a:schemeClr val="tx1"/>
-          </a:fontRef>
-        </p:style>
-      </p:cxnSp>
-      <p:cxnSp>
-        <p:nvCxnSpPr>
-          <p:cNvPr id="43" name="Connecteur droit avec flèche 9"/>
-          <p:cNvCxnSpPr>
-            <a:stCxn id="47" idx="2"/>
-          </p:cNvCxnSpPr>
-          <p:nvPr/>
-        </p:nvCxnSpPr>
-        <p:spPr>
-          <a:xfrm flipH="1">
-            <a:off x="7153891" y="3119295"/>
-            <a:ext cx="0" cy="1199096"/>
-          </a:xfrm>
-          <a:prstGeom prst="straightConnector1">
-            <a:avLst/>
-          </a:prstGeom>
-          <a:ln>
-            <a:solidFill>
-              <a:schemeClr val="tx2"/>
-            </a:solidFill>
-            <a:tailEnd type="triangle"/>
-          </a:ln>
-        </p:spPr>
-        <p:style>
-          <a:lnRef idx="1">
-            <a:schemeClr val="accent1"/>
-          </a:lnRef>
-          <a:fillRef idx="0">
-            <a:schemeClr val="accent1"/>
-          </a:fillRef>
-          <a:effectRef idx="0">
-            <a:schemeClr val="accent1"/>
-          </a:effectRef>
-          <a:fontRef idx="minor">
-            <a:schemeClr val="tx1"/>
-          </a:fontRef>
-        </p:style>
-      </p:cxnSp>
-      <p:cxnSp>
-        <p:nvCxnSpPr>
-          <p:cNvPr id="45" name="Connecteur droit avec flèche 9"/>
-          <p:cNvCxnSpPr>
-            <a:stCxn id="44" idx="2"/>
-            <a:endCxn id="47" idx="0"/>
-          </p:cNvCxnSpPr>
-          <p:nvPr/>
-        </p:nvCxnSpPr>
-        <p:spPr>
-          <a:xfrm flipH="1">
-            <a:off x="7184909" y="2489951"/>
-            <a:ext cx="0" cy="272944"/>
-          </a:xfrm>
-          <a:prstGeom prst="straightConnector1">
-            <a:avLst/>
-          </a:prstGeom>
-          <a:ln>
-            <a:solidFill>
-              <a:schemeClr val="tx2"/>
-            </a:solidFill>
-            <a:tailEnd type="triangle"/>
-          </a:ln>
-        </p:spPr>
-        <p:style>
-          <a:lnRef idx="1">
-            <a:schemeClr val="accent1"/>
-          </a:lnRef>
-          <a:fillRef idx="0">
-            <a:schemeClr val="accent1"/>
-          </a:fillRef>
-          <a:effectRef idx="0">
-            <a:schemeClr val="accent1"/>
-          </a:effectRef>
-          <a:fontRef idx="minor">
-            <a:schemeClr val="tx1"/>
-          </a:fontRef>
-        </p:style>
-      </p:cxnSp>
-      <p:sp>
-        <p:nvSpPr>
-          <p:cNvPr id="46" name="ZoneTexte 12"/>
-          <p:cNvSpPr txBox="1"/>
-          <p:nvPr/>
-        </p:nvSpPr>
-        <p:spPr>
-          <a:xfrm>
-            <a:off x="7153891" y="4101167"/>
-            <a:ext cx="360996" cy="246221"/>
-          </a:xfrm>
-          <a:prstGeom prst="rect">
-            <a:avLst/>
-          </a:prstGeom>
-          <a:noFill/>
-        </p:spPr>
-        <p:txBody>
-          <a:bodyPr wrap="none" rtlCol="0">
-            <a:spAutoFit/>
-          </a:bodyPr>
-          <a:lstStyle/>
-          <a:p>
-            <a:pPr>
-              <a:defRPr/>
-            </a:pPr>
-            <a:r>
-              <a:rPr lang="en-US" sz="1000" dirty="0">
-                <a:solidFill>
-                  <a:srgbClr val="97A7AF"/>
-                </a:solidFill>
-              </a:rPr>
-              <a:t>(.o)</a:t>
-            </a:r>
-          </a:p>
-        </p:txBody>
-      </p:sp>
-      <p:sp>
-        <p:nvSpPr>
-          <p:cNvPr id="47" name="Rectangle 46"/>
-          <p:cNvSpPr/>
-          <p:nvPr/>
-        </p:nvSpPr>
-        <p:spPr>
-          <a:xfrm>
-            <a:off x="6518909" y="2762895"/>
-            <a:ext cx="1332000" cy="356400"/>
-          </a:xfrm>
-          <a:prstGeom prst="rect">
-            <a:avLst/>
-          </a:prstGeom>
-          <a:solidFill>
-            <a:schemeClr val="tx1">
-              <a:lumMod val="75000"/>
-            </a:schemeClr>
-          </a:solidFill>
-          <a:ln>
-            <a:noFill/>
-          </a:ln>
-          <a:effectLst/>
-        </p:spPr>
-        <p:style>
-          <a:lnRef idx="2">
-            <a:schemeClr val="dk1">
-              <a:shade val="50000"/>
-            </a:schemeClr>
-          </a:lnRef>
-          <a:fillRef idx="1">
-            <a:schemeClr val="dk1"/>
-          </a:fillRef>
-          <a:effectRef idx="0">
-            <a:schemeClr val="dk1"/>
-          </a:effectRef>
-          <a:fontRef idx="minor">
-            <a:schemeClr val="lt1"/>
-          </a:fontRef>
-        </p:style>
-        <p:txBody>
-          <a:bodyPr rtlCol="0" anchor="ctr"/>
-          <a:lstStyle/>
-          <a:p>
-            <a:pPr algn="ctr"/>
-            <a:r>
-              <a:rPr lang="en-US" sz="1000" b="1" dirty="0">
-                <a:solidFill>
-                  <a:srgbClr val="FFFFFF"/>
-                </a:solidFill>
-                <a:cs typeface="Arial" panose="020B0604020202020204" pitchFamily="34" charset="0"/>
-              </a:rPr>
-              <a:t>C Compiler</a:t>
-            </a:r>
-          </a:p>
-        </p:txBody>
-      </p:sp>
-      <p:sp>
-        <p:nvSpPr>
-          <p:cNvPr id="48" name="ZoneTexte 167"/>
-          <p:cNvSpPr txBox="1"/>
-          <p:nvPr/>
-        </p:nvSpPr>
-        <p:spPr>
-          <a:xfrm>
-            <a:off x="7228783" y="2530468"/>
-            <a:ext cx="508473" cy="246221"/>
-          </a:xfrm>
-          <a:prstGeom prst="rect">
-            <a:avLst/>
-          </a:prstGeom>
-          <a:noFill/>
-        </p:spPr>
-        <p:txBody>
-          <a:bodyPr wrap="none" rtlCol="0">
-            <a:spAutoFit/>
-          </a:bodyPr>
-          <a:lstStyle/>
-          <a:p>
-            <a:pPr>
-              <a:defRPr/>
-            </a:pPr>
-            <a:r>
-              <a:rPr lang="en-US" sz="1000" dirty="0">
-                <a:solidFill>
-                  <a:srgbClr val="97A7AF"/>
-                </a:solidFill>
-              </a:rPr>
-              <a:t>(.c, .h)</a:t>
-            </a:r>
-          </a:p>
-        </p:txBody>
-      </p:sp>
-      <p:grpSp>
-        <p:nvGrpSpPr>
-          <p:cNvPr id="73" name="Group 72"/>
-          <p:cNvGrpSpPr/>
-          <p:nvPr/>
-        </p:nvGrpSpPr>
-        <p:grpSpPr>
-          <a:xfrm>
-            <a:off x="6458177" y="1855905"/>
-            <a:ext cx="1401265" cy="634046"/>
-            <a:chOff x="7576170" y="1530301"/>
-            <a:chExt cx="1401265" cy="634046"/>
-          </a:xfrm>
-        </p:grpSpPr>
-        <p:sp>
-          <p:nvSpPr>
-            <p:cNvPr id="44" name="Rectangle 43"/>
-            <p:cNvSpPr/>
-            <p:nvPr/>
-          </p:nvSpPr>
-          <p:spPr>
-            <a:xfrm>
-              <a:off x="7645435" y="1552347"/>
-              <a:ext cx="1332000" cy="612000"/>
-            </a:xfrm>
-            <a:prstGeom prst="rect">
-              <a:avLst/>
-            </a:prstGeom>
-            <a:solidFill>
-              <a:srgbClr val="FFA300"/>
-            </a:solidFill>
-            <a:ln>
-              <a:noFill/>
-            </a:ln>
-            <a:effectLst/>
-          </p:spPr>
-          <p:style>
-            <a:lnRef idx="2">
-              <a:schemeClr val="dk1">
-                <a:shade val="50000"/>
-              </a:schemeClr>
-            </a:lnRef>
-            <a:fillRef idx="1">
-              <a:schemeClr val="dk1"/>
-            </a:fillRef>
-            <a:effectRef idx="0">
-              <a:schemeClr val="dk1"/>
-            </a:effectRef>
-            <a:fontRef idx="minor">
-              <a:schemeClr val="lt1"/>
-            </a:fontRef>
-          </p:style>
-          <p:txBody>
-            <a:bodyPr rtlCol="0" anchor="ctr"/>
-            <a:lstStyle/>
-            <a:p>
-              <a:pPr algn="ctr"/>
-              <a:r>
-                <a:rPr lang="en-US" sz="1000" b="1" dirty="0">
-                  <a:solidFill>
-                    <a:schemeClr val="bg1"/>
-                  </a:solidFill>
-                  <a:cs typeface="Arial" panose="020B0604020202020204" pitchFamily="34" charset="0"/>
-                </a:rPr>
-                <a:t>C Code</a:t>
-              </a:r>
-              <a:br>
-                <a:rPr lang="en-US" sz="1000" b="1" dirty="0">
-                  <a:solidFill>
-                    <a:schemeClr val="bg1"/>
-                  </a:solidFill>
-                  <a:cs typeface="Arial" panose="020B0604020202020204" pitchFamily="34" charset="0"/>
-                </a:rPr>
-              </a:br>
-              <a:r>
-                <a:rPr lang="en-US" sz="1000" b="1" dirty="0">
-                  <a:solidFill>
-                    <a:schemeClr val="bg1"/>
-                  </a:solidFill>
-                  <a:cs typeface="Arial" panose="020B0604020202020204" pitchFamily="34" charset="0"/>
-                </a:rPr>
-                <a:t> </a:t>
-              </a:r>
-              <a:r>
-                <a:rPr lang="en-US" sz="1000" dirty="0">
-                  <a:solidFill>
-                    <a:schemeClr val="bg1"/>
-                  </a:solidFill>
-                  <a:cs typeface="Arial" panose="020B0604020202020204" pitchFamily="34" charset="0"/>
-                </a:rPr>
-                <a:t>BSP code</a:t>
-              </a:r>
-            </a:p>
-            <a:p>
-              <a:pPr algn="ctr"/>
-              <a:r>
-                <a:rPr lang="en-US" sz="1000" dirty="0">
-                  <a:solidFill>
-                    <a:schemeClr val="bg1"/>
-                  </a:solidFill>
-                  <a:cs typeface="Arial" panose="020B0604020202020204" pitchFamily="34" charset="0"/>
-                </a:rPr>
-                <a:t>Adaptation Layer</a:t>
-              </a:r>
-            </a:p>
-            <a:p>
-              <a:pPr algn="ctr"/>
-              <a:r>
-                <a:rPr lang="en-US" sz="1000" dirty="0">
-                  <a:solidFill>
-                    <a:schemeClr val="bg1"/>
-                  </a:solidFill>
-                  <a:cs typeface="Arial" panose="020B0604020202020204" pitchFamily="34" charset="0"/>
-                </a:rPr>
-                <a:t>+ MicroEJ Startup</a:t>
-              </a:r>
-            </a:p>
-          </p:txBody>
-        </p:sp>
-        <p:sp>
-          <p:nvSpPr>
-            <p:cNvPr id="49" name="Bande diagonale 191"/>
-            <p:cNvSpPr/>
-            <p:nvPr/>
-          </p:nvSpPr>
-          <p:spPr>
-            <a:xfrm>
-              <a:off x="7647152" y="1553788"/>
+              <a:off x="6973219" y="1441388"/>
               <a:ext cx="279828" cy="279828"/>
             </a:xfrm>
             <a:prstGeom prst="diagStripe">
@@ -34207,8 +35447,8 @@
               </a:avLst>
             </a:prstGeom>
             <a:solidFill>
-              <a:schemeClr val="accent3">
-                <a:lumMod val="50000"/>
+              <a:schemeClr val="accent5">
+                <a:lumMod val="75000"/>
               </a:schemeClr>
             </a:solidFill>
             <a:ln>
@@ -34242,20 +35482,23 @@
                 <a:solidFill>
                   <a:srgbClr val="FFFFFF"/>
                 </a:solidFill>
+                <a:latin typeface="Source Sans Pro Light" charset="0"/>
+                <a:ea typeface="Source Sans Pro Light" charset="0"/>
+                <a:cs typeface="Source Sans Pro Light" charset="0"/>
               </a:endParaRPr>
             </a:p>
           </p:txBody>
         </p:sp>
         <p:sp>
           <p:nvSpPr>
-            <p:cNvPr id="50" name="ZoneTexte 180"/>
+            <p:cNvPr id="121" name="ZoneTexte 182"/>
             <p:cNvSpPr txBox="1"/>
             <p:nvPr/>
           </p:nvSpPr>
           <p:spPr>
             <a:xfrm rot="18945775">
-              <a:off x="7576170" y="1530301"/>
-              <a:ext cx="317716" cy="230832"/>
+              <a:off x="6905452" y="1423994"/>
+              <a:ext cx="333746" cy="230832"/>
             </a:xfrm>
             <a:prstGeom prst="rect">
               <a:avLst/>
@@ -34272,186 +35515,57 @@
                 <a:defRPr/>
               </a:pPr>
               <a:r>
-                <a:rPr lang="en-US" sz="900" dirty="0" err="1">
+                <a:rPr lang="en-US" sz="900" dirty="0" smtClean="0">
                   <a:solidFill>
                     <a:srgbClr val="FFFFFF"/>
                   </a:solidFill>
+                  <a:latin typeface="Source Sans Pro Light" charset="0"/>
+                  <a:ea typeface="Source Sans Pro Light" charset="0"/>
+                  <a:cs typeface="Source Sans Pro Light" charset="0"/>
                 </a:rPr>
-                <a:t>src</a:t>
+                <a:t>bin</a:t>
               </a:r>
               <a:endParaRPr lang="en-US" sz="900" dirty="0">
                 <a:solidFill>
                   <a:srgbClr val="FFFFFF"/>
                 </a:solidFill>
+                <a:latin typeface="Source Sans Pro Light" charset="0"/>
+                <a:ea typeface="Source Sans Pro Light" charset="0"/>
+                <a:cs typeface="Source Sans Pro Light" charset="0"/>
               </a:endParaRPr>
             </a:p>
           </p:txBody>
         </p:sp>
       </p:grpSp>
-      <p:cxnSp>
-        <p:nvCxnSpPr>
-          <p:cNvPr id="52" name="Connecteur droit avec flèche 9"/>
-          <p:cNvCxnSpPr>
-            <a:stCxn id="51" idx="2"/>
-          </p:cNvCxnSpPr>
-          <p:nvPr/>
-        </p:nvCxnSpPr>
-        <p:spPr>
-          <a:xfrm flipH="1">
-            <a:off x="8882083" y="2489951"/>
-            <a:ext cx="0" cy="1828440"/>
-          </a:xfrm>
-          <a:prstGeom prst="straightConnector1">
-            <a:avLst/>
-          </a:prstGeom>
-          <a:ln>
-            <a:solidFill>
-              <a:schemeClr val="tx2"/>
-            </a:solidFill>
-            <a:tailEnd type="triangle"/>
-          </a:ln>
-        </p:spPr>
-        <p:style>
-          <a:lnRef idx="1">
-            <a:schemeClr val="accent1"/>
-          </a:lnRef>
-          <a:fillRef idx="0">
-            <a:schemeClr val="accent1"/>
-          </a:fillRef>
-          <a:effectRef idx="0">
-            <a:schemeClr val="accent1"/>
-          </a:effectRef>
-          <a:fontRef idx="minor">
-            <a:schemeClr val="tx1"/>
-          </a:fontRef>
-        </p:style>
-      </p:cxnSp>
-      <p:sp>
-        <p:nvSpPr>
-          <p:cNvPr id="53" name="ZoneTexte 167"/>
-          <p:cNvSpPr txBox="1"/>
-          <p:nvPr/>
-        </p:nvSpPr>
-        <p:spPr>
-          <a:xfrm>
-            <a:off x="8882083" y="4101167"/>
-            <a:ext cx="354584" cy="246221"/>
-          </a:xfrm>
-          <a:prstGeom prst="rect">
-            <a:avLst/>
-          </a:prstGeom>
-          <a:noFill/>
-        </p:spPr>
-        <p:txBody>
-          <a:bodyPr wrap="none" rtlCol="0">
-            <a:spAutoFit/>
-          </a:bodyPr>
-          <a:lstStyle/>
-          <a:p>
-            <a:pPr>
-              <a:defRPr/>
-            </a:pPr>
-            <a:r>
-              <a:rPr lang="en-US" sz="1000" dirty="0">
-                <a:solidFill>
-                  <a:srgbClr val="97A7AF"/>
-                </a:solidFill>
-              </a:rPr>
-              <a:t>(.a)</a:t>
-            </a:r>
-          </a:p>
-        </p:txBody>
-      </p:sp>
       <p:grpSp>
         <p:nvGrpSpPr>
-          <p:cNvPr id="72" name="Group 71"/>
+          <p:cNvPr id="122" name="Group 121"/>
           <p:cNvGrpSpPr/>
           <p:nvPr/>
         </p:nvGrpSpPr>
         <p:grpSpPr>
           <a:xfrm>
-            <a:off x="8177730" y="1855905"/>
-            <a:ext cx="1388281" cy="634046"/>
-            <a:chOff x="9064055" y="1530301"/>
-            <a:chExt cx="1388281" cy="634046"/>
+            <a:off x="10207325" y="1203607"/>
+            <a:ext cx="350145" cy="295638"/>
+            <a:chOff x="8455530" y="1425672"/>
+            <a:chExt cx="350145" cy="295638"/>
           </a:xfrm>
         </p:grpSpPr>
         <p:sp>
           <p:nvSpPr>
-            <p:cNvPr id="51" name="Rectangle 50"/>
+            <p:cNvPr id="123" name="Bande diagonale 191">
+              <a:extLst>
+                <a:ext uri="{FF2B5EF4-FFF2-40B4-BE49-F238E27FC236}">
+                  <a16:creationId xmlns:a16="http://schemas.microsoft.com/office/drawing/2014/main" xmlns="" id="{DAA7A729-6342-4FAC-9943-95D96FF2DD80}"/>
+                </a:ext>
+              </a:extLst>
+            </p:cNvPr>
             <p:cNvSpPr/>
             <p:nvPr/>
           </p:nvSpPr>
           <p:spPr>
             <a:xfrm>
-              <a:off x="9120336" y="1552347"/>
-              <a:ext cx="1332000" cy="612000"/>
-            </a:xfrm>
-            <a:prstGeom prst="rect">
-              <a:avLst/>
-            </a:prstGeom>
-            <a:solidFill>
-              <a:srgbClr val="FFA300"/>
-            </a:solidFill>
-            <a:ln>
-              <a:noFill/>
-            </a:ln>
-            <a:effectLst/>
-          </p:spPr>
-          <p:style>
-            <a:lnRef idx="2">
-              <a:schemeClr val="dk1">
-                <a:shade val="50000"/>
-              </a:schemeClr>
-            </a:lnRef>
-            <a:fillRef idx="1">
-              <a:schemeClr val="dk1"/>
-            </a:fillRef>
-            <a:effectRef idx="0">
-              <a:schemeClr val="dk1"/>
-            </a:effectRef>
-            <a:fontRef idx="minor">
-              <a:schemeClr val="lt1"/>
-            </a:fontRef>
-          </p:style>
-          <p:txBody>
-            <a:bodyPr rtlCol="0" anchor="ctr"/>
-            <a:lstStyle/>
-            <a:p>
-              <a:pPr algn="ctr"/>
-              <a:r>
-                <a:rPr lang="en-US" sz="1000" b="1" dirty="0">
-                  <a:solidFill>
-                    <a:schemeClr val="bg1"/>
-                  </a:solidFill>
-                  <a:cs typeface="Arial" panose="020B0604020202020204" pitchFamily="34" charset="0"/>
-                </a:rPr>
-                <a:t>C Libraries</a:t>
-              </a:r>
-            </a:p>
-            <a:p>
-              <a:pPr algn="ctr"/>
-              <a:r>
-                <a:rPr lang="en-US" sz="1000" b="1" dirty="0">
-                  <a:solidFill>
-                    <a:schemeClr val="bg1"/>
-                  </a:solidFill>
-                  <a:cs typeface="Arial" panose="020B0604020202020204" pitchFamily="34" charset="0"/>
-                </a:rPr>
-                <a:t>Legacy C Libraries</a:t>
-              </a:r>
-            </a:p>
-          </p:txBody>
-        </p:sp>
-        <p:sp>
-          <p:nvSpPr>
-            <p:cNvPr id="55" name="Bande diagonale 37"/>
-            <p:cNvSpPr/>
-            <p:nvPr/>
-          </p:nvSpPr>
-          <p:spPr>
-            <a:xfrm>
-              <a:off x="9122229" y="1553880"/>
+              <a:off x="8525847" y="1441482"/>
               <a:ext cx="279828" cy="279828"/>
             </a:xfrm>
             <a:prstGeom prst="diagStripe">
@@ -34460,8 +35574,8 @@
               </a:avLst>
             </a:prstGeom>
             <a:solidFill>
-              <a:schemeClr val="accent3">
-                <a:lumMod val="50000"/>
+              <a:schemeClr val="accent6">
+                <a:lumMod val="75000"/>
               </a:schemeClr>
             </a:solidFill>
             <a:ln>
@@ -34501,13 +35615,19 @@
         </p:sp>
         <p:sp>
           <p:nvSpPr>
-            <p:cNvPr id="56" name="ZoneTexte 178"/>
+            <p:cNvPr id="124" name="ZoneTexte 180">
+              <a:extLst>
+                <a:ext uri="{FF2B5EF4-FFF2-40B4-BE49-F238E27FC236}">
+                  <a16:creationId xmlns:a16="http://schemas.microsoft.com/office/drawing/2014/main" xmlns="" id="{5BB884F8-E56F-40DE-BF31-76BF3D0D1275}"/>
+                </a:ext>
+              </a:extLst>
+            </p:cNvPr>
             <p:cNvSpPr txBox="1"/>
             <p:nvPr/>
           </p:nvSpPr>
           <p:spPr>
             <a:xfrm rot="18945775">
-              <a:off x="9064055" y="1530301"/>
+              <a:off x="8455530" y="1425672"/>
               <a:ext cx="333746" cy="230832"/>
             </a:xfrm>
             <a:prstGeom prst="rect">
@@ -34525,852 +35645,7 @@
                 <a:defRPr/>
               </a:pPr>
               <a:r>
-                <a:rPr lang="en-US" sz="900" dirty="0">
-                  <a:solidFill>
-                    <a:srgbClr val="FFFFFF"/>
-                  </a:solidFill>
-                </a:rPr>
-                <a:t>bin</a:t>
-              </a:r>
-              <a:endParaRPr lang="en-US" sz="1000" dirty="0">
-                <a:solidFill>
-                  <a:srgbClr val="FFFFFF"/>
-                </a:solidFill>
-              </a:endParaRPr>
-            </a:p>
-          </p:txBody>
-        </p:sp>
-      </p:grpSp>
-      <p:cxnSp>
-        <p:nvCxnSpPr>
-          <p:cNvPr id="57" name="Connecteur droit avec flèche 9"/>
-          <p:cNvCxnSpPr>
-            <a:cxnSpLocks/>
-            <a:stCxn id="5" idx="2"/>
-          </p:cNvCxnSpPr>
-          <p:nvPr/>
-        </p:nvCxnSpPr>
-        <p:spPr>
-          <a:xfrm flipH="1">
-            <a:off x="3761212" y="3859407"/>
-            <a:ext cx="8922" cy="458984"/>
-          </a:xfrm>
-          <a:prstGeom prst="straightConnector1">
-            <a:avLst/>
-          </a:prstGeom>
-          <a:ln>
-            <a:solidFill>
-              <a:schemeClr val="tx2"/>
-            </a:solidFill>
-            <a:tailEnd type="triangle"/>
-          </a:ln>
-        </p:spPr>
-        <p:style>
-          <a:lnRef idx="1">
-            <a:schemeClr val="accent1"/>
-          </a:lnRef>
-          <a:fillRef idx="0">
-            <a:schemeClr val="accent1"/>
-          </a:fillRef>
-          <a:effectRef idx="0">
-            <a:schemeClr val="accent1"/>
-          </a:effectRef>
-          <a:fontRef idx="minor">
-            <a:schemeClr val="tx1"/>
-          </a:fontRef>
-        </p:style>
-      </p:cxnSp>
-      <p:sp>
-        <p:nvSpPr>
-          <p:cNvPr id="58" name="ZoneTexte 167"/>
-          <p:cNvSpPr txBox="1"/>
-          <p:nvPr/>
-        </p:nvSpPr>
-        <p:spPr>
-          <a:xfrm>
-            <a:off x="6408792" y="4910895"/>
-            <a:ext cx="904415" cy="246221"/>
-          </a:xfrm>
-          <a:prstGeom prst="rect">
-            <a:avLst/>
-          </a:prstGeom>
-          <a:noFill/>
-        </p:spPr>
-        <p:txBody>
-          <a:bodyPr wrap="none" rtlCol="0">
-            <a:spAutoFit/>
-          </a:bodyPr>
-          <a:lstStyle/>
-          <a:p>
-            <a:pPr>
-              <a:defRPr/>
-            </a:pPr>
-            <a:r>
-              <a:rPr lang="en-US" sz="1000" dirty="0">
-                <a:solidFill>
-                  <a:srgbClr val="97A7AF"/>
-                </a:solidFill>
-              </a:rPr>
-              <a:t>(.out, .hex, …)</a:t>
-            </a:r>
-          </a:p>
-        </p:txBody>
-      </p:sp>
-      <p:sp>
-        <p:nvSpPr>
-          <p:cNvPr id="59" name="Rectangle 58"/>
-          <p:cNvSpPr/>
-          <p:nvPr/>
-        </p:nvSpPr>
-        <p:spPr>
-          <a:xfrm flipH="1">
-            <a:off x="6369775" y="1703687"/>
-            <a:ext cx="3470638" cy="2304569"/>
-          </a:xfrm>
-          <a:prstGeom prst="rect">
-            <a:avLst/>
-          </a:prstGeom>
-          <a:noFill/>
-          <a:ln>
-            <a:solidFill>
-              <a:schemeClr val="tx2">
-                <a:lumMod val="60000"/>
-                <a:lumOff val="40000"/>
-              </a:schemeClr>
-            </a:solidFill>
-          </a:ln>
-        </p:spPr>
-        <p:style>
-          <a:lnRef idx="2">
-            <a:schemeClr val="accent1">
-              <a:shade val="50000"/>
-            </a:schemeClr>
-          </a:lnRef>
-          <a:fillRef idx="1">
-            <a:schemeClr val="accent1"/>
-          </a:fillRef>
-          <a:effectRef idx="0">
-            <a:schemeClr val="accent1"/>
-          </a:effectRef>
-          <a:fontRef idx="minor">
-            <a:schemeClr val="lt1"/>
-          </a:fontRef>
-        </p:style>
-        <p:txBody>
-          <a:bodyPr rtlCol="0" anchor="ctr"/>
-          <a:lstStyle/>
-          <a:p>
-            <a:pPr algn="ctr"/>
-            <a:endParaRPr lang="en-GB"/>
-          </a:p>
-        </p:txBody>
-      </p:sp>
-      <p:grpSp>
-        <p:nvGrpSpPr>
-          <p:cNvPr id="110" name="Group 109"/>
-          <p:cNvGrpSpPr/>
-          <p:nvPr/>
-        </p:nvGrpSpPr>
-        <p:grpSpPr>
-          <a:xfrm>
-            <a:off x="4358875" y="5136315"/>
-            <a:ext cx="4061684" cy="1481596"/>
-            <a:chOff x="3034800" y="4299128"/>
-            <a:chExt cx="4061684" cy="1481596"/>
-          </a:xfrm>
-        </p:grpSpPr>
-        <p:sp>
-          <p:nvSpPr>
-            <p:cNvPr id="111" name="Rectangle 110"/>
-            <p:cNvSpPr/>
-            <p:nvPr/>
-          </p:nvSpPr>
-          <p:spPr>
-            <a:xfrm>
-              <a:off x="3098874" y="4322534"/>
-              <a:ext cx="3997610" cy="1458190"/>
-            </a:xfrm>
-            <a:prstGeom prst="rect">
-              <a:avLst/>
-            </a:prstGeom>
-            <a:solidFill>
-              <a:schemeClr val="accent1"/>
-            </a:solidFill>
-            <a:ln>
-              <a:noFill/>
-            </a:ln>
-            <a:effectLst/>
-          </p:spPr>
-          <p:style>
-            <a:lnRef idx="2">
-              <a:schemeClr val="dk1">
-                <a:shade val="50000"/>
-              </a:schemeClr>
-            </a:lnRef>
-            <a:fillRef idx="1">
-              <a:schemeClr val="dk1"/>
-            </a:fillRef>
-            <a:effectRef idx="0">
-              <a:schemeClr val="dk1"/>
-            </a:effectRef>
-            <a:fontRef idx="minor">
-              <a:schemeClr val="lt1"/>
-            </a:fontRef>
-          </p:style>
-          <p:txBody>
-            <a:bodyPr rtlCol="0" anchor="t"/>
-            <a:lstStyle/>
-            <a:p>
-              <a:pPr algn="ctr">
-                <a:defRPr/>
-              </a:pPr>
-              <a:r>
-                <a:rPr lang="en-US" sz="1000" b="1" dirty="0">
-                  <a:solidFill>
-                    <a:srgbClr val="FFFFFF"/>
-                  </a:solidFill>
-                  <a:cs typeface="Arial" panose="020B0604020202020204" pitchFamily="34" charset="0"/>
-                </a:rPr>
-                <a:t>Firmware</a:t>
-              </a:r>
-            </a:p>
-          </p:txBody>
-        </p:sp>
-        <p:grpSp>
-          <p:nvGrpSpPr>
-            <p:cNvPr id="112" name="Group 111"/>
-            <p:cNvGrpSpPr/>
-            <p:nvPr/>
-          </p:nvGrpSpPr>
-          <p:grpSpPr>
-            <a:xfrm>
-              <a:off x="3034800" y="4299128"/>
-              <a:ext cx="344751" cy="303135"/>
-              <a:chOff x="2671961" y="3299648"/>
-              <a:chExt cx="344751" cy="303135"/>
-            </a:xfrm>
-          </p:grpSpPr>
-          <p:sp>
-            <p:nvSpPr>
-              <p:cNvPr id="125" name="Bande diagonale 197"/>
-              <p:cNvSpPr/>
-              <p:nvPr/>
-            </p:nvSpPr>
-            <p:spPr>
-              <a:xfrm>
-                <a:off x="2736884" y="3322955"/>
-                <a:ext cx="279828" cy="279828"/>
-              </a:xfrm>
-              <a:prstGeom prst="diagStripe">
-                <a:avLst>
-                  <a:gd name="adj" fmla="val 41991"/>
-                </a:avLst>
-              </a:prstGeom>
-              <a:solidFill>
-                <a:schemeClr val="accent1">
-                  <a:lumMod val="75000"/>
-                </a:schemeClr>
-              </a:solidFill>
-              <a:ln>
-                <a:noFill/>
-              </a:ln>
-            </p:spPr>
-            <p:style>
-              <a:lnRef idx="2">
-                <a:schemeClr val="accent1">
-                  <a:shade val="50000"/>
-                </a:schemeClr>
-              </a:lnRef>
-              <a:fillRef idx="1">
-                <a:schemeClr val="accent1"/>
-              </a:fillRef>
-              <a:effectRef idx="0">
-                <a:schemeClr val="accent1"/>
-              </a:effectRef>
-              <a:fontRef idx="minor">
-                <a:schemeClr val="lt1"/>
-              </a:fontRef>
-            </p:style>
-            <p:txBody>
-              <a:bodyPr rtlCol="0" anchor="ctr"/>
-              <a:lstStyle/>
-              <a:p>
-                <a:pPr algn="ctr">
-                  <a:defRPr/>
-                </a:pPr>
-                <a:endParaRPr lang="en-US" dirty="0">
-                  <a:solidFill>
-                    <a:srgbClr val="FFFFFF"/>
-                  </a:solidFill>
-                </a:endParaRPr>
-              </a:p>
-            </p:txBody>
-          </p:sp>
-          <p:sp>
-            <p:nvSpPr>
-              <p:cNvPr id="126" name="ZoneTexte 198"/>
-              <p:cNvSpPr txBox="1"/>
-              <p:nvPr/>
-            </p:nvSpPr>
-            <p:spPr>
-              <a:xfrm rot="18945775">
-                <a:off x="2671961" y="3299648"/>
-                <a:ext cx="333746" cy="230832"/>
-              </a:xfrm>
-              <a:prstGeom prst="rect">
-                <a:avLst/>
-              </a:prstGeom>
-              <a:noFill/>
-            </p:spPr>
-            <p:txBody>
-              <a:bodyPr wrap="none" rtlCol="0">
-                <a:spAutoFit/>
-              </a:bodyPr>
-              <a:lstStyle/>
-              <a:p>
-                <a:pPr>
-                  <a:defRPr/>
-                </a:pPr>
-                <a:r>
-                  <a:rPr lang="en-US" sz="900" dirty="0">
-                    <a:solidFill>
-                      <a:srgbClr val="FFFFFF"/>
-                    </a:solidFill>
-                  </a:rPr>
-                  <a:t>bin</a:t>
-                </a:r>
-              </a:p>
-            </p:txBody>
-          </p:sp>
-        </p:grpSp>
-        <p:grpSp>
-          <p:nvGrpSpPr>
-            <p:cNvPr id="113" name="Group 112"/>
-            <p:cNvGrpSpPr/>
-            <p:nvPr/>
-          </p:nvGrpSpPr>
-          <p:grpSpPr>
-            <a:xfrm>
-              <a:off x="3273048" y="4633391"/>
-              <a:ext cx="1084312" cy="986864"/>
-              <a:chOff x="535360" y="4765860"/>
-              <a:chExt cx="1084312" cy="986864"/>
-            </a:xfrm>
-          </p:grpSpPr>
-          <p:sp>
-            <p:nvSpPr>
-              <p:cNvPr id="121" name="Rectangle 120"/>
-              <p:cNvSpPr/>
-              <p:nvPr/>
-            </p:nvSpPr>
-            <p:spPr>
-              <a:xfrm>
-                <a:off x="535360" y="4765860"/>
-                <a:ext cx="1084312" cy="986864"/>
-              </a:xfrm>
-              <a:prstGeom prst="rect">
-                <a:avLst/>
-              </a:prstGeom>
-              <a:solidFill>
-                <a:schemeClr val="accent1"/>
-              </a:solidFill>
-              <a:ln>
-                <a:solidFill>
-                  <a:schemeClr val="bg1"/>
-                </a:solidFill>
-              </a:ln>
-              <a:effectLst/>
-            </p:spPr>
-            <p:style>
-              <a:lnRef idx="2">
-                <a:schemeClr val="dk1">
-                  <a:shade val="50000"/>
-                </a:schemeClr>
-              </a:lnRef>
-              <a:fillRef idx="1">
-                <a:schemeClr val="dk1"/>
-              </a:fillRef>
-              <a:effectRef idx="0">
-                <a:schemeClr val="dk1"/>
-              </a:effectRef>
-              <a:fontRef idx="minor">
-                <a:schemeClr val="lt1"/>
-              </a:fontRef>
-            </p:style>
-            <p:txBody>
-              <a:bodyPr rtlCol="0" anchor="t"/>
-              <a:lstStyle/>
-              <a:p>
-                <a:pPr algn="ctr">
-                  <a:defRPr/>
-                </a:pPr>
-                <a:r>
-                  <a:rPr lang="en-US" sz="1000" b="1" dirty="0">
-                    <a:solidFill>
-                      <a:srgbClr val="FFFFFF"/>
-                    </a:solidFill>
-                    <a:cs typeface="Arial" panose="020B0604020202020204" pitchFamily="34" charset="0"/>
-                  </a:rPr>
-                  <a:t>MEJ32 Core</a:t>
-                </a:r>
-              </a:p>
-            </p:txBody>
-          </p:sp>
-          <p:grpSp>
-            <p:nvGrpSpPr>
-              <p:cNvPr id="122" name="Group 121">
-                <a:extLst>
-                  <a:ext uri="{FF2B5EF4-FFF2-40B4-BE49-F238E27FC236}">
-                    <a16:creationId xmlns:a16="http://schemas.microsoft.com/office/drawing/2014/main" id="{B912B7B2-7600-4C37-9CFB-97257AC4EC6F}"/>
-                  </a:ext>
-                </a:extLst>
-              </p:cNvPr>
-              <p:cNvGrpSpPr/>
-              <p:nvPr/>
-            </p:nvGrpSpPr>
-            <p:grpSpPr>
-              <a:xfrm>
-                <a:off x="750869" y="4987875"/>
-                <a:ext cx="643435" cy="643435"/>
-                <a:chOff x="1326080" y="2569883"/>
-                <a:chExt cx="900000" cy="900000"/>
-              </a:xfrm>
-            </p:grpSpPr>
-            <p:sp>
-              <p:nvSpPr>
-                <p:cNvPr id="123" name="Ellipse 60">
-                  <a:extLst>
-                    <a:ext uri="{FF2B5EF4-FFF2-40B4-BE49-F238E27FC236}">
-                      <a16:creationId xmlns:a16="http://schemas.microsoft.com/office/drawing/2014/main" id="{D589262F-3DC8-48B1-AC21-267EC2396FD0}"/>
-                    </a:ext>
-                  </a:extLst>
-                </p:cNvPr>
-                <p:cNvSpPr>
-                  <a:spLocks/>
-                </p:cNvSpPr>
-                <p:nvPr/>
-              </p:nvSpPr>
-              <p:spPr>
-                <a:xfrm>
-                  <a:off x="1326080" y="2569883"/>
-                  <a:ext cx="900000" cy="900000"/>
-                </a:xfrm>
-                <a:prstGeom prst="ellipse">
-                  <a:avLst/>
-                </a:prstGeom>
-                <a:solidFill>
-                  <a:srgbClr val="FFFFFF"/>
-                </a:solidFill>
-                <a:ln w="28575" cap="flat" cmpd="sng" algn="ctr">
-                  <a:solidFill>
-                    <a:srgbClr val="6EAD45"/>
-                  </a:solidFill>
-                  <a:prstDash val="solid"/>
-                  <a:miter lim="800000"/>
-                </a:ln>
-                <a:effectLst/>
-              </p:spPr>
-              <p:txBody>
-                <a:bodyPr rtlCol="0" anchor="ctr"/>
-                <a:lstStyle/>
-                <a:p>
-                  <a:pPr algn="ctr">
-                    <a:defRPr/>
-                  </a:pPr>
-                  <a:endParaRPr lang="fr-FR" kern="0" dirty="0">
-                    <a:solidFill>
-                      <a:srgbClr val="FFFFFF"/>
-                    </a:solidFill>
-                    <a:latin typeface="Open Sans" panose="020B0606030504020204" pitchFamily="34" charset="0"/>
-                  </a:endParaRPr>
-                </a:p>
-              </p:txBody>
-            </p:sp>
-            <p:pic>
-              <p:nvPicPr>
-                <p:cNvPr id="124" name="Picture 123">
-                  <a:extLst>
-                    <a:ext uri="{FF2B5EF4-FFF2-40B4-BE49-F238E27FC236}">
-                      <a16:creationId xmlns:a16="http://schemas.microsoft.com/office/drawing/2014/main" id="{63C15178-3910-4E9D-ACB0-399F350A698C}"/>
-                    </a:ext>
-                  </a:extLst>
-                </p:cNvPr>
-                <p:cNvPicPr>
-                  <a:picLocks noChangeAspect="1"/>
-                </p:cNvPicPr>
-                <p:nvPr/>
-              </p:nvPicPr>
-              <p:blipFill>
-                <a:blip r:embed="rId2"/>
-                <a:stretch>
-                  <a:fillRect/>
-                </a:stretch>
-              </p:blipFill>
-              <p:spPr>
-                <a:xfrm>
-                  <a:off x="1445738" y="2688464"/>
-                  <a:ext cx="660684" cy="662838"/>
-                </a:xfrm>
-                <a:prstGeom prst="rect">
-                  <a:avLst/>
-                </a:prstGeom>
-                <a:ln>
-                  <a:noFill/>
-                </a:ln>
-              </p:spPr>
-            </p:pic>
-          </p:grpSp>
-        </p:grpSp>
-        <p:sp>
-          <p:nvSpPr>
-            <p:cNvPr id="114" name="Rectangle 113"/>
-            <p:cNvSpPr/>
-            <p:nvPr/>
-          </p:nvSpPr>
-          <p:spPr>
-            <a:xfrm>
-              <a:off x="4546090" y="4627557"/>
-              <a:ext cx="1084312" cy="998533"/>
-            </a:xfrm>
-            <a:prstGeom prst="rect">
-              <a:avLst/>
-            </a:prstGeom>
-            <a:solidFill>
-              <a:schemeClr val="accent4"/>
-            </a:solidFill>
-            <a:ln>
-              <a:solidFill>
-                <a:schemeClr val="bg1"/>
-              </a:solidFill>
-            </a:ln>
-            <a:effectLst/>
-          </p:spPr>
-          <p:style>
-            <a:lnRef idx="2">
-              <a:schemeClr val="dk1">
-                <a:shade val="50000"/>
-              </a:schemeClr>
-            </a:lnRef>
-            <a:fillRef idx="1">
-              <a:schemeClr val="dk1"/>
-            </a:fillRef>
-            <a:effectRef idx="0">
-              <a:schemeClr val="dk1"/>
-            </a:effectRef>
-            <a:fontRef idx="minor">
-              <a:schemeClr val="lt1"/>
-            </a:fontRef>
-          </p:style>
-          <p:txBody>
-            <a:bodyPr rtlCol="0" anchor="ctr"/>
-            <a:lstStyle/>
-            <a:p>
-              <a:pPr algn="ctr">
-                <a:defRPr/>
-              </a:pPr>
-              <a:r>
-                <a:rPr lang="en-US" sz="1000" b="1" dirty="0">
-                  <a:solidFill>
-                    <a:srgbClr val="FFFFFF"/>
-                  </a:solidFill>
-                  <a:cs typeface="Arial" panose="020B0604020202020204" pitchFamily="34" charset="0"/>
-                </a:rPr>
-                <a:t>Java Application</a:t>
-              </a:r>
-            </a:p>
-          </p:txBody>
-        </p:sp>
-        <p:sp>
-          <p:nvSpPr>
-            <p:cNvPr id="115" name="Rectangle 114">
-              <a:extLst>
-                <a:ext uri="{FF2B5EF4-FFF2-40B4-BE49-F238E27FC236}">
-                  <a16:creationId xmlns:a16="http://schemas.microsoft.com/office/drawing/2014/main" id="{A3B9DB16-F465-4058-B983-18AC8FD15120}"/>
-                </a:ext>
-              </a:extLst>
-            </p:cNvPr>
-            <p:cNvSpPr/>
-            <p:nvPr/>
-          </p:nvSpPr>
-          <p:spPr>
-            <a:xfrm>
-              <a:off x="5824232" y="4624401"/>
-              <a:ext cx="1084312" cy="1000698"/>
-            </a:xfrm>
-            <a:prstGeom prst="rect">
-              <a:avLst/>
-            </a:prstGeom>
-            <a:solidFill>
-              <a:srgbClr val="FFA300"/>
-            </a:solidFill>
-            <a:ln>
-              <a:solidFill>
-                <a:schemeClr val="bg1"/>
-              </a:solidFill>
-            </a:ln>
-            <a:effectLst/>
-          </p:spPr>
-          <p:style>
-            <a:lnRef idx="2">
-              <a:schemeClr val="dk1">
-                <a:shade val="50000"/>
-              </a:schemeClr>
-            </a:lnRef>
-            <a:fillRef idx="1">
-              <a:schemeClr val="dk1"/>
-            </a:fillRef>
-            <a:effectRef idx="0">
-              <a:schemeClr val="dk1"/>
-            </a:effectRef>
-            <a:fontRef idx="minor">
-              <a:schemeClr val="lt1"/>
-            </a:fontRef>
-          </p:style>
-          <p:txBody>
-            <a:bodyPr rtlCol="0" anchor="ctr"/>
-            <a:lstStyle/>
-            <a:p>
-              <a:pPr algn="ctr"/>
-              <a:r>
-                <a:rPr lang="en-US" sz="1000" b="1" dirty="0">
-                  <a:solidFill>
-                    <a:schemeClr val="bg1"/>
-                  </a:solidFill>
-                  <a:cs typeface="Arial" panose="020B0604020202020204" pitchFamily="34" charset="0"/>
-                </a:rPr>
-                <a:t>BSP</a:t>
-              </a:r>
-              <a:r>
-                <a:rPr lang="en-US" sz="1000" b="1" dirty="0">
-                  <a:solidFill>
-                    <a:srgbClr val="FFFFFF"/>
-                  </a:solidFill>
-                  <a:cs typeface="Arial" panose="020B0604020202020204" pitchFamily="34" charset="0"/>
-                </a:rPr>
-                <a:t> code</a:t>
-              </a:r>
-              <a:br>
-                <a:rPr lang="en-US" sz="1000" b="1" dirty="0">
-                  <a:solidFill>
-                    <a:srgbClr val="FFFFFF"/>
-                  </a:solidFill>
-                  <a:cs typeface="Arial" panose="020B0604020202020204" pitchFamily="34" charset="0"/>
-                </a:rPr>
-              </a:br>
-              <a:r>
-                <a:rPr lang="en-US" sz="1000" b="1" dirty="0">
-                  <a:solidFill>
-                    <a:srgbClr val="FFFFFF"/>
-                  </a:solidFill>
-                  <a:cs typeface="Arial" panose="020B0604020202020204" pitchFamily="34" charset="0"/>
-                </a:rPr>
-                <a:t>C code</a:t>
-              </a:r>
-            </a:p>
-          </p:txBody>
-        </p:sp>
-      </p:grpSp>
-      <p:sp>
-        <p:nvSpPr>
-          <p:cNvPr id="60" name="Rectangle 59"/>
-          <p:cNvSpPr/>
-          <p:nvPr/>
-        </p:nvSpPr>
-        <p:spPr>
-          <a:xfrm flipH="1">
-            <a:off x="3464615" y="4138819"/>
-            <a:ext cx="6375799" cy="2602549"/>
-          </a:xfrm>
-          <a:prstGeom prst="rect">
-            <a:avLst/>
-          </a:prstGeom>
-          <a:noFill/>
-          <a:ln>
-            <a:solidFill>
-              <a:schemeClr val="tx2">
-                <a:lumMod val="60000"/>
-                <a:lumOff val="40000"/>
-              </a:schemeClr>
-            </a:solidFill>
-          </a:ln>
-        </p:spPr>
-        <p:style>
-          <a:lnRef idx="2">
-            <a:schemeClr val="accent1">
-              <a:shade val="50000"/>
-            </a:schemeClr>
-          </a:lnRef>
-          <a:fillRef idx="1">
-            <a:schemeClr val="accent1"/>
-          </a:fillRef>
-          <a:effectRef idx="0">
-            <a:schemeClr val="accent1"/>
-          </a:effectRef>
-          <a:fontRef idx="minor">
-            <a:schemeClr val="lt1"/>
-          </a:fontRef>
-        </p:style>
-        <p:txBody>
-          <a:bodyPr rtlCol="0" anchor="ctr"/>
-          <a:lstStyle/>
-          <a:p>
-            <a:pPr algn="ctr"/>
-            <a:endParaRPr lang="en-GB"/>
-          </a:p>
-        </p:txBody>
-      </p:sp>
-      <p:sp>
-        <p:nvSpPr>
-          <p:cNvPr id="3" name="Rectangle 2">
-            <a:extLst>
-              <a:ext uri="{FF2B5EF4-FFF2-40B4-BE49-F238E27FC236}">
-                <a16:creationId xmlns:a16="http://schemas.microsoft.com/office/drawing/2014/main" id="{EB2974E5-0D16-4F8D-A85B-0D12898D3A47}"/>
-              </a:ext>
-            </a:extLst>
-          </p:cNvPr>
-          <p:cNvSpPr/>
-          <p:nvPr/>
-        </p:nvSpPr>
-        <p:spPr>
-          <a:xfrm>
-            <a:off x="1297813" y="1703687"/>
-            <a:ext cx="4963413" cy="2304569"/>
-          </a:xfrm>
-          <a:prstGeom prst="rect">
-            <a:avLst/>
-          </a:prstGeom>
-          <a:noFill/>
-          <a:ln>
-            <a:solidFill>
-              <a:schemeClr val="tx2">
-                <a:lumMod val="60000"/>
-                <a:lumOff val="40000"/>
-              </a:schemeClr>
-            </a:solidFill>
-          </a:ln>
-        </p:spPr>
-        <p:style>
-          <a:lnRef idx="2">
-            <a:schemeClr val="accent1">
-              <a:shade val="50000"/>
-            </a:schemeClr>
-          </a:lnRef>
-          <a:fillRef idx="1">
-            <a:schemeClr val="accent1"/>
-          </a:fillRef>
-          <a:effectRef idx="0">
-            <a:schemeClr val="accent1"/>
-          </a:effectRef>
-          <a:fontRef idx="minor">
-            <a:schemeClr val="lt1"/>
-          </a:fontRef>
-        </p:style>
-        <p:txBody>
-          <a:bodyPr rtlCol="0" anchor="ctr"/>
-          <a:lstStyle/>
-          <a:p>
-            <a:pPr algn="ctr"/>
-            <a:endParaRPr lang="en-GB"/>
-          </a:p>
-        </p:txBody>
-      </p:sp>
-      <p:grpSp>
-        <p:nvGrpSpPr>
-          <p:cNvPr id="38" name="Group 37">
-            <a:extLst>
-              <a:ext uri="{FF2B5EF4-FFF2-40B4-BE49-F238E27FC236}">
-                <a16:creationId xmlns:a16="http://schemas.microsoft.com/office/drawing/2014/main" id="{90703E63-5130-411A-99FD-C77C23F35C07}"/>
-              </a:ext>
-            </a:extLst>
-          </p:cNvPr>
-          <p:cNvGrpSpPr/>
-          <p:nvPr/>
-        </p:nvGrpSpPr>
-        <p:grpSpPr>
-          <a:xfrm>
-            <a:off x="8003088" y="2985740"/>
-            <a:ext cx="581107" cy="657361"/>
-            <a:chOff x="11207609" y="3248050"/>
-            <a:chExt cx="581107" cy="657361"/>
-          </a:xfrm>
-        </p:grpSpPr>
-        <p:pic>
-          <p:nvPicPr>
-            <p:cNvPr id="22" name="Picture 21">
-              <a:extLst>
-                <a:ext uri="{FF2B5EF4-FFF2-40B4-BE49-F238E27FC236}">
-                  <a16:creationId xmlns:a16="http://schemas.microsoft.com/office/drawing/2014/main" id="{5A72AF98-9CC5-42EB-85D1-8B10871417A7}"/>
-                </a:ext>
-              </a:extLst>
-            </p:cNvPr>
-            <p:cNvPicPr>
-              <a:picLocks noChangeAspect="1"/>
-            </p:cNvPicPr>
-            <p:nvPr/>
-          </p:nvPicPr>
-          <p:blipFill>
-            <a:blip r:embed="rId3" cstate="print">
-              <a:extLst>
-                <a:ext uri="{28A0092B-C50C-407E-A947-70E740481C1C}">
-                  <a14:useLocalDpi xmlns:a14="http://schemas.microsoft.com/office/drawing/2010/main" val="0"/>
-                </a:ext>
-              </a:extLst>
-            </a:blip>
-            <a:stretch>
-              <a:fillRect/>
-            </a:stretch>
-          </p:blipFill>
-          <p:spPr>
-            <a:xfrm>
-              <a:off x="11207609" y="3248050"/>
-              <a:ext cx="581107" cy="657361"/>
-            </a:xfrm>
-            <a:prstGeom prst="rect">
-              <a:avLst/>
-            </a:prstGeom>
-          </p:spPr>
-        </p:pic>
-        <p:sp>
-          <p:nvSpPr>
-            <p:cNvPr id="33" name="TextBox 32">
-              <a:extLst>
-                <a:ext uri="{FF2B5EF4-FFF2-40B4-BE49-F238E27FC236}">
-                  <a16:creationId xmlns:a16="http://schemas.microsoft.com/office/drawing/2014/main" id="{CF49800B-9B99-478D-86D8-0EB187FB8274}"/>
-                </a:ext>
-              </a:extLst>
-            </p:cNvPr>
-            <p:cNvSpPr txBox="1"/>
-            <p:nvPr/>
-          </p:nvSpPr>
-          <p:spPr>
-            <a:xfrm>
-              <a:off x="11207609" y="3330508"/>
-              <a:ext cx="581107" cy="492443"/>
-            </a:xfrm>
-            <a:prstGeom prst="rect">
-              <a:avLst/>
-            </a:prstGeom>
-            <a:noFill/>
-          </p:spPr>
-          <p:txBody>
-            <a:bodyPr vert="horz" wrap="square" lIns="0" tIns="0" rIns="0" bIns="0" numCol="1" spcCol="288000" rtlCol="0" anchor="t" anchorCtr="0">
-              <a:spAutoFit/>
-            </a:bodyPr>
-            <a:lstStyle/>
-            <a:p>
-              <a:pPr algn="ctr">
-                <a:spcBef>
-                  <a:spcPts val="0"/>
-                </a:spcBef>
-                <a:spcAft>
-                  <a:spcPts val="600"/>
-                </a:spcAft>
-              </a:pPr>
-              <a:r>
-                <a:rPr lang="en-US" sz="3200" b="1" i="0" spc="0">
-                  <a:ln>
-                    <a:noFill/>
-                  </a:ln>
+                <a:rPr lang="en-US" sz="900" dirty="0" smtClean="0">
                   <a:solidFill>
                     <a:schemeClr val="bg1"/>
                   </a:solidFill>
@@ -35378,12 +35653,9 @@
                   <a:ea typeface="Source Sans Pro Light" charset="0"/>
                   <a:cs typeface="Source Sans Pro Light" charset="0"/>
                 </a:rPr>
-                <a:t>2</a:t>
+                <a:t>bin</a:t>
               </a:r>
-              <a:endParaRPr lang="en-US" sz="3200" b="1" i="0" spc="0" dirty="0">
-                <a:ln>
-                  <a:noFill/>
-                </a:ln>
+              <a:endParaRPr lang="en-US" sz="900" dirty="0">
                 <a:solidFill>
                   <a:schemeClr val="bg1"/>
                 </a:solidFill>
@@ -35395,249 +35667,66 @@
           </p:txBody>
         </p:sp>
       </p:grpSp>
-      <p:grpSp>
-        <p:nvGrpSpPr>
-          <p:cNvPr id="40" name="Group 39">
-            <a:extLst>
-              <a:ext uri="{FF2B5EF4-FFF2-40B4-BE49-F238E27FC236}">
-                <a16:creationId xmlns:a16="http://schemas.microsoft.com/office/drawing/2014/main" id="{155D5082-6D57-4AA6-B3E0-5C1182A0D785}"/>
-              </a:ext>
-            </a:extLst>
-          </p:cNvPr>
-          <p:cNvGrpSpPr/>
-          <p:nvPr/>
-        </p:nvGrpSpPr>
-        <p:grpSpPr>
-          <a:xfrm>
-            <a:off x="3682689" y="5531932"/>
-            <a:ext cx="581107" cy="657361"/>
-            <a:chOff x="8549379" y="5468512"/>
-            <a:chExt cx="581107" cy="657361"/>
-          </a:xfrm>
-        </p:grpSpPr>
-        <p:pic>
-          <p:nvPicPr>
-            <p:cNvPr id="34" name="Picture 33">
-              <a:extLst>
-                <a:ext uri="{FF2B5EF4-FFF2-40B4-BE49-F238E27FC236}">
-                  <a16:creationId xmlns:a16="http://schemas.microsoft.com/office/drawing/2014/main" id="{C3EFD045-2DCC-47C7-93AB-6A68836B7785}"/>
-                </a:ext>
-              </a:extLst>
-            </p:cNvPr>
-            <p:cNvPicPr>
-              <a:picLocks noChangeAspect="1"/>
-            </p:cNvPicPr>
-            <p:nvPr/>
-          </p:nvPicPr>
-          <p:blipFill>
-            <a:blip r:embed="rId3" cstate="print">
-              <a:extLst>
-                <a:ext uri="{28A0092B-C50C-407E-A947-70E740481C1C}">
-                  <a14:useLocalDpi xmlns:a14="http://schemas.microsoft.com/office/drawing/2010/main" val="0"/>
-                </a:ext>
-              </a:extLst>
-            </a:blip>
-            <a:stretch>
-              <a:fillRect/>
-            </a:stretch>
-          </p:blipFill>
-          <p:spPr>
-            <a:xfrm>
-              <a:off x="8549379" y="5468512"/>
-              <a:ext cx="581107" cy="657361"/>
-            </a:xfrm>
-            <a:prstGeom prst="rect">
-              <a:avLst/>
-            </a:prstGeom>
-          </p:spPr>
-        </p:pic>
-        <p:sp>
-          <p:nvSpPr>
-            <p:cNvPr id="35" name="TextBox 34">
-              <a:extLst>
-                <a:ext uri="{FF2B5EF4-FFF2-40B4-BE49-F238E27FC236}">
-                  <a16:creationId xmlns:a16="http://schemas.microsoft.com/office/drawing/2014/main" id="{CB393F8C-37E4-484F-A5DE-22F576E32219}"/>
-                </a:ext>
-              </a:extLst>
-            </p:cNvPr>
-            <p:cNvSpPr txBox="1"/>
-            <p:nvPr/>
-          </p:nvSpPr>
-          <p:spPr>
-            <a:xfrm>
-              <a:off x="8549379" y="5550970"/>
-              <a:ext cx="581107" cy="492443"/>
-            </a:xfrm>
-            <a:prstGeom prst="rect">
-              <a:avLst/>
-            </a:prstGeom>
-            <a:noFill/>
-          </p:spPr>
-          <p:txBody>
-            <a:bodyPr vert="horz" wrap="square" lIns="0" tIns="0" rIns="0" bIns="0" numCol="1" spcCol="288000" rtlCol="0" anchor="t" anchorCtr="0">
-              <a:spAutoFit/>
-            </a:bodyPr>
-            <a:lstStyle/>
-            <a:p>
-              <a:pPr algn="ctr">
-                <a:spcBef>
-                  <a:spcPts val="0"/>
-                </a:spcBef>
-                <a:spcAft>
-                  <a:spcPts val="600"/>
-                </a:spcAft>
-              </a:pPr>
-              <a:r>
-                <a:rPr lang="en-US" sz="3200" b="1" i="0" spc="0">
-                  <a:ln>
-                    <a:noFill/>
-                  </a:ln>
-                  <a:solidFill>
-                    <a:schemeClr val="bg1"/>
-                  </a:solidFill>
-                  <a:latin typeface="Source Sans Pro Light" charset="0"/>
-                  <a:ea typeface="Source Sans Pro Light" charset="0"/>
-                  <a:cs typeface="Source Sans Pro Light" charset="0"/>
-                </a:rPr>
-                <a:t>3</a:t>
-              </a:r>
-              <a:endParaRPr lang="en-US" sz="3200" b="1" i="0" spc="0" dirty="0">
-                <a:ln>
-                  <a:noFill/>
-                </a:ln>
-                <a:solidFill>
-                  <a:schemeClr val="bg1"/>
-                </a:solidFill>
-                <a:latin typeface="Source Sans Pro Light" charset="0"/>
-                <a:ea typeface="Source Sans Pro Light" charset="0"/>
-                <a:cs typeface="Source Sans Pro Light" charset="0"/>
-              </a:endParaRPr>
-            </a:p>
-          </p:txBody>
-        </p:sp>
-      </p:grpSp>
-      <p:grpSp>
-        <p:nvGrpSpPr>
-          <p:cNvPr id="39" name="Group 38">
-            <a:extLst>
-              <a:ext uri="{FF2B5EF4-FFF2-40B4-BE49-F238E27FC236}">
-                <a16:creationId xmlns:a16="http://schemas.microsoft.com/office/drawing/2014/main" id="{6E0113D6-AADE-4CB7-BE56-8736DE86B8AC}"/>
-              </a:ext>
-            </a:extLst>
-          </p:cNvPr>
-          <p:cNvGrpSpPr/>
-          <p:nvPr/>
-        </p:nvGrpSpPr>
-        <p:grpSpPr>
-          <a:xfrm>
-            <a:off x="1344484" y="2717628"/>
-            <a:ext cx="581107" cy="657361"/>
-            <a:chOff x="1344484" y="2717628"/>
-            <a:chExt cx="581107" cy="657361"/>
-          </a:xfrm>
-        </p:grpSpPr>
-        <p:pic>
-          <p:nvPicPr>
-            <p:cNvPr id="36" name="Picture 35">
-              <a:extLst>
-                <a:ext uri="{FF2B5EF4-FFF2-40B4-BE49-F238E27FC236}">
-                  <a16:creationId xmlns:a16="http://schemas.microsoft.com/office/drawing/2014/main" id="{599540A1-40D9-46DF-8386-F2A7B47ECD88}"/>
-                </a:ext>
-              </a:extLst>
-            </p:cNvPr>
-            <p:cNvPicPr>
-              <a:picLocks noChangeAspect="1"/>
-            </p:cNvPicPr>
-            <p:nvPr/>
-          </p:nvPicPr>
-          <p:blipFill>
-            <a:blip r:embed="rId3" cstate="print">
-              <a:extLst>
-                <a:ext uri="{28A0092B-C50C-407E-A947-70E740481C1C}">
-                  <a14:useLocalDpi xmlns:a14="http://schemas.microsoft.com/office/drawing/2010/main" val="0"/>
-                </a:ext>
-              </a:extLst>
-            </a:blip>
-            <a:stretch>
-              <a:fillRect/>
-            </a:stretch>
-          </p:blipFill>
-          <p:spPr>
-            <a:xfrm>
-              <a:off x="1344484" y="2717628"/>
-              <a:ext cx="581107" cy="657361"/>
-            </a:xfrm>
-            <a:prstGeom prst="rect">
-              <a:avLst/>
-            </a:prstGeom>
-          </p:spPr>
-        </p:pic>
-        <p:sp>
-          <p:nvSpPr>
-            <p:cNvPr id="37" name="TextBox 36">
-              <a:extLst>
-                <a:ext uri="{FF2B5EF4-FFF2-40B4-BE49-F238E27FC236}">
-                  <a16:creationId xmlns:a16="http://schemas.microsoft.com/office/drawing/2014/main" id="{11B5B53F-7BFE-4F1F-B5DF-00BCE720062C}"/>
-                </a:ext>
-              </a:extLst>
-            </p:cNvPr>
-            <p:cNvSpPr txBox="1"/>
-            <p:nvPr/>
-          </p:nvSpPr>
-          <p:spPr>
-            <a:xfrm>
-              <a:off x="1344484" y="2800086"/>
-              <a:ext cx="581107" cy="492443"/>
-            </a:xfrm>
-            <a:prstGeom prst="rect">
-              <a:avLst/>
-            </a:prstGeom>
-            <a:noFill/>
-          </p:spPr>
-          <p:txBody>
-            <a:bodyPr vert="horz" wrap="square" lIns="0" tIns="0" rIns="0" bIns="0" numCol="1" spcCol="288000" rtlCol="0" anchor="t" anchorCtr="0">
-              <a:spAutoFit/>
-            </a:bodyPr>
-            <a:lstStyle/>
-            <a:p>
-              <a:pPr algn="ctr">
-                <a:spcBef>
-                  <a:spcPts val="0"/>
-                </a:spcBef>
-                <a:spcAft>
-                  <a:spcPts val="600"/>
-                </a:spcAft>
-              </a:pPr>
-              <a:r>
-                <a:rPr lang="en-US" sz="3200" b="1">
-                  <a:solidFill>
-                    <a:schemeClr val="bg1"/>
-                  </a:solidFill>
-                  <a:latin typeface="Source Sans Pro Light" charset="0"/>
-                  <a:ea typeface="Source Sans Pro Light" charset="0"/>
-                  <a:cs typeface="Source Sans Pro Light" charset="0"/>
-                </a:rPr>
-                <a:t>1</a:t>
-              </a:r>
-              <a:endParaRPr lang="en-US" sz="3200" b="1" i="0" spc="0" dirty="0">
-                <a:ln>
-                  <a:noFill/>
-                </a:ln>
-                <a:solidFill>
-                  <a:schemeClr val="bg1"/>
-                </a:solidFill>
-                <a:latin typeface="Source Sans Pro Light" charset="0"/>
-                <a:ea typeface="Source Sans Pro Light" charset="0"/>
-                <a:cs typeface="Source Sans Pro Light" charset="0"/>
-              </a:endParaRPr>
-            </a:p>
-          </p:txBody>
-        </p:sp>
-      </p:grpSp>
+      <p:sp>
+        <p:nvSpPr>
+          <p:cNvPr id="125" name="Text Placeholder 1"/>
+          <p:cNvSpPr>
+            <a:spLocks noGrp="1"/>
+          </p:cNvSpPr>
+          <p:nvPr>
+            <p:ph type="body" idx="1"/>
+          </p:nvPr>
+        </p:nvSpPr>
+        <p:spPr>
+          <a:xfrm>
+            <a:off x="550861" y="1293703"/>
+            <a:ext cx="3248775" cy="407105"/>
+          </a:xfrm>
+        </p:spPr>
+        <p:txBody>
+          <a:bodyPr/>
+          <a:lstStyle/>
+          <a:p>
+            <a:r>
+              <a:rPr lang="en-US" sz="2400" dirty="0"/>
+              <a:t>Firmware Build Flow</a:t>
+            </a:r>
+            <a:endParaRPr lang="en-GB" sz="2400" dirty="0"/>
+          </a:p>
+        </p:txBody>
+      </p:sp>
+      <p:sp>
+        <p:nvSpPr>
+          <p:cNvPr id="126" name="Title 3"/>
+          <p:cNvSpPr>
+            <a:spLocks noGrp="1"/>
+          </p:cNvSpPr>
+          <p:nvPr>
+            <p:ph type="title"/>
+          </p:nvPr>
+        </p:nvSpPr>
+        <p:spPr>
+          <a:xfrm>
+            <a:off x="550863" y="644525"/>
+            <a:ext cx="10129837" cy="465786"/>
+          </a:xfrm>
+        </p:spPr>
+        <p:txBody>
+          <a:bodyPr/>
+          <a:lstStyle/>
+          <a:p>
+            <a:r>
+              <a:rPr lang="en-US" dirty="0"/>
+              <a:t>Source BSP</a:t>
+            </a:r>
+            <a:endParaRPr lang="en-GB" dirty="0"/>
+          </a:p>
+        </p:txBody>
+      </p:sp>
     </p:spTree>
     <p:extLst>
       <p:ext uri="{BB962C8B-B14F-4D97-AF65-F5344CB8AC3E}">
-        <p14:creationId xmlns:p14="http://schemas.microsoft.com/office/powerpoint/2010/main" val="1598587487"/>
+        <p14:creationId xmlns:p14="http://schemas.microsoft.com/office/powerpoint/2010/main" val="953273430"/>
       </p:ext>
     </p:extLst>
   </p:cSld>

--- a/Tutorials/images/build_microej_mono_sandbox_firmware_numbered.pptx
+++ b/Tutorials/images/build_microej_mono_sandbox_firmware_numbered.pptx
@@ -137,9 +137,7 @@
 
 <file path=ppt/commentAuthors.xml><?xml version="1.0" encoding="utf-8"?>
 <p:cmAuthorLst xmlns:a="http://schemas.openxmlformats.org/drawingml/2006/main" xmlns:r="http://schemas.openxmlformats.org/officeDocument/2006/relationships" xmlns:p="http://schemas.openxmlformats.org/presentationml/2006/main">
-  <p:cmAuthor id="1" name="Jérôme Leroux" initials="JL" lastIdx="10" clrIdx="0">
-    <p:extLst/>
-  </p:cmAuthor>
+  <p:cmAuthor id="1" name="Jérôme Leroux" initials="JL" lastIdx="10" clrIdx="0"/>
   <p:cmAuthor id="2" name="Rémy Louedec" initials="" lastIdx="0" clrIdx="1"/>
 </p:cmAuthorLst>
 </file>
@@ -236,7 +234,7 @@
               <a:rPr lang="fr-FR" smtClean="0">
                 <a:latin typeface="Calibri Regular" charset="0"/>
               </a:rPr>
-              <a:t>29/09/2020</a:t>
+              <a:t>05/10/2020</a:t>
             </a:fld>
             <a:endParaRPr lang="en-US" dirty="0">
               <a:latin typeface="Calibri Regular" charset="0"/>
@@ -424,7 +422,7 @@
           <a:p>
             <a:fld id="{D125E8DA-58CB-F841-A404-E11EC1E2C988}" type="datetime1">
               <a:rPr lang="fr-FR" smtClean="0"/>
-              <a:t>29/09/2020</a:t>
+              <a:t>05/10/2020</a:t>
             </a:fld>
             <a:endParaRPr lang="en-US" dirty="0"/>
           </a:p>
@@ -4497,7 +4495,7 @@
           <a:p>
             <a:fld id="{198ED07F-DFCB-4ABE-A311-845A3D30E5DB}" type="datetime7">
               <a:rPr lang="en-US" smtClean="0"/>
-              <a:t>Sep-20</a:t>
+              <a:t>Oct-20</a:t>
             </a:fld>
             <a:endParaRPr lang="en-US" dirty="0"/>
           </a:p>
@@ -28052,7 +28050,7 @@
           <p:cNvPr id="14" name="Slide Number Placeholder 5">
             <a:extLst>
               <a:ext uri="{FF2B5EF4-FFF2-40B4-BE49-F238E27FC236}">
-                <a16:creationId xmlns:a16="http://schemas.microsoft.com/office/drawing/2014/main" xmlns="" id="{D6A5EA0A-9DA9-564F-8F7D-CF263DB84C39}"/>
+                <a16:creationId xmlns:a16="http://schemas.microsoft.com/office/drawing/2014/main" id="{D6A5EA0A-9DA9-564F-8F7D-CF263DB84C39}"/>
               </a:ext>
             </a:extLst>
           </p:cNvPr>
@@ -28220,7 +28218,7 @@
           <p:cNvPr id="21" name="Straight Connector 20">
             <a:extLst>
               <a:ext uri="{FF2B5EF4-FFF2-40B4-BE49-F238E27FC236}">
-                <a16:creationId xmlns:a16="http://schemas.microsoft.com/office/drawing/2014/main" xmlns="" id="{F4443C96-B82D-F449-A71B-02134B6BB207}"/>
+                <a16:creationId xmlns:a16="http://schemas.microsoft.com/office/drawing/2014/main" id="{F4443C96-B82D-F449-A71B-02134B6BB207}"/>
               </a:ext>
             </a:extLst>
           </p:cNvPr>
@@ -28886,7 +28884,7 @@
           <p:cNvPr id="14" name="Slide Number Placeholder 5">
             <a:extLst>
               <a:ext uri="{FF2B5EF4-FFF2-40B4-BE49-F238E27FC236}">
-                <a16:creationId xmlns:a16="http://schemas.microsoft.com/office/drawing/2014/main" xmlns="" id="{D6A5EA0A-9DA9-564F-8F7D-CF263DB84C39}"/>
+                <a16:creationId xmlns:a16="http://schemas.microsoft.com/office/drawing/2014/main" id="{D6A5EA0A-9DA9-564F-8F7D-CF263DB84C39}"/>
               </a:ext>
             </a:extLst>
           </p:cNvPr>
@@ -29054,7 +29052,7 @@
           <p:cNvPr id="21" name="Straight Connector 20">
             <a:extLst>
               <a:ext uri="{FF2B5EF4-FFF2-40B4-BE49-F238E27FC236}">
-                <a16:creationId xmlns:a16="http://schemas.microsoft.com/office/drawing/2014/main" xmlns="" id="{F4443C96-B82D-F449-A71B-02134B6BB207}"/>
+                <a16:creationId xmlns:a16="http://schemas.microsoft.com/office/drawing/2014/main" id="{F4443C96-B82D-F449-A71B-02134B6BB207}"/>
               </a:ext>
             </a:extLst>
           </p:cNvPr>
@@ -29140,7 +29138,7 @@
           <p:cNvPr id="6" name="Slide Number Placeholder 5">
             <a:extLst>
               <a:ext uri="{FF2B5EF4-FFF2-40B4-BE49-F238E27FC236}">
-                <a16:creationId xmlns:a16="http://schemas.microsoft.com/office/drawing/2014/main" xmlns="" id="{D6A5EA0A-9DA9-564F-8F7D-CF263DB84C39}"/>
+                <a16:creationId xmlns:a16="http://schemas.microsoft.com/office/drawing/2014/main" id="{D6A5EA0A-9DA9-564F-8F7D-CF263DB84C39}"/>
               </a:ext>
             </a:extLst>
           </p:cNvPr>
@@ -29308,7 +29306,7 @@
           <p:cNvPr id="8" name="Straight Connector 7">
             <a:extLst>
               <a:ext uri="{FF2B5EF4-FFF2-40B4-BE49-F238E27FC236}">
-                <a16:creationId xmlns:a16="http://schemas.microsoft.com/office/drawing/2014/main" xmlns="" id="{F4443C96-B82D-F449-A71B-02134B6BB207}"/>
+                <a16:creationId xmlns:a16="http://schemas.microsoft.com/office/drawing/2014/main" id="{F4443C96-B82D-F449-A71B-02134B6BB207}"/>
               </a:ext>
             </a:extLst>
           </p:cNvPr>
@@ -30142,7 +30140,7 @@
           <p:cNvPr id="14" name="Slide Number Placeholder 5">
             <a:extLst>
               <a:ext uri="{FF2B5EF4-FFF2-40B4-BE49-F238E27FC236}">
-                <a16:creationId xmlns:a16="http://schemas.microsoft.com/office/drawing/2014/main" xmlns="" id="{D6A5EA0A-9DA9-564F-8F7D-CF263DB84C39}"/>
+                <a16:creationId xmlns:a16="http://schemas.microsoft.com/office/drawing/2014/main" id="{D6A5EA0A-9DA9-564F-8F7D-CF263DB84C39}"/>
               </a:ext>
             </a:extLst>
           </p:cNvPr>
@@ -30310,7 +30308,7 @@
           <p:cNvPr id="21" name="Straight Connector 20">
             <a:extLst>
               <a:ext uri="{FF2B5EF4-FFF2-40B4-BE49-F238E27FC236}">
-                <a16:creationId xmlns:a16="http://schemas.microsoft.com/office/drawing/2014/main" xmlns="" id="{F4443C96-B82D-F449-A71B-02134B6BB207}"/>
+                <a16:creationId xmlns:a16="http://schemas.microsoft.com/office/drawing/2014/main" id="{F4443C96-B82D-F449-A71B-02134B6BB207}"/>
               </a:ext>
             </a:extLst>
           </p:cNvPr>
@@ -30396,7 +30394,7 @@
           <p:cNvPr id="6" name="Slide Number Placeholder 5">
             <a:extLst>
               <a:ext uri="{FF2B5EF4-FFF2-40B4-BE49-F238E27FC236}">
-                <a16:creationId xmlns:a16="http://schemas.microsoft.com/office/drawing/2014/main" xmlns="" id="{D6A5EA0A-9DA9-564F-8F7D-CF263DB84C39}"/>
+                <a16:creationId xmlns:a16="http://schemas.microsoft.com/office/drawing/2014/main" id="{D6A5EA0A-9DA9-564F-8F7D-CF263DB84C39}"/>
               </a:ext>
             </a:extLst>
           </p:cNvPr>
@@ -30564,7 +30562,7 @@
           <p:cNvPr id="8" name="Straight Connector 7">
             <a:extLst>
               <a:ext uri="{FF2B5EF4-FFF2-40B4-BE49-F238E27FC236}">
-                <a16:creationId xmlns:a16="http://schemas.microsoft.com/office/drawing/2014/main" xmlns="" id="{F4443C96-B82D-F449-A71B-02134B6BB207}"/>
+                <a16:creationId xmlns:a16="http://schemas.microsoft.com/office/drawing/2014/main" id="{F4443C96-B82D-F449-A71B-02134B6BB207}"/>
               </a:ext>
             </a:extLst>
           </p:cNvPr>
@@ -31398,7 +31396,7 @@
           <p:cNvPr id="14" name="Slide Number Placeholder 5">
             <a:extLst>
               <a:ext uri="{FF2B5EF4-FFF2-40B4-BE49-F238E27FC236}">
-                <a16:creationId xmlns:a16="http://schemas.microsoft.com/office/drawing/2014/main" xmlns="" id="{D6A5EA0A-9DA9-564F-8F7D-CF263DB84C39}"/>
+                <a16:creationId xmlns:a16="http://schemas.microsoft.com/office/drawing/2014/main" id="{D6A5EA0A-9DA9-564F-8F7D-CF263DB84C39}"/>
               </a:ext>
             </a:extLst>
           </p:cNvPr>
@@ -31566,7 +31564,7 @@
           <p:cNvPr id="21" name="Straight Connector 20">
             <a:extLst>
               <a:ext uri="{FF2B5EF4-FFF2-40B4-BE49-F238E27FC236}">
-                <a16:creationId xmlns:a16="http://schemas.microsoft.com/office/drawing/2014/main" xmlns="" id="{F4443C96-B82D-F449-A71B-02134B6BB207}"/>
+                <a16:creationId xmlns:a16="http://schemas.microsoft.com/office/drawing/2014/main" id="{F4443C96-B82D-F449-A71B-02134B6BB207}"/>
               </a:ext>
             </a:extLst>
           </p:cNvPr>
@@ -31652,7 +31650,7 @@
           <p:cNvPr id="6" name="Slide Number Placeholder 5">
             <a:extLst>
               <a:ext uri="{FF2B5EF4-FFF2-40B4-BE49-F238E27FC236}">
-                <a16:creationId xmlns:a16="http://schemas.microsoft.com/office/drawing/2014/main" xmlns="" id="{D6A5EA0A-9DA9-564F-8F7D-CF263DB84C39}"/>
+                <a16:creationId xmlns:a16="http://schemas.microsoft.com/office/drawing/2014/main" id="{D6A5EA0A-9DA9-564F-8F7D-CF263DB84C39}"/>
               </a:ext>
             </a:extLst>
           </p:cNvPr>
@@ -31820,7 +31818,7 @@
           <p:cNvPr id="8" name="Straight Connector 7">
             <a:extLst>
               <a:ext uri="{FF2B5EF4-FFF2-40B4-BE49-F238E27FC236}">
-                <a16:creationId xmlns:a16="http://schemas.microsoft.com/office/drawing/2014/main" xmlns="" id="{F4443C96-B82D-F449-A71B-02134B6BB207}"/>
+                <a16:creationId xmlns:a16="http://schemas.microsoft.com/office/drawing/2014/main" id="{F4443C96-B82D-F449-A71B-02134B6BB207}"/>
               </a:ext>
             </a:extLst>
           </p:cNvPr>
@@ -32825,21 +32823,8 @@
                   <a:srgbClr val="97A7AF"/>
                 </a:solidFill>
               </a:rPr>
-              <a:t>(.a, .</a:t>
-            </a:r>
-            <a:r>
-              <a:rPr lang="en-US" sz="1000" dirty="0" smtClean="0">
-                <a:solidFill>
-                  <a:srgbClr val="97A7AF"/>
-                </a:solidFill>
-              </a:rPr>
-              <a:t>jar)</a:t>
-            </a:r>
-            <a:endParaRPr lang="en-US" sz="1000" dirty="0">
-              <a:solidFill>
-                <a:srgbClr val="97A7AF"/>
-              </a:solidFill>
-            </a:endParaRPr>
+              <a:t>(.a, .jar)</a:t>
+            </a:r>
           </a:p>
         </p:txBody>
       </p:sp>
@@ -33034,20 +33019,12 @@
               <a:defRPr/>
             </a:pPr>
             <a:r>
-              <a:rPr lang="en-US" sz="1000" dirty="0" smtClean="0">
+              <a:rPr lang="en-US" sz="1000" dirty="0">
                 <a:solidFill>
                   <a:srgbClr val="97A7AF"/>
                 </a:solidFill>
               </a:rPr>
-              <a:t>(.</a:t>
-            </a:r>
-            <a:r>
-              <a:rPr lang="en-US" sz="1000" dirty="0">
-                <a:solidFill>
-                  <a:srgbClr val="97A7AF"/>
-                </a:solidFill>
-              </a:rPr>
-              <a:t>jar)</a:t>
+              <a:t>(.jar)</a:t>
             </a:r>
           </a:p>
         </p:txBody>
@@ -33167,19 +33144,8 @@
             <a:pPr algn="ctr">
               <a:defRPr/>
             </a:pPr>
-            <a:r>
-              <a:rPr lang="en-US" sz="1000" dirty="0" smtClean="0">
-                <a:solidFill>
-                  <a:srgbClr val="FFFFFF"/>
-                </a:solidFill>
-                <a:latin typeface="Source Sans Pro Light" charset="0"/>
-                <a:ea typeface="Source Sans Pro Light" charset="0"/>
-                <a:cs typeface="Source Sans Pro Light" charset="0"/>
-              </a:rPr>
-              <a:t/>
-            </a:r>
             <a:br>
-              <a:rPr lang="en-US" sz="1000" dirty="0" smtClean="0">
+              <a:rPr lang="en-US" sz="1000" dirty="0">
                 <a:solidFill>
                   <a:srgbClr val="FFFFFF"/>
                 </a:solidFill>
@@ -33188,19 +33154,8 @@
                 <a:cs typeface="Source Sans Pro Light" charset="0"/>
               </a:rPr>
             </a:br>
-            <a:r>
-              <a:rPr lang="en-US" sz="1000" dirty="0" smtClean="0">
-                <a:solidFill>
-                  <a:srgbClr val="FFFFFF"/>
-                </a:solidFill>
-                <a:latin typeface="Source Sans Pro Light" charset="0"/>
-                <a:ea typeface="Source Sans Pro Light" charset="0"/>
-                <a:cs typeface="Source Sans Pro Light" charset="0"/>
-              </a:rPr>
-              <a:t/>
-            </a:r>
             <a:br>
-              <a:rPr lang="en-US" sz="1000" dirty="0" smtClean="0">
+              <a:rPr lang="en-US" sz="1000" dirty="0">
                 <a:solidFill>
                   <a:srgbClr val="FFFFFF"/>
                 </a:solidFill>
@@ -33209,19 +33164,8 @@
                 <a:cs typeface="Source Sans Pro Light" charset="0"/>
               </a:rPr>
             </a:br>
-            <a:r>
-              <a:rPr lang="en-US" sz="1000" dirty="0" smtClean="0">
-                <a:solidFill>
-                  <a:srgbClr val="FFFFFF"/>
-                </a:solidFill>
-                <a:latin typeface="Source Sans Pro Light" charset="0"/>
-                <a:ea typeface="Source Sans Pro Light" charset="0"/>
-                <a:cs typeface="Source Sans Pro Light" charset="0"/>
-              </a:rPr>
-              <a:t/>
-            </a:r>
             <a:br>
-              <a:rPr lang="en-US" sz="1000" dirty="0" smtClean="0">
+              <a:rPr lang="en-US" sz="1000" dirty="0">
                 <a:solidFill>
                   <a:srgbClr val="FFFFFF"/>
                 </a:solidFill>
@@ -33230,19 +33174,8 @@
                 <a:cs typeface="Source Sans Pro Light" charset="0"/>
               </a:rPr>
             </a:br>
-            <a:r>
-              <a:rPr lang="en-US" sz="1000" dirty="0" smtClean="0">
-                <a:solidFill>
-                  <a:srgbClr val="FFFFFF"/>
-                </a:solidFill>
-                <a:latin typeface="Source Sans Pro Light" charset="0"/>
-                <a:ea typeface="Source Sans Pro Light" charset="0"/>
-                <a:cs typeface="Source Sans Pro Light" charset="0"/>
-              </a:rPr>
-              <a:t/>
-            </a:r>
             <a:br>
-              <a:rPr lang="en-US" sz="1000" dirty="0" smtClean="0">
+              <a:rPr lang="en-US" sz="1000" dirty="0">
                 <a:solidFill>
                   <a:srgbClr val="FFFFFF"/>
                 </a:solidFill>
@@ -33251,7 +33184,7 @@
                 <a:cs typeface="Source Sans Pro Light" charset="0"/>
               </a:rPr>
             </a:br>
-            <a:endParaRPr lang="en-US" sz="1000" dirty="0" smtClean="0">
+            <a:endParaRPr lang="en-US" sz="1000" dirty="0">
               <a:solidFill>
                 <a:srgbClr val="FFFFFF"/>
               </a:solidFill>
@@ -33264,7 +33197,7 @@
             <a:pPr algn="ctr">
               <a:defRPr/>
             </a:pPr>
-            <a:endParaRPr lang="en-US" sz="1000" dirty="0" smtClean="0">
+            <a:endParaRPr lang="en-US" sz="1000" dirty="0">
               <a:solidFill>
                 <a:srgbClr val="FFFFFF"/>
               </a:solidFill>
@@ -33729,7 +33662,7 @@
           <p:nvPr/>
         </p:nvPicPr>
         <p:blipFill>
-          <a:blip r:embed="rId2">
+          <a:blip r:embed="rId2" cstate="print">
             <a:extLst>
               <a:ext uri="{28A0092B-C50C-407E-A947-70E740481C1C}">
                 <a14:useLocalDpi xmlns:a14="http://schemas.microsoft.com/office/drawing/2010/main" val="0"/>
@@ -34204,7 +34137,7 @@
           <p:cNvPr id="91" name="Connecteur droit avec flèche 149">
             <a:extLst>
               <a:ext uri="{FF2B5EF4-FFF2-40B4-BE49-F238E27FC236}">
-                <a16:creationId xmlns:a16="http://schemas.microsoft.com/office/drawing/2014/main" xmlns="" id="{ED76A057-C789-4B13-AF66-FCF64679A599}"/>
+                <a16:creationId xmlns:a16="http://schemas.microsoft.com/office/drawing/2014/main" id="{ED76A057-C789-4B13-AF66-FCF64679A599}"/>
               </a:ext>
             </a:extLst>
           </p:cNvPr>
@@ -34302,7 +34235,7 @@
             <p:nvPr/>
           </p:nvPicPr>
           <p:blipFill>
-            <a:blip r:embed="rId3">
+            <a:blip r:embed="rId3" cstate="print">
               <a:extLst>
                 <a:ext uri="{28A0092B-C50C-407E-A947-70E740481C1C}">
                   <a14:useLocalDpi xmlns:a14="http://schemas.microsoft.com/office/drawing/2010/main" val="0"/>
@@ -34354,7 +34287,7 @@
                 </a:spcAft>
               </a:pPr>
               <a:r>
-                <a:rPr lang="en-US" sz="2400" spc="0" dirty="0" smtClean="0">
+                <a:rPr lang="en-US" sz="2400" spc="0" dirty="0">
                   <a:ln>
                     <a:noFill/>
                   </a:ln>
@@ -34394,7 +34327,7 @@
             <p:nvPr/>
           </p:nvPicPr>
           <p:blipFill>
-            <a:blip r:embed="rId3">
+            <a:blip r:embed="rId3" cstate="print">
               <a:extLst>
                 <a:ext uri="{28A0092B-C50C-407E-A947-70E740481C1C}">
                   <a14:useLocalDpi xmlns:a14="http://schemas.microsoft.com/office/drawing/2010/main" val="0"/>
@@ -34446,7 +34379,7 @@
                 </a:spcAft>
               </a:pPr>
               <a:r>
-                <a:rPr lang="en-US" sz="2400" spc="0" dirty="0" smtClean="0">
+                <a:rPr lang="en-US" sz="2400" spc="0" dirty="0">
                   <a:ln>
                     <a:noFill/>
                   </a:ln>
@@ -34486,7 +34419,7 @@
             <p:nvPr/>
           </p:nvPicPr>
           <p:blipFill>
-            <a:blip r:embed="rId3">
+            <a:blip r:embed="rId3" cstate="print">
               <a:extLst>
                 <a:ext uri="{28A0092B-C50C-407E-A947-70E740481C1C}">
                   <a14:useLocalDpi xmlns:a14="http://schemas.microsoft.com/office/drawing/2010/main" val="0"/>
@@ -34538,7 +34471,7 @@
                 </a:spcAft>
               </a:pPr>
               <a:r>
-                <a:rPr lang="en-US" sz="2400" spc="0" dirty="0" smtClean="0">
+                <a:rPr lang="en-US" sz="2400" spc="0" dirty="0">
                   <a:ln>
                     <a:noFill/>
                   </a:ln>
@@ -34715,6 +34648,17 @@
             <a:p>
               <a:pPr algn="ctr"/>
               <a:r>
+                <a:rPr lang="en-US" sz="1000">
+                  <a:solidFill>
+                    <a:schemeClr val="bg1"/>
+                  </a:solidFill>
+                  <a:latin typeface="Source Sans Pro Light" charset="0"/>
+                  <a:ea typeface="Source Sans Pro Light" charset="0"/>
+                  <a:cs typeface="Source Sans Pro Light" charset="0"/>
+                </a:rPr>
+                <a:t>Abstraction </a:t>
+              </a:r>
+              <a:r>
                 <a:rPr lang="en-US" sz="1000" dirty="0">
                   <a:solidFill>
                     <a:schemeClr val="bg1"/>
@@ -34723,7 +34667,7 @@
                   <a:ea typeface="Source Sans Pro Light" charset="0"/>
                   <a:cs typeface="Source Sans Pro Light" charset="0"/>
                 </a:rPr>
-                <a:t>Adaptation Layer</a:t>
+                <a:t>Layer</a:t>
               </a:r>
             </a:p>
             <a:p>
@@ -35063,7 +35007,7 @@
             <p:cNvPr id="111" name="Bande diagonale 191">
               <a:extLst>
                 <a:ext uri="{FF2B5EF4-FFF2-40B4-BE49-F238E27FC236}">
-                  <a16:creationId xmlns:a16="http://schemas.microsoft.com/office/drawing/2014/main" xmlns="" id="{DAA7A729-6342-4FAC-9943-95D96FF2DD80}"/>
+                  <a16:creationId xmlns:a16="http://schemas.microsoft.com/office/drawing/2014/main" id="{DAA7A729-6342-4FAC-9943-95D96FF2DD80}"/>
                 </a:ext>
               </a:extLst>
             </p:cNvPr>
@@ -35125,7 +35069,7 @@
             <p:cNvPr id="112" name="ZoneTexte 180">
               <a:extLst>
                 <a:ext uri="{FF2B5EF4-FFF2-40B4-BE49-F238E27FC236}">
-                  <a16:creationId xmlns:a16="http://schemas.microsoft.com/office/drawing/2014/main" xmlns="" id="{5BB884F8-E56F-40DE-BF31-76BF3D0D1275}"/>
+                  <a16:creationId xmlns:a16="http://schemas.microsoft.com/office/drawing/2014/main" id="{5BB884F8-E56F-40DE-BF31-76BF3D0D1275}"/>
                 </a:ext>
               </a:extLst>
             </p:cNvPr>
@@ -35515,7 +35459,7 @@
                 <a:defRPr/>
               </a:pPr>
               <a:r>
-                <a:rPr lang="en-US" sz="900" dirty="0" smtClean="0">
+                <a:rPr lang="en-US" sz="900" dirty="0">
                   <a:solidFill>
                     <a:srgbClr val="FFFFFF"/>
                   </a:solidFill>
@@ -35525,14 +35469,6 @@
                 </a:rPr>
                 <a:t>bin</a:t>
               </a:r>
-              <a:endParaRPr lang="en-US" sz="900" dirty="0">
-                <a:solidFill>
-                  <a:srgbClr val="FFFFFF"/>
-                </a:solidFill>
-                <a:latin typeface="Source Sans Pro Light" charset="0"/>
-                <a:ea typeface="Source Sans Pro Light" charset="0"/>
-                <a:cs typeface="Source Sans Pro Light" charset="0"/>
-              </a:endParaRPr>
             </a:p>
           </p:txBody>
         </p:sp>
@@ -35556,7 +35492,7 @@
             <p:cNvPr id="123" name="Bande diagonale 191">
               <a:extLst>
                 <a:ext uri="{FF2B5EF4-FFF2-40B4-BE49-F238E27FC236}">
-                  <a16:creationId xmlns:a16="http://schemas.microsoft.com/office/drawing/2014/main" xmlns="" id="{DAA7A729-6342-4FAC-9943-95D96FF2DD80}"/>
+                  <a16:creationId xmlns:a16="http://schemas.microsoft.com/office/drawing/2014/main" id="{DAA7A729-6342-4FAC-9943-95D96FF2DD80}"/>
                 </a:ext>
               </a:extLst>
             </p:cNvPr>
@@ -35618,7 +35554,7 @@
             <p:cNvPr id="124" name="ZoneTexte 180">
               <a:extLst>
                 <a:ext uri="{FF2B5EF4-FFF2-40B4-BE49-F238E27FC236}">
-                  <a16:creationId xmlns:a16="http://schemas.microsoft.com/office/drawing/2014/main" xmlns="" id="{5BB884F8-E56F-40DE-BF31-76BF3D0D1275}"/>
+                  <a16:creationId xmlns:a16="http://schemas.microsoft.com/office/drawing/2014/main" id="{5BB884F8-E56F-40DE-BF31-76BF3D0D1275}"/>
                 </a:ext>
               </a:extLst>
             </p:cNvPr>
@@ -35645,7 +35581,7 @@
                 <a:defRPr/>
               </a:pPr>
               <a:r>
-                <a:rPr lang="en-US" sz="900" dirty="0" smtClean="0">
+                <a:rPr lang="en-US" sz="900" dirty="0">
                   <a:solidFill>
                     <a:schemeClr val="bg1"/>
                   </a:solidFill>
@@ -35655,14 +35591,6 @@
                 </a:rPr>
                 <a:t>bin</a:t>
               </a:r>
-              <a:endParaRPr lang="en-US" sz="900" dirty="0">
-                <a:solidFill>
-                  <a:schemeClr val="bg1"/>
-                </a:solidFill>
-                <a:latin typeface="Source Sans Pro Light" charset="0"/>
-                <a:ea typeface="Source Sans Pro Light" charset="0"/>
-                <a:cs typeface="Source Sans Pro Light" charset="0"/>
-              </a:endParaRPr>
             </a:p>
           </p:txBody>
         </p:sp>

--- a/Tutorials/images/build_microej_mono_sandbox_firmware_numbered.pptx
+++ b/Tutorials/images/build_microej_mono_sandbox_firmware_numbered.pptx
@@ -32642,812 +32642,49 @@
           <a:chExt cx="0" cy="0"/>
         </a:xfrm>
       </p:grpSpPr>
-      <p:sp>
-        <p:nvSpPr>
-          <p:cNvPr id="93" name="Rounded Rectangle 92"/>
-          <p:cNvSpPr/>
-          <p:nvPr/>
-        </p:nvSpPr>
-        <p:spPr>
-          <a:xfrm>
-            <a:off x="3949564" y="3709966"/>
-            <a:ext cx="7828202" cy="2533474"/>
-          </a:xfrm>
-          <a:prstGeom prst="roundRect">
-            <a:avLst>
-              <a:gd name="adj" fmla="val 4115"/>
-            </a:avLst>
-          </a:prstGeom>
-          <a:solidFill>
-            <a:schemeClr val="bg1"/>
-          </a:solidFill>
-          <a:ln w="12700">
-            <a:solidFill>
-              <a:schemeClr val="bg2"/>
-            </a:solidFill>
-          </a:ln>
-        </p:spPr>
-        <p:style>
-          <a:lnRef idx="2">
-            <a:schemeClr val="accent1">
-              <a:shade val="50000"/>
-            </a:schemeClr>
-          </a:lnRef>
-          <a:fillRef idx="1">
-            <a:schemeClr val="accent1"/>
-          </a:fillRef>
-          <a:effectRef idx="0">
-            <a:schemeClr val="accent1"/>
-          </a:effectRef>
-          <a:fontRef idx="minor">
-            <a:schemeClr val="lt1"/>
-          </a:fontRef>
-        </p:style>
-        <p:txBody>
-          <a:bodyPr rtlCol="0" anchor="ctr"/>
-          <a:lstStyle/>
-          <a:p>
-            <a:pPr algn="ctr"/>
-            <a:endParaRPr lang="en-US" dirty="0"/>
-          </a:p>
-        </p:txBody>
-      </p:sp>
-      <p:sp>
-        <p:nvSpPr>
-          <p:cNvPr id="83" name="Rounded Rectangle 82"/>
-          <p:cNvSpPr/>
-          <p:nvPr/>
-        </p:nvSpPr>
-        <p:spPr>
-          <a:xfrm>
-            <a:off x="8653907" y="1107381"/>
-            <a:ext cx="3123859" cy="2506968"/>
-          </a:xfrm>
-          <a:prstGeom prst="roundRect">
-            <a:avLst>
-              <a:gd name="adj" fmla="val 4115"/>
-            </a:avLst>
-          </a:prstGeom>
-          <a:solidFill>
-            <a:schemeClr val="bg1"/>
-          </a:solidFill>
-          <a:ln w="12700">
-            <a:solidFill>
-              <a:schemeClr val="bg2"/>
-            </a:solidFill>
-          </a:ln>
-        </p:spPr>
-        <p:style>
-          <a:lnRef idx="2">
-            <a:schemeClr val="accent1">
-              <a:shade val="50000"/>
-            </a:schemeClr>
-          </a:lnRef>
-          <a:fillRef idx="1">
-            <a:schemeClr val="accent1"/>
-          </a:fillRef>
-          <a:effectRef idx="0">
-            <a:schemeClr val="accent1"/>
-          </a:effectRef>
-          <a:fontRef idx="minor">
-            <a:schemeClr val="lt1"/>
-          </a:fontRef>
-        </p:style>
-        <p:txBody>
-          <a:bodyPr rtlCol="0" anchor="ctr"/>
-          <a:lstStyle/>
-          <a:p>
-            <a:pPr algn="ctr"/>
-            <a:endParaRPr lang="en-US" dirty="0"/>
-          </a:p>
-        </p:txBody>
-      </p:sp>
-      <p:sp>
-        <p:nvSpPr>
-          <p:cNvPr id="82" name="Rounded Rectangle 81"/>
-          <p:cNvSpPr/>
-          <p:nvPr/>
-        </p:nvSpPr>
-        <p:spPr>
-          <a:xfrm>
-            <a:off x="3949564" y="1107381"/>
-            <a:ext cx="4554415" cy="2506968"/>
-          </a:xfrm>
-          <a:prstGeom prst="roundRect">
-            <a:avLst>
-              <a:gd name="adj" fmla="val 4115"/>
-            </a:avLst>
-          </a:prstGeom>
-          <a:solidFill>
-            <a:schemeClr val="bg1"/>
-          </a:solidFill>
-          <a:ln w="12700">
-            <a:solidFill>
-              <a:schemeClr val="bg2"/>
-            </a:solidFill>
-          </a:ln>
-        </p:spPr>
-        <p:style>
-          <a:lnRef idx="2">
-            <a:schemeClr val="accent1">
-              <a:shade val="50000"/>
-            </a:schemeClr>
-          </a:lnRef>
-          <a:fillRef idx="1">
-            <a:schemeClr val="accent1"/>
-          </a:fillRef>
-          <a:effectRef idx="0">
-            <a:schemeClr val="accent1"/>
-          </a:effectRef>
-          <a:fontRef idx="minor">
-            <a:schemeClr val="lt1"/>
-          </a:fontRef>
-        </p:style>
-        <p:txBody>
-          <a:bodyPr rtlCol="0" anchor="ctr"/>
-          <a:lstStyle/>
-          <a:p>
-            <a:pPr algn="ctr"/>
-            <a:endParaRPr lang="en-US" dirty="0"/>
-          </a:p>
-        </p:txBody>
-      </p:sp>
-      <p:sp>
-        <p:nvSpPr>
-          <p:cNvPr id="15" name="ZoneTexte 175"/>
-          <p:cNvSpPr txBox="1"/>
-          <p:nvPr/>
-        </p:nvSpPr>
-        <p:spPr>
-          <a:xfrm>
-            <a:off x="4747673" y="2852622"/>
-            <a:ext cx="582211" cy="246221"/>
-          </a:xfrm>
-          <a:prstGeom prst="rect">
-            <a:avLst/>
-          </a:prstGeom>
-          <a:noFill/>
-        </p:spPr>
-        <p:txBody>
-          <a:bodyPr wrap="none" rtlCol="0">
-            <a:spAutoFit/>
-          </a:bodyPr>
-          <a:lstStyle/>
-          <a:p>
-            <a:pPr>
-              <a:defRPr/>
-            </a:pPr>
-            <a:r>
-              <a:rPr lang="en-US" sz="1000" dirty="0">
-                <a:solidFill>
-                  <a:srgbClr val="97A7AF"/>
-                </a:solidFill>
-              </a:rPr>
-              <a:t>(.a, .jar)</a:t>
-            </a:r>
-          </a:p>
-        </p:txBody>
-      </p:sp>
-      <p:cxnSp>
-        <p:nvCxnSpPr>
-          <p:cNvPr id="55" name="Connecteur droit avec flèche 148"/>
-          <p:cNvCxnSpPr/>
-          <p:nvPr/>
-        </p:nvCxnSpPr>
-        <p:spPr>
-          <a:xfrm>
-            <a:off x="6219262" y="2743112"/>
-            <a:ext cx="0" cy="341721"/>
-          </a:xfrm>
-          <a:prstGeom prst="straightConnector1">
-            <a:avLst/>
-          </a:prstGeom>
-          <a:ln>
-            <a:solidFill>
-              <a:schemeClr val="tx2"/>
-            </a:solidFill>
-            <a:tailEnd type="triangle"/>
-          </a:ln>
-        </p:spPr>
-        <p:style>
-          <a:lnRef idx="1">
-            <a:schemeClr val="accent1"/>
-          </a:lnRef>
-          <a:fillRef idx="0">
-            <a:schemeClr val="accent1"/>
-          </a:fillRef>
-          <a:effectRef idx="0">
-            <a:schemeClr val="accent1"/>
-          </a:effectRef>
-          <a:fontRef idx="minor">
-            <a:schemeClr val="tx1"/>
-          </a:fontRef>
-        </p:style>
-      </p:cxnSp>
-      <p:sp>
-        <p:nvSpPr>
-          <p:cNvPr id="21" name="ZoneTexte 173"/>
-          <p:cNvSpPr txBox="1"/>
-          <p:nvPr/>
-        </p:nvSpPr>
-        <p:spPr>
-          <a:xfrm>
-            <a:off x="6219262" y="2013691"/>
-            <a:ext cx="1382040" cy="246221"/>
-          </a:xfrm>
-          <a:prstGeom prst="rect">
-            <a:avLst/>
-          </a:prstGeom>
-          <a:noFill/>
-        </p:spPr>
-        <p:txBody>
-          <a:bodyPr wrap="square" rtlCol="0">
-            <a:spAutoFit/>
-          </a:bodyPr>
-          <a:lstStyle/>
-          <a:p>
-            <a:pPr>
-              <a:defRPr/>
-            </a:pPr>
-            <a:r>
-              <a:rPr lang="en-US" sz="1000" dirty="0">
-                <a:solidFill>
-                  <a:srgbClr val="97A7AF"/>
-                </a:solidFill>
-              </a:rPr>
-              <a:t>(.java, .list, resources)</a:t>
-            </a:r>
-          </a:p>
-        </p:txBody>
-      </p:sp>
-      <p:sp>
-        <p:nvSpPr>
-          <p:cNvPr id="38" name="Rounded Rectangle 37"/>
-          <p:cNvSpPr/>
-          <p:nvPr/>
-        </p:nvSpPr>
-        <p:spPr>
-          <a:xfrm>
-            <a:off x="5538285" y="2292935"/>
-            <a:ext cx="1361954" cy="385889"/>
-          </a:xfrm>
-          <a:prstGeom prst="roundRect">
-            <a:avLst/>
-          </a:prstGeom>
-          <a:solidFill>
-            <a:schemeClr val="tx1"/>
-          </a:solidFill>
-          <a:ln>
-            <a:noFill/>
-          </a:ln>
-          <a:effectLst/>
-        </p:spPr>
-        <p:style>
-          <a:lnRef idx="2">
-            <a:schemeClr val="dk1">
-              <a:shade val="50000"/>
-            </a:schemeClr>
-          </a:lnRef>
-          <a:fillRef idx="1">
-            <a:schemeClr val="dk1"/>
-          </a:fillRef>
-          <a:effectRef idx="0">
-            <a:schemeClr val="dk1"/>
-          </a:effectRef>
-          <a:fontRef idx="minor">
-            <a:schemeClr val="lt1"/>
-          </a:fontRef>
-        </p:style>
-        <p:txBody>
-          <a:bodyPr rtlCol="0" anchor="ctr"/>
-          <a:lstStyle/>
-          <a:p>
-            <a:pPr algn="ctr"/>
-            <a:r>
-              <a:rPr lang="en-US" sz="1000" dirty="0">
-                <a:solidFill>
-                  <a:srgbClr val="FFFFFF"/>
-                </a:solidFill>
-                <a:latin typeface="Source Sans Pro Light" charset="0"/>
-                <a:ea typeface="Source Sans Pro Light" charset="0"/>
-                <a:cs typeface="Source Sans Pro Light" charset="0"/>
-              </a:rPr>
-              <a:t>Java Compiler</a:t>
-            </a:r>
-          </a:p>
-        </p:txBody>
-      </p:sp>
-      <p:sp>
-        <p:nvSpPr>
-          <p:cNvPr id="40" name="ZoneTexte 152"/>
-          <p:cNvSpPr txBox="1"/>
-          <p:nvPr/>
-        </p:nvSpPr>
-        <p:spPr>
-          <a:xfrm>
-            <a:off x="6232038" y="2860685"/>
-            <a:ext cx="428322" cy="246221"/>
-          </a:xfrm>
-          <a:prstGeom prst="rect">
-            <a:avLst/>
-          </a:prstGeom>
-          <a:noFill/>
-        </p:spPr>
-        <p:txBody>
-          <a:bodyPr wrap="none" rtlCol="0">
-            <a:spAutoFit/>
-          </a:bodyPr>
-          <a:lstStyle/>
-          <a:p>
-            <a:pPr>
-              <a:defRPr/>
-            </a:pPr>
-            <a:r>
-              <a:rPr lang="en-US" sz="1000" dirty="0">
-                <a:solidFill>
-                  <a:srgbClr val="97A7AF"/>
-                </a:solidFill>
-              </a:rPr>
-              <a:t>(.jar)</a:t>
-            </a:r>
-          </a:p>
-        </p:txBody>
-      </p:sp>
-      <p:sp>
-        <p:nvSpPr>
-          <p:cNvPr id="41" name="ZoneTexte 152"/>
-          <p:cNvSpPr txBox="1"/>
-          <p:nvPr/>
-        </p:nvSpPr>
-        <p:spPr>
-          <a:xfrm>
-            <a:off x="7722466" y="2852622"/>
-            <a:ext cx="428322" cy="246221"/>
-          </a:xfrm>
-          <a:prstGeom prst="rect">
-            <a:avLst/>
-          </a:prstGeom>
-          <a:noFill/>
-        </p:spPr>
-        <p:txBody>
-          <a:bodyPr wrap="none" rtlCol="0">
-            <a:spAutoFit/>
-          </a:bodyPr>
-          <a:lstStyle/>
-          <a:p>
-            <a:pPr>
-              <a:defRPr/>
-            </a:pPr>
-            <a:r>
-              <a:rPr lang="en-US" sz="1000" dirty="0">
-                <a:solidFill>
-                  <a:srgbClr val="97A7AF"/>
-                </a:solidFill>
-              </a:rPr>
-              <a:t>(.jar)</a:t>
-            </a:r>
-          </a:p>
-        </p:txBody>
-      </p:sp>
-      <p:sp>
-        <p:nvSpPr>
-          <p:cNvPr id="42" name="Rounded Rectangle 41"/>
-          <p:cNvSpPr/>
-          <p:nvPr/>
-        </p:nvSpPr>
-        <p:spPr>
-          <a:xfrm>
-            <a:off x="4083114" y="3112802"/>
-            <a:ext cx="4309445" cy="385889"/>
-          </a:xfrm>
-          <a:prstGeom prst="roundRect">
-            <a:avLst/>
-          </a:prstGeom>
-          <a:solidFill>
-            <a:schemeClr val="tx1"/>
-          </a:solidFill>
-          <a:ln>
-            <a:noFill/>
-          </a:ln>
-          <a:effectLst/>
-        </p:spPr>
-        <p:style>
-          <a:lnRef idx="2">
-            <a:schemeClr val="dk1">
-              <a:shade val="50000"/>
-            </a:schemeClr>
-          </a:lnRef>
-          <a:fillRef idx="1">
-            <a:schemeClr val="dk1"/>
-          </a:fillRef>
-          <a:effectRef idx="0">
-            <a:schemeClr val="dk1"/>
-          </a:effectRef>
-          <a:fontRef idx="minor">
-            <a:schemeClr val="lt1"/>
-          </a:fontRef>
-        </p:style>
-        <p:txBody>
-          <a:bodyPr rtlCol="0" anchor="ctr"/>
-          <a:lstStyle/>
-          <a:p>
-            <a:pPr algn="ctr"/>
-            <a:r>
-              <a:rPr lang="en-US" sz="1000" dirty="0" err="1">
-                <a:solidFill>
-                  <a:srgbClr val="FFFFFF"/>
-                </a:solidFill>
-                <a:latin typeface="Source Sans Pro Light" charset="0"/>
-                <a:ea typeface="Source Sans Pro Light" charset="0"/>
-                <a:cs typeface="Source Sans Pro Light" charset="0"/>
-              </a:rPr>
-              <a:t>MicroEJ</a:t>
-            </a:r>
-            <a:r>
-              <a:rPr lang="en-US" sz="1000" dirty="0">
-                <a:solidFill>
-                  <a:srgbClr val="FFFFFF"/>
-                </a:solidFill>
-                <a:latin typeface="Source Sans Pro Light" charset="0"/>
-                <a:ea typeface="Source Sans Pro Light" charset="0"/>
-                <a:cs typeface="Source Sans Pro Light" charset="0"/>
-              </a:rPr>
-              <a:t> SDK (App Builder)</a:t>
-            </a:r>
-          </a:p>
-        </p:txBody>
-      </p:sp>
-      <p:sp>
-        <p:nvSpPr>
-          <p:cNvPr id="6" name="Rounded Rectangle 5"/>
-          <p:cNvSpPr/>
-          <p:nvPr/>
-        </p:nvSpPr>
-        <p:spPr>
-          <a:xfrm>
-            <a:off x="5943078" y="4652490"/>
-            <a:ext cx="4034872" cy="1450285"/>
-          </a:xfrm>
-          <a:prstGeom prst="roundRect">
-            <a:avLst>
-              <a:gd name="adj" fmla="val 6304"/>
-            </a:avLst>
-          </a:prstGeom>
-          <a:solidFill>
-            <a:schemeClr val="accent1"/>
-          </a:solidFill>
-          <a:ln>
-            <a:noFill/>
-          </a:ln>
-          <a:effectLst/>
-        </p:spPr>
-        <p:style>
-          <a:lnRef idx="2">
-            <a:schemeClr val="dk1">
-              <a:shade val="50000"/>
-            </a:schemeClr>
-          </a:lnRef>
-          <a:fillRef idx="1">
-            <a:schemeClr val="dk1"/>
-          </a:fillRef>
-          <a:effectRef idx="0">
-            <a:schemeClr val="dk1"/>
-          </a:effectRef>
-          <a:fontRef idx="minor">
-            <a:schemeClr val="lt1"/>
-          </a:fontRef>
-        </p:style>
-        <p:txBody>
-          <a:bodyPr rtlCol="0" anchor="ctr"/>
-          <a:lstStyle/>
-          <a:p>
-            <a:pPr algn="ctr">
-              <a:defRPr/>
-            </a:pPr>
-            <a:br>
-              <a:rPr lang="en-US" sz="1000" dirty="0">
-                <a:solidFill>
-                  <a:srgbClr val="FFFFFF"/>
-                </a:solidFill>
-                <a:latin typeface="Source Sans Pro Light" charset="0"/>
-                <a:ea typeface="Source Sans Pro Light" charset="0"/>
-                <a:cs typeface="Source Sans Pro Light" charset="0"/>
-              </a:rPr>
-            </a:br>
-            <a:br>
-              <a:rPr lang="en-US" sz="1000" dirty="0">
-                <a:solidFill>
-                  <a:srgbClr val="FFFFFF"/>
-                </a:solidFill>
-                <a:latin typeface="Source Sans Pro Light" charset="0"/>
-                <a:ea typeface="Source Sans Pro Light" charset="0"/>
-                <a:cs typeface="Source Sans Pro Light" charset="0"/>
-              </a:rPr>
-            </a:br>
-            <a:br>
-              <a:rPr lang="en-US" sz="1000" dirty="0">
-                <a:solidFill>
-                  <a:srgbClr val="FFFFFF"/>
-                </a:solidFill>
-                <a:latin typeface="Source Sans Pro Light" charset="0"/>
-                <a:ea typeface="Source Sans Pro Light" charset="0"/>
-                <a:cs typeface="Source Sans Pro Light" charset="0"/>
-              </a:rPr>
-            </a:br>
-            <a:br>
-              <a:rPr lang="en-US" sz="1000" dirty="0">
-                <a:solidFill>
-                  <a:srgbClr val="FFFFFF"/>
-                </a:solidFill>
-                <a:latin typeface="Source Sans Pro Light" charset="0"/>
-                <a:ea typeface="Source Sans Pro Light" charset="0"/>
-                <a:cs typeface="Source Sans Pro Light" charset="0"/>
-              </a:rPr>
-            </a:br>
-            <a:endParaRPr lang="en-US" sz="1000" dirty="0">
-              <a:solidFill>
-                <a:srgbClr val="FFFFFF"/>
-              </a:solidFill>
-              <a:latin typeface="Source Sans Pro Light" charset="0"/>
-              <a:ea typeface="Source Sans Pro Light" charset="0"/>
-              <a:cs typeface="Source Sans Pro Light" charset="0"/>
-            </a:endParaRPr>
-          </a:p>
-          <a:p>
-            <a:pPr algn="ctr">
-              <a:defRPr/>
-            </a:pPr>
-            <a:endParaRPr lang="en-US" sz="1000" dirty="0">
-              <a:solidFill>
-                <a:srgbClr val="FFFFFF"/>
-              </a:solidFill>
-              <a:latin typeface="Source Sans Pro Light" charset="0"/>
-              <a:ea typeface="Source Sans Pro Light" charset="0"/>
-              <a:cs typeface="Source Sans Pro Light" charset="0"/>
-            </a:endParaRPr>
-          </a:p>
-        </p:txBody>
-      </p:sp>
-      <p:sp>
-        <p:nvSpPr>
-          <p:cNvPr id="7" name="Rounded Rectangle 6"/>
-          <p:cNvSpPr/>
-          <p:nvPr/>
-        </p:nvSpPr>
-        <p:spPr>
-          <a:xfrm>
-            <a:off x="8695009" y="4966412"/>
-            <a:ext cx="1057233" cy="962893"/>
-          </a:xfrm>
-          <a:prstGeom prst="roundRect">
-            <a:avLst>
-              <a:gd name="adj" fmla="val 7525"/>
-            </a:avLst>
-          </a:prstGeom>
-          <a:solidFill>
-            <a:srgbClr val="FFA300"/>
-          </a:solidFill>
-          <a:ln w="6350">
-            <a:solidFill>
-              <a:schemeClr val="bg1"/>
-            </a:solidFill>
-          </a:ln>
-          <a:effectLst/>
-        </p:spPr>
-        <p:style>
-          <a:lnRef idx="2">
-            <a:schemeClr val="dk1">
-              <a:shade val="50000"/>
-            </a:schemeClr>
-          </a:lnRef>
-          <a:fillRef idx="1">
-            <a:schemeClr val="dk1"/>
-          </a:fillRef>
-          <a:effectRef idx="0">
-            <a:schemeClr val="dk1"/>
-          </a:effectRef>
-          <a:fontRef idx="minor">
-            <a:schemeClr val="lt1"/>
-          </a:fontRef>
-        </p:style>
-        <p:txBody>
-          <a:bodyPr rtlCol="0" anchor="ctr"/>
-          <a:lstStyle/>
-          <a:p>
-            <a:pPr algn="ctr"/>
-            <a:r>
-              <a:rPr lang="en-US" sz="1000" dirty="0">
-                <a:solidFill>
-                  <a:schemeClr val="bg1"/>
-                </a:solidFill>
-                <a:latin typeface="Source Sans Pro Light" charset="0"/>
-                <a:ea typeface="Source Sans Pro Light" charset="0"/>
-                <a:cs typeface="Source Sans Pro Light" charset="0"/>
-              </a:rPr>
-              <a:t>BSP code</a:t>
-            </a:r>
-            <a:br>
-              <a:rPr lang="en-US" sz="1000" dirty="0">
-                <a:solidFill>
-                  <a:schemeClr val="bg1"/>
-                </a:solidFill>
-                <a:latin typeface="Source Sans Pro Light" charset="0"/>
-                <a:ea typeface="Source Sans Pro Light" charset="0"/>
-                <a:cs typeface="Source Sans Pro Light" charset="0"/>
-              </a:rPr>
-            </a:br>
-            <a:r>
-              <a:rPr lang="en-US" sz="1000" dirty="0">
-                <a:solidFill>
-                  <a:schemeClr val="bg1"/>
-                </a:solidFill>
-                <a:latin typeface="Source Sans Pro Light" charset="0"/>
-                <a:ea typeface="Source Sans Pro Light" charset="0"/>
-                <a:cs typeface="Source Sans Pro Light" charset="0"/>
-              </a:rPr>
-              <a:t>C code</a:t>
-            </a:r>
-          </a:p>
-        </p:txBody>
-      </p:sp>
-      <p:sp>
-        <p:nvSpPr>
-          <p:cNvPr id="9" name="Rounded Rectangle 8"/>
-          <p:cNvSpPr/>
-          <p:nvPr/>
-        </p:nvSpPr>
-        <p:spPr>
-          <a:xfrm>
-            <a:off x="7416375" y="4966412"/>
-            <a:ext cx="1057233" cy="962893"/>
-          </a:xfrm>
-          <a:prstGeom prst="roundRect">
-            <a:avLst>
-              <a:gd name="adj" fmla="val 7525"/>
-            </a:avLst>
-          </a:prstGeom>
-          <a:solidFill>
-            <a:schemeClr val="accent4"/>
-          </a:solidFill>
-          <a:ln w="9525">
-            <a:solidFill>
-              <a:schemeClr val="bg1"/>
-            </a:solidFill>
-          </a:ln>
-          <a:effectLst/>
-        </p:spPr>
-        <p:style>
-          <a:lnRef idx="2">
-            <a:schemeClr val="dk1">
-              <a:shade val="50000"/>
-            </a:schemeClr>
-          </a:lnRef>
-          <a:fillRef idx="1">
-            <a:schemeClr val="dk1"/>
-          </a:fillRef>
-          <a:effectRef idx="0">
-            <a:schemeClr val="dk1"/>
-          </a:effectRef>
-          <a:fontRef idx="minor">
-            <a:schemeClr val="lt1"/>
-          </a:fontRef>
-        </p:style>
-        <p:txBody>
-          <a:bodyPr rtlCol="0" anchor="ctr"/>
-          <a:lstStyle/>
-          <a:p>
-            <a:pPr algn="ctr">
-              <a:defRPr/>
-            </a:pPr>
-            <a:r>
-              <a:rPr lang="en-US" sz="1000" dirty="0">
-                <a:solidFill>
-                  <a:srgbClr val="FFFFFF"/>
-                </a:solidFill>
-                <a:latin typeface="Source Sans Pro Light" charset="0"/>
-                <a:ea typeface="Source Sans Pro Light" charset="0"/>
-                <a:cs typeface="Source Sans Pro Light" charset="0"/>
-              </a:rPr>
-              <a:t>Java Application</a:t>
-            </a:r>
-          </a:p>
-        </p:txBody>
-      </p:sp>
-      <p:sp>
-        <p:nvSpPr>
-          <p:cNvPr id="11" name="Rounded Rectangle 10"/>
-          <p:cNvSpPr/>
-          <p:nvPr/>
-        </p:nvSpPr>
-        <p:spPr>
-          <a:xfrm>
-            <a:off x="6138725" y="4966412"/>
-            <a:ext cx="1057233" cy="962893"/>
-          </a:xfrm>
-          <a:prstGeom prst="roundRect">
-            <a:avLst>
-              <a:gd name="adj" fmla="val 7525"/>
-            </a:avLst>
-          </a:prstGeom>
-          <a:solidFill>
-            <a:schemeClr val="bg1"/>
-          </a:solidFill>
-          <a:ln>
-            <a:noFill/>
-          </a:ln>
-          <a:effectLst/>
-        </p:spPr>
-        <p:style>
-          <a:lnRef idx="2">
-            <a:schemeClr val="dk1">
-              <a:shade val="50000"/>
-            </a:schemeClr>
-          </a:lnRef>
-          <a:fillRef idx="1">
-            <a:schemeClr val="dk1"/>
-          </a:fillRef>
-          <a:effectRef idx="0">
-            <a:schemeClr val="dk1"/>
-          </a:effectRef>
-          <a:fontRef idx="minor">
-            <a:schemeClr val="lt1"/>
-          </a:fontRef>
-        </p:style>
-        <p:txBody>
-          <a:bodyPr rtlCol="0" anchor="ctr"/>
-          <a:lstStyle/>
-          <a:p>
-            <a:pPr algn="ctr">
-              <a:defRPr/>
-            </a:pPr>
-            <a:endParaRPr lang="en-US" sz="1000" dirty="0">
-              <a:solidFill>
-                <a:srgbClr val="FFFFFF"/>
-              </a:solidFill>
-              <a:latin typeface="Source Sans Pro Light" charset="0"/>
-              <a:ea typeface="Source Sans Pro Light" charset="0"/>
-              <a:cs typeface="Source Sans Pro Light" charset="0"/>
-            </a:endParaRPr>
-          </a:p>
-        </p:txBody>
-      </p:sp>
       <p:grpSp>
         <p:nvGrpSpPr>
-          <p:cNvPr id="23" name="Group 22"/>
+          <p:cNvPr id="2" name="Group 1">
+            <a:extLst>
+              <a:ext uri="{FF2B5EF4-FFF2-40B4-BE49-F238E27FC236}">
+                <a16:creationId xmlns:a16="http://schemas.microsoft.com/office/drawing/2014/main" id="{02EB057A-FDD8-43DC-AB44-A1833F4EC0DD}"/>
+              </a:ext>
+            </a:extLst>
+          </p:cNvPr>
           <p:cNvGrpSpPr/>
           <p:nvPr/>
         </p:nvGrpSpPr>
         <p:grpSpPr>
           <a:xfrm>
-            <a:off x="5878498" y="4634001"/>
-            <a:ext cx="344751" cy="303135"/>
-            <a:chOff x="3528000" y="4663584"/>
-            <a:chExt cx="344751" cy="303135"/>
+            <a:off x="3647728" y="1107381"/>
+            <a:ext cx="8410095" cy="5136059"/>
+            <a:chOff x="3647728" y="1107381"/>
+            <a:chExt cx="8410095" cy="5136059"/>
           </a:xfrm>
         </p:grpSpPr>
         <p:sp>
           <p:nvSpPr>
-            <p:cNvPr id="53" name="Bande diagonale 197"/>
+            <p:cNvPr id="93" name="Rounded Rectangle 92"/>
             <p:cNvSpPr/>
             <p:nvPr/>
           </p:nvSpPr>
           <p:spPr>
             <a:xfrm>
-              <a:off x="3592923" y="4686891"/>
-              <a:ext cx="279828" cy="279828"/>
+              <a:off x="3949564" y="3709966"/>
+              <a:ext cx="7828202" cy="2533474"/>
             </a:xfrm>
-            <a:prstGeom prst="diagStripe">
+            <a:prstGeom prst="roundRect">
               <a:avLst>
-                <a:gd name="adj" fmla="val 41991"/>
+                <a:gd name="adj" fmla="val 4115"/>
               </a:avLst>
             </a:prstGeom>
             <a:solidFill>
-              <a:schemeClr val="accent1">
-                <a:lumMod val="75000"/>
-              </a:schemeClr>
+              <a:schemeClr val="bg1"/>
             </a:solidFill>
-            <a:ln>
-              <a:noFill/>
+            <a:ln w="12700">
+              <a:solidFill>
+                <a:schemeClr val="bg2"/>
+              </a:solidFill>
             </a:ln>
           </p:spPr>
           <p:style>
@@ -33470,30 +32707,121 @@
             <a:bodyPr rtlCol="0" anchor="ctr"/>
             <a:lstStyle/>
             <a:p>
-              <a:pPr algn="ctr">
-                <a:defRPr/>
-              </a:pPr>
-              <a:endParaRPr lang="en-US" dirty="0">
-                <a:solidFill>
-                  <a:srgbClr val="FFFFFF"/>
-                </a:solidFill>
-                <a:latin typeface="Source Sans Pro Light" charset="0"/>
-                <a:ea typeface="Source Sans Pro Light" charset="0"/>
-                <a:cs typeface="Source Sans Pro Light" charset="0"/>
-              </a:endParaRPr>
+              <a:pPr algn="ctr"/>
+              <a:endParaRPr lang="en-US" dirty="0"/>
             </a:p>
           </p:txBody>
         </p:sp>
         <p:sp>
           <p:nvSpPr>
-            <p:cNvPr id="54" name="ZoneTexte 198"/>
+            <p:cNvPr id="83" name="Rounded Rectangle 82"/>
+            <p:cNvSpPr/>
+            <p:nvPr/>
+          </p:nvSpPr>
+          <p:spPr>
+            <a:xfrm>
+              <a:off x="8653907" y="1107381"/>
+              <a:ext cx="3123859" cy="2506968"/>
+            </a:xfrm>
+            <a:prstGeom prst="roundRect">
+              <a:avLst>
+                <a:gd name="adj" fmla="val 4115"/>
+              </a:avLst>
+            </a:prstGeom>
+            <a:solidFill>
+              <a:schemeClr val="bg1"/>
+            </a:solidFill>
+            <a:ln w="12700">
+              <a:solidFill>
+                <a:schemeClr val="bg2"/>
+              </a:solidFill>
+            </a:ln>
+          </p:spPr>
+          <p:style>
+            <a:lnRef idx="2">
+              <a:schemeClr val="accent1">
+                <a:shade val="50000"/>
+              </a:schemeClr>
+            </a:lnRef>
+            <a:fillRef idx="1">
+              <a:schemeClr val="accent1"/>
+            </a:fillRef>
+            <a:effectRef idx="0">
+              <a:schemeClr val="accent1"/>
+            </a:effectRef>
+            <a:fontRef idx="minor">
+              <a:schemeClr val="lt1"/>
+            </a:fontRef>
+          </p:style>
+          <p:txBody>
+            <a:bodyPr rtlCol="0" anchor="ctr"/>
+            <a:lstStyle/>
+            <a:p>
+              <a:pPr algn="ctr"/>
+              <a:endParaRPr lang="en-US" dirty="0"/>
+            </a:p>
+          </p:txBody>
+        </p:sp>
+        <p:sp>
+          <p:nvSpPr>
+            <p:cNvPr id="82" name="Rounded Rectangle 81"/>
+            <p:cNvSpPr/>
+            <p:nvPr/>
+          </p:nvSpPr>
+          <p:spPr>
+            <a:xfrm>
+              <a:off x="3949564" y="1107381"/>
+              <a:ext cx="4554415" cy="2506968"/>
+            </a:xfrm>
+            <a:prstGeom prst="roundRect">
+              <a:avLst>
+                <a:gd name="adj" fmla="val 4115"/>
+              </a:avLst>
+            </a:prstGeom>
+            <a:solidFill>
+              <a:schemeClr val="bg1"/>
+            </a:solidFill>
+            <a:ln w="12700">
+              <a:solidFill>
+                <a:schemeClr val="bg2"/>
+              </a:solidFill>
+            </a:ln>
+          </p:spPr>
+          <p:style>
+            <a:lnRef idx="2">
+              <a:schemeClr val="accent1">
+                <a:shade val="50000"/>
+              </a:schemeClr>
+            </a:lnRef>
+            <a:fillRef idx="1">
+              <a:schemeClr val="accent1"/>
+            </a:fillRef>
+            <a:effectRef idx="0">
+              <a:schemeClr val="accent1"/>
+            </a:effectRef>
+            <a:fontRef idx="minor">
+              <a:schemeClr val="lt1"/>
+            </a:fontRef>
+          </p:style>
+          <p:txBody>
+            <a:bodyPr rtlCol="0" anchor="ctr"/>
+            <a:lstStyle/>
+            <a:p>
+              <a:pPr algn="ctr"/>
+              <a:endParaRPr lang="en-US" dirty="0"/>
+            </a:p>
+          </p:txBody>
+        </p:sp>
+        <p:sp>
+          <p:nvSpPr>
+            <p:cNvPr id="15" name="ZoneTexte 175"/>
             <p:cNvSpPr txBox="1"/>
             <p:nvPr/>
           </p:nvSpPr>
           <p:spPr>
-            <a:xfrm rot="18945775">
-              <a:off x="3528000" y="4663584"/>
-              <a:ext cx="333746" cy="230832"/>
+            <a:xfrm>
+              <a:off x="4747673" y="2852622"/>
+              <a:ext cx="582211" cy="246221"/>
             </a:xfrm>
             <a:prstGeom prst="rect">
               <a:avLst/>
@@ -33510,7 +32838,133 @@
                 <a:defRPr/>
               </a:pPr>
               <a:r>
-                <a:rPr lang="en-US" sz="900" dirty="0">
+                <a:rPr lang="en-US" sz="1000" dirty="0">
+                  <a:solidFill>
+                    <a:srgbClr val="97A7AF"/>
+                  </a:solidFill>
+                </a:rPr>
+                <a:t>(.a, .jar)</a:t>
+              </a:r>
+            </a:p>
+          </p:txBody>
+        </p:sp>
+        <p:cxnSp>
+          <p:nvCxnSpPr>
+            <p:cNvPr id="55" name="Connecteur droit avec flèche 148"/>
+            <p:cNvCxnSpPr/>
+            <p:nvPr/>
+          </p:nvCxnSpPr>
+          <p:spPr>
+            <a:xfrm>
+              <a:off x="6219262" y="2743112"/>
+              <a:ext cx="0" cy="341721"/>
+            </a:xfrm>
+            <a:prstGeom prst="straightConnector1">
+              <a:avLst/>
+            </a:prstGeom>
+            <a:ln>
+              <a:solidFill>
+                <a:schemeClr val="tx2"/>
+              </a:solidFill>
+              <a:tailEnd type="triangle"/>
+            </a:ln>
+          </p:spPr>
+          <p:style>
+            <a:lnRef idx="1">
+              <a:schemeClr val="accent1"/>
+            </a:lnRef>
+            <a:fillRef idx="0">
+              <a:schemeClr val="accent1"/>
+            </a:fillRef>
+            <a:effectRef idx="0">
+              <a:schemeClr val="accent1"/>
+            </a:effectRef>
+            <a:fontRef idx="minor">
+              <a:schemeClr val="tx1"/>
+            </a:fontRef>
+          </p:style>
+        </p:cxnSp>
+        <p:sp>
+          <p:nvSpPr>
+            <p:cNvPr id="21" name="ZoneTexte 173"/>
+            <p:cNvSpPr txBox="1"/>
+            <p:nvPr/>
+          </p:nvSpPr>
+          <p:spPr>
+            <a:xfrm>
+              <a:off x="6219262" y="2013691"/>
+              <a:ext cx="1382040" cy="246221"/>
+            </a:xfrm>
+            <a:prstGeom prst="rect">
+              <a:avLst/>
+            </a:prstGeom>
+            <a:noFill/>
+          </p:spPr>
+          <p:txBody>
+            <a:bodyPr wrap="square" rtlCol="0">
+              <a:spAutoFit/>
+            </a:bodyPr>
+            <a:lstStyle/>
+            <a:p>
+              <a:pPr>
+                <a:defRPr/>
+              </a:pPr>
+              <a:r>
+                <a:rPr lang="en-US" sz="1000" dirty="0">
+                  <a:solidFill>
+                    <a:srgbClr val="97A7AF"/>
+                  </a:solidFill>
+                </a:rPr>
+                <a:t>(.java, .list, resources)</a:t>
+              </a:r>
+            </a:p>
+          </p:txBody>
+        </p:sp>
+        <p:sp>
+          <p:nvSpPr>
+            <p:cNvPr id="38" name="Rounded Rectangle 37"/>
+            <p:cNvSpPr/>
+            <p:nvPr/>
+          </p:nvSpPr>
+          <p:spPr>
+            <a:xfrm>
+              <a:off x="5538285" y="2292935"/>
+              <a:ext cx="1361954" cy="385889"/>
+            </a:xfrm>
+            <a:prstGeom prst="roundRect">
+              <a:avLst/>
+            </a:prstGeom>
+            <a:solidFill>
+              <a:schemeClr val="tx1"/>
+            </a:solidFill>
+            <a:ln>
+              <a:noFill/>
+            </a:ln>
+            <a:effectLst/>
+          </p:spPr>
+          <p:style>
+            <a:lnRef idx="2">
+              <a:schemeClr val="dk1">
+                <a:shade val="50000"/>
+              </a:schemeClr>
+            </a:lnRef>
+            <a:fillRef idx="1">
+              <a:schemeClr val="dk1"/>
+            </a:fillRef>
+            <a:effectRef idx="0">
+              <a:schemeClr val="dk1"/>
+            </a:effectRef>
+            <a:fontRef idx="minor">
+              <a:schemeClr val="lt1"/>
+            </a:fontRef>
+          </p:style>
+          <p:txBody>
+            <a:bodyPr rtlCol="0" anchor="ctr"/>
+            <a:lstStyle/>
+            <a:p>
+              <a:pPr algn="ctr"/>
+              <a:r>
+                <a:rPr lang="en-US" sz="1000" dirty="0">
                   <a:solidFill>
                     <a:srgbClr val="FFFFFF"/>
                   </a:solidFill>
@@ -33518,754 +32972,21 @@
                   <a:ea typeface="Source Sans Pro Light" charset="0"/>
                   <a:cs typeface="Source Sans Pro Light" charset="0"/>
                 </a:rPr>
-                <a:t>bin</a:t>
+                <a:t>Java Compiler</a:t>
               </a:r>
             </a:p>
           </p:txBody>
         </p:sp>
-      </p:grpSp>
-      <p:sp>
-        <p:nvSpPr>
-          <p:cNvPr id="24" name="Rectangle 23"/>
-          <p:cNvSpPr/>
-          <p:nvPr/>
-        </p:nvSpPr>
-        <p:spPr>
-          <a:xfrm>
-            <a:off x="6223249" y="4965604"/>
-            <a:ext cx="871306" cy="219744"/>
-          </a:xfrm>
-          <a:prstGeom prst="rect">
-            <a:avLst/>
-          </a:prstGeom>
-          <a:noFill/>
-          <a:ln>
-            <a:noFill/>
-          </a:ln>
-          <a:effectLst/>
-        </p:spPr>
-        <p:style>
-          <a:lnRef idx="2">
-            <a:schemeClr val="dk1">
-              <a:shade val="50000"/>
-            </a:schemeClr>
-          </a:lnRef>
-          <a:fillRef idx="1">
-            <a:schemeClr val="dk1"/>
-          </a:fillRef>
-          <a:effectRef idx="0">
-            <a:schemeClr val="dk1"/>
-          </a:effectRef>
-          <a:fontRef idx="minor">
-            <a:schemeClr val="lt1"/>
-          </a:fontRef>
-        </p:style>
-        <p:txBody>
-          <a:bodyPr rtlCol="0" anchor="t"/>
-          <a:lstStyle/>
-          <a:p>
-            <a:pPr algn="ctr">
-              <a:defRPr/>
-            </a:pPr>
-            <a:r>
-              <a:rPr lang="en-US" sz="1000" b="1" dirty="0">
-                <a:solidFill>
-                  <a:schemeClr val="tx1"/>
-                </a:solidFill>
-                <a:latin typeface="Source Sans Pro" charset="0"/>
-                <a:ea typeface="Source Sans Pro" charset="0"/>
-                <a:cs typeface="Source Sans Pro" charset="0"/>
-              </a:rPr>
-              <a:t>MEJ32 Core</a:t>
-            </a:r>
-          </a:p>
-        </p:txBody>
-      </p:sp>
-      <p:cxnSp>
-        <p:nvCxnSpPr>
-          <p:cNvPr id="25" name="Connecteur droit avec flèche 148"/>
-          <p:cNvCxnSpPr/>
-          <p:nvPr/>
-        </p:nvCxnSpPr>
-        <p:spPr>
-          <a:xfrm>
-            <a:off x="6218927" y="3499275"/>
-            <a:ext cx="669" cy="429819"/>
-          </a:xfrm>
-          <a:prstGeom prst="straightConnector1">
-            <a:avLst/>
-          </a:prstGeom>
-          <a:ln>
-            <a:solidFill>
-              <a:schemeClr val="tx2"/>
-            </a:solidFill>
-            <a:tailEnd type="triangle"/>
-          </a:ln>
-        </p:spPr>
-        <p:style>
-          <a:lnRef idx="1">
-            <a:schemeClr val="accent1"/>
-          </a:lnRef>
-          <a:fillRef idx="0">
-            <a:schemeClr val="accent1"/>
-          </a:fillRef>
-          <a:effectRef idx="0">
-            <a:schemeClr val="accent1"/>
-          </a:effectRef>
-          <a:fontRef idx="minor">
-            <a:schemeClr val="tx1"/>
-          </a:fontRef>
-        </p:style>
-      </p:cxnSp>
-      <p:sp>
-        <p:nvSpPr>
-          <p:cNvPr id="27" name="ZoneTexte 173"/>
-          <p:cNvSpPr txBox="1"/>
-          <p:nvPr/>
-        </p:nvSpPr>
-        <p:spPr>
-          <a:xfrm>
-            <a:off x="9468296" y="2054823"/>
-            <a:ext cx="683825" cy="246221"/>
-          </a:xfrm>
-          <a:prstGeom prst="rect">
-            <a:avLst/>
-          </a:prstGeom>
-          <a:noFill/>
-        </p:spPr>
-        <p:txBody>
-          <a:bodyPr wrap="square" rtlCol="0">
-            <a:spAutoFit/>
-          </a:bodyPr>
-          <a:lstStyle/>
-          <a:p>
-            <a:pPr>
-              <a:defRPr/>
-            </a:pPr>
-            <a:r>
-              <a:rPr lang="en-US" sz="1000" dirty="0">
-                <a:solidFill>
-                  <a:srgbClr val="97A7AF"/>
-                </a:solidFill>
-              </a:rPr>
-              <a:t>(.h, .c)</a:t>
-            </a:r>
-          </a:p>
-        </p:txBody>
-      </p:sp>
-      <p:pic>
-        <p:nvPicPr>
-          <p:cNvPr id="28" name="Picture 27"/>
-          <p:cNvPicPr>
-            <a:picLocks noChangeAspect="1"/>
-          </p:cNvPicPr>
-          <p:nvPr/>
-        </p:nvPicPr>
-        <p:blipFill>
-          <a:blip r:embed="rId2" cstate="print">
-            <a:extLst>
-              <a:ext uri="{28A0092B-C50C-407E-A947-70E740481C1C}">
-                <a14:useLocalDpi xmlns:a14="http://schemas.microsoft.com/office/drawing/2010/main" val="0"/>
-              </a:ext>
-            </a:extLst>
-          </a:blip>
-          <a:stretch>
-            <a:fillRect/>
-          </a:stretch>
-        </p:blipFill>
-        <p:spPr>
-          <a:xfrm>
-            <a:off x="6315483" y="5193074"/>
-            <a:ext cx="654522" cy="658884"/>
-          </a:xfrm>
-          <a:prstGeom prst="rect">
-            <a:avLst/>
-          </a:prstGeom>
-        </p:spPr>
-      </p:pic>
-      <p:sp>
-        <p:nvSpPr>
-          <p:cNvPr id="43" name="Rectangle 42"/>
-          <p:cNvSpPr/>
-          <p:nvPr/>
-        </p:nvSpPr>
-        <p:spPr>
-          <a:xfrm>
-            <a:off x="5943078" y="4674111"/>
-            <a:ext cx="4034871" cy="246221"/>
-          </a:xfrm>
-          <a:prstGeom prst="rect">
-            <a:avLst/>
-          </a:prstGeom>
-        </p:spPr>
-        <p:txBody>
-          <a:bodyPr wrap="square">
-            <a:spAutoFit/>
-          </a:bodyPr>
-          <a:lstStyle/>
-          <a:p>
-            <a:pPr algn="ctr">
-              <a:defRPr/>
-            </a:pPr>
-            <a:r>
-              <a:rPr lang="en-US" sz="1000" b="1" dirty="0">
-                <a:solidFill>
-                  <a:srgbClr val="FFFFFF"/>
-                </a:solidFill>
-                <a:cs typeface="Arial" panose="020B0604020202020204" pitchFamily="34" charset="0"/>
-              </a:rPr>
-              <a:t>Firmware</a:t>
-            </a:r>
-          </a:p>
-        </p:txBody>
-      </p:sp>
-      <p:sp>
-        <p:nvSpPr>
-          <p:cNvPr id="79" name="Rounded Rectangle 78"/>
-          <p:cNvSpPr/>
-          <p:nvPr/>
-        </p:nvSpPr>
-        <p:spPr>
-          <a:xfrm>
-            <a:off x="8813891" y="2292935"/>
-            <a:ext cx="1339795" cy="385889"/>
-          </a:xfrm>
-          <a:prstGeom prst="roundRect">
-            <a:avLst/>
-          </a:prstGeom>
-          <a:solidFill>
-            <a:schemeClr val="tx1"/>
-          </a:solidFill>
-          <a:ln>
-            <a:noFill/>
-          </a:ln>
-          <a:effectLst/>
-        </p:spPr>
-        <p:style>
-          <a:lnRef idx="2">
-            <a:schemeClr val="dk1">
-              <a:shade val="50000"/>
-            </a:schemeClr>
-          </a:lnRef>
-          <a:fillRef idx="1">
-            <a:schemeClr val="dk1"/>
-          </a:fillRef>
-          <a:effectRef idx="0">
-            <a:schemeClr val="dk1"/>
-          </a:effectRef>
-          <a:fontRef idx="minor">
-            <a:schemeClr val="lt1"/>
-          </a:fontRef>
-        </p:style>
-        <p:txBody>
-          <a:bodyPr rtlCol="0" anchor="ctr"/>
-          <a:lstStyle/>
-          <a:p>
-            <a:pPr algn="ctr"/>
-            <a:r>
-              <a:rPr lang="en-US" sz="1000" dirty="0">
-                <a:solidFill>
-                  <a:srgbClr val="FFFFFF"/>
-                </a:solidFill>
-                <a:latin typeface="Source Sans Pro Light" charset="0"/>
-                <a:ea typeface="Source Sans Pro Light" charset="0"/>
-                <a:cs typeface="Source Sans Pro Light" charset="0"/>
-              </a:rPr>
-              <a:t>C Compiler</a:t>
-            </a:r>
-          </a:p>
-        </p:txBody>
-      </p:sp>
-      <p:sp>
-        <p:nvSpPr>
-          <p:cNvPr id="57" name="ZoneTexte 167"/>
-          <p:cNvSpPr txBox="1"/>
-          <p:nvPr/>
-        </p:nvSpPr>
-        <p:spPr>
-          <a:xfrm>
-            <a:off x="6218927" y="3686284"/>
-            <a:ext cx="1904689" cy="246221"/>
-          </a:xfrm>
-          <a:prstGeom prst="rect">
-            <a:avLst/>
-          </a:prstGeom>
-          <a:noFill/>
-        </p:spPr>
-        <p:txBody>
-          <a:bodyPr wrap="none" rtlCol="0">
-            <a:spAutoFit/>
-          </a:bodyPr>
-          <a:lstStyle/>
-          <a:p>
-            <a:pPr>
-              <a:defRPr/>
-            </a:pPr>
-            <a:r>
-              <a:rPr lang="en-US" sz="1000">
-                <a:solidFill>
-                  <a:srgbClr val="97A7AF"/>
-                </a:solidFill>
-              </a:rPr>
-              <a:t>(</a:t>
-            </a:r>
-            <a:r>
-              <a:rPr lang="en-US" sz="1000" dirty="0" err="1">
-                <a:solidFill>
-                  <a:srgbClr val="97A7AF"/>
-                </a:solidFill>
-              </a:rPr>
-              <a:t>microejruntime.a</a:t>
-            </a:r>
-            <a:r>
-              <a:rPr lang="en-US" sz="1000" dirty="0">
-                <a:solidFill>
-                  <a:srgbClr val="97A7AF"/>
-                </a:solidFill>
-              </a:rPr>
-              <a:t>, </a:t>
-            </a:r>
-            <a:r>
-              <a:rPr lang="en-US" sz="1000" dirty="0" err="1">
-                <a:solidFill>
-                  <a:srgbClr val="97A7AF"/>
-                </a:solidFill>
-              </a:rPr>
-              <a:t>microejapp.o</a:t>
-            </a:r>
-            <a:r>
-              <a:rPr lang="en-US" sz="1000" dirty="0">
-                <a:solidFill>
-                  <a:srgbClr val="97A7AF"/>
-                </a:solidFill>
-              </a:rPr>
-              <a:t>)</a:t>
-            </a:r>
-          </a:p>
-        </p:txBody>
-      </p:sp>
-      <p:cxnSp>
-        <p:nvCxnSpPr>
-          <p:cNvPr id="58" name="Connecteur droit avec flèche 9"/>
-          <p:cNvCxnSpPr/>
-          <p:nvPr/>
-        </p:nvCxnSpPr>
-        <p:spPr>
-          <a:xfrm flipH="1">
-            <a:off x="9445466" y="2704412"/>
-            <a:ext cx="0" cy="1199096"/>
-          </a:xfrm>
-          <a:prstGeom prst="straightConnector1">
-            <a:avLst/>
-          </a:prstGeom>
-          <a:ln>
-            <a:solidFill>
-              <a:schemeClr val="tx2"/>
-            </a:solidFill>
-            <a:tailEnd type="triangle"/>
-          </a:ln>
-        </p:spPr>
-        <p:style>
-          <a:lnRef idx="1">
-            <a:schemeClr val="accent1"/>
-          </a:lnRef>
-          <a:fillRef idx="0">
-            <a:schemeClr val="accent1"/>
-          </a:fillRef>
-          <a:effectRef idx="0">
-            <a:schemeClr val="accent1"/>
-          </a:effectRef>
-          <a:fontRef idx="minor">
-            <a:schemeClr val="tx1"/>
-          </a:fontRef>
-        </p:style>
-      </p:cxnSp>
-      <p:sp>
-        <p:nvSpPr>
-          <p:cNvPr id="60" name="ZoneTexte 12"/>
-          <p:cNvSpPr txBox="1"/>
-          <p:nvPr/>
-        </p:nvSpPr>
-        <p:spPr>
-          <a:xfrm>
-            <a:off x="9445466" y="3686284"/>
-            <a:ext cx="360996" cy="246221"/>
-          </a:xfrm>
-          <a:prstGeom prst="rect">
-            <a:avLst/>
-          </a:prstGeom>
-          <a:noFill/>
-        </p:spPr>
-        <p:txBody>
-          <a:bodyPr wrap="none" rtlCol="0">
-            <a:spAutoFit/>
-          </a:bodyPr>
-          <a:lstStyle/>
-          <a:p>
-            <a:pPr>
-              <a:defRPr/>
-            </a:pPr>
-            <a:r>
-              <a:rPr lang="en-US" sz="1000" dirty="0">
-                <a:solidFill>
-                  <a:srgbClr val="97A7AF"/>
-                </a:solidFill>
-              </a:rPr>
-              <a:t>(.o)</a:t>
-            </a:r>
-          </a:p>
-        </p:txBody>
-      </p:sp>
-      <p:cxnSp>
-        <p:nvCxnSpPr>
-          <p:cNvPr id="14" name="Connecteur droit avec flèche 149"/>
-          <p:cNvCxnSpPr/>
-          <p:nvPr/>
-        </p:nvCxnSpPr>
-        <p:spPr>
-          <a:xfrm>
-            <a:off x="4762772" y="1899021"/>
-            <a:ext cx="1" cy="1169847"/>
-          </a:xfrm>
-          <a:prstGeom prst="straightConnector1">
-            <a:avLst/>
-          </a:prstGeom>
-          <a:ln>
-            <a:solidFill>
-              <a:schemeClr val="tx2"/>
-            </a:solidFill>
-            <a:tailEnd type="triangle"/>
-          </a:ln>
-        </p:spPr>
-        <p:style>
-          <a:lnRef idx="1">
-            <a:schemeClr val="accent1"/>
-          </a:lnRef>
-          <a:fillRef idx="0">
-            <a:schemeClr val="accent1"/>
-          </a:fillRef>
-          <a:effectRef idx="0">
-            <a:schemeClr val="accent1"/>
-          </a:effectRef>
-          <a:fontRef idx="minor">
-            <a:schemeClr val="tx1"/>
-          </a:fontRef>
-        </p:style>
-      </p:cxnSp>
-      <p:cxnSp>
-        <p:nvCxnSpPr>
-          <p:cNvPr id="56" name="Connecteur droit avec flèche 148"/>
-          <p:cNvCxnSpPr/>
-          <p:nvPr/>
-        </p:nvCxnSpPr>
-        <p:spPr>
-          <a:xfrm>
-            <a:off x="7727097" y="1899021"/>
-            <a:ext cx="0" cy="1178216"/>
-          </a:xfrm>
-          <a:prstGeom prst="straightConnector1">
-            <a:avLst/>
-          </a:prstGeom>
-          <a:ln>
-            <a:solidFill>
-              <a:schemeClr val="tx2"/>
-            </a:solidFill>
-            <a:tailEnd type="triangle"/>
-          </a:ln>
-        </p:spPr>
-        <p:style>
-          <a:lnRef idx="1">
-            <a:schemeClr val="accent1"/>
-          </a:lnRef>
-          <a:fillRef idx="0">
-            <a:schemeClr val="accent1"/>
-          </a:fillRef>
-          <a:effectRef idx="0">
-            <a:schemeClr val="accent1"/>
-          </a:effectRef>
-          <a:fontRef idx="minor">
-            <a:schemeClr val="tx1"/>
-          </a:fontRef>
-        </p:style>
-      </p:cxnSp>
-      <p:cxnSp>
-        <p:nvCxnSpPr>
-          <p:cNvPr id="19" name="Connecteur droit avec flèche 149"/>
-          <p:cNvCxnSpPr/>
-          <p:nvPr/>
-        </p:nvCxnSpPr>
-        <p:spPr>
-          <a:xfrm>
-            <a:off x="6218927" y="1899021"/>
-            <a:ext cx="335" cy="360891"/>
-          </a:xfrm>
-          <a:prstGeom prst="straightConnector1">
-            <a:avLst/>
-          </a:prstGeom>
-          <a:ln>
-            <a:solidFill>
-              <a:schemeClr val="tx2"/>
-            </a:solidFill>
-            <a:tailEnd type="triangle"/>
-          </a:ln>
-        </p:spPr>
-        <p:style>
-          <a:lnRef idx="1">
-            <a:schemeClr val="accent1"/>
-          </a:lnRef>
-          <a:fillRef idx="0">
-            <a:schemeClr val="accent1"/>
-          </a:fillRef>
-          <a:effectRef idx="0">
-            <a:schemeClr val="accent1"/>
-          </a:effectRef>
-          <a:fontRef idx="minor">
-            <a:schemeClr val="tx1"/>
-          </a:fontRef>
-        </p:style>
-      </p:cxnSp>
-      <p:cxnSp>
-        <p:nvCxnSpPr>
-          <p:cNvPr id="26" name="Connecteur droit avec flèche 149"/>
-          <p:cNvCxnSpPr/>
-          <p:nvPr/>
-        </p:nvCxnSpPr>
-        <p:spPr>
-          <a:xfrm>
-            <a:off x="9468296" y="1899021"/>
-            <a:ext cx="0" cy="360891"/>
-          </a:xfrm>
-          <a:prstGeom prst="straightConnector1">
-            <a:avLst/>
-          </a:prstGeom>
-          <a:ln>
-            <a:solidFill>
-              <a:schemeClr val="tx2"/>
-            </a:solidFill>
-            <a:tailEnd type="triangle"/>
-          </a:ln>
-        </p:spPr>
-        <p:style>
-          <a:lnRef idx="1">
-            <a:schemeClr val="accent1"/>
-          </a:lnRef>
-          <a:fillRef idx="0">
-            <a:schemeClr val="accent1"/>
-          </a:fillRef>
-          <a:effectRef idx="0">
-            <a:schemeClr val="accent1"/>
-          </a:effectRef>
-          <a:fontRef idx="minor">
-            <a:schemeClr val="tx1"/>
-          </a:fontRef>
-        </p:style>
-      </p:cxnSp>
-      <p:cxnSp>
-        <p:nvCxnSpPr>
-          <p:cNvPr id="61" name="Connecteur droit avec flèche 9"/>
-          <p:cNvCxnSpPr/>
-          <p:nvPr/>
-        </p:nvCxnSpPr>
-        <p:spPr>
-          <a:xfrm>
-            <a:off x="10939963" y="1899021"/>
-            <a:ext cx="0" cy="2004487"/>
-          </a:xfrm>
-          <a:prstGeom prst="straightConnector1">
-            <a:avLst/>
-          </a:prstGeom>
-          <a:ln>
-            <a:solidFill>
-              <a:schemeClr val="tx2"/>
-            </a:solidFill>
-            <a:tailEnd type="triangle"/>
-          </a:ln>
-        </p:spPr>
-        <p:style>
-          <a:lnRef idx="1">
-            <a:schemeClr val="accent1"/>
-          </a:lnRef>
-          <a:fillRef idx="0">
-            <a:schemeClr val="accent1"/>
-          </a:fillRef>
-          <a:effectRef idx="0">
-            <a:schemeClr val="accent1"/>
-          </a:effectRef>
-          <a:fontRef idx="minor">
-            <a:schemeClr val="tx1"/>
-          </a:fontRef>
-        </p:style>
-      </p:cxnSp>
-      <p:sp>
-        <p:nvSpPr>
-          <p:cNvPr id="62" name="ZoneTexte 167"/>
-          <p:cNvSpPr txBox="1"/>
-          <p:nvPr/>
-        </p:nvSpPr>
-        <p:spPr>
-          <a:xfrm>
-            <a:off x="10939963" y="3686283"/>
-            <a:ext cx="354584" cy="246221"/>
-          </a:xfrm>
-          <a:prstGeom prst="rect">
-            <a:avLst/>
-          </a:prstGeom>
-          <a:noFill/>
-        </p:spPr>
-        <p:txBody>
-          <a:bodyPr wrap="none" rtlCol="0">
-            <a:spAutoFit/>
-          </a:bodyPr>
-          <a:lstStyle/>
-          <a:p>
-            <a:pPr>
-              <a:defRPr/>
-            </a:pPr>
-            <a:r>
-              <a:rPr lang="en-US" sz="1000" dirty="0">
-                <a:solidFill>
-                  <a:srgbClr val="97A7AF"/>
-                </a:solidFill>
-              </a:rPr>
-              <a:t>(.a)</a:t>
-            </a:r>
-          </a:p>
-        </p:txBody>
-      </p:sp>
-      <p:cxnSp>
-        <p:nvCxnSpPr>
-          <p:cNvPr id="91" name="Connecteur droit avec flèche 149">
-            <a:extLst>
-              <a:ext uri="{FF2B5EF4-FFF2-40B4-BE49-F238E27FC236}">
-                <a16:creationId xmlns:a16="http://schemas.microsoft.com/office/drawing/2014/main" id="{ED76A057-C789-4B13-AF66-FCF64679A599}"/>
-              </a:ext>
-            </a:extLst>
-          </p:cNvPr>
-          <p:cNvCxnSpPr>
-            <a:cxnSpLocks/>
-          </p:cNvCxnSpPr>
-          <p:nvPr/>
-        </p:nvCxnSpPr>
-        <p:spPr>
-          <a:xfrm>
-            <a:off x="7932892" y="4299223"/>
-            <a:ext cx="1" cy="336102"/>
-          </a:xfrm>
-          <a:prstGeom prst="straightConnector1">
-            <a:avLst/>
-          </a:prstGeom>
-          <a:ln>
-            <a:solidFill>
-              <a:schemeClr val="tx2"/>
-            </a:solidFill>
-            <a:tailEnd type="triangle"/>
-          </a:ln>
-        </p:spPr>
-        <p:style>
-          <a:lnRef idx="1">
-            <a:schemeClr val="accent1"/>
-          </a:lnRef>
-          <a:fillRef idx="0">
-            <a:schemeClr val="accent1"/>
-          </a:fillRef>
-          <a:effectRef idx="0">
-            <a:schemeClr val="accent1"/>
-          </a:effectRef>
-          <a:fontRef idx="minor">
-            <a:schemeClr val="tx1"/>
-          </a:fontRef>
-        </p:style>
-      </p:cxnSp>
-      <p:sp>
-        <p:nvSpPr>
-          <p:cNvPr id="92" name="ZoneTexte 167"/>
-          <p:cNvSpPr txBox="1"/>
-          <p:nvPr/>
-        </p:nvSpPr>
-        <p:spPr>
-          <a:xfrm>
-            <a:off x="7960984" y="4386499"/>
-            <a:ext cx="904415" cy="246221"/>
-          </a:xfrm>
-          <a:prstGeom prst="rect">
-            <a:avLst/>
-          </a:prstGeom>
-          <a:noFill/>
-        </p:spPr>
-        <p:txBody>
-          <a:bodyPr wrap="none" rtlCol="0">
-            <a:spAutoFit/>
-          </a:bodyPr>
-          <a:lstStyle/>
-          <a:p>
-            <a:pPr>
-              <a:defRPr/>
-            </a:pPr>
-            <a:r>
-              <a:rPr lang="en-US" sz="1000" dirty="0">
-                <a:solidFill>
-                  <a:srgbClr val="97A7AF"/>
-                </a:solidFill>
-              </a:rPr>
-              <a:t>(.out, .hex, …)</a:t>
-            </a:r>
-          </a:p>
-        </p:txBody>
-      </p:sp>
-      <p:grpSp>
-        <p:nvGrpSpPr>
-          <p:cNvPr id="4" name="Group 3"/>
-          <p:cNvGrpSpPr/>
-          <p:nvPr/>
-        </p:nvGrpSpPr>
-        <p:grpSpPr>
-          <a:xfrm>
-            <a:off x="3654489" y="2052804"/>
-            <a:ext cx="560114" cy="495700"/>
-            <a:chOff x="2149187" y="2406717"/>
-            <a:chExt cx="560114" cy="495700"/>
-          </a:xfrm>
-        </p:grpSpPr>
-        <p:pic>
-          <p:nvPicPr>
-            <p:cNvPr id="95" name="Picture 94"/>
-            <p:cNvPicPr>
-              <a:picLocks noChangeAspect="1"/>
-            </p:cNvPicPr>
-            <p:nvPr/>
-          </p:nvPicPr>
-          <p:blipFill>
-            <a:blip r:embed="rId3" cstate="print">
-              <a:extLst>
-                <a:ext uri="{28A0092B-C50C-407E-A947-70E740481C1C}">
-                  <a14:useLocalDpi xmlns:a14="http://schemas.microsoft.com/office/drawing/2010/main" val="0"/>
-                </a:ext>
-              </a:extLst>
-            </a:blip>
-            <a:stretch>
-              <a:fillRect/>
-            </a:stretch>
-          </p:blipFill>
-          <p:spPr>
-            <a:xfrm>
-              <a:off x="2149187" y="2406717"/>
-              <a:ext cx="560114" cy="495700"/>
-            </a:xfrm>
-            <a:prstGeom prst="rect">
-              <a:avLst/>
-            </a:prstGeom>
-          </p:spPr>
-        </p:pic>
         <p:sp>
           <p:nvSpPr>
-            <p:cNvPr id="3" name="TextBox 2"/>
+            <p:cNvPr id="40" name="ZoneTexte 152"/>
             <p:cNvSpPr txBox="1"/>
             <p:nvPr/>
           </p:nvSpPr>
           <p:spPr>
             <a:xfrm>
-              <a:off x="2235158" y="2457795"/>
-              <a:ext cx="388172" cy="369332"/>
+              <a:off x="6232038" y="2860685"/>
+              <a:ext cx="428322" cy="246221"/>
             </a:xfrm>
             <a:prstGeom prst="rect">
               <a:avLst/>
@@ -34273,91 +32994,35 @@
             <a:noFill/>
           </p:spPr>
           <p:txBody>
-            <a:bodyPr vert="horz" wrap="square" lIns="0" tIns="0" rIns="0" bIns="0" numCol="1" spcCol="288000" rtlCol="0" anchor="t" anchorCtr="0">
+            <a:bodyPr wrap="none" rtlCol="0">
               <a:spAutoFit/>
             </a:bodyPr>
             <a:lstStyle/>
             <a:p>
-              <a:pPr algn="ctr">
-                <a:spcBef>
-                  <a:spcPts val="0"/>
-                </a:spcBef>
-                <a:spcAft>
-                  <a:spcPts val="600"/>
-                </a:spcAft>
+              <a:pPr>
+                <a:defRPr/>
               </a:pPr>
               <a:r>
-                <a:rPr lang="en-US" sz="2400" spc="0" dirty="0">
-                  <a:ln>
-                    <a:noFill/>
-                  </a:ln>
+                <a:rPr lang="en-US" sz="1000" dirty="0">
                   <a:solidFill>
-                    <a:schemeClr val="tx2"/>
+                    <a:srgbClr val="97A7AF"/>
                   </a:solidFill>
-                  <a:latin typeface="Source Sans Pro Light" charset="0"/>
-                  <a:ea typeface="Source Sans Pro Light" charset="0"/>
-                  <a:cs typeface="Source Sans Pro Light" charset="0"/>
                 </a:rPr>
-                <a:t>1</a:t>
+                <a:t>(.jar)</a:t>
               </a:r>
             </a:p>
           </p:txBody>
         </p:sp>
-      </p:grpSp>
-      <p:grpSp>
-        <p:nvGrpSpPr>
-          <p:cNvPr id="97" name="Group 96"/>
-          <p:cNvGrpSpPr/>
-          <p:nvPr/>
-        </p:nvGrpSpPr>
-        <p:grpSpPr>
-          <a:xfrm>
-            <a:off x="11497709" y="2052804"/>
-            <a:ext cx="560114" cy="495700"/>
-            <a:chOff x="2149187" y="2406717"/>
-            <a:chExt cx="560114" cy="495700"/>
-          </a:xfrm>
-        </p:grpSpPr>
-        <p:pic>
-          <p:nvPicPr>
-            <p:cNvPr id="98" name="Picture 97"/>
-            <p:cNvPicPr>
-              <a:picLocks noChangeAspect="1"/>
-            </p:cNvPicPr>
-            <p:nvPr/>
-          </p:nvPicPr>
-          <p:blipFill>
-            <a:blip r:embed="rId3" cstate="print">
-              <a:extLst>
-                <a:ext uri="{28A0092B-C50C-407E-A947-70E740481C1C}">
-                  <a14:useLocalDpi xmlns:a14="http://schemas.microsoft.com/office/drawing/2010/main" val="0"/>
-                </a:ext>
-              </a:extLst>
-            </a:blip>
-            <a:stretch>
-              <a:fillRect/>
-            </a:stretch>
-          </p:blipFill>
-          <p:spPr>
-            <a:xfrm>
-              <a:off x="2149187" y="2406717"/>
-              <a:ext cx="560114" cy="495700"/>
-            </a:xfrm>
-            <a:prstGeom prst="rect">
-              <a:avLst/>
-            </a:prstGeom>
-          </p:spPr>
-        </p:pic>
         <p:sp>
           <p:nvSpPr>
-            <p:cNvPr id="99" name="TextBox 98"/>
+            <p:cNvPr id="41" name="ZoneTexte 152"/>
             <p:cNvSpPr txBox="1"/>
             <p:nvPr/>
           </p:nvSpPr>
           <p:spPr>
             <a:xfrm>
-              <a:off x="2235158" y="2457795"/>
-              <a:ext cx="388172" cy="369332"/>
+              <a:off x="7722466" y="2852622"/>
+              <a:ext cx="428322" cy="246221"/>
             </a:xfrm>
             <a:prstGeom prst="rect">
               <a:avLst/>
@@ -34365,229 +33030,227 @@
             <a:noFill/>
           </p:spPr>
           <p:txBody>
-            <a:bodyPr vert="horz" wrap="square" lIns="0" tIns="0" rIns="0" bIns="0" numCol="1" spcCol="288000" rtlCol="0" anchor="t" anchorCtr="0">
+            <a:bodyPr wrap="none" rtlCol="0">
               <a:spAutoFit/>
             </a:bodyPr>
             <a:lstStyle/>
             <a:p>
-              <a:pPr algn="ctr">
-                <a:spcBef>
-                  <a:spcPts val="0"/>
-                </a:spcBef>
-                <a:spcAft>
-                  <a:spcPts val="600"/>
-                </a:spcAft>
+              <a:pPr>
+                <a:defRPr/>
               </a:pPr>
               <a:r>
-                <a:rPr lang="en-US" sz="2400" spc="0" dirty="0">
-                  <a:ln>
-                    <a:noFill/>
-                  </a:ln>
+                <a:rPr lang="en-US" sz="1000" dirty="0">
                   <a:solidFill>
-                    <a:schemeClr val="tx2"/>
+                    <a:srgbClr val="97A7AF"/>
+                  </a:solidFill>
+                </a:rPr>
+                <a:t>(.jar)</a:t>
+              </a:r>
+            </a:p>
+          </p:txBody>
+        </p:sp>
+        <p:sp>
+          <p:nvSpPr>
+            <p:cNvPr id="42" name="Rounded Rectangle 41"/>
+            <p:cNvSpPr/>
+            <p:nvPr/>
+          </p:nvSpPr>
+          <p:spPr>
+            <a:xfrm>
+              <a:off x="4083114" y="3112802"/>
+              <a:ext cx="4309445" cy="385889"/>
+            </a:xfrm>
+            <a:prstGeom prst="roundRect">
+              <a:avLst/>
+            </a:prstGeom>
+            <a:solidFill>
+              <a:schemeClr val="tx1"/>
+            </a:solidFill>
+            <a:ln>
+              <a:noFill/>
+            </a:ln>
+            <a:effectLst/>
+          </p:spPr>
+          <p:style>
+            <a:lnRef idx="2">
+              <a:schemeClr val="dk1">
+                <a:shade val="50000"/>
+              </a:schemeClr>
+            </a:lnRef>
+            <a:fillRef idx="1">
+              <a:schemeClr val="dk1"/>
+            </a:fillRef>
+            <a:effectRef idx="0">
+              <a:schemeClr val="dk1"/>
+            </a:effectRef>
+            <a:fontRef idx="minor">
+              <a:schemeClr val="lt1"/>
+            </a:fontRef>
+          </p:style>
+          <p:txBody>
+            <a:bodyPr rtlCol="0" anchor="ctr"/>
+            <a:lstStyle/>
+            <a:p>
+              <a:pPr algn="ctr"/>
+              <a:r>
+                <a:rPr lang="en-US" sz="1000" dirty="0" err="1">
+                  <a:solidFill>
+                    <a:srgbClr val="FFFFFF"/>
                   </a:solidFill>
                   <a:latin typeface="Source Sans Pro Light" charset="0"/>
                   <a:ea typeface="Source Sans Pro Light" charset="0"/>
                   <a:cs typeface="Source Sans Pro Light" charset="0"/>
                 </a:rPr>
-                <a:t>2</a:t>
+                <a:t>MicroEJ</a:t>
               </a:r>
-            </a:p>
-          </p:txBody>
-        </p:sp>
-      </p:grpSp>
-      <p:grpSp>
-        <p:nvGrpSpPr>
-          <p:cNvPr id="100" name="Group 99"/>
-          <p:cNvGrpSpPr/>
-          <p:nvPr/>
-        </p:nvGrpSpPr>
-        <p:grpSpPr>
-          <a:xfrm>
-            <a:off x="3647728" y="4747999"/>
-            <a:ext cx="560114" cy="495700"/>
-            <a:chOff x="2149187" y="2406717"/>
-            <a:chExt cx="560114" cy="495700"/>
-          </a:xfrm>
-        </p:grpSpPr>
-        <p:pic>
-          <p:nvPicPr>
-            <p:cNvPr id="101" name="Picture 100"/>
-            <p:cNvPicPr>
-              <a:picLocks noChangeAspect="1"/>
-            </p:cNvPicPr>
-            <p:nvPr/>
-          </p:nvPicPr>
-          <p:blipFill>
-            <a:blip r:embed="rId3" cstate="print">
-              <a:extLst>
-                <a:ext uri="{28A0092B-C50C-407E-A947-70E740481C1C}">
-                  <a14:useLocalDpi xmlns:a14="http://schemas.microsoft.com/office/drawing/2010/main" val="0"/>
-                </a:ext>
-              </a:extLst>
-            </a:blip>
-            <a:stretch>
-              <a:fillRect/>
-            </a:stretch>
-          </p:blipFill>
-          <p:spPr>
-            <a:xfrm>
-              <a:off x="2149187" y="2406717"/>
-              <a:ext cx="560114" cy="495700"/>
-            </a:xfrm>
-            <a:prstGeom prst="rect">
-              <a:avLst/>
-            </a:prstGeom>
-          </p:spPr>
-        </p:pic>
-        <p:sp>
-          <p:nvSpPr>
-            <p:cNvPr id="102" name="TextBox 101"/>
-            <p:cNvSpPr txBox="1"/>
-            <p:nvPr/>
-          </p:nvSpPr>
-          <p:spPr>
-            <a:xfrm>
-              <a:off x="2235158" y="2457795"/>
-              <a:ext cx="388172" cy="369332"/>
-            </a:xfrm>
-            <a:prstGeom prst="rect">
-              <a:avLst/>
-            </a:prstGeom>
-            <a:noFill/>
-          </p:spPr>
-          <p:txBody>
-            <a:bodyPr vert="horz" wrap="square" lIns="0" tIns="0" rIns="0" bIns="0" numCol="1" spcCol="288000" rtlCol="0" anchor="t" anchorCtr="0">
-              <a:spAutoFit/>
-            </a:bodyPr>
-            <a:lstStyle/>
-            <a:p>
-              <a:pPr algn="ctr">
-                <a:spcBef>
-                  <a:spcPts val="0"/>
-                </a:spcBef>
-                <a:spcAft>
-                  <a:spcPts val="600"/>
-                </a:spcAft>
-              </a:pPr>
               <a:r>
-                <a:rPr lang="en-US" sz="2400" spc="0" dirty="0">
-                  <a:ln>
-                    <a:noFill/>
-                  </a:ln>
+                <a:rPr lang="en-US" sz="1000" dirty="0">
                   <a:solidFill>
-                    <a:schemeClr val="tx2"/>
+                    <a:srgbClr val="FFFFFF"/>
                   </a:solidFill>
                   <a:latin typeface="Source Sans Pro Light" charset="0"/>
                   <a:ea typeface="Source Sans Pro Light" charset="0"/>
                   <a:cs typeface="Source Sans Pro Light" charset="0"/>
                 </a:rPr>
-                <a:t>3</a:t>
+                <a:t> SDK (App Builder)</a:t>
               </a:r>
             </a:p>
           </p:txBody>
         </p:sp>
-      </p:grpSp>
-      <p:sp>
-        <p:nvSpPr>
-          <p:cNvPr id="103" name="Rounded Rectangle 102"/>
-          <p:cNvSpPr/>
-          <p:nvPr/>
-        </p:nvSpPr>
-        <p:spPr>
-          <a:xfrm>
-            <a:off x="5538285" y="3927386"/>
-            <a:ext cx="6107070" cy="385889"/>
-          </a:xfrm>
-          <a:prstGeom prst="roundRect">
-            <a:avLst/>
-          </a:prstGeom>
-          <a:solidFill>
-            <a:schemeClr val="tx1"/>
-          </a:solidFill>
-          <a:ln>
-            <a:noFill/>
-          </a:ln>
-          <a:effectLst/>
-        </p:spPr>
-        <p:style>
-          <a:lnRef idx="2">
-            <a:schemeClr val="dk1">
-              <a:shade val="50000"/>
-            </a:schemeClr>
-          </a:lnRef>
-          <a:fillRef idx="1">
-            <a:schemeClr val="dk1"/>
-          </a:fillRef>
-          <a:effectRef idx="0">
-            <a:schemeClr val="dk1"/>
-          </a:effectRef>
-          <a:fontRef idx="minor">
-            <a:schemeClr val="lt1"/>
-          </a:fontRef>
-        </p:style>
-        <p:txBody>
-          <a:bodyPr rtlCol="0" anchor="ctr"/>
-          <a:lstStyle/>
-          <a:p>
-            <a:pPr algn="ctr"/>
-            <a:r>
-              <a:rPr lang="en-US" sz="1000">
+        <p:sp>
+          <p:nvSpPr>
+            <p:cNvPr id="6" name="Rounded Rectangle 5"/>
+            <p:cNvSpPr/>
+            <p:nvPr/>
+          </p:nvSpPr>
+          <p:spPr>
+            <a:xfrm>
+              <a:off x="5943078" y="4652490"/>
+              <a:ext cx="4034872" cy="1450285"/>
+            </a:xfrm>
+            <a:prstGeom prst="roundRect">
+              <a:avLst>
+                <a:gd name="adj" fmla="val 6304"/>
+              </a:avLst>
+            </a:prstGeom>
+            <a:solidFill>
+              <a:schemeClr val="accent1"/>
+            </a:solidFill>
+            <a:ln>
+              <a:noFill/>
+            </a:ln>
+            <a:effectLst/>
+          </p:spPr>
+          <p:style>
+            <a:lnRef idx="2">
+              <a:schemeClr val="dk1">
+                <a:shade val="50000"/>
+              </a:schemeClr>
+            </a:lnRef>
+            <a:fillRef idx="1">
+              <a:schemeClr val="dk1"/>
+            </a:fillRef>
+            <a:effectRef idx="0">
+              <a:schemeClr val="dk1"/>
+            </a:effectRef>
+            <a:fontRef idx="minor">
+              <a:schemeClr val="lt1"/>
+            </a:fontRef>
+          </p:style>
+          <p:txBody>
+            <a:bodyPr rtlCol="0" anchor="ctr"/>
+            <a:lstStyle/>
+            <a:p>
+              <a:pPr algn="ctr">
+                <a:defRPr/>
+              </a:pPr>
+              <a:br>
+                <a:rPr lang="en-US" sz="1000" dirty="0">
+                  <a:solidFill>
+                    <a:srgbClr val="FFFFFF"/>
+                  </a:solidFill>
+                  <a:latin typeface="Source Sans Pro Light" charset="0"/>
+                  <a:ea typeface="Source Sans Pro Light" charset="0"/>
+                  <a:cs typeface="Source Sans Pro Light" charset="0"/>
+                </a:rPr>
+              </a:br>
+              <a:br>
+                <a:rPr lang="en-US" sz="1000" dirty="0">
+                  <a:solidFill>
+                    <a:srgbClr val="FFFFFF"/>
+                  </a:solidFill>
+                  <a:latin typeface="Source Sans Pro Light" charset="0"/>
+                  <a:ea typeface="Source Sans Pro Light" charset="0"/>
+                  <a:cs typeface="Source Sans Pro Light" charset="0"/>
+                </a:rPr>
+              </a:br>
+              <a:br>
+                <a:rPr lang="en-US" sz="1000" dirty="0">
+                  <a:solidFill>
+                    <a:srgbClr val="FFFFFF"/>
+                  </a:solidFill>
+                  <a:latin typeface="Source Sans Pro Light" charset="0"/>
+                  <a:ea typeface="Source Sans Pro Light" charset="0"/>
+                  <a:cs typeface="Source Sans Pro Light" charset="0"/>
+                </a:rPr>
+              </a:br>
+              <a:br>
+                <a:rPr lang="en-US" sz="1000" dirty="0">
+                  <a:solidFill>
+                    <a:srgbClr val="FFFFFF"/>
+                  </a:solidFill>
+                  <a:latin typeface="Source Sans Pro Light" charset="0"/>
+                  <a:ea typeface="Source Sans Pro Light" charset="0"/>
+                  <a:cs typeface="Source Sans Pro Light" charset="0"/>
+                </a:rPr>
+              </a:br>
+              <a:endParaRPr lang="en-US" sz="1000" dirty="0">
                 <a:solidFill>
                   <a:srgbClr val="FFFFFF"/>
                 </a:solidFill>
                 <a:latin typeface="Source Sans Pro Light" charset="0"/>
                 <a:ea typeface="Source Sans Pro Light" charset="0"/>
                 <a:cs typeface="Source Sans Pro Light" charset="0"/>
-              </a:rPr>
-              <a:t>ELF Linker</a:t>
-            </a:r>
-            <a:endParaRPr lang="en-US" sz="1000" dirty="0">
-              <a:solidFill>
-                <a:srgbClr val="FFFFFF"/>
-              </a:solidFill>
-              <a:latin typeface="Source Sans Pro Light" charset="0"/>
-              <a:ea typeface="Source Sans Pro Light" charset="0"/>
-              <a:cs typeface="Source Sans Pro Light" charset="0"/>
-            </a:endParaRPr>
-          </a:p>
-        </p:txBody>
-      </p:sp>
-      <p:grpSp>
-        <p:nvGrpSpPr>
-          <p:cNvPr id="104" name="Group 103"/>
-          <p:cNvGrpSpPr/>
-          <p:nvPr/>
-        </p:nvGrpSpPr>
-        <p:grpSpPr>
-          <a:xfrm>
-            <a:off x="8782907" y="1216513"/>
-            <a:ext cx="2862448" cy="657123"/>
-            <a:chOff x="7031111" y="1438578"/>
-            <a:chExt cx="4224827" cy="657123"/>
-          </a:xfrm>
-        </p:grpSpPr>
+              </a:endParaRPr>
+            </a:p>
+            <a:p>
+              <a:pPr algn="ctr">
+                <a:defRPr/>
+              </a:pPr>
+              <a:endParaRPr lang="en-US" sz="1000" dirty="0">
+                <a:solidFill>
+                  <a:srgbClr val="FFFFFF"/>
+                </a:solidFill>
+                <a:latin typeface="Source Sans Pro Light" charset="0"/>
+                <a:ea typeface="Source Sans Pro Light" charset="0"/>
+                <a:cs typeface="Source Sans Pro Light" charset="0"/>
+              </a:endParaRPr>
+            </a:p>
+          </p:txBody>
+        </p:sp>
         <p:sp>
           <p:nvSpPr>
-            <p:cNvPr id="105" name="Rounded Rectangle 104"/>
+            <p:cNvPr id="7" name="Rounded Rectangle 6"/>
             <p:cNvSpPr/>
             <p:nvPr/>
           </p:nvSpPr>
           <p:spPr>
             <a:xfrm>
-              <a:off x="7031111" y="1438578"/>
-              <a:ext cx="2023200" cy="657123"/>
+              <a:off x="8695009" y="4966412"/>
+              <a:ext cx="1057233" cy="962893"/>
             </a:xfrm>
             <a:prstGeom prst="roundRect">
               <a:avLst>
-                <a:gd name="adj" fmla="val 11196"/>
+                <a:gd name="adj" fmla="val 7525"/>
               </a:avLst>
             </a:prstGeom>
             <a:solidFill>
               <a:srgbClr val="FFA300"/>
             </a:solidFill>
-            <a:ln>
-              <a:noFill/>
+            <a:ln w="6350">
+              <a:solidFill>
+                <a:schemeClr val="bg1"/>
+              </a:solidFill>
             </a:ln>
             <a:effectLst/>
           </p:spPr>
@@ -34621,7 +33284,7 @@
                   <a:ea typeface="Source Sans Pro Light" charset="0"/>
                   <a:cs typeface="Source Sans Pro Light" charset="0"/>
                 </a:rPr>
-                <a:t>C Code</a:t>
+                <a:t>BSP code</a:t>
               </a:r>
               <a:br>
                 <a:rPr lang="en-US" sz="1000" dirty="0">
@@ -34642,90 +33305,456 @@
                   <a:ea typeface="Source Sans Pro Light" charset="0"/>
                   <a:cs typeface="Source Sans Pro Light" charset="0"/>
                 </a:rPr>
-                <a:t> BSP code</a:t>
-              </a:r>
-            </a:p>
-            <a:p>
-              <a:pPr algn="ctr"/>
-              <a:r>
-                <a:rPr lang="en-US" sz="1000">
-                  <a:solidFill>
-                    <a:schemeClr val="bg1"/>
-                  </a:solidFill>
-                  <a:latin typeface="Source Sans Pro Light" charset="0"/>
-                  <a:ea typeface="Source Sans Pro Light" charset="0"/>
-                  <a:cs typeface="Source Sans Pro Light" charset="0"/>
-                </a:rPr>
-                <a:t>Abstraction </a:t>
-              </a:r>
-              <a:r>
-                <a:rPr lang="en-US" sz="1000" dirty="0">
-                  <a:solidFill>
-                    <a:schemeClr val="bg1"/>
-                  </a:solidFill>
-                  <a:latin typeface="Source Sans Pro Light" charset="0"/>
-                  <a:ea typeface="Source Sans Pro Light" charset="0"/>
-                  <a:cs typeface="Source Sans Pro Light" charset="0"/>
-                </a:rPr>
-                <a:t>Layer</a:t>
-              </a:r>
-            </a:p>
-            <a:p>
-              <a:pPr algn="ctr"/>
-              <a:r>
-                <a:rPr lang="en-US" sz="1000" dirty="0">
-                  <a:solidFill>
-                    <a:schemeClr val="bg1"/>
-                  </a:solidFill>
-                  <a:latin typeface="Source Sans Pro Light" charset="0"/>
-                  <a:ea typeface="Source Sans Pro Light" charset="0"/>
-                  <a:cs typeface="Source Sans Pro Light" charset="0"/>
-                </a:rPr>
-                <a:t>+ </a:t>
-              </a:r>
-              <a:r>
-                <a:rPr lang="en-US" sz="1000" dirty="0" err="1">
-                  <a:solidFill>
-                    <a:schemeClr val="bg1"/>
-                  </a:solidFill>
-                  <a:latin typeface="Source Sans Pro Light" charset="0"/>
-                  <a:ea typeface="Source Sans Pro Light" charset="0"/>
-                  <a:cs typeface="Source Sans Pro Light" charset="0"/>
-                </a:rPr>
-                <a:t>MicroEJ</a:t>
-              </a:r>
-              <a:r>
-                <a:rPr lang="en-US" sz="1000" dirty="0">
-                  <a:solidFill>
-                    <a:schemeClr val="bg1"/>
-                  </a:solidFill>
-                  <a:latin typeface="Source Sans Pro Light" charset="0"/>
-                  <a:ea typeface="Source Sans Pro Light" charset="0"/>
-                  <a:cs typeface="Source Sans Pro Light" charset="0"/>
-                </a:rPr>
-                <a:t> Startup</a:t>
+                <a:t>C code</a:t>
               </a:r>
             </a:p>
           </p:txBody>
         </p:sp>
         <p:sp>
           <p:nvSpPr>
-            <p:cNvPr id="106" name="Rounded Rectangle 105"/>
+            <p:cNvPr id="9" name="Rounded Rectangle 8"/>
             <p:cNvSpPr/>
             <p:nvPr/>
           </p:nvSpPr>
           <p:spPr>
             <a:xfrm>
-              <a:off x="9232738" y="1438578"/>
-              <a:ext cx="2023200" cy="657123"/>
+              <a:off x="7416375" y="4966412"/>
+              <a:ext cx="1057233" cy="962893"/>
             </a:xfrm>
             <a:prstGeom prst="roundRect">
               <a:avLst>
-                <a:gd name="adj" fmla="val 11196"/>
+                <a:gd name="adj" fmla="val 7525"/>
               </a:avLst>
             </a:prstGeom>
             <a:solidFill>
-              <a:srgbClr val="FFA300"/>
+              <a:schemeClr val="accent4"/>
+            </a:solidFill>
+            <a:ln w="9525">
+              <a:solidFill>
+                <a:schemeClr val="bg1"/>
+              </a:solidFill>
+            </a:ln>
+            <a:effectLst/>
+          </p:spPr>
+          <p:style>
+            <a:lnRef idx="2">
+              <a:schemeClr val="dk1">
+                <a:shade val="50000"/>
+              </a:schemeClr>
+            </a:lnRef>
+            <a:fillRef idx="1">
+              <a:schemeClr val="dk1"/>
+            </a:fillRef>
+            <a:effectRef idx="0">
+              <a:schemeClr val="dk1"/>
+            </a:effectRef>
+            <a:fontRef idx="minor">
+              <a:schemeClr val="lt1"/>
+            </a:fontRef>
+          </p:style>
+          <p:txBody>
+            <a:bodyPr rtlCol="0" anchor="ctr"/>
+            <a:lstStyle/>
+            <a:p>
+              <a:pPr algn="ctr">
+                <a:defRPr/>
+              </a:pPr>
+              <a:r>
+                <a:rPr lang="en-US" sz="1000" dirty="0">
+                  <a:solidFill>
+                    <a:srgbClr val="FFFFFF"/>
+                  </a:solidFill>
+                  <a:latin typeface="Source Sans Pro Light" charset="0"/>
+                  <a:ea typeface="Source Sans Pro Light" charset="0"/>
+                  <a:cs typeface="Source Sans Pro Light" charset="0"/>
+                </a:rPr>
+                <a:t>Java Application</a:t>
+              </a:r>
+            </a:p>
+          </p:txBody>
+        </p:sp>
+        <p:sp>
+          <p:nvSpPr>
+            <p:cNvPr id="11" name="Rounded Rectangle 10"/>
+            <p:cNvSpPr/>
+            <p:nvPr/>
+          </p:nvSpPr>
+          <p:spPr>
+            <a:xfrm>
+              <a:off x="6138725" y="4966412"/>
+              <a:ext cx="1057233" cy="962893"/>
+            </a:xfrm>
+            <a:prstGeom prst="roundRect">
+              <a:avLst>
+                <a:gd name="adj" fmla="val 7525"/>
+              </a:avLst>
+            </a:prstGeom>
+            <a:solidFill>
+              <a:schemeClr val="bg1"/>
+            </a:solidFill>
+            <a:ln>
+              <a:noFill/>
+            </a:ln>
+            <a:effectLst/>
+          </p:spPr>
+          <p:style>
+            <a:lnRef idx="2">
+              <a:schemeClr val="dk1">
+                <a:shade val="50000"/>
+              </a:schemeClr>
+            </a:lnRef>
+            <a:fillRef idx="1">
+              <a:schemeClr val="dk1"/>
+            </a:fillRef>
+            <a:effectRef idx="0">
+              <a:schemeClr val="dk1"/>
+            </a:effectRef>
+            <a:fontRef idx="minor">
+              <a:schemeClr val="lt1"/>
+            </a:fontRef>
+          </p:style>
+          <p:txBody>
+            <a:bodyPr rtlCol="0" anchor="ctr"/>
+            <a:lstStyle/>
+            <a:p>
+              <a:pPr algn="ctr">
+                <a:defRPr/>
+              </a:pPr>
+              <a:endParaRPr lang="en-US" sz="1000" dirty="0">
+                <a:solidFill>
+                  <a:srgbClr val="FFFFFF"/>
+                </a:solidFill>
+                <a:latin typeface="Source Sans Pro Light" charset="0"/>
+                <a:ea typeface="Source Sans Pro Light" charset="0"/>
+                <a:cs typeface="Source Sans Pro Light" charset="0"/>
+              </a:endParaRPr>
+            </a:p>
+          </p:txBody>
+        </p:sp>
+        <p:grpSp>
+          <p:nvGrpSpPr>
+            <p:cNvPr id="23" name="Group 22"/>
+            <p:cNvGrpSpPr/>
+            <p:nvPr/>
+          </p:nvGrpSpPr>
+          <p:grpSpPr>
+            <a:xfrm>
+              <a:off x="5878498" y="4634001"/>
+              <a:ext cx="344751" cy="303135"/>
+              <a:chOff x="3528000" y="4663584"/>
+              <a:chExt cx="344751" cy="303135"/>
+            </a:xfrm>
+          </p:grpSpPr>
+          <p:sp>
+            <p:nvSpPr>
+              <p:cNvPr id="53" name="Bande diagonale 197"/>
+              <p:cNvSpPr/>
+              <p:nvPr/>
+            </p:nvSpPr>
+            <p:spPr>
+              <a:xfrm>
+                <a:off x="3592923" y="4686891"/>
+                <a:ext cx="279828" cy="279828"/>
+              </a:xfrm>
+              <a:prstGeom prst="diagStripe">
+                <a:avLst>
+                  <a:gd name="adj" fmla="val 41991"/>
+                </a:avLst>
+              </a:prstGeom>
+              <a:solidFill>
+                <a:schemeClr val="accent1">
+                  <a:lumMod val="75000"/>
+                </a:schemeClr>
+              </a:solidFill>
+              <a:ln>
+                <a:noFill/>
+              </a:ln>
+            </p:spPr>
+            <p:style>
+              <a:lnRef idx="2">
+                <a:schemeClr val="accent1">
+                  <a:shade val="50000"/>
+                </a:schemeClr>
+              </a:lnRef>
+              <a:fillRef idx="1">
+                <a:schemeClr val="accent1"/>
+              </a:fillRef>
+              <a:effectRef idx="0">
+                <a:schemeClr val="accent1"/>
+              </a:effectRef>
+              <a:fontRef idx="minor">
+                <a:schemeClr val="lt1"/>
+              </a:fontRef>
+            </p:style>
+            <p:txBody>
+              <a:bodyPr rtlCol="0" anchor="ctr"/>
+              <a:lstStyle/>
+              <a:p>
+                <a:pPr algn="ctr">
+                  <a:defRPr/>
+                </a:pPr>
+                <a:endParaRPr lang="en-US" dirty="0">
+                  <a:solidFill>
+                    <a:srgbClr val="FFFFFF"/>
+                  </a:solidFill>
+                  <a:latin typeface="Source Sans Pro Light" charset="0"/>
+                  <a:ea typeface="Source Sans Pro Light" charset="0"/>
+                  <a:cs typeface="Source Sans Pro Light" charset="0"/>
+                </a:endParaRPr>
+              </a:p>
+            </p:txBody>
+          </p:sp>
+          <p:sp>
+            <p:nvSpPr>
+              <p:cNvPr id="54" name="ZoneTexte 198"/>
+              <p:cNvSpPr txBox="1"/>
+              <p:nvPr/>
+            </p:nvSpPr>
+            <p:spPr>
+              <a:xfrm rot="18945775">
+                <a:off x="3528000" y="4663584"/>
+                <a:ext cx="333746" cy="230832"/>
+              </a:xfrm>
+              <a:prstGeom prst="rect">
+                <a:avLst/>
+              </a:prstGeom>
+              <a:noFill/>
+            </p:spPr>
+            <p:txBody>
+              <a:bodyPr wrap="none" rtlCol="0">
+                <a:spAutoFit/>
+              </a:bodyPr>
+              <a:lstStyle/>
+              <a:p>
+                <a:pPr>
+                  <a:defRPr/>
+                </a:pPr>
+                <a:r>
+                  <a:rPr lang="en-US" sz="900" dirty="0">
+                    <a:solidFill>
+                      <a:srgbClr val="FFFFFF"/>
+                    </a:solidFill>
+                    <a:latin typeface="Source Sans Pro Light" charset="0"/>
+                    <a:ea typeface="Source Sans Pro Light" charset="0"/>
+                    <a:cs typeface="Source Sans Pro Light" charset="0"/>
+                  </a:rPr>
+                  <a:t>bin</a:t>
+                </a:r>
+              </a:p>
+            </p:txBody>
+          </p:sp>
+        </p:grpSp>
+        <p:sp>
+          <p:nvSpPr>
+            <p:cNvPr id="24" name="Rectangle 23"/>
+            <p:cNvSpPr/>
+            <p:nvPr/>
+          </p:nvSpPr>
+          <p:spPr>
+            <a:xfrm>
+              <a:off x="6223249" y="4965604"/>
+              <a:ext cx="871306" cy="219744"/>
+            </a:xfrm>
+            <a:prstGeom prst="rect">
+              <a:avLst/>
+            </a:prstGeom>
+            <a:noFill/>
+            <a:ln>
+              <a:noFill/>
+            </a:ln>
+            <a:effectLst/>
+          </p:spPr>
+          <p:style>
+            <a:lnRef idx="2">
+              <a:schemeClr val="dk1">
+                <a:shade val="50000"/>
+              </a:schemeClr>
+            </a:lnRef>
+            <a:fillRef idx="1">
+              <a:schemeClr val="dk1"/>
+            </a:fillRef>
+            <a:effectRef idx="0">
+              <a:schemeClr val="dk1"/>
+            </a:effectRef>
+            <a:fontRef idx="minor">
+              <a:schemeClr val="lt1"/>
+            </a:fontRef>
+          </p:style>
+          <p:txBody>
+            <a:bodyPr rtlCol="0" anchor="t"/>
+            <a:lstStyle/>
+            <a:p>
+              <a:pPr algn="ctr">
+                <a:defRPr/>
+              </a:pPr>
+              <a:r>
+                <a:rPr lang="en-US" sz="1000" b="1" dirty="0">
+                  <a:solidFill>
+                    <a:schemeClr val="tx1"/>
+                  </a:solidFill>
+                  <a:latin typeface="Source Sans Pro" charset="0"/>
+                  <a:ea typeface="Source Sans Pro" charset="0"/>
+                  <a:cs typeface="Source Sans Pro" charset="0"/>
+                </a:rPr>
+                <a:t>MEJ32 Core</a:t>
+              </a:r>
+            </a:p>
+          </p:txBody>
+        </p:sp>
+        <p:cxnSp>
+          <p:nvCxnSpPr>
+            <p:cNvPr id="25" name="Connecteur droit avec flèche 148"/>
+            <p:cNvCxnSpPr/>
+            <p:nvPr/>
+          </p:nvCxnSpPr>
+          <p:spPr>
+            <a:xfrm>
+              <a:off x="6218927" y="3499275"/>
+              <a:ext cx="669" cy="429819"/>
+            </a:xfrm>
+            <a:prstGeom prst="straightConnector1">
+              <a:avLst/>
+            </a:prstGeom>
+            <a:ln>
+              <a:solidFill>
+                <a:schemeClr val="tx2"/>
+              </a:solidFill>
+              <a:tailEnd type="triangle"/>
+            </a:ln>
+          </p:spPr>
+          <p:style>
+            <a:lnRef idx="1">
+              <a:schemeClr val="accent1"/>
+            </a:lnRef>
+            <a:fillRef idx="0">
+              <a:schemeClr val="accent1"/>
+            </a:fillRef>
+            <a:effectRef idx="0">
+              <a:schemeClr val="accent1"/>
+            </a:effectRef>
+            <a:fontRef idx="minor">
+              <a:schemeClr val="tx1"/>
+            </a:fontRef>
+          </p:style>
+        </p:cxnSp>
+        <p:sp>
+          <p:nvSpPr>
+            <p:cNvPr id="27" name="ZoneTexte 173"/>
+            <p:cNvSpPr txBox="1"/>
+            <p:nvPr/>
+          </p:nvSpPr>
+          <p:spPr>
+            <a:xfrm>
+              <a:off x="9468296" y="2054823"/>
+              <a:ext cx="683825" cy="246221"/>
+            </a:xfrm>
+            <a:prstGeom prst="rect">
+              <a:avLst/>
+            </a:prstGeom>
+            <a:noFill/>
+          </p:spPr>
+          <p:txBody>
+            <a:bodyPr wrap="square" rtlCol="0">
+              <a:spAutoFit/>
+            </a:bodyPr>
+            <a:lstStyle/>
+            <a:p>
+              <a:pPr>
+                <a:defRPr/>
+              </a:pPr>
+              <a:r>
+                <a:rPr lang="en-US" sz="1000" dirty="0">
+                  <a:solidFill>
+                    <a:srgbClr val="97A7AF"/>
+                  </a:solidFill>
+                </a:rPr>
+                <a:t>(.h, .c)</a:t>
+              </a:r>
+            </a:p>
+          </p:txBody>
+        </p:sp>
+        <p:pic>
+          <p:nvPicPr>
+            <p:cNvPr id="28" name="Picture 27"/>
+            <p:cNvPicPr>
+              <a:picLocks noChangeAspect="1"/>
+            </p:cNvPicPr>
+            <p:nvPr/>
+          </p:nvPicPr>
+          <p:blipFill>
+            <a:blip r:embed="rId2" cstate="print">
+              <a:extLst>
+                <a:ext uri="{28A0092B-C50C-407E-A947-70E740481C1C}">
+                  <a14:useLocalDpi xmlns:a14="http://schemas.microsoft.com/office/drawing/2010/main" val="0"/>
+                </a:ext>
+              </a:extLst>
+            </a:blip>
+            <a:stretch>
+              <a:fillRect/>
+            </a:stretch>
+          </p:blipFill>
+          <p:spPr>
+            <a:xfrm>
+              <a:off x="6315483" y="5193074"/>
+              <a:ext cx="654522" cy="658884"/>
+            </a:xfrm>
+            <a:prstGeom prst="rect">
+              <a:avLst/>
+            </a:prstGeom>
+          </p:spPr>
+        </p:pic>
+        <p:sp>
+          <p:nvSpPr>
+            <p:cNvPr id="43" name="Rectangle 42"/>
+            <p:cNvSpPr/>
+            <p:nvPr/>
+          </p:nvSpPr>
+          <p:spPr>
+            <a:xfrm>
+              <a:off x="5943078" y="4674111"/>
+              <a:ext cx="4034871" cy="246221"/>
+            </a:xfrm>
+            <a:prstGeom prst="rect">
+              <a:avLst/>
+            </a:prstGeom>
+          </p:spPr>
+          <p:txBody>
+            <a:bodyPr wrap="square">
+              <a:spAutoFit/>
+            </a:bodyPr>
+            <a:lstStyle/>
+            <a:p>
+              <a:pPr algn="ctr">
+                <a:defRPr/>
+              </a:pPr>
+              <a:r>
+                <a:rPr lang="en-US" sz="1000" b="1" dirty="0">
+                  <a:solidFill>
+                    <a:srgbClr val="FFFFFF"/>
+                  </a:solidFill>
+                  <a:cs typeface="Arial" panose="020B0604020202020204" pitchFamily="34" charset="0"/>
+                </a:rPr>
+                <a:t>Firmware</a:t>
+              </a:r>
+            </a:p>
+          </p:txBody>
+        </p:sp>
+        <p:sp>
+          <p:nvSpPr>
+            <p:cNvPr id="79" name="Rounded Rectangle 78"/>
+            <p:cNvSpPr/>
+            <p:nvPr/>
+          </p:nvSpPr>
+          <p:spPr>
+            <a:xfrm>
+              <a:off x="8813891" y="2292935"/>
+              <a:ext cx="1339795" cy="385889"/>
+            </a:xfrm>
+            <a:prstGeom prst="roundRect">
+              <a:avLst/>
+            </a:prstGeom>
+            <a:solidFill>
+              <a:schemeClr val="tx1"/>
             </a:solidFill>
             <a:ln>
               <a:noFill/>
@@ -34756,330 +33785,27 @@
               <a:r>
                 <a:rPr lang="en-US" sz="1000" dirty="0">
                   <a:solidFill>
-                    <a:schemeClr val="bg1"/>
+                    <a:srgbClr val="FFFFFF"/>
                   </a:solidFill>
                   <a:latin typeface="Source Sans Pro Light" charset="0"/>
                   <a:ea typeface="Source Sans Pro Light" charset="0"/>
                   <a:cs typeface="Source Sans Pro Light" charset="0"/>
                 </a:rPr>
-                <a:t>C Libraries</a:t>
+                <a:t>C Compiler</a:t>
               </a:r>
-            </a:p>
-            <a:p>
-              <a:pPr algn="ctr"/>
-              <a:r>
-                <a:rPr lang="en-US" sz="1000" dirty="0">
-                  <a:solidFill>
-                    <a:schemeClr val="bg1"/>
-                  </a:solidFill>
-                  <a:latin typeface="Source Sans Pro Light" charset="0"/>
-                  <a:ea typeface="Source Sans Pro Light" charset="0"/>
-                  <a:cs typeface="Source Sans Pro Light" charset="0"/>
-                </a:rPr>
-                <a:t>Legacy C Libraries</a:t>
-              </a:r>
-            </a:p>
-          </p:txBody>
-        </p:sp>
-      </p:grpSp>
-      <p:sp>
-        <p:nvSpPr>
-          <p:cNvPr id="107" name="Rounded Rectangle 106"/>
-          <p:cNvSpPr/>
-          <p:nvPr/>
-        </p:nvSpPr>
-        <p:spPr>
-          <a:xfrm>
-            <a:off x="5538285" y="1216513"/>
-            <a:ext cx="1361954" cy="657123"/>
-          </a:xfrm>
-          <a:prstGeom prst="roundRect">
-            <a:avLst>
-              <a:gd name="adj" fmla="val 11196"/>
-            </a:avLst>
-          </a:prstGeom>
-          <a:solidFill>
-            <a:schemeClr val="accent4"/>
-          </a:solidFill>
-          <a:ln>
-            <a:noFill/>
-          </a:ln>
-          <a:effectLst/>
-        </p:spPr>
-        <p:style>
-          <a:lnRef idx="2">
-            <a:schemeClr val="dk1">
-              <a:shade val="50000"/>
-            </a:schemeClr>
-          </a:lnRef>
-          <a:fillRef idx="1">
-            <a:schemeClr val="dk1"/>
-          </a:fillRef>
-          <a:effectRef idx="0">
-            <a:schemeClr val="dk1"/>
-          </a:effectRef>
-          <a:fontRef idx="minor">
-            <a:schemeClr val="lt1"/>
-          </a:fontRef>
-        </p:style>
-        <p:txBody>
-          <a:bodyPr rtlCol="0" anchor="ctr"/>
-          <a:lstStyle/>
-          <a:p>
-            <a:pPr algn="ctr">
-              <a:defRPr/>
-            </a:pPr>
-            <a:r>
-              <a:rPr lang="en-US" sz="1000" dirty="0">
-                <a:solidFill>
-                  <a:srgbClr val="FFFFFF"/>
-                </a:solidFill>
-                <a:latin typeface="Source Sans Pro Light" charset="0"/>
-                <a:ea typeface="Source Sans Pro Light" charset="0"/>
-                <a:cs typeface="Source Sans Pro Light" charset="0"/>
-              </a:rPr>
-              <a:t>Java Application</a:t>
-            </a:r>
-          </a:p>
-        </p:txBody>
-      </p:sp>
-      <p:sp>
-        <p:nvSpPr>
-          <p:cNvPr id="108" name="Rounded Rectangle 107"/>
-          <p:cNvSpPr/>
-          <p:nvPr/>
-        </p:nvSpPr>
-        <p:spPr>
-          <a:xfrm>
-            <a:off x="7030605" y="1216513"/>
-            <a:ext cx="1361954" cy="657123"/>
-          </a:xfrm>
-          <a:prstGeom prst="roundRect">
-            <a:avLst>
-              <a:gd name="adj" fmla="val 11196"/>
-            </a:avLst>
-          </a:prstGeom>
-          <a:solidFill>
-            <a:schemeClr val="accent4"/>
-          </a:solidFill>
-          <a:ln>
-            <a:noFill/>
-          </a:ln>
-          <a:effectLst/>
-        </p:spPr>
-        <p:style>
-          <a:lnRef idx="2">
-            <a:schemeClr val="dk1">
-              <a:shade val="50000"/>
-            </a:schemeClr>
-          </a:lnRef>
-          <a:fillRef idx="1">
-            <a:schemeClr val="dk1"/>
-          </a:fillRef>
-          <a:effectRef idx="0">
-            <a:schemeClr val="dk1"/>
-          </a:effectRef>
-          <a:fontRef idx="minor">
-            <a:schemeClr val="lt1"/>
-          </a:fontRef>
-        </p:style>
-        <p:txBody>
-          <a:bodyPr rtlCol="0" anchor="ctr"/>
-          <a:lstStyle/>
-          <a:p>
-            <a:pPr algn="ctr"/>
-            <a:r>
-              <a:rPr lang="en-US" sz="1000" dirty="0">
-                <a:solidFill>
-                  <a:srgbClr val="FFFFFF"/>
-                </a:solidFill>
-                <a:latin typeface="Source Sans Pro Light" charset="0"/>
-                <a:ea typeface="Source Sans Pro Light" charset="0"/>
-                <a:cs typeface="Source Sans Pro Light" charset="0"/>
-              </a:rPr>
-              <a:t>Java Libraries</a:t>
-            </a:r>
-          </a:p>
-          <a:p>
-            <a:pPr algn="ctr"/>
-            <a:r>
-              <a:rPr lang="en-US" sz="1000" dirty="0">
-                <a:solidFill>
-                  <a:srgbClr val="FFFFFF"/>
-                </a:solidFill>
-                <a:latin typeface="Source Sans Pro Light" charset="0"/>
-                <a:ea typeface="Source Sans Pro Light" charset="0"/>
-                <a:cs typeface="Source Sans Pro Light" charset="0"/>
-              </a:rPr>
-              <a:t>Add-on Libraries</a:t>
-            </a:r>
-          </a:p>
-        </p:txBody>
-      </p:sp>
-      <p:sp>
-        <p:nvSpPr>
-          <p:cNvPr id="109" name="Rounded Rectangle 108"/>
-          <p:cNvSpPr/>
-          <p:nvPr/>
-        </p:nvSpPr>
-        <p:spPr>
-          <a:xfrm>
-            <a:off x="4063074" y="1216513"/>
-            <a:ext cx="1361954" cy="657123"/>
-          </a:xfrm>
-          <a:prstGeom prst="roundRect">
-            <a:avLst>
-              <a:gd name="adj" fmla="val 11196"/>
-            </a:avLst>
-          </a:prstGeom>
-          <a:solidFill>
-            <a:schemeClr val="accent1"/>
-          </a:solidFill>
-          <a:ln>
-            <a:noFill/>
-          </a:ln>
-          <a:effectLst/>
-        </p:spPr>
-        <p:style>
-          <a:lnRef idx="2">
-            <a:schemeClr val="dk1">
-              <a:shade val="50000"/>
-            </a:schemeClr>
-          </a:lnRef>
-          <a:fillRef idx="1">
-            <a:schemeClr val="dk1"/>
-          </a:fillRef>
-          <a:effectRef idx="0">
-            <a:schemeClr val="dk1"/>
-          </a:effectRef>
-          <a:fontRef idx="minor">
-            <a:schemeClr val="lt1"/>
-          </a:fontRef>
-        </p:style>
-        <p:txBody>
-          <a:bodyPr rtlCol="0" anchor="ctr"/>
-          <a:lstStyle/>
-          <a:p>
-            <a:pPr algn="ctr">
-              <a:defRPr/>
-            </a:pPr>
-            <a:r>
-              <a:rPr lang="en-US" sz="1000" dirty="0" err="1">
-                <a:solidFill>
-                  <a:srgbClr val="FFFFFF"/>
-                </a:solidFill>
-                <a:latin typeface="Source Sans Pro Light" charset="0"/>
-                <a:ea typeface="Source Sans Pro Light" charset="0"/>
-                <a:cs typeface="Source Sans Pro Light" charset="0"/>
-              </a:rPr>
-              <a:t>MicroEJ</a:t>
-            </a:r>
-            <a:r>
-              <a:rPr lang="en-US" sz="1000" dirty="0">
-                <a:solidFill>
-                  <a:srgbClr val="FFFFFF"/>
-                </a:solidFill>
-                <a:latin typeface="Source Sans Pro Light" charset="0"/>
-                <a:ea typeface="Source Sans Pro Light" charset="0"/>
-                <a:cs typeface="Source Sans Pro Light" charset="0"/>
-              </a:rPr>
-              <a:t> Platform</a:t>
-            </a:r>
-          </a:p>
-        </p:txBody>
-      </p:sp>
-      <p:grpSp>
-        <p:nvGrpSpPr>
-          <p:cNvPr id="110" name="Group 109"/>
-          <p:cNvGrpSpPr/>
-          <p:nvPr/>
-        </p:nvGrpSpPr>
-        <p:grpSpPr>
-          <a:xfrm>
-            <a:off x="8711541" y="1192755"/>
-            <a:ext cx="355428" cy="303315"/>
-            <a:chOff x="8422630" y="1909144"/>
-            <a:chExt cx="355428" cy="303315"/>
-          </a:xfrm>
-        </p:grpSpPr>
-        <p:sp>
-          <p:nvSpPr>
-            <p:cNvPr id="111" name="Bande diagonale 191">
-              <a:extLst>
-                <a:ext uri="{FF2B5EF4-FFF2-40B4-BE49-F238E27FC236}">
-                  <a16:creationId xmlns:a16="http://schemas.microsoft.com/office/drawing/2014/main" id="{DAA7A729-6342-4FAC-9943-95D96FF2DD80}"/>
-                </a:ext>
-              </a:extLst>
-            </p:cNvPr>
-            <p:cNvSpPr/>
-            <p:nvPr/>
-          </p:nvSpPr>
-          <p:spPr>
-            <a:xfrm>
-              <a:off x="8498230" y="1932631"/>
-              <a:ext cx="279828" cy="279828"/>
-            </a:xfrm>
-            <a:prstGeom prst="diagStripe">
-              <a:avLst>
-                <a:gd name="adj" fmla="val 41991"/>
-              </a:avLst>
-            </a:prstGeom>
-            <a:solidFill>
-              <a:schemeClr val="accent6">
-                <a:lumMod val="75000"/>
-              </a:schemeClr>
-            </a:solidFill>
-            <a:ln>
-              <a:noFill/>
-            </a:ln>
-          </p:spPr>
-          <p:style>
-            <a:lnRef idx="2">
-              <a:schemeClr val="accent1">
-                <a:shade val="50000"/>
-              </a:schemeClr>
-            </a:lnRef>
-            <a:fillRef idx="1">
-              <a:schemeClr val="accent1"/>
-            </a:fillRef>
-            <a:effectRef idx="0">
-              <a:schemeClr val="accent1"/>
-            </a:effectRef>
-            <a:fontRef idx="minor">
-              <a:schemeClr val="lt1"/>
-            </a:fontRef>
-          </p:style>
-          <p:txBody>
-            <a:bodyPr rtlCol="0" anchor="ctr"/>
-            <a:lstStyle/>
-            <a:p>
-              <a:pPr algn="ctr">
-                <a:defRPr/>
-              </a:pPr>
-              <a:endParaRPr lang="en-US" dirty="0">
-                <a:solidFill>
-                  <a:srgbClr val="FFFFFF"/>
-                </a:solidFill>
-              </a:endParaRPr>
             </a:p>
           </p:txBody>
         </p:sp>
         <p:sp>
           <p:nvSpPr>
-            <p:cNvPr id="112" name="ZoneTexte 180">
-              <a:extLst>
-                <a:ext uri="{FF2B5EF4-FFF2-40B4-BE49-F238E27FC236}">
-                  <a16:creationId xmlns:a16="http://schemas.microsoft.com/office/drawing/2014/main" id="{5BB884F8-E56F-40DE-BF31-76BF3D0D1275}"/>
-                </a:ext>
-              </a:extLst>
-            </p:cNvPr>
+            <p:cNvPr id="57" name="ZoneTexte 167"/>
             <p:cNvSpPr txBox="1"/>
             <p:nvPr/>
           </p:nvSpPr>
           <p:spPr>
-            <a:xfrm rot="18945775">
-              <a:off x="8422630" y="1909144"/>
-              <a:ext cx="317716" cy="230832"/>
+            <a:xfrm>
+              <a:off x="6218927" y="3686284"/>
+              <a:ext cx="1904689" cy="246221"/>
             </a:xfrm>
             <a:prstGeom prst="rect">
               <a:avLst/>
@@ -35096,111 +33822,94 @@
                 <a:defRPr/>
               </a:pPr>
               <a:r>
-                <a:rPr lang="en-US" sz="900" dirty="0" err="1">
+                <a:rPr lang="en-US" sz="1000">
                   <a:solidFill>
-                    <a:schemeClr val="bg1"/>
+                    <a:srgbClr val="97A7AF"/>
                   </a:solidFill>
-                  <a:latin typeface="Source Sans Pro Light" charset="0"/>
-                  <a:ea typeface="Source Sans Pro Light" charset="0"/>
-                  <a:cs typeface="Source Sans Pro Light" charset="0"/>
                 </a:rPr>
-                <a:t>src</a:t>
+                <a:t>(</a:t>
               </a:r>
-              <a:endParaRPr lang="en-US" sz="900" dirty="0">
-                <a:solidFill>
-                  <a:schemeClr val="bg1"/>
-                </a:solidFill>
-                <a:latin typeface="Source Sans Pro Light" charset="0"/>
-                <a:ea typeface="Source Sans Pro Light" charset="0"/>
-                <a:cs typeface="Source Sans Pro Light" charset="0"/>
-              </a:endParaRPr>
+              <a:r>
+                <a:rPr lang="en-US" sz="1000" dirty="0" err="1">
+                  <a:solidFill>
+                    <a:srgbClr val="97A7AF"/>
+                  </a:solidFill>
+                </a:rPr>
+                <a:t>microejruntime.a</a:t>
+              </a:r>
+              <a:r>
+                <a:rPr lang="en-US" sz="1000" dirty="0">
+                  <a:solidFill>
+                    <a:srgbClr val="97A7AF"/>
+                  </a:solidFill>
+                </a:rPr>
+                <a:t>, </a:t>
+              </a:r>
+              <a:r>
+                <a:rPr lang="en-US" sz="1000" dirty="0" err="1">
+                  <a:solidFill>
+                    <a:srgbClr val="97A7AF"/>
+                  </a:solidFill>
+                </a:rPr>
+                <a:t>microejapp.o</a:t>
+              </a:r>
+              <a:r>
+                <a:rPr lang="en-US" sz="1000" dirty="0">
+                  <a:solidFill>
+                    <a:srgbClr val="97A7AF"/>
+                  </a:solidFill>
+                </a:rPr>
+                <a:t>)</a:t>
+              </a:r>
             </a:p>
           </p:txBody>
         </p:sp>
-      </p:grpSp>
-      <p:grpSp>
-        <p:nvGrpSpPr>
-          <p:cNvPr id="113" name="Group 112"/>
-          <p:cNvGrpSpPr/>
-          <p:nvPr/>
-        </p:nvGrpSpPr>
-        <p:grpSpPr>
-          <a:xfrm>
-            <a:off x="4009146" y="1197422"/>
-            <a:ext cx="338002" cy="303407"/>
-            <a:chOff x="1830135" y="1909144"/>
-            <a:chExt cx="338002" cy="303407"/>
-          </a:xfrm>
-        </p:grpSpPr>
-        <p:sp>
-          <p:nvSpPr>
-            <p:cNvPr id="114" name="Bande diagonale 37"/>
-            <p:cNvSpPr/>
+        <p:cxnSp>
+          <p:nvCxnSpPr>
+            <p:cNvPr id="58" name="Connecteur droit avec flèche 9"/>
+            <p:cNvCxnSpPr/>
             <p:nvPr/>
-          </p:nvSpPr>
+          </p:nvCxnSpPr>
           <p:spPr>
-            <a:xfrm>
-              <a:off x="1888309" y="1932723"/>
-              <a:ext cx="279828" cy="279828"/>
+            <a:xfrm flipH="1">
+              <a:off x="9445466" y="2704412"/>
+              <a:ext cx="0" cy="1199096"/>
             </a:xfrm>
-            <a:prstGeom prst="diagStripe">
-              <a:avLst>
-                <a:gd name="adj" fmla="val 41991"/>
-              </a:avLst>
+            <a:prstGeom prst="straightConnector1">
+              <a:avLst/>
             </a:prstGeom>
-            <a:solidFill>
-              <a:schemeClr val="accent1">
-                <a:lumMod val="75000"/>
-              </a:schemeClr>
-            </a:solidFill>
             <a:ln>
-              <a:noFill/>
+              <a:solidFill>
+                <a:schemeClr val="tx2"/>
+              </a:solidFill>
+              <a:tailEnd type="triangle"/>
             </a:ln>
           </p:spPr>
           <p:style>
-            <a:lnRef idx="2">
-              <a:schemeClr val="accent1">
-                <a:shade val="50000"/>
-              </a:schemeClr>
+            <a:lnRef idx="1">
+              <a:schemeClr val="accent1"/>
             </a:lnRef>
-            <a:fillRef idx="1">
+            <a:fillRef idx="0">
               <a:schemeClr val="accent1"/>
             </a:fillRef>
             <a:effectRef idx="0">
               <a:schemeClr val="accent1"/>
             </a:effectRef>
             <a:fontRef idx="minor">
-              <a:schemeClr val="lt1"/>
+              <a:schemeClr val="tx1"/>
             </a:fontRef>
           </p:style>
-          <p:txBody>
-            <a:bodyPr rtlCol="0" anchor="ctr"/>
-            <a:lstStyle/>
-            <a:p>
-              <a:pPr algn="ctr">
-                <a:defRPr/>
-              </a:pPr>
-              <a:endParaRPr lang="en-US" dirty="0">
-                <a:solidFill>
-                  <a:srgbClr val="FFFFFF"/>
-                </a:solidFill>
-                <a:latin typeface="Source Sans Pro Light" charset="0"/>
-                <a:ea typeface="Source Sans Pro Light" charset="0"/>
-                <a:cs typeface="Source Sans Pro Light" charset="0"/>
-              </a:endParaRPr>
-            </a:p>
-          </p:txBody>
-        </p:sp>
+        </p:cxnSp>
         <p:sp>
           <p:nvSpPr>
-            <p:cNvPr id="115" name="ZoneTexte 178"/>
+            <p:cNvPr id="60" name="ZoneTexte 12"/>
             <p:cNvSpPr txBox="1"/>
             <p:nvPr/>
           </p:nvSpPr>
           <p:spPr>
-            <a:xfrm rot="18945775">
-              <a:off x="1830135" y="1909144"/>
-              <a:ext cx="333746" cy="230832"/>
+            <a:xfrm>
+              <a:off x="9445466" y="3686284"/>
+              <a:ext cx="360996" cy="246221"/>
             </a:xfrm>
             <a:prstGeom prst="rect">
               <a:avLst/>
@@ -35217,111 +33926,206 @@
                 <a:defRPr/>
               </a:pPr>
               <a:r>
-                <a:rPr lang="en-US" sz="900" dirty="0">
+                <a:rPr lang="en-US" sz="1000" dirty="0">
                   <a:solidFill>
-                    <a:srgbClr val="FFFFFF"/>
+                    <a:srgbClr val="97A7AF"/>
                   </a:solidFill>
-                  <a:latin typeface="Source Sans Pro Light" charset="0"/>
-                  <a:ea typeface="Source Sans Pro Light" charset="0"/>
-                  <a:cs typeface="Source Sans Pro Light" charset="0"/>
                 </a:rPr>
-                <a:t>bin</a:t>
+                <a:t>(.o)</a:t>
               </a:r>
-              <a:endParaRPr lang="en-US" sz="1000" dirty="0">
-                <a:solidFill>
-                  <a:srgbClr val="FFFFFF"/>
-                </a:solidFill>
-                <a:latin typeface="Source Sans Pro Light" charset="0"/>
-                <a:ea typeface="Source Sans Pro Light" charset="0"/>
-                <a:cs typeface="Source Sans Pro Light" charset="0"/>
-              </a:endParaRPr>
             </a:p>
           </p:txBody>
         </p:sp>
-      </p:grpSp>
-      <p:grpSp>
-        <p:nvGrpSpPr>
-          <p:cNvPr id="116" name="Group 115"/>
-          <p:cNvGrpSpPr/>
-          <p:nvPr/>
-        </p:nvGrpSpPr>
-        <p:grpSpPr>
-          <a:xfrm>
-            <a:off x="5467185" y="1190711"/>
-            <a:ext cx="352207" cy="308440"/>
-            <a:chOff x="4014325" y="1909144"/>
-            <a:chExt cx="352207" cy="308440"/>
-          </a:xfrm>
-        </p:grpSpPr>
-        <p:sp>
-          <p:nvSpPr>
-            <p:cNvPr id="117" name="Bande diagonale 192"/>
-            <p:cNvSpPr/>
+        <p:cxnSp>
+          <p:nvCxnSpPr>
+            <p:cNvPr id="14" name="Connecteur droit avec flèche 149"/>
+            <p:cNvCxnSpPr/>
             <p:nvPr/>
-          </p:nvSpPr>
+          </p:nvCxnSpPr>
           <p:spPr>
             <a:xfrm>
-              <a:off x="4086704" y="1937756"/>
-              <a:ext cx="279828" cy="279828"/>
+              <a:off x="4762772" y="1899021"/>
+              <a:ext cx="1" cy="1169847"/>
             </a:xfrm>
-            <a:prstGeom prst="diagStripe">
-              <a:avLst>
-                <a:gd name="adj" fmla="val 41991"/>
-              </a:avLst>
+            <a:prstGeom prst="straightConnector1">
+              <a:avLst/>
             </a:prstGeom>
-            <a:solidFill>
-              <a:schemeClr val="accent5">
-                <a:lumMod val="75000"/>
-              </a:schemeClr>
-            </a:solidFill>
             <a:ln>
-              <a:noFill/>
+              <a:solidFill>
+                <a:schemeClr val="tx2"/>
+              </a:solidFill>
+              <a:tailEnd type="triangle"/>
             </a:ln>
           </p:spPr>
           <p:style>
-            <a:lnRef idx="2">
-              <a:schemeClr val="accent1">
-                <a:shade val="50000"/>
-              </a:schemeClr>
+            <a:lnRef idx="1">
+              <a:schemeClr val="accent1"/>
             </a:lnRef>
-            <a:fillRef idx="1">
+            <a:fillRef idx="0">
               <a:schemeClr val="accent1"/>
             </a:fillRef>
             <a:effectRef idx="0">
               <a:schemeClr val="accent1"/>
             </a:effectRef>
             <a:fontRef idx="minor">
-              <a:schemeClr val="lt1"/>
+              <a:schemeClr val="tx1"/>
             </a:fontRef>
           </p:style>
-          <p:txBody>
-            <a:bodyPr rtlCol="0" anchor="ctr"/>
-            <a:lstStyle/>
-            <a:p>
-              <a:pPr algn="ctr">
-                <a:defRPr/>
-              </a:pPr>
-              <a:endParaRPr lang="en-US" dirty="0">
-                <a:solidFill>
-                  <a:srgbClr val="FFFFFF"/>
-                </a:solidFill>
-                <a:latin typeface="Source Sans Pro Light" charset="0"/>
-                <a:ea typeface="Source Sans Pro Light" charset="0"/>
-                <a:cs typeface="Source Sans Pro Light" charset="0"/>
-              </a:endParaRPr>
-            </a:p>
-          </p:txBody>
-        </p:sp>
+        </p:cxnSp>
+        <p:cxnSp>
+          <p:nvCxnSpPr>
+            <p:cNvPr id="56" name="Connecteur droit avec flèche 148"/>
+            <p:cNvCxnSpPr/>
+            <p:nvPr/>
+          </p:nvCxnSpPr>
+          <p:spPr>
+            <a:xfrm>
+              <a:off x="7727097" y="1899021"/>
+              <a:ext cx="0" cy="1178216"/>
+            </a:xfrm>
+            <a:prstGeom prst="straightConnector1">
+              <a:avLst/>
+            </a:prstGeom>
+            <a:ln>
+              <a:solidFill>
+                <a:schemeClr val="tx2"/>
+              </a:solidFill>
+              <a:tailEnd type="triangle"/>
+            </a:ln>
+          </p:spPr>
+          <p:style>
+            <a:lnRef idx="1">
+              <a:schemeClr val="accent1"/>
+            </a:lnRef>
+            <a:fillRef idx="0">
+              <a:schemeClr val="accent1"/>
+            </a:fillRef>
+            <a:effectRef idx="0">
+              <a:schemeClr val="accent1"/>
+            </a:effectRef>
+            <a:fontRef idx="minor">
+              <a:schemeClr val="tx1"/>
+            </a:fontRef>
+          </p:style>
+        </p:cxnSp>
+        <p:cxnSp>
+          <p:nvCxnSpPr>
+            <p:cNvPr id="19" name="Connecteur droit avec flèche 149"/>
+            <p:cNvCxnSpPr/>
+            <p:nvPr/>
+          </p:nvCxnSpPr>
+          <p:spPr>
+            <a:xfrm>
+              <a:off x="6218927" y="1899021"/>
+              <a:ext cx="335" cy="360891"/>
+            </a:xfrm>
+            <a:prstGeom prst="straightConnector1">
+              <a:avLst/>
+            </a:prstGeom>
+            <a:ln>
+              <a:solidFill>
+                <a:schemeClr val="tx2"/>
+              </a:solidFill>
+              <a:tailEnd type="triangle"/>
+            </a:ln>
+          </p:spPr>
+          <p:style>
+            <a:lnRef idx="1">
+              <a:schemeClr val="accent1"/>
+            </a:lnRef>
+            <a:fillRef idx="0">
+              <a:schemeClr val="accent1"/>
+            </a:fillRef>
+            <a:effectRef idx="0">
+              <a:schemeClr val="accent1"/>
+            </a:effectRef>
+            <a:fontRef idx="minor">
+              <a:schemeClr val="tx1"/>
+            </a:fontRef>
+          </p:style>
+        </p:cxnSp>
+        <p:cxnSp>
+          <p:nvCxnSpPr>
+            <p:cNvPr id="26" name="Connecteur droit avec flèche 149"/>
+            <p:cNvCxnSpPr/>
+            <p:nvPr/>
+          </p:nvCxnSpPr>
+          <p:spPr>
+            <a:xfrm>
+              <a:off x="9468296" y="1899021"/>
+              <a:ext cx="0" cy="360891"/>
+            </a:xfrm>
+            <a:prstGeom prst="straightConnector1">
+              <a:avLst/>
+            </a:prstGeom>
+            <a:ln>
+              <a:solidFill>
+                <a:schemeClr val="tx2"/>
+              </a:solidFill>
+              <a:tailEnd type="triangle"/>
+            </a:ln>
+          </p:spPr>
+          <p:style>
+            <a:lnRef idx="1">
+              <a:schemeClr val="accent1"/>
+            </a:lnRef>
+            <a:fillRef idx="0">
+              <a:schemeClr val="accent1"/>
+            </a:fillRef>
+            <a:effectRef idx="0">
+              <a:schemeClr val="accent1"/>
+            </a:effectRef>
+            <a:fontRef idx="minor">
+              <a:schemeClr val="tx1"/>
+            </a:fontRef>
+          </p:style>
+        </p:cxnSp>
+        <p:cxnSp>
+          <p:nvCxnSpPr>
+            <p:cNvPr id="61" name="Connecteur droit avec flèche 9"/>
+            <p:cNvCxnSpPr/>
+            <p:nvPr/>
+          </p:nvCxnSpPr>
+          <p:spPr>
+            <a:xfrm>
+              <a:off x="10939963" y="1899021"/>
+              <a:ext cx="0" cy="2004487"/>
+            </a:xfrm>
+            <a:prstGeom prst="straightConnector1">
+              <a:avLst/>
+            </a:prstGeom>
+            <a:ln>
+              <a:solidFill>
+                <a:schemeClr val="tx2"/>
+              </a:solidFill>
+              <a:tailEnd type="triangle"/>
+            </a:ln>
+          </p:spPr>
+          <p:style>
+            <a:lnRef idx="1">
+              <a:schemeClr val="accent1"/>
+            </a:lnRef>
+            <a:fillRef idx="0">
+              <a:schemeClr val="accent1"/>
+            </a:fillRef>
+            <a:effectRef idx="0">
+              <a:schemeClr val="accent1"/>
+            </a:effectRef>
+            <a:fontRef idx="minor">
+              <a:schemeClr val="tx1"/>
+            </a:fontRef>
+          </p:style>
+        </p:cxnSp>
         <p:sp>
           <p:nvSpPr>
-            <p:cNvPr id="118" name="ZoneTexte 182"/>
+            <p:cNvPr id="62" name="ZoneTexte 167"/>
             <p:cNvSpPr txBox="1"/>
             <p:nvPr/>
           </p:nvSpPr>
           <p:spPr>
-            <a:xfrm rot="18945775">
-              <a:off x="4014325" y="1909144"/>
-              <a:ext cx="317716" cy="230832"/>
+            <a:xfrm>
+              <a:off x="10939963" y="3686283"/>
+              <a:ext cx="354584" cy="246221"/>
             </a:xfrm>
             <a:prstGeom prst="rect">
               <a:avLst/>
@@ -35338,111 +34142,70 @@
                 <a:defRPr/>
               </a:pPr>
               <a:r>
-                <a:rPr lang="en-US" sz="900" dirty="0" err="1">
+                <a:rPr lang="en-US" sz="1000" dirty="0">
                   <a:solidFill>
-                    <a:srgbClr val="FFFFFF"/>
+                    <a:srgbClr val="97A7AF"/>
                   </a:solidFill>
-                  <a:latin typeface="Source Sans Pro Light" charset="0"/>
-                  <a:ea typeface="Source Sans Pro Light" charset="0"/>
-                  <a:cs typeface="Source Sans Pro Light" charset="0"/>
                 </a:rPr>
-                <a:t>src</a:t>
+                <a:t>(.a)</a:t>
               </a:r>
-              <a:endParaRPr lang="en-US" sz="900" dirty="0">
-                <a:solidFill>
-                  <a:srgbClr val="FFFFFF"/>
-                </a:solidFill>
-                <a:latin typeface="Source Sans Pro Light" charset="0"/>
-                <a:ea typeface="Source Sans Pro Light" charset="0"/>
-                <a:cs typeface="Source Sans Pro Light" charset="0"/>
-              </a:endParaRPr>
             </a:p>
           </p:txBody>
         </p:sp>
-      </p:grpSp>
-      <p:grpSp>
-        <p:nvGrpSpPr>
-          <p:cNvPr id="119" name="Group 118"/>
-          <p:cNvGrpSpPr/>
-          <p:nvPr/>
-        </p:nvGrpSpPr>
-        <p:grpSpPr>
-          <a:xfrm>
-            <a:off x="6965228" y="1201929"/>
-            <a:ext cx="347595" cy="297222"/>
-            <a:chOff x="6905452" y="1423994"/>
-            <a:chExt cx="347595" cy="297222"/>
-          </a:xfrm>
-        </p:grpSpPr>
-        <p:sp>
-          <p:nvSpPr>
-            <p:cNvPr id="120" name="Bande diagonale 192"/>
-            <p:cNvSpPr/>
+        <p:cxnSp>
+          <p:nvCxnSpPr>
+            <p:cNvPr id="91" name="Connecteur droit avec flèche 149">
+              <a:extLst>
+                <a:ext uri="{FF2B5EF4-FFF2-40B4-BE49-F238E27FC236}">
+                  <a16:creationId xmlns:a16="http://schemas.microsoft.com/office/drawing/2014/main" id="{ED76A057-C789-4B13-AF66-FCF64679A599}"/>
+                </a:ext>
+              </a:extLst>
+            </p:cNvPr>
+            <p:cNvCxnSpPr>
+              <a:cxnSpLocks/>
+            </p:cNvCxnSpPr>
             <p:nvPr/>
-          </p:nvSpPr>
+          </p:nvCxnSpPr>
           <p:spPr>
             <a:xfrm>
-              <a:off x="6973219" y="1441388"/>
-              <a:ext cx="279828" cy="279828"/>
+              <a:off x="7932892" y="4299223"/>
+              <a:ext cx="1" cy="336102"/>
             </a:xfrm>
-            <a:prstGeom prst="diagStripe">
-              <a:avLst>
-                <a:gd name="adj" fmla="val 41991"/>
-              </a:avLst>
+            <a:prstGeom prst="straightConnector1">
+              <a:avLst/>
             </a:prstGeom>
-            <a:solidFill>
-              <a:schemeClr val="accent5">
-                <a:lumMod val="75000"/>
-              </a:schemeClr>
-            </a:solidFill>
             <a:ln>
-              <a:noFill/>
+              <a:solidFill>
+                <a:schemeClr val="tx2"/>
+              </a:solidFill>
+              <a:tailEnd type="triangle"/>
             </a:ln>
           </p:spPr>
           <p:style>
-            <a:lnRef idx="2">
-              <a:schemeClr val="accent1">
-                <a:shade val="50000"/>
-              </a:schemeClr>
+            <a:lnRef idx="1">
+              <a:schemeClr val="accent1"/>
             </a:lnRef>
-            <a:fillRef idx="1">
+            <a:fillRef idx="0">
               <a:schemeClr val="accent1"/>
             </a:fillRef>
             <a:effectRef idx="0">
               <a:schemeClr val="accent1"/>
             </a:effectRef>
             <a:fontRef idx="minor">
-              <a:schemeClr val="lt1"/>
+              <a:schemeClr val="tx1"/>
             </a:fontRef>
           </p:style>
-          <p:txBody>
-            <a:bodyPr rtlCol="0" anchor="ctr"/>
-            <a:lstStyle/>
-            <a:p>
-              <a:pPr algn="ctr">
-                <a:defRPr/>
-              </a:pPr>
-              <a:endParaRPr lang="en-US" dirty="0">
-                <a:solidFill>
-                  <a:srgbClr val="FFFFFF"/>
-                </a:solidFill>
-                <a:latin typeface="Source Sans Pro Light" charset="0"/>
-                <a:ea typeface="Source Sans Pro Light" charset="0"/>
-                <a:cs typeface="Source Sans Pro Light" charset="0"/>
-              </a:endParaRPr>
-            </a:p>
-          </p:txBody>
-        </p:sp>
+        </p:cxnSp>
         <p:sp>
           <p:nvSpPr>
-            <p:cNvPr id="121" name="ZoneTexte 182"/>
+            <p:cNvPr id="92" name="ZoneTexte 167"/>
             <p:cNvSpPr txBox="1"/>
             <p:nvPr/>
           </p:nvSpPr>
           <p:spPr>
-            <a:xfrm rot="18945775">
-              <a:off x="6905452" y="1423994"/>
-              <a:ext cx="333746" cy="230832"/>
+            <a:xfrm>
+              <a:off x="7960984" y="4386499"/>
+              <a:ext cx="904415" cy="246221"/>
             </a:xfrm>
             <a:prstGeom prst="rect">
               <a:avLst/>
@@ -35459,7 +34222,337 @@
                 <a:defRPr/>
               </a:pPr>
               <a:r>
-                <a:rPr lang="en-US" sz="900" dirty="0">
+                <a:rPr lang="en-US" sz="1000" dirty="0">
+                  <a:solidFill>
+                    <a:srgbClr val="97A7AF"/>
+                  </a:solidFill>
+                </a:rPr>
+                <a:t>(.out, .hex, …)</a:t>
+              </a:r>
+            </a:p>
+          </p:txBody>
+        </p:sp>
+        <p:grpSp>
+          <p:nvGrpSpPr>
+            <p:cNvPr id="4" name="Group 3"/>
+            <p:cNvGrpSpPr/>
+            <p:nvPr/>
+          </p:nvGrpSpPr>
+          <p:grpSpPr>
+            <a:xfrm>
+              <a:off x="3654489" y="2052804"/>
+              <a:ext cx="560114" cy="495700"/>
+              <a:chOff x="2149187" y="2406717"/>
+              <a:chExt cx="560114" cy="495700"/>
+            </a:xfrm>
+          </p:grpSpPr>
+          <p:pic>
+            <p:nvPicPr>
+              <p:cNvPr id="95" name="Picture 94"/>
+              <p:cNvPicPr>
+                <a:picLocks noChangeAspect="1"/>
+              </p:cNvPicPr>
+              <p:nvPr/>
+            </p:nvPicPr>
+            <p:blipFill>
+              <a:blip r:embed="rId3" cstate="print">
+                <a:extLst>
+                  <a:ext uri="{28A0092B-C50C-407E-A947-70E740481C1C}">
+                    <a14:useLocalDpi xmlns:a14="http://schemas.microsoft.com/office/drawing/2010/main" val="0"/>
+                  </a:ext>
+                </a:extLst>
+              </a:blip>
+              <a:stretch>
+                <a:fillRect/>
+              </a:stretch>
+            </p:blipFill>
+            <p:spPr>
+              <a:xfrm>
+                <a:off x="2149187" y="2406717"/>
+                <a:ext cx="560114" cy="495700"/>
+              </a:xfrm>
+              <a:prstGeom prst="rect">
+                <a:avLst/>
+              </a:prstGeom>
+            </p:spPr>
+          </p:pic>
+          <p:sp>
+            <p:nvSpPr>
+              <p:cNvPr id="3" name="TextBox 2"/>
+              <p:cNvSpPr txBox="1"/>
+              <p:nvPr/>
+            </p:nvSpPr>
+            <p:spPr>
+              <a:xfrm>
+                <a:off x="2235158" y="2457795"/>
+                <a:ext cx="388172" cy="369332"/>
+              </a:xfrm>
+              <a:prstGeom prst="rect">
+                <a:avLst/>
+              </a:prstGeom>
+              <a:noFill/>
+            </p:spPr>
+            <p:txBody>
+              <a:bodyPr vert="horz" wrap="square" lIns="0" tIns="0" rIns="0" bIns="0" numCol="1" spcCol="288000" rtlCol="0" anchor="t" anchorCtr="0">
+                <a:spAutoFit/>
+              </a:bodyPr>
+              <a:lstStyle/>
+              <a:p>
+                <a:pPr algn="ctr">
+                  <a:spcBef>
+                    <a:spcPts val="0"/>
+                  </a:spcBef>
+                  <a:spcAft>
+                    <a:spcPts val="600"/>
+                  </a:spcAft>
+                </a:pPr>
+                <a:r>
+                  <a:rPr lang="en-US" sz="2400" spc="0" dirty="0">
+                    <a:ln>
+                      <a:noFill/>
+                    </a:ln>
+                    <a:solidFill>
+                      <a:schemeClr val="tx2"/>
+                    </a:solidFill>
+                    <a:latin typeface="Source Sans Pro Light" charset="0"/>
+                    <a:ea typeface="Source Sans Pro Light" charset="0"/>
+                    <a:cs typeface="Source Sans Pro Light" charset="0"/>
+                  </a:rPr>
+                  <a:t>1</a:t>
+                </a:r>
+              </a:p>
+            </p:txBody>
+          </p:sp>
+        </p:grpSp>
+        <p:grpSp>
+          <p:nvGrpSpPr>
+            <p:cNvPr id="97" name="Group 96"/>
+            <p:cNvGrpSpPr/>
+            <p:nvPr/>
+          </p:nvGrpSpPr>
+          <p:grpSpPr>
+            <a:xfrm>
+              <a:off x="11497709" y="2052804"/>
+              <a:ext cx="560114" cy="495700"/>
+              <a:chOff x="2149187" y="2406717"/>
+              <a:chExt cx="560114" cy="495700"/>
+            </a:xfrm>
+          </p:grpSpPr>
+          <p:pic>
+            <p:nvPicPr>
+              <p:cNvPr id="98" name="Picture 97"/>
+              <p:cNvPicPr>
+                <a:picLocks noChangeAspect="1"/>
+              </p:cNvPicPr>
+              <p:nvPr/>
+            </p:nvPicPr>
+            <p:blipFill>
+              <a:blip r:embed="rId3" cstate="print">
+                <a:extLst>
+                  <a:ext uri="{28A0092B-C50C-407E-A947-70E740481C1C}">
+                    <a14:useLocalDpi xmlns:a14="http://schemas.microsoft.com/office/drawing/2010/main" val="0"/>
+                  </a:ext>
+                </a:extLst>
+              </a:blip>
+              <a:stretch>
+                <a:fillRect/>
+              </a:stretch>
+            </p:blipFill>
+            <p:spPr>
+              <a:xfrm>
+                <a:off x="2149187" y="2406717"/>
+                <a:ext cx="560114" cy="495700"/>
+              </a:xfrm>
+              <a:prstGeom prst="rect">
+                <a:avLst/>
+              </a:prstGeom>
+            </p:spPr>
+          </p:pic>
+          <p:sp>
+            <p:nvSpPr>
+              <p:cNvPr id="99" name="TextBox 98"/>
+              <p:cNvSpPr txBox="1"/>
+              <p:nvPr/>
+            </p:nvSpPr>
+            <p:spPr>
+              <a:xfrm>
+                <a:off x="2235158" y="2457795"/>
+                <a:ext cx="388172" cy="369332"/>
+              </a:xfrm>
+              <a:prstGeom prst="rect">
+                <a:avLst/>
+              </a:prstGeom>
+              <a:noFill/>
+            </p:spPr>
+            <p:txBody>
+              <a:bodyPr vert="horz" wrap="square" lIns="0" tIns="0" rIns="0" bIns="0" numCol="1" spcCol="288000" rtlCol="0" anchor="t" anchorCtr="0">
+                <a:spAutoFit/>
+              </a:bodyPr>
+              <a:lstStyle/>
+              <a:p>
+                <a:pPr algn="ctr">
+                  <a:spcBef>
+                    <a:spcPts val="0"/>
+                  </a:spcBef>
+                  <a:spcAft>
+                    <a:spcPts val="600"/>
+                  </a:spcAft>
+                </a:pPr>
+                <a:r>
+                  <a:rPr lang="en-US" sz="2400" spc="0" dirty="0">
+                    <a:ln>
+                      <a:noFill/>
+                    </a:ln>
+                    <a:solidFill>
+                      <a:schemeClr val="tx2"/>
+                    </a:solidFill>
+                    <a:latin typeface="Source Sans Pro Light" charset="0"/>
+                    <a:ea typeface="Source Sans Pro Light" charset="0"/>
+                    <a:cs typeface="Source Sans Pro Light" charset="0"/>
+                  </a:rPr>
+                  <a:t>2</a:t>
+                </a:r>
+              </a:p>
+            </p:txBody>
+          </p:sp>
+        </p:grpSp>
+        <p:grpSp>
+          <p:nvGrpSpPr>
+            <p:cNvPr id="100" name="Group 99"/>
+            <p:cNvGrpSpPr/>
+            <p:nvPr/>
+          </p:nvGrpSpPr>
+          <p:grpSpPr>
+            <a:xfrm>
+              <a:off x="3647728" y="4747999"/>
+              <a:ext cx="560114" cy="495700"/>
+              <a:chOff x="2149187" y="2406717"/>
+              <a:chExt cx="560114" cy="495700"/>
+            </a:xfrm>
+          </p:grpSpPr>
+          <p:pic>
+            <p:nvPicPr>
+              <p:cNvPr id="101" name="Picture 100"/>
+              <p:cNvPicPr>
+                <a:picLocks noChangeAspect="1"/>
+              </p:cNvPicPr>
+              <p:nvPr/>
+            </p:nvPicPr>
+            <p:blipFill>
+              <a:blip r:embed="rId3" cstate="print">
+                <a:extLst>
+                  <a:ext uri="{28A0092B-C50C-407E-A947-70E740481C1C}">
+                    <a14:useLocalDpi xmlns:a14="http://schemas.microsoft.com/office/drawing/2010/main" val="0"/>
+                  </a:ext>
+                </a:extLst>
+              </a:blip>
+              <a:stretch>
+                <a:fillRect/>
+              </a:stretch>
+            </p:blipFill>
+            <p:spPr>
+              <a:xfrm>
+                <a:off x="2149187" y="2406717"/>
+                <a:ext cx="560114" cy="495700"/>
+              </a:xfrm>
+              <a:prstGeom prst="rect">
+                <a:avLst/>
+              </a:prstGeom>
+            </p:spPr>
+          </p:pic>
+          <p:sp>
+            <p:nvSpPr>
+              <p:cNvPr id="102" name="TextBox 101"/>
+              <p:cNvSpPr txBox="1"/>
+              <p:nvPr/>
+            </p:nvSpPr>
+            <p:spPr>
+              <a:xfrm>
+                <a:off x="2235158" y="2457795"/>
+                <a:ext cx="388172" cy="369332"/>
+              </a:xfrm>
+              <a:prstGeom prst="rect">
+                <a:avLst/>
+              </a:prstGeom>
+              <a:noFill/>
+            </p:spPr>
+            <p:txBody>
+              <a:bodyPr vert="horz" wrap="square" lIns="0" tIns="0" rIns="0" bIns="0" numCol="1" spcCol="288000" rtlCol="0" anchor="t" anchorCtr="0">
+                <a:spAutoFit/>
+              </a:bodyPr>
+              <a:lstStyle/>
+              <a:p>
+                <a:pPr algn="ctr">
+                  <a:spcBef>
+                    <a:spcPts val="0"/>
+                  </a:spcBef>
+                  <a:spcAft>
+                    <a:spcPts val="600"/>
+                  </a:spcAft>
+                </a:pPr>
+                <a:r>
+                  <a:rPr lang="en-US" sz="2400" spc="0" dirty="0">
+                    <a:ln>
+                      <a:noFill/>
+                    </a:ln>
+                    <a:solidFill>
+                      <a:schemeClr val="tx2"/>
+                    </a:solidFill>
+                    <a:latin typeface="Source Sans Pro Light" charset="0"/>
+                    <a:ea typeface="Source Sans Pro Light" charset="0"/>
+                    <a:cs typeface="Source Sans Pro Light" charset="0"/>
+                  </a:rPr>
+                  <a:t>3</a:t>
+                </a:r>
+              </a:p>
+            </p:txBody>
+          </p:sp>
+        </p:grpSp>
+        <p:sp>
+          <p:nvSpPr>
+            <p:cNvPr id="103" name="Rounded Rectangle 102"/>
+            <p:cNvSpPr/>
+            <p:nvPr/>
+          </p:nvSpPr>
+          <p:spPr>
+            <a:xfrm>
+              <a:off x="5538285" y="3927386"/>
+              <a:ext cx="6107070" cy="385889"/>
+            </a:xfrm>
+            <a:prstGeom prst="roundRect">
+              <a:avLst/>
+            </a:prstGeom>
+            <a:solidFill>
+              <a:schemeClr val="tx1"/>
+            </a:solidFill>
+            <a:ln>
+              <a:noFill/>
+            </a:ln>
+            <a:effectLst/>
+          </p:spPr>
+          <p:style>
+            <a:lnRef idx="2">
+              <a:schemeClr val="dk1">
+                <a:shade val="50000"/>
+              </a:schemeClr>
+            </a:lnRef>
+            <a:fillRef idx="1">
+              <a:schemeClr val="dk1"/>
+            </a:fillRef>
+            <a:effectRef idx="0">
+              <a:schemeClr val="dk1"/>
+            </a:effectRef>
+            <a:fontRef idx="minor">
+              <a:schemeClr val="lt1"/>
+            </a:fontRef>
+          </p:style>
+          <p:txBody>
+            <a:bodyPr rtlCol="0" anchor="ctr"/>
+            <a:lstStyle/>
+            <a:p>
+              <a:pPr algn="ctr"/>
+              <a:r>
+                <a:rPr lang="en-US" sz="1000">
                   <a:solidFill>
                     <a:srgbClr val="FFFFFF"/>
                   </a:solidFill>
@@ -35467,68 +34560,283 @@
                   <a:ea typeface="Source Sans Pro Light" charset="0"/>
                   <a:cs typeface="Source Sans Pro Light" charset="0"/>
                 </a:rPr>
-                <a:t>bin</a:t>
+                <a:t>ELF Linker</a:t>
               </a:r>
+              <a:endParaRPr lang="en-US" sz="1000" dirty="0">
+                <a:solidFill>
+                  <a:srgbClr val="FFFFFF"/>
+                </a:solidFill>
+                <a:latin typeface="Source Sans Pro Light" charset="0"/>
+                <a:ea typeface="Source Sans Pro Light" charset="0"/>
+                <a:cs typeface="Source Sans Pro Light" charset="0"/>
+              </a:endParaRPr>
             </a:p>
           </p:txBody>
         </p:sp>
-      </p:grpSp>
-      <p:grpSp>
-        <p:nvGrpSpPr>
-          <p:cNvPr id="122" name="Group 121"/>
-          <p:cNvGrpSpPr/>
-          <p:nvPr/>
-        </p:nvGrpSpPr>
-        <p:grpSpPr>
-          <a:xfrm>
-            <a:off x="10207325" y="1203607"/>
-            <a:ext cx="350145" cy="295638"/>
-            <a:chOff x="8455530" y="1425672"/>
-            <a:chExt cx="350145" cy="295638"/>
-          </a:xfrm>
-        </p:grpSpPr>
+        <p:grpSp>
+          <p:nvGrpSpPr>
+            <p:cNvPr id="104" name="Group 103"/>
+            <p:cNvGrpSpPr/>
+            <p:nvPr/>
+          </p:nvGrpSpPr>
+          <p:grpSpPr>
+            <a:xfrm>
+              <a:off x="8782907" y="1216513"/>
+              <a:ext cx="2862448" cy="657123"/>
+              <a:chOff x="7031111" y="1438578"/>
+              <a:chExt cx="4224827" cy="657123"/>
+            </a:xfrm>
+          </p:grpSpPr>
+          <p:sp>
+            <p:nvSpPr>
+              <p:cNvPr id="105" name="Rounded Rectangle 104"/>
+              <p:cNvSpPr/>
+              <p:nvPr/>
+            </p:nvSpPr>
+            <p:spPr>
+              <a:xfrm>
+                <a:off x="7031111" y="1438578"/>
+                <a:ext cx="2023200" cy="657123"/>
+              </a:xfrm>
+              <a:prstGeom prst="roundRect">
+                <a:avLst>
+                  <a:gd name="adj" fmla="val 11196"/>
+                </a:avLst>
+              </a:prstGeom>
+              <a:solidFill>
+                <a:srgbClr val="FFA300"/>
+              </a:solidFill>
+              <a:ln>
+                <a:noFill/>
+              </a:ln>
+              <a:effectLst/>
+            </p:spPr>
+            <p:style>
+              <a:lnRef idx="2">
+                <a:schemeClr val="dk1">
+                  <a:shade val="50000"/>
+                </a:schemeClr>
+              </a:lnRef>
+              <a:fillRef idx="1">
+                <a:schemeClr val="dk1"/>
+              </a:fillRef>
+              <a:effectRef idx="0">
+                <a:schemeClr val="dk1"/>
+              </a:effectRef>
+              <a:fontRef idx="minor">
+                <a:schemeClr val="lt1"/>
+              </a:fontRef>
+            </p:style>
+            <p:txBody>
+              <a:bodyPr rtlCol="0" anchor="ctr"/>
+              <a:lstStyle/>
+              <a:p>
+                <a:pPr algn="ctr"/>
+                <a:r>
+                  <a:rPr lang="en-US" sz="1000" dirty="0">
+                    <a:solidFill>
+                      <a:schemeClr val="bg1"/>
+                    </a:solidFill>
+                    <a:latin typeface="Source Sans Pro Light" charset="0"/>
+                    <a:ea typeface="Source Sans Pro Light" charset="0"/>
+                    <a:cs typeface="Source Sans Pro Light" charset="0"/>
+                  </a:rPr>
+                  <a:t>C Code</a:t>
+                </a:r>
+                <a:br>
+                  <a:rPr lang="en-US" sz="1000" dirty="0">
+                    <a:solidFill>
+                      <a:schemeClr val="bg1"/>
+                    </a:solidFill>
+                    <a:latin typeface="Source Sans Pro Light" charset="0"/>
+                    <a:ea typeface="Source Sans Pro Light" charset="0"/>
+                    <a:cs typeface="Source Sans Pro Light" charset="0"/>
+                  </a:rPr>
+                </a:br>
+                <a:r>
+                  <a:rPr lang="en-US" sz="1000" dirty="0">
+                    <a:solidFill>
+                      <a:schemeClr val="bg1"/>
+                    </a:solidFill>
+                    <a:latin typeface="Source Sans Pro Light" charset="0"/>
+                    <a:ea typeface="Source Sans Pro Light" charset="0"/>
+                    <a:cs typeface="Source Sans Pro Light" charset="0"/>
+                  </a:rPr>
+                  <a:t> BSP code</a:t>
+                </a:r>
+              </a:p>
+              <a:p>
+                <a:pPr algn="ctr"/>
+                <a:r>
+                  <a:rPr lang="en-US" sz="1000">
+                    <a:solidFill>
+                      <a:schemeClr val="bg1"/>
+                    </a:solidFill>
+                    <a:latin typeface="Source Sans Pro Light" charset="0"/>
+                    <a:ea typeface="Source Sans Pro Light" charset="0"/>
+                    <a:cs typeface="Source Sans Pro Light" charset="0"/>
+                  </a:rPr>
+                  <a:t>Abstraction </a:t>
+                </a:r>
+                <a:r>
+                  <a:rPr lang="en-US" sz="1000" dirty="0">
+                    <a:solidFill>
+                      <a:schemeClr val="bg1"/>
+                    </a:solidFill>
+                    <a:latin typeface="Source Sans Pro Light" charset="0"/>
+                    <a:ea typeface="Source Sans Pro Light" charset="0"/>
+                    <a:cs typeface="Source Sans Pro Light" charset="0"/>
+                  </a:rPr>
+                  <a:t>Layer</a:t>
+                </a:r>
+              </a:p>
+              <a:p>
+                <a:pPr algn="ctr"/>
+                <a:r>
+                  <a:rPr lang="en-US" sz="1000" dirty="0">
+                    <a:solidFill>
+                      <a:schemeClr val="bg1"/>
+                    </a:solidFill>
+                    <a:latin typeface="Source Sans Pro Light" charset="0"/>
+                    <a:ea typeface="Source Sans Pro Light" charset="0"/>
+                    <a:cs typeface="Source Sans Pro Light" charset="0"/>
+                  </a:rPr>
+                  <a:t>+ </a:t>
+                </a:r>
+                <a:r>
+                  <a:rPr lang="en-US" sz="1000" dirty="0" err="1">
+                    <a:solidFill>
+                      <a:schemeClr val="bg1"/>
+                    </a:solidFill>
+                    <a:latin typeface="Source Sans Pro Light" charset="0"/>
+                    <a:ea typeface="Source Sans Pro Light" charset="0"/>
+                    <a:cs typeface="Source Sans Pro Light" charset="0"/>
+                  </a:rPr>
+                  <a:t>MicroEJ</a:t>
+                </a:r>
+                <a:r>
+                  <a:rPr lang="en-US" sz="1000" dirty="0">
+                    <a:solidFill>
+                      <a:schemeClr val="bg1"/>
+                    </a:solidFill>
+                    <a:latin typeface="Source Sans Pro Light" charset="0"/>
+                    <a:ea typeface="Source Sans Pro Light" charset="0"/>
+                    <a:cs typeface="Source Sans Pro Light" charset="0"/>
+                  </a:rPr>
+                  <a:t> Startup</a:t>
+                </a:r>
+              </a:p>
+            </p:txBody>
+          </p:sp>
+          <p:sp>
+            <p:nvSpPr>
+              <p:cNvPr id="106" name="Rounded Rectangle 105"/>
+              <p:cNvSpPr/>
+              <p:nvPr/>
+            </p:nvSpPr>
+            <p:spPr>
+              <a:xfrm>
+                <a:off x="9232738" y="1438578"/>
+                <a:ext cx="2023200" cy="657123"/>
+              </a:xfrm>
+              <a:prstGeom prst="roundRect">
+                <a:avLst>
+                  <a:gd name="adj" fmla="val 11196"/>
+                </a:avLst>
+              </a:prstGeom>
+              <a:solidFill>
+                <a:srgbClr val="FFA300"/>
+              </a:solidFill>
+              <a:ln>
+                <a:noFill/>
+              </a:ln>
+              <a:effectLst/>
+            </p:spPr>
+            <p:style>
+              <a:lnRef idx="2">
+                <a:schemeClr val="dk1">
+                  <a:shade val="50000"/>
+                </a:schemeClr>
+              </a:lnRef>
+              <a:fillRef idx="1">
+                <a:schemeClr val="dk1"/>
+              </a:fillRef>
+              <a:effectRef idx="0">
+                <a:schemeClr val="dk1"/>
+              </a:effectRef>
+              <a:fontRef idx="minor">
+                <a:schemeClr val="lt1"/>
+              </a:fontRef>
+            </p:style>
+            <p:txBody>
+              <a:bodyPr rtlCol="0" anchor="ctr"/>
+              <a:lstStyle/>
+              <a:p>
+                <a:pPr algn="ctr"/>
+                <a:r>
+                  <a:rPr lang="en-US" sz="1000" dirty="0">
+                    <a:solidFill>
+                      <a:schemeClr val="bg1"/>
+                    </a:solidFill>
+                    <a:latin typeface="Source Sans Pro Light" charset="0"/>
+                    <a:ea typeface="Source Sans Pro Light" charset="0"/>
+                    <a:cs typeface="Source Sans Pro Light" charset="0"/>
+                  </a:rPr>
+                  <a:t>C Libraries</a:t>
+                </a:r>
+              </a:p>
+              <a:p>
+                <a:pPr algn="ctr"/>
+                <a:r>
+                  <a:rPr lang="en-US" sz="1000" dirty="0">
+                    <a:solidFill>
+                      <a:schemeClr val="bg1"/>
+                    </a:solidFill>
+                    <a:latin typeface="Source Sans Pro Light" charset="0"/>
+                    <a:ea typeface="Source Sans Pro Light" charset="0"/>
+                    <a:cs typeface="Source Sans Pro Light" charset="0"/>
+                  </a:rPr>
+                  <a:t>Legacy C Libraries</a:t>
+                </a:r>
+              </a:p>
+            </p:txBody>
+          </p:sp>
+        </p:grpSp>
         <p:sp>
           <p:nvSpPr>
-            <p:cNvPr id="123" name="Bande diagonale 191">
-              <a:extLst>
-                <a:ext uri="{FF2B5EF4-FFF2-40B4-BE49-F238E27FC236}">
-                  <a16:creationId xmlns:a16="http://schemas.microsoft.com/office/drawing/2014/main" id="{DAA7A729-6342-4FAC-9943-95D96FF2DD80}"/>
-                </a:ext>
-              </a:extLst>
-            </p:cNvPr>
+            <p:cNvPr id="107" name="Rounded Rectangle 106"/>
             <p:cNvSpPr/>
             <p:nvPr/>
           </p:nvSpPr>
           <p:spPr>
             <a:xfrm>
-              <a:off x="8525847" y="1441482"/>
-              <a:ext cx="279828" cy="279828"/>
+              <a:off x="5538285" y="1216513"/>
+              <a:ext cx="1361954" cy="657123"/>
             </a:xfrm>
-            <a:prstGeom prst="diagStripe">
+            <a:prstGeom prst="roundRect">
               <a:avLst>
-                <a:gd name="adj" fmla="val 41991"/>
+                <a:gd name="adj" fmla="val 11196"/>
               </a:avLst>
             </a:prstGeom>
             <a:solidFill>
-              <a:schemeClr val="accent6">
-                <a:lumMod val="75000"/>
-              </a:schemeClr>
+              <a:schemeClr val="accent4"/>
             </a:solidFill>
             <a:ln>
               <a:noFill/>
             </a:ln>
+            <a:effectLst/>
           </p:spPr>
           <p:style>
             <a:lnRef idx="2">
-              <a:schemeClr val="accent1">
+              <a:schemeClr val="dk1">
                 <a:shade val="50000"/>
               </a:schemeClr>
             </a:lnRef>
             <a:fillRef idx="1">
-              <a:schemeClr val="accent1"/>
+              <a:schemeClr val="dk1"/>
             </a:fillRef>
             <a:effectRef idx="0">
-              <a:schemeClr val="accent1"/>
+              <a:schemeClr val="dk1"/>
             </a:effectRef>
             <a:fontRef idx="minor">
               <a:schemeClr val="lt1"/>
@@ -35541,59 +34849,772 @@
               <a:pPr algn="ctr">
                 <a:defRPr/>
               </a:pPr>
-              <a:endParaRPr lang="en-US" dirty="0">
-                <a:solidFill>
-                  <a:srgbClr val="FFFFFF"/>
-                </a:solidFill>
-              </a:endParaRPr>
+              <a:r>
+                <a:rPr lang="en-US" sz="1000" dirty="0">
+                  <a:solidFill>
+                    <a:srgbClr val="FFFFFF"/>
+                  </a:solidFill>
+                  <a:latin typeface="Source Sans Pro Light" charset="0"/>
+                  <a:ea typeface="Source Sans Pro Light" charset="0"/>
+                  <a:cs typeface="Source Sans Pro Light" charset="0"/>
+                </a:rPr>
+                <a:t>Java Application</a:t>
+              </a:r>
             </a:p>
           </p:txBody>
         </p:sp>
         <p:sp>
           <p:nvSpPr>
-            <p:cNvPr id="124" name="ZoneTexte 180">
-              <a:extLst>
-                <a:ext uri="{FF2B5EF4-FFF2-40B4-BE49-F238E27FC236}">
-                  <a16:creationId xmlns:a16="http://schemas.microsoft.com/office/drawing/2014/main" id="{5BB884F8-E56F-40DE-BF31-76BF3D0D1275}"/>
-                </a:ext>
-              </a:extLst>
-            </p:cNvPr>
-            <p:cNvSpPr txBox="1"/>
+            <p:cNvPr id="108" name="Rounded Rectangle 107"/>
+            <p:cNvSpPr/>
             <p:nvPr/>
           </p:nvSpPr>
           <p:spPr>
-            <a:xfrm rot="18945775">
-              <a:off x="8455530" y="1425672"/>
-              <a:ext cx="333746" cy="230832"/>
+            <a:xfrm>
+              <a:off x="7030605" y="1216513"/>
+              <a:ext cx="1361954" cy="657123"/>
             </a:xfrm>
-            <a:prstGeom prst="rect">
-              <a:avLst/>
+            <a:prstGeom prst="roundRect">
+              <a:avLst>
+                <a:gd name="adj" fmla="val 11196"/>
+              </a:avLst>
             </a:prstGeom>
-            <a:noFill/>
+            <a:solidFill>
+              <a:schemeClr val="accent4"/>
+            </a:solidFill>
+            <a:ln>
+              <a:noFill/>
+            </a:ln>
+            <a:effectLst/>
           </p:spPr>
+          <p:style>
+            <a:lnRef idx="2">
+              <a:schemeClr val="dk1">
+                <a:shade val="50000"/>
+              </a:schemeClr>
+            </a:lnRef>
+            <a:fillRef idx="1">
+              <a:schemeClr val="dk1"/>
+            </a:fillRef>
+            <a:effectRef idx="0">
+              <a:schemeClr val="dk1"/>
+            </a:effectRef>
+            <a:fontRef idx="minor">
+              <a:schemeClr val="lt1"/>
+            </a:fontRef>
+          </p:style>
           <p:txBody>
-            <a:bodyPr wrap="none" rtlCol="0">
-              <a:spAutoFit/>
-            </a:bodyPr>
+            <a:bodyPr rtlCol="0" anchor="ctr"/>
             <a:lstStyle/>
             <a:p>
-              <a:pPr>
+              <a:pPr algn="ctr"/>
+              <a:r>
+                <a:rPr lang="en-US" sz="1000" dirty="0">
+                  <a:solidFill>
+                    <a:srgbClr val="FFFFFF"/>
+                  </a:solidFill>
+                  <a:latin typeface="Source Sans Pro Light" charset="0"/>
+                  <a:ea typeface="Source Sans Pro Light" charset="0"/>
+                  <a:cs typeface="Source Sans Pro Light" charset="0"/>
+                </a:rPr>
+                <a:t>Java Libraries</a:t>
+              </a:r>
+            </a:p>
+            <a:p>
+              <a:pPr algn="ctr"/>
+              <a:r>
+                <a:rPr lang="en-US" sz="1000" dirty="0">
+                  <a:solidFill>
+                    <a:srgbClr val="FFFFFF"/>
+                  </a:solidFill>
+                  <a:latin typeface="Source Sans Pro Light" charset="0"/>
+                  <a:ea typeface="Source Sans Pro Light" charset="0"/>
+                  <a:cs typeface="Source Sans Pro Light" charset="0"/>
+                </a:rPr>
+                <a:t>Add-on Libraries</a:t>
+              </a:r>
+            </a:p>
+          </p:txBody>
+        </p:sp>
+        <p:sp>
+          <p:nvSpPr>
+            <p:cNvPr id="109" name="Rounded Rectangle 108"/>
+            <p:cNvSpPr/>
+            <p:nvPr/>
+          </p:nvSpPr>
+          <p:spPr>
+            <a:xfrm>
+              <a:off x="4063074" y="1216513"/>
+              <a:ext cx="1361954" cy="657123"/>
+            </a:xfrm>
+            <a:prstGeom prst="roundRect">
+              <a:avLst>
+                <a:gd name="adj" fmla="val 11196"/>
+              </a:avLst>
+            </a:prstGeom>
+            <a:solidFill>
+              <a:schemeClr val="accent1"/>
+            </a:solidFill>
+            <a:ln>
+              <a:noFill/>
+            </a:ln>
+            <a:effectLst/>
+          </p:spPr>
+          <p:style>
+            <a:lnRef idx="2">
+              <a:schemeClr val="dk1">
+                <a:shade val="50000"/>
+              </a:schemeClr>
+            </a:lnRef>
+            <a:fillRef idx="1">
+              <a:schemeClr val="dk1"/>
+            </a:fillRef>
+            <a:effectRef idx="0">
+              <a:schemeClr val="dk1"/>
+            </a:effectRef>
+            <a:fontRef idx="minor">
+              <a:schemeClr val="lt1"/>
+            </a:fontRef>
+          </p:style>
+          <p:txBody>
+            <a:bodyPr rtlCol="0" anchor="ctr"/>
+            <a:lstStyle/>
+            <a:p>
+              <a:pPr algn="ctr">
                 <a:defRPr/>
               </a:pPr>
               <a:r>
-                <a:rPr lang="en-US" sz="900" dirty="0">
+                <a:rPr lang="en-US" sz="1000" dirty="0" err="1">
+                  <a:solidFill>
+                    <a:srgbClr val="FFFFFF"/>
+                  </a:solidFill>
+                  <a:latin typeface="Source Sans Pro Light" charset="0"/>
+                  <a:ea typeface="Source Sans Pro Light" charset="0"/>
+                  <a:cs typeface="Source Sans Pro Light" charset="0"/>
+                </a:rPr>
+                <a:t>MicroEJ</a:t>
+              </a:r>
+              <a:r>
+                <a:rPr lang="en-US" sz="1000" dirty="0">
+                  <a:solidFill>
+                    <a:srgbClr val="FFFFFF"/>
+                  </a:solidFill>
+                  <a:latin typeface="Source Sans Pro Light" charset="0"/>
+                  <a:ea typeface="Source Sans Pro Light" charset="0"/>
+                  <a:cs typeface="Source Sans Pro Light" charset="0"/>
+                </a:rPr>
+                <a:t> Platform</a:t>
+              </a:r>
+            </a:p>
+          </p:txBody>
+        </p:sp>
+        <p:grpSp>
+          <p:nvGrpSpPr>
+            <p:cNvPr id="110" name="Group 109"/>
+            <p:cNvGrpSpPr/>
+            <p:nvPr/>
+          </p:nvGrpSpPr>
+          <p:grpSpPr>
+            <a:xfrm>
+              <a:off x="8711541" y="1192755"/>
+              <a:ext cx="355428" cy="303315"/>
+              <a:chOff x="8422630" y="1909144"/>
+              <a:chExt cx="355428" cy="303315"/>
+            </a:xfrm>
+          </p:grpSpPr>
+          <p:sp>
+            <p:nvSpPr>
+              <p:cNvPr id="111" name="Bande diagonale 191">
+                <a:extLst>
+                  <a:ext uri="{FF2B5EF4-FFF2-40B4-BE49-F238E27FC236}">
+                    <a16:creationId xmlns:a16="http://schemas.microsoft.com/office/drawing/2014/main" id="{DAA7A729-6342-4FAC-9943-95D96FF2DD80}"/>
+                  </a:ext>
+                </a:extLst>
+              </p:cNvPr>
+              <p:cNvSpPr/>
+              <p:nvPr/>
+            </p:nvSpPr>
+            <p:spPr>
+              <a:xfrm>
+                <a:off x="8498230" y="1932631"/>
+                <a:ext cx="279828" cy="279828"/>
+              </a:xfrm>
+              <a:prstGeom prst="diagStripe">
+                <a:avLst>
+                  <a:gd name="adj" fmla="val 41991"/>
+                </a:avLst>
+              </a:prstGeom>
+              <a:solidFill>
+                <a:schemeClr val="accent6">
+                  <a:lumMod val="75000"/>
+                </a:schemeClr>
+              </a:solidFill>
+              <a:ln>
+                <a:noFill/>
+              </a:ln>
+            </p:spPr>
+            <p:style>
+              <a:lnRef idx="2">
+                <a:schemeClr val="accent1">
+                  <a:shade val="50000"/>
+                </a:schemeClr>
+              </a:lnRef>
+              <a:fillRef idx="1">
+                <a:schemeClr val="accent1"/>
+              </a:fillRef>
+              <a:effectRef idx="0">
+                <a:schemeClr val="accent1"/>
+              </a:effectRef>
+              <a:fontRef idx="minor">
+                <a:schemeClr val="lt1"/>
+              </a:fontRef>
+            </p:style>
+            <p:txBody>
+              <a:bodyPr rtlCol="0" anchor="ctr"/>
+              <a:lstStyle/>
+              <a:p>
+                <a:pPr algn="ctr">
+                  <a:defRPr/>
+                </a:pPr>
+                <a:endParaRPr lang="en-US" dirty="0">
+                  <a:solidFill>
+                    <a:srgbClr val="FFFFFF"/>
+                  </a:solidFill>
+                </a:endParaRPr>
+              </a:p>
+            </p:txBody>
+          </p:sp>
+          <p:sp>
+            <p:nvSpPr>
+              <p:cNvPr id="112" name="ZoneTexte 180">
+                <a:extLst>
+                  <a:ext uri="{FF2B5EF4-FFF2-40B4-BE49-F238E27FC236}">
+                    <a16:creationId xmlns:a16="http://schemas.microsoft.com/office/drawing/2014/main" id="{5BB884F8-E56F-40DE-BF31-76BF3D0D1275}"/>
+                  </a:ext>
+                </a:extLst>
+              </p:cNvPr>
+              <p:cNvSpPr txBox="1"/>
+              <p:nvPr/>
+            </p:nvSpPr>
+            <p:spPr>
+              <a:xfrm rot="18945775">
+                <a:off x="8422630" y="1909144"/>
+                <a:ext cx="317716" cy="230832"/>
+              </a:xfrm>
+              <a:prstGeom prst="rect">
+                <a:avLst/>
+              </a:prstGeom>
+              <a:noFill/>
+            </p:spPr>
+            <p:txBody>
+              <a:bodyPr wrap="none" rtlCol="0">
+                <a:spAutoFit/>
+              </a:bodyPr>
+              <a:lstStyle/>
+              <a:p>
+                <a:pPr>
+                  <a:defRPr/>
+                </a:pPr>
+                <a:r>
+                  <a:rPr lang="en-US" sz="900" dirty="0" err="1">
+                    <a:solidFill>
+                      <a:schemeClr val="bg1"/>
+                    </a:solidFill>
+                    <a:latin typeface="Source Sans Pro Light" charset="0"/>
+                    <a:ea typeface="Source Sans Pro Light" charset="0"/>
+                    <a:cs typeface="Source Sans Pro Light" charset="0"/>
+                  </a:rPr>
+                  <a:t>src</a:t>
+                </a:r>
+                <a:endParaRPr lang="en-US" sz="900" dirty="0">
                   <a:solidFill>
                     <a:schemeClr val="bg1"/>
                   </a:solidFill>
                   <a:latin typeface="Source Sans Pro Light" charset="0"/>
                   <a:ea typeface="Source Sans Pro Light" charset="0"/>
                   <a:cs typeface="Source Sans Pro Light" charset="0"/>
-                </a:rPr>
-                <a:t>bin</a:t>
-              </a:r>
-            </a:p>
-          </p:txBody>
-        </p:sp>
+                </a:endParaRPr>
+              </a:p>
+            </p:txBody>
+          </p:sp>
+        </p:grpSp>
+        <p:grpSp>
+          <p:nvGrpSpPr>
+            <p:cNvPr id="113" name="Group 112"/>
+            <p:cNvGrpSpPr/>
+            <p:nvPr/>
+          </p:nvGrpSpPr>
+          <p:grpSpPr>
+            <a:xfrm>
+              <a:off x="4009146" y="1197422"/>
+              <a:ext cx="338002" cy="303407"/>
+              <a:chOff x="1830135" y="1909144"/>
+              <a:chExt cx="338002" cy="303407"/>
+            </a:xfrm>
+          </p:grpSpPr>
+          <p:sp>
+            <p:nvSpPr>
+              <p:cNvPr id="114" name="Bande diagonale 37"/>
+              <p:cNvSpPr/>
+              <p:nvPr/>
+            </p:nvSpPr>
+            <p:spPr>
+              <a:xfrm>
+                <a:off x="1888309" y="1932723"/>
+                <a:ext cx="279828" cy="279828"/>
+              </a:xfrm>
+              <a:prstGeom prst="diagStripe">
+                <a:avLst>
+                  <a:gd name="adj" fmla="val 41991"/>
+                </a:avLst>
+              </a:prstGeom>
+              <a:solidFill>
+                <a:schemeClr val="accent1">
+                  <a:lumMod val="75000"/>
+                </a:schemeClr>
+              </a:solidFill>
+              <a:ln>
+                <a:noFill/>
+              </a:ln>
+            </p:spPr>
+            <p:style>
+              <a:lnRef idx="2">
+                <a:schemeClr val="accent1">
+                  <a:shade val="50000"/>
+                </a:schemeClr>
+              </a:lnRef>
+              <a:fillRef idx="1">
+                <a:schemeClr val="accent1"/>
+              </a:fillRef>
+              <a:effectRef idx="0">
+                <a:schemeClr val="accent1"/>
+              </a:effectRef>
+              <a:fontRef idx="minor">
+                <a:schemeClr val="lt1"/>
+              </a:fontRef>
+            </p:style>
+            <p:txBody>
+              <a:bodyPr rtlCol="0" anchor="ctr"/>
+              <a:lstStyle/>
+              <a:p>
+                <a:pPr algn="ctr">
+                  <a:defRPr/>
+                </a:pPr>
+                <a:endParaRPr lang="en-US" dirty="0">
+                  <a:solidFill>
+                    <a:srgbClr val="FFFFFF"/>
+                  </a:solidFill>
+                  <a:latin typeface="Source Sans Pro Light" charset="0"/>
+                  <a:ea typeface="Source Sans Pro Light" charset="0"/>
+                  <a:cs typeface="Source Sans Pro Light" charset="0"/>
+                </a:endParaRPr>
+              </a:p>
+            </p:txBody>
+          </p:sp>
+          <p:sp>
+            <p:nvSpPr>
+              <p:cNvPr id="115" name="ZoneTexte 178"/>
+              <p:cNvSpPr txBox="1"/>
+              <p:nvPr/>
+            </p:nvSpPr>
+            <p:spPr>
+              <a:xfrm rot="18945775">
+                <a:off x="1830135" y="1909144"/>
+                <a:ext cx="333746" cy="230832"/>
+              </a:xfrm>
+              <a:prstGeom prst="rect">
+                <a:avLst/>
+              </a:prstGeom>
+              <a:noFill/>
+            </p:spPr>
+            <p:txBody>
+              <a:bodyPr wrap="none" rtlCol="0">
+                <a:spAutoFit/>
+              </a:bodyPr>
+              <a:lstStyle/>
+              <a:p>
+                <a:pPr>
+                  <a:defRPr/>
+                </a:pPr>
+                <a:r>
+                  <a:rPr lang="en-US" sz="900" dirty="0">
+                    <a:solidFill>
+                      <a:srgbClr val="FFFFFF"/>
+                    </a:solidFill>
+                    <a:latin typeface="Source Sans Pro Light" charset="0"/>
+                    <a:ea typeface="Source Sans Pro Light" charset="0"/>
+                    <a:cs typeface="Source Sans Pro Light" charset="0"/>
+                  </a:rPr>
+                  <a:t>bin</a:t>
+                </a:r>
+                <a:endParaRPr lang="en-US" sz="1000" dirty="0">
+                  <a:solidFill>
+                    <a:srgbClr val="FFFFFF"/>
+                  </a:solidFill>
+                  <a:latin typeface="Source Sans Pro Light" charset="0"/>
+                  <a:ea typeface="Source Sans Pro Light" charset="0"/>
+                  <a:cs typeface="Source Sans Pro Light" charset="0"/>
+                </a:endParaRPr>
+              </a:p>
+            </p:txBody>
+          </p:sp>
+        </p:grpSp>
+        <p:grpSp>
+          <p:nvGrpSpPr>
+            <p:cNvPr id="116" name="Group 115"/>
+            <p:cNvGrpSpPr/>
+            <p:nvPr/>
+          </p:nvGrpSpPr>
+          <p:grpSpPr>
+            <a:xfrm>
+              <a:off x="5467185" y="1190711"/>
+              <a:ext cx="352207" cy="308440"/>
+              <a:chOff x="4014325" y="1909144"/>
+              <a:chExt cx="352207" cy="308440"/>
+            </a:xfrm>
+          </p:grpSpPr>
+          <p:sp>
+            <p:nvSpPr>
+              <p:cNvPr id="117" name="Bande diagonale 192"/>
+              <p:cNvSpPr/>
+              <p:nvPr/>
+            </p:nvSpPr>
+            <p:spPr>
+              <a:xfrm>
+                <a:off x="4086704" y="1937756"/>
+                <a:ext cx="279828" cy="279828"/>
+              </a:xfrm>
+              <a:prstGeom prst="diagStripe">
+                <a:avLst>
+                  <a:gd name="adj" fmla="val 41991"/>
+                </a:avLst>
+              </a:prstGeom>
+              <a:solidFill>
+                <a:schemeClr val="accent5">
+                  <a:lumMod val="75000"/>
+                </a:schemeClr>
+              </a:solidFill>
+              <a:ln>
+                <a:noFill/>
+              </a:ln>
+            </p:spPr>
+            <p:style>
+              <a:lnRef idx="2">
+                <a:schemeClr val="accent1">
+                  <a:shade val="50000"/>
+                </a:schemeClr>
+              </a:lnRef>
+              <a:fillRef idx="1">
+                <a:schemeClr val="accent1"/>
+              </a:fillRef>
+              <a:effectRef idx="0">
+                <a:schemeClr val="accent1"/>
+              </a:effectRef>
+              <a:fontRef idx="minor">
+                <a:schemeClr val="lt1"/>
+              </a:fontRef>
+            </p:style>
+            <p:txBody>
+              <a:bodyPr rtlCol="0" anchor="ctr"/>
+              <a:lstStyle/>
+              <a:p>
+                <a:pPr algn="ctr">
+                  <a:defRPr/>
+                </a:pPr>
+                <a:endParaRPr lang="en-US" dirty="0">
+                  <a:solidFill>
+                    <a:srgbClr val="FFFFFF"/>
+                  </a:solidFill>
+                  <a:latin typeface="Source Sans Pro Light" charset="0"/>
+                  <a:ea typeface="Source Sans Pro Light" charset="0"/>
+                  <a:cs typeface="Source Sans Pro Light" charset="0"/>
+                </a:endParaRPr>
+              </a:p>
+            </p:txBody>
+          </p:sp>
+          <p:sp>
+            <p:nvSpPr>
+              <p:cNvPr id="118" name="ZoneTexte 182"/>
+              <p:cNvSpPr txBox="1"/>
+              <p:nvPr/>
+            </p:nvSpPr>
+            <p:spPr>
+              <a:xfrm rot="18945775">
+                <a:off x="4014325" y="1909144"/>
+                <a:ext cx="317716" cy="230832"/>
+              </a:xfrm>
+              <a:prstGeom prst="rect">
+                <a:avLst/>
+              </a:prstGeom>
+              <a:noFill/>
+            </p:spPr>
+            <p:txBody>
+              <a:bodyPr wrap="none" rtlCol="0">
+                <a:spAutoFit/>
+              </a:bodyPr>
+              <a:lstStyle/>
+              <a:p>
+                <a:pPr>
+                  <a:defRPr/>
+                </a:pPr>
+                <a:r>
+                  <a:rPr lang="en-US" sz="900" dirty="0" err="1">
+                    <a:solidFill>
+                      <a:srgbClr val="FFFFFF"/>
+                    </a:solidFill>
+                    <a:latin typeface="Source Sans Pro Light" charset="0"/>
+                    <a:ea typeface="Source Sans Pro Light" charset="0"/>
+                    <a:cs typeface="Source Sans Pro Light" charset="0"/>
+                  </a:rPr>
+                  <a:t>src</a:t>
+                </a:r>
+                <a:endParaRPr lang="en-US" sz="900" dirty="0">
+                  <a:solidFill>
+                    <a:srgbClr val="FFFFFF"/>
+                  </a:solidFill>
+                  <a:latin typeface="Source Sans Pro Light" charset="0"/>
+                  <a:ea typeface="Source Sans Pro Light" charset="0"/>
+                  <a:cs typeface="Source Sans Pro Light" charset="0"/>
+                </a:endParaRPr>
+              </a:p>
+            </p:txBody>
+          </p:sp>
+        </p:grpSp>
+        <p:grpSp>
+          <p:nvGrpSpPr>
+            <p:cNvPr id="119" name="Group 118"/>
+            <p:cNvGrpSpPr/>
+            <p:nvPr/>
+          </p:nvGrpSpPr>
+          <p:grpSpPr>
+            <a:xfrm>
+              <a:off x="6965228" y="1201929"/>
+              <a:ext cx="347595" cy="297222"/>
+              <a:chOff x="6905452" y="1423994"/>
+              <a:chExt cx="347595" cy="297222"/>
+            </a:xfrm>
+          </p:grpSpPr>
+          <p:sp>
+            <p:nvSpPr>
+              <p:cNvPr id="120" name="Bande diagonale 192"/>
+              <p:cNvSpPr/>
+              <p:nvPr/>
+            </p:nvSpPr>
+            <p:spPr>
+              <a:xfrm>
+                <a:off x="6973219" y="1441388"/>
+                <a:ext cx="279828" cy="279828"/>
+              </a:xfrm>
+              <a:prstGeom prst="diagStripe">
+                <a:avLst>
+                  <a:gd name="adj" fmla="val 41991"/>
+                </a:avLst>
+              </a:prstGeom>
+              <a:solidFill>
+                <a:schemeClr val="accent5">
+                  <a:lumMod val="75000"/>
+                </a:schemeClr>
+              </a:solidFill>
+              <a:ln>
+                <a:noFill/>
+              </a:ln>
+            </p:spPr>
+            <p:style>
+              <a:lnRef idx="2">
+                <a:schemeClr val="accent1">
+                  <a:shade val="50000"/>
+                </a:schemeClr>
+              </a:lnRef>
+              <a:fillRef idx="1">
+                <a:schemeClr val="accent1"/>
+              </a:fillRef>
+              <a:effectRef idx="0">
+                <a:schemeClr val="accent1"/>
+              </a:effectRef>
+              <a:fontRef idx="minor">
+                <a:schemeClr val="lt1"/>
+              </a:fontRef>
+            </p:style>
+            <p:txBody>
+              <a:bodyPr rtlCol="0" anchor="ctr"/>
+              <a:lstStyle/>
+              <a:p>
+                <a:pPr algn="ctr">
+                  <a:defRPr/>
+                </a:pPr>
+                <a:endParaRPr lang="en-US" dirty="0">
+                  <a:solidFill>
+                    <a:srgbClr val="FFFFFF"/>
+                  </a:solidFill>
+                  <a:latin typeface="Source Sans Pro Light" charset="0"/>
+                  <a:ea typeface="Source Sans Pro Light" charset="0"/>
+                  <a:cs typeface="Source Sans Pro Light" charset="0"/>
+                </a:endParaRPr>
+              </a:p>
+            </p:txBody>
+          </p:sp>
+          <p:sp>
+            <p:nvSpPr>
+              <p:cNvPr id="121" name="ZoneTexte 182"/>
+              <p:cNvSpPr txBox="1"/>
+              <p:nvPr/>
+            </p:nvSpPr>
+            <p:spPr>
+              <a:xfrm rot="18945775">
+                <a:off x="6905452" y="1423994"/>
+                <a:ext cx="333746" cy="230832"/>
+              </a:xfrm>
+              <a:prstGeom prst="rect">
+                <a:avLst/>
+              </a:prstGeom>
+              <a:noFill/>
+            </p:spPr>
+            <p:txBody>
+              <a:bodyPr wrap="none" rtlCol="0">
+                <a:spAutoFit/>
+              </a:bodyPr>
+              <a:lstStyle/>
+              <a:p>
+                <a:pPr>
+                  <a:defRPr/>
+                </a:pPr>
+                <a:r>
+                  <a:rPr lang="en-US" sz="900" dirty="0">
+                    <a:solidFill>
+                      <a:srgbClr val="FFFFFF"/>
+                    </a:solidFill>
+                    <a:latin typeface="Source Sans Pro Light" charset="0"/>
+                    <a:ea typeface="Source Sans Pro Light" charset="0"/>
+                    <a:cs typeface="Source Sans Pro Light" charset="0"/>
+                  </a:rPr>
+                  <a:t>bin</a:t>
+                </a:r>
+              </a:p>
+            </p:txBody>
+          </p:sp>
+        </p:grpSp>
+        <p:grpSp>
+          <p:nvGrpSpPr>
+            <p:cNvPr id="122" name="Group 121"/>
+            <p:cNvGrpSpPr/>
+            <p:nvPr/>
+          </p:nvGrpSpPr>
+          <p:grpSpPr>
+            <a:xfrm>
+              <a:off x="10207325" y="1203607"/>
+              <a:ext cx="350145" cy="295638"/>
+              <a:chOff x="8455530" y="1425672"/>
+              <a:chExt cx="350145" cy="295638"/>
+            </a:xfrm>
+          </p:grpSpPr>
+          <p:sp>
+            <p:nvSpPr>
+              <p:cNvPr id="123" name="Bande diagonale 191">
+                <a:extLst>
+                  <a:ext uri="{FF2B5EF4-FFF2-40B4-BE49-F238E27FC236}">
+                    <a16:creationId xmlns:a16="http://schemas.microsoft.com/office/drawing/2014/main" id="{DAA7A729-6342-4FAC-9943-95D96FF2DD80}"/>
+                  </a:ext>
+                </a:extLst>
+              </p:cNvPr>
+              <p:cNvSpPr/>
+              <p:nvPr/>
+            </p:nvSpPr>
+            <p:spPr>
+              <a:xfrm>
+                <a:off x="8525847" y="1441482"/>
+                <a:ext cx="279828" cy="279828"/>
+              </a:xfrm>
+              <a:prstGeom prst="diagStripe">
+                <a:avLst>
+                  <a:gd name="adj" fmla="val 41991"/>
+                </a:avLst>
+              </a:prstGeom>
+              <a:solidFill>
+                <a:schemeClr val="accent6">
+                  <a:lumMod val="75000"/>
+                </a:schemeClr>
+              </a:solidFill>
+              <a:ln>
+                <a:noFill/>
+              </a:ln>
+            </p:spPr>
+            <p:style>
+              <a:lnRef idx="2">
+                <a:schemeClr val="accent1">
+                  <a:shade val="50000"/>
+                </a:schemeClr>
+              </a:lnRef>
+              <a:fillRef idx="1">
+                <a:schemeClr val="accent1"/>
+              </a:fillRef>
+              <a:effectRef idx="0">
+                <a:schemeClr val="accent1"/>
+              </a:effectRef>
+              <a:fontRef idx="minor">
+                <a:schemeClr val="lt1"/>
+              </a:fontRef>
+            </p:style>
+            <p:txBody>
+              <a:bodyPr rtlCol="0" anchor="ctr"/>
+              <a:lstStyle/>
+              <a:p>
+                <a:pPr algn="ctr">
+                  <a:defRPr/>
+                </a:pPr>
+                <a:endParaRPr lang="en-US" dirty="0">
+                  <a:solidFill>
+                    <a:srgbClr val="FFFFFF"/>
+                  </a:solidFill>
+                </a:endParaRPr>
+              </a:p>
+            </p:txBody>
+          </p:sp>
+          <p:sp>
+            <p:nvSpPr>
+              <p:cNvPr id="124" name="ZoneTexte 180">
+                <a:extLst>
+                  <a:ext uri="{FF2B5EF4-FFF2-40B4-BE49-F238E27FC236}">
+                    <a16:creationId xmlns:a16="http://schemas.microsoft.com/office/drawing/2014/main" id="{5BB884F8-E56F-40DE-BF31-76BF3D0D1275}"/>
+                  </a:ext>
+                </a:extLst>
+              </p:cNvPr>
+              <p:cNvSpPr txBox="1"/>
+              <p:nvPr/>
+            </p:nvSpPr>
+            <p:spPr>
+              <a:xfrm rot="18945775">
+                <a:off x="8455530" y="1425672"/>
+                <a:ext cx="333746" cy="230832"/>
+              </a:xfrm>
+              <a:prstGeom prst="rect">
+                <a:avLst/>
+              </a:prstGeom>
+              <a:noFill/>
+            </p:spPr>
+            <p:txBody>
+              <a:bodyPr wrap="none" rtlCol="0">
+                <a:spAutoFit/>
+              </a:bodyPr>
+              <a:lstStyle/>
+              <a:p>
+                <a:pPr>
+                  <a:defRPr/>
+                </a:pPr>
+                <a:r>
+                  <a:rPr lang="en-US" sz="900" dirty="0">
+                    <a:solidFill>
+                      <a:schemeClr val="bg1"/>
+                    </a:solidFill>
+                    <a:latin typeface="Source Sans Pro Light" charset="0"/>
+                    <a:ea typeface="Source Sans Pro Light" charset="0"/>
+                    <a:cs typeface="Source Sans Pro Light" charset="0"/>
+                  </a:rPr>
+                  <a:t>bin</a:t>
+                </a:r>
+              </a:p>
+            </p:txBody>
+          </p:sp>
+        </p:grpSp>
       </p:grpSp>
       <p:sp>
         <p:nvSpPr>
@@ -35635,7 +35656,7 @@
         </p:nvSpPr>
         <p:spPr>
           <a:xfrm>
-            <a:off x="550863" y="644525"/>
+            <a:off x="582307" y="645459"/>
             <a:ext cx="10129837" cy="465786"/>
           </a:xfrm>
         </p:spPr>
